--- a/_docs/GitOps.pptx
+++ b/_docs/GitOps.pptx
@@ -5,11 +5,12 @@
     <p:sldMasterId id="2147483648" r:id="rId1"/>
   </p:sldMasterIdLst>
   <p:notesMasterIdLst>
-    <p:notesMasterId r:id="rId4"/>
+    <p:notesMasterId r:id="rId5"/>
   </p:notesMasterIdLst>
   <p:sldIdLst>
     <p:sldId id="256" r:id="rId2"/>
     <p:sldId id="257" r:id="rId3"/>
+    <p:sldId id="258" r:id="rId4"/>
   </p:sldIdLst>
   <p:sldSz cx="12192000" cy="6858000"/>
   <p:notesSz cx="6858000" cy="9144000"/>
@@ -119,405 +120,9 @@
 <file path=ppt/revisionInfo.xml><?xml version="1.0" encoding="utf-8"?>
 <p1510:revInfo xmlns:a="http://schemas.openxmlformats.org/drawingml/2006/main" xmlns:r="http://schemas.openxmlformats.org/officeDocument/2006/relationships" xmlns:p1510="http://schemas.microsoft.com/office/powerpoint/2015/10/main">
   <p1510:revLst>
-    <p1510:client id="{B218BA9F-C470-0E41-8295-3C132905EFC2}" v="19" dt="2018-05-28T06:01:55.585"/>
+    <p1510:client id="{B218BA9F-C470-0E41-8295-3C132905EFC2}" v="38" dt="2018-05-28T06:20:55.976"/>
   </p1510:revLst>
 </p1510:revInfo>
-</file>
-
-<file path=ppt/changesInfos/changesInfo1.xml><?xml version="1.0" encoding="utf-8"?>
-<pc:chgInfo xmlns:a="http://schemas.openxmlformats.org/drawingml/2006/main" xmlns:r="http://schemas.openxmlformats.org/officeDocument/2006/relationships" xmlns:ac="http://schemas.microsoft.com/office/drawing/2013/main/command" xmlns:pc="http://schemas.microsoft.com/office/powerpoint/2013/main/command">
-  <pc:docChgLst>
-    <pc:chgData name="Ahmed Sabbour" userId="c4279823-a7c7-477e-982e-f4145bb0a83d" providerId="ADAL" clId="{B218BA9F-C470-0E41-8295-3C132905EFC2}"/>
-    <pc:docChg chg="modSld">
-      <pc:chgData name="Ahmed Sabbour" userId="c4279823-a7c7-477e-982e-f4145bb0a83d" providerId="ADAL" clId="{B218BA9F-C470-0E41-8295-3C132905EFC2}" dt="2018-05-28T06:01:55.584" v="18"/>
-      <pc:docMkLst>
-        <pc:docMk/>
-      </pc:docMkLst>
-      <pc:sldChg chg="addSp modSp modTransition modAnim">
-        <pc:chgData name="Ahmed Sabbour" userId="c4279823-a7c7-477e-982e-f4145bb0a83d" providerId="ADAL" clId="{B218BA9F-C470-0E41-8295-3C132905EFC2}" dt="2018-05-28T06:01:55.584" v="18"/>
-        <pc:sldMkLst>
-          <pc:docMk/>
-          <pc:sldMk cId="888871590" sldId="256"/>
-        </pc:sldMkLst>
-        <pc:spChg chg="mod">
-          <ac:chgData name="Ahmed Sabbour" userId="c4279823-a7c7-477e-982e-f4145bb0a83d" providerId="ADAL" clId="{B218BA9F-C470-0E41-8295-3C132905EFC2}" dt="2018-05-28T05:58:32.128" v="0" actId="164"/>
-          <ac:spMkLst>
-            <pc:docMk/>
-            <pc:sldMk cId="888871590" sldId="256"/>
-            <ac:spMk id="86" creationId="{21FDD124-B6DD-1946-BB5F-698AE5880521}"/>
-          </ac:spMkLst>
-        </pc:spChg>
-        <pc:spChg chg="mod">
-          <ac:chgData name="Ahmed Sabbour" userId="c4279823-a7c7-477e-982e-f4145bb0a83d" providerId="ADAL" clId="{B218BA9F-C470-0E41-8295-3C132905EFC2}" dt="2018-05-28T05:58:32.128" v="0" actId="164"/>
-          <ac:spMkLst>
-            <pc:docMk/>
-            <pc:sldMk cId="888871590" sldId="256"/>
-            <ac:spMk id="101" creationId="{FE4AF2B5-5883-C742-BD6C-76ED0C67D701}"/>
-          </ac:spMkLst>
-        </pc:spChg>
-        <pc:spChg chg="mod">
-          <ac:chgData name="Ahmed Sabbour" userId="c4279823-a7c7-477e-982e-f4145bb0a83d" providerId="ADAL" clId="{B218BA9F-C470-0E41-8295-3C132905EFC2}" dt="2018-05-28T05:58:32.128" v="0" actId="164"/>
-          <ac:spMkLst>
-            <pc:docMk/>
-            <pc:sldMk cId="888871590" sldId="256"/>
-            <ac:spMk id="103" creationId="{3A5A5767-7513-D04F-BBC0-2B0D6B085C8A}"/>
-          </ac:spMkLst>
-        </pc:spChg>
-        <pc:spChg chg="mod">
-          <ac:chgData name="Ahmed Sabbour" userId="c4279823-a7c7-477e-982e-f4145bb0a83d" providerId="ADAL" clId="{B218BA9F-C470-0E41-8295-3C132905EFC2}" dt="2018-05-28T05:58:32.128" v="0" actId="164"/>
-          <ac:spMkLst>
-            <pc:docMk/>
-            <pc:sldMk cId="888871590" sldId="256"/>
-            <ac:spMk id="106" creationId="{D533D521-12B1-324F-BCD4-6F5EB7A04ACD}"/>
-          </ac:spMkLst>
-        </pc:spChg>
-        <pc:spChg chg="mod">
-          <ac:chgData name="Ahmed Sabbour" userId="c4279823-a7c7-477e-982e-f4145bb0a83d" providerId="ADAL" clId="{B218BA9F-C470-0E41-8295-3C132905EFC2}" dt="2018-05-28T05:58:32.128" v="0" actId="164"/>
-          <ac:spMkLst>
-            <pc:docMk/>
-            <pc:sldMk cId="888871590" sldId="256"/>
-            <ac:spMk id="114" creationId="{C7ED4E72-6C7B-0047-8188-0AE4A1F0458E}"/>
-          </ac:spMkLst>
-        </pc:spChg>
-        <pc:spChg chg="mod">
-          <ac:chgData name="Ahmed Sabbour" userId="c4279823-a7c7-477e-982e-f4145bb0a83d" providerId="ADAL" clId="{B218BA9F-C470-0E41-8295-3C132905EFC2}" dt="2018-05-28T05:58:32.128" v="0" actId="164"/>
-          <ac:spMkLst>
-            <pc:docMk/>
-            <pc:sldMk cId="888871590" sldId="256"/>
-            <ac:spMk id="115" creationId="{CE64EE95-E556-5C43-A637-6871C5DA6674}"/>
-          </ac:spMkLst>
-        </pc:spChg>
-        <pc:spChg chg="mod">
-          <ac:chgData name="Ahmed Sabbour" userId="c4279823-a7c7-477e-982e-f4145bb0a83d" providerId="ADAL" clId="{B218BA9F-C470-0E41-8295-3C132905EFC2}" dt="2018-05-28T05:58:32.128" v="0" actId="164"/>
-          <ac:spMkLst>
-            <pc:docMk/>
-            <pc:sldMk cId="888871590" sldId="256"/>
-            <ac:spMk id="125" creationId="{FF2351CA-6ECE-3746-923B-2DC5B6FB46F1}"/>
-          </ac:spMkLst>
-        </pc:spChg>
-        <pc:spChg chg="mod">
-          <ac:chgData name="Ahmed Sabbour" userId="c4279823-a7c7-477e-982e-f4145bb0a83d" providerId="ADAL" clId="{B218BA9F-C470-0E41-8295-3C132905EFC2}" dt="2018-05-28T05:58:32.128" v="0" actId="164"/>
-          <ac:spMkLst>
-            <pc:docMk/>
-            <pc:sldMk cId="888871590" sldId="256"/>
-            <ac:spMk id="143" creationId="{57617C84-FE7A-CE45-98D7-9F20298D86A2}"/>
-          </ac:spMkLst>
-        </pc:spChg>
-        <pc:spChg chg="mod">
-          <ac:chgData name="Ahmed Sabbour" userId="c4279823-a7c7-477e-982e-f4145bb0a83d" providerId="ADAL" clId="{B218BA9F-C470-0E41-8295-3C132905EFC2}" dt="2018-05-28T05:58:32.128" v="0" actId="164"/>
-          <ac:spMkLst>
-            <pc:docMk/>
-            <pc:sldMk cId="888871590" sldId="256"/>
-            <ac:spMk id="144" creationId="{AEB9B577-3440-AB41-B02F-8DEC72840374}"/>
-          </ac:spMkLst>
-        </pc:spChg>
-        <pc:spChg chg="mod">
-          <ac:chgData name="Ahmed Sabbour" userId="c4279823-a7c7-477e-982e-f4145bb0a83d" providerId="ADAL" clId="{B218BA9F-C470-0E41-8295-3C132905EFC2}" dt="2018-05-28T05:58:32.128" v="0" actId="164"/>
-          <ac:spMkLst>
-            <pc:docMk/>
-            <pc:sldMk cId="888871590" sldId="256"/>
-            <ac:spMk id="186" creationId="{62361029-7C8A-B24E-8936-59A0BBB1DA68}"/>
-          </ac:spMkLst>
-        </pc:spChg>
-        <pc:grpChg chg="add mod">
-          <ac:chgData name="Ahmed Sabbour" userId="c4279823-a7c7-477e-982e-f4145bb0a83d" providerId="ADAL" clId="{B218BA9F-C470-0E41-8295-3C132905EFC2}" dt="2018-05-28T05:58:32.128" v="0" actId="164"/>
-          <ac:grpSpMkLst>
-            <pc:docMk/>
-            <pc:sldMk cId="888871590" sldId="256"/>
-            <ac:grpSpMk id="2" creationId="{AE9369D1-61EA-4C4C-B4F4-725CAFFEDA4C}"/>
-          </ac:grpSpMkLst>
-        </pc:grpChg>
-        <pc:grpChg chg="mod">
-          <ac:chgData name="Ahmed Sabbour" userId="c4279823-a7c7-477e-982e-f4145bb0a83d" providerId="ADAL" clId="{B218BA9F-C470-0E41-8295-3C132905EFC2}" dt="2018-05-28T05:58:32.128" v="0" actId="164"/>
-          <ac:grpSpMkLst>
-            <pc:docMk/>
-            <pc:sldMk cId="888871590" sldId="256"/>
-            <ac:grpSpMk id="63" creationId="{18B3D797-78FF-C745-AD42-2149EB06BBE2}"/>
-          </ac:grpSpMkLst>
-        </pc:grpChg>
-        <pc:grpChg chg="mod">
-          <ac:chgData name="Ahmed Sabbour" userId="c4279823-a7c7-477e-982e-f4145bb0a83d" providerId="ADAL" clId="{B218BA9F-C470-0E41-8295-3C132905EFC2}" dt="2018-05-28T05:58:32.128" v="0" actId="164"/>
-          <ac:grpSpMkLst>
-            <pc:docMk/>
-            <pc:sldMk cId="888871590" sldId="256"/>
-            <ac:grpSpMk id="80" creationId="{0F41A084-3BB1-8144-832E-E04915F018D3}"/>
-          </ac:grpSpMkLst>
-        </pc:grpChg>
-        <pc:grpChg chg="mod">
-          <ac:chgData name="Ahmed Sabbour" userId="c4279823-a7c7-477e-982e-f4145bb0a83d" providerId="ADAL" clId="{B218BA9F-C470-0E41-8295-3C132905EFC2}" dt="2018-05-28T05:58:32.128" v="0" actId="164"/>
-          <ac:grpSpMkLst>
-            <pc:docMk/>
-            <pc:sldMk cId="888871590" sldId="256"/>
-            <ac:grpSpMk id="108" creationId="{00494E7D-38C4-E542-95AE-8C334C71B9EF}"/>
-          </ac:grpSpMkLst>
-        </pc:grpChg>
-        <pc:grpChg chg="mod">
-          <ac:chgData name="Ahmed Sabbour" userId="c4279823-a7c7-477e-982e-f4145bb0a83d" providerId="ADAL" clId="{B218BA9F-C470-0E41-8295-3C132905EFC2}" dt="2018-05-28T05:58:32.128" v="0" actId="164"/>
-          <ac:grpSpMkLst>
-            <pc:docMk/>
-            <pc:sldMk cId="888871590" sldId="256"/>
-            <ac:grpSpMk id="111" creationId="{1C7E93E7-F064-024A-98A1-48C0834476D8}"/>
-          </ac:grpSpMkLst>
-        </pc:grpChg>
-        <pc:grpChg chg="mod">
-          <ac:chgData name="Ahmed Sabbour" userId="c4279823-a7c7-477e-982e-f4145bb0a83d" providerId="ADAL" clId="{B218BA9F-C470-0E41-8295-3C132905EFC2}" dt="2018-05-28T05:58:32.128" v="0" actId="164"/>
-          <ac:grpSpMkLst>
-            <pc:docMk/>
-            <pc:sldMk cId="888871590" sldId="256"/>
-            <ac:grpSpMk id="140" creationId="{E8C3F7A3-7047-3D44-9D68-85FB9C4E9970}"/>
-          </ac:grpSpMkLst>
-        </pc:grpChg>
-        <pc:grpChg chg="mod">
-          <ac:chgData name="Ahmed Sabbour" userId="c4279823-a7c7-477e-982e-f4145bb0a83d" providerId="ADAL" clId="{B218BA9F-C470-0E41-8295-3C132905EFC2}" dt="2018-05-28T05:58:32.128" v="0" actId="164"/>
-          <ac:grpSpMkLst>
-            <pc:docMk/>
-            <pc:sldMk cId="888871590" sldId="256"/>
-            <ac:grpSpMk id="147" creationId="{5A3DC15A-820C-934B-A800-D0A3112E24A4}"/>
-          </ac:grpSpMkLst>
-        </pc:grpChg>
-        <pc:grpChg chg="mod">
-          <ac:chgData name="Ahmed Sabbour" userId="c4279823-a7c7-477e-982e-f4145bb0a83d" providerId="ADAL" clId="{B218BA9F-C470-0E41-8295-3C132905EFC2}" dt="2018-05-28T05:58:32.128" v="0" actId="164"/>
-          <ac:grpSpMkLst>
-            <pc:docMk/>
-            <pc:sldMk cId="888871590" sldId="256"/>
-            <ac:grpSpMk id="224" creationId="{B3C9BAB0-7020-3A4C-83DC-BF08DF98E71C}"/>
-          </ac:grpSpMkLst>
-        </pc:grpChg>
-        <pc:picChg chg="add mod">
-          <ac:chgData name="Ahmed Sabbour" userId="c4279823-a7c7-477e-982e-f4145bb0a83d" providerId="ADAL" clId="{B218BA9F-C470-0E41-8295-3C132905EFC2}" dt="2018-05-28T06:01:55.584" v="18"/>
-          <ac:picMkLst>
-            <pc:docMk/>
-            <pc:sldMk cId="888871590" sldId="256"/>
-            <ac:picMk id="3" creationId="{1F630D3D-1BD8-7A4C-B933-5F9D15A2364D}"/>
-          </ac:picMkLst>
-        </pc:picChg>
-        <pc:picChg chg="mod">
-          <ac:chgData name="Ahmed Sabbour" userId="c4279823-a7c7-477e-982e-f4145bb0a83d" providerId="ADAL" clId="{B218BA9F-C470-0E41-8295-3C132905EFC2}" dt="2018-05-28T05:58:32.128" v="0" actId="164"/>
-          <ac:picMkLst>
-            <pc:docMk/>
-            <pc:sldMk cId="888871590" sldId="256"/>
-            <ac:picMk id="85" creationId="{ACDE3532-5167-2746-B25D-F460CB4DCDE5}"/>
-          </ac:picMkLst>
-        </pc:picChg>
-        <pc:picChg chg="mod">
-          <ac:chgData name="Ahmed Sabbour" userId="c4279823-a7c7-477e-982e-f4145bb0a83d" providerId="ADAL" clId="{B218BA9F-C470-0E41-8295-3C132905EFC2}" dt="2018-05-28T05:58:32.128" v="0" actId="164"/>
-          <ac:picMkLst>
-            <pc:docMk/>
-            <pc:sldMk cId="888871590" sldId="256"/>
-            <ac:picMk id="104" creationId="{5E48E948-89ED-2745-B957-7B82ECF7BD4F}"/>
-          </ac:picMkLst>
-        </pc:picChg>
-        <pc:picChg chg="mod">
-          <ac:chgData name="Ahmed Sabbour" userId="c4279823-a7c7-477e-982e-f4145bb0a83d" providerId="ADAL" clId="{B218BA9F-C470-0E41-8295-3C132905EFC2}" dt="2018-05-28T05:58:32.128" v="0" actId="164"/>
-          <ac:picMkLst>
-            <pc:docMk/>
-            <pc:sldMk cId="888871590" sldId="256"/>
-            <ac:picMk id="105" creationId="{8949835F-F76D-EA41-A9D1-736ECF1F7CBD}"/>
-          </ac:picMkLst>
-        </pc:picChg>
-        <pc:picChg chg="mod">
-          <ac:chgData name="Ahmed Sabbour" userId="c4279823-a7c7-477e-982e-f4145bb0a83d" providerId="ADAL" clId="{B218BA9F-C470-0E41-8295-3C132905EFC2}" dt="2018-05-28T05:58:32.128" v="0" actId="164"/>
-          <ac:picMkLst>
-            <pc:docMk/>
-            <pc:sldMk cId="888871590" sldId="256"/>
-            <ac:picMk id="107" creationId="{49ABBC64-C908-6343-A585-58EF136414FC}"/>
-          </ac:picMkLst>
-        </pc:picChg>
-        <pc:picChg chg="mod">
-          <ac:chgData name="Ahmed Sabbour" userId="c4279823-a7c7-477e-982e-f4145bb0a83d" providerId="ADAL" clId="{B218BA9F-C470-0E41-8295-3C132905EFC2}" dt="2018-05-28T05:58:32.128" v="0" actId="164"/>
-          <ac:picMkLst>
-            <pc:docMk/>
-            <pc:sldMk cId="888871590" sldId="256"/>
-            <ac:picMk id="139" creationId="{0452B068-F31B-304D-BBAB-AEA25DF3F5A1}"/>
-          </ac:picMkLst>
-        </pc:picChg>
-        <pc:cxnChg chg="mod">
-          <ac:chgData name="Ahmed Sabbour" userId="c4279823-a7c7-477e-982e-f4145bb0a83d" providerId="ADAL" clId="{B218BA9F-C470-0E41-8295-3C132905EFC2}" dt="2018-05-28T05:58:32.128" v="0" actId="164"/>
-          <ac:cxnSpMkLst>
-            <pc:docMk/>
-            <pc:sldMk cId="888871590" sldId="256"/>
-            <ac:cxnSpMk id="166" creationId="{1F6D8C88-3D60-9A49-85C4-084F0D6FC60F}"/>
-          </ac:cxnSpMkLst>
-        </pc:cxnChg>
-        <pc:cxnChg chg="mod">
-          <ac:chgData name="Ahmed Sabbour" userId="c4279823-a7c7-477e-982e-f4145bb0a83d" providerId="ADAL" clId="{B218BA9F-C470-0E41-8295-3C132905EFC2}" dt="2018-05-28T05:58:32.128" v="0" actId="164"/>
-          <ac:cxnSpMkLst>
-            <pc:docMk/>
-            <pc:sldMk cId="888871590" sldId="256"/>
-            <ac:cxnSpMk id="185" creationId="{8225FC7B-66F7-9B4A-8E69-35D608A079B1}"/>
-          </ac:cxnSpMkLst>
-        </pc:cxnChg>
-      </pc:sldChg>
-      <pc:sldChg chg="addSp delSp modSp modTransition modAnim">
-        <pc:chgData name="Ahmed Sabbour" userId="c4279823-a7c7-477e-982e-f4145bb0a83d" providerId="ADAL" clId="{B218BA9F-C470-0E41-8295-3C132905EFC2}" dt="2018-05-28T06:01:55.584" v="18"/>
-        <pc:sldMkLst>
-          <pc:docMk/>
-          <pc:sldMk cId="316829636" sldId="257"/>
-        </pc:sldMkLst>
-        <pc:spChg chg="mod">
-          <ac:chgData name="Ahmed Sabbour" userId="c4279823-a7c7-477e-982e-f4145bb0a83d" providerId="ADAL" clId="{B218BA9F-C470-0E41-8295-3C132905EFC2}" dt="2018-05-28T06:00:06.362" v="5" actId="164"/>
-          <ac:spMkLst>
-            <pc:docMk/>
-            <pc:sldMk cId="316829636" sldId="257"/>
-            <ac:spMk id="176" creationId="{78551995-0B65-BC4C-818D-8C8E2CBAECD6}"/>
-          </ac:spMkLst>
-        </pc:spChg>
-        <pc:spChg chg="mod">
-          <ac:chgData name="Ahmed Sabbour" userId="c4279823-a7c7-477e-982e-f4145bb0a83d" providerId="ADAL" clId="{B218BA9F-C470-0E41-8295-3C132905EFC2}" dt="2018-05-28T06:00:06.362" v="5" actId="164"/>
-          <ac:spMkLst>
-            <pc:docMk/>
-            <pc:sldMk cId="316829636" sldId="257"/>
-            <ac:spMk id="189" creationId="{0B945238-2D43-2C4B-97C2-993A737CFF8C}"/>
-          </ac:spMkLst>
-        </pc:spChg>
-        <pc:spChg chg="mod">
-          <ac:chgData name="Ahmed Sabbour" userId="c4279823-a7c7-477e-982e-f4145bb0a83d" providerId="ADAL" clId="{B218BA9F-C470-0E41-8295-3C132905EFC2}" dt="2018-05-28T06:00:06.362" v="5" actId="164"/>
-          <ac:spMkLst>
-            <pc:docMk/>
-            <pc:sldMk cId="316829636" sldId="257"/>
-            <ac:spMk id="197" creationId="{08891F0E-FBE4-8947-A3CD-90CF174C8AFF}"/>
-          </ac:spMkLst>
-        </pc:spChg>
-        <pc:spChg chg="mod">
-          <ac:chgData name="Ahmed Sabbour" userId="c4279823-a7c7-477e-982e-f4145bb0a83d" providerId="ADAL" clId="{B218BA9F-C470-0E41-8295-3C132905EFC2}" dt="2018-05-28T06:00:06.362" v="5" actId="164"/>
-          <ac:spMkLst>
-            <pc:docMk/>
-            <pc:sldMk cId="316829636" sldId="257"/>
-            <ac:spMk id="198" creationId="{909A26C7-927A-384B-9FF5-F6BCF355F3F1}"/>
-          </ac:spMkLst>
-        </pc:spChg>
-        <pc:spChg chg="mod">
-          <ac:chgData name="Ahmed Sabbour" userId="c4279823-a7c7-477e-982e-f4145bb0a83d" providerId="ADAL" clId="{B218BA9F-C470-0E41-8295-3C132905EFC2}" dt="2018-05-28T06:00:06.362" v="5" actId="164"/>
-          <ac:spMkLst>
-            <pc:docMk/>
-            <pc:sldMk cId="316829636" sldId="257"/>
-            <ac:spMk id="203" creationId="{787848B7-9635-9D46-BC60-7464161BF9D9}"/>
-          </ac:spMkLst>
-        </pc:spChg>
-        <pc:spChg chg="mod">
-          <ac:chgData name="Ahmed Sabbour" userId="c4279823-a7c7-477e-982e-f4145bb0a83d" providerId="ADAL" clId="{B218BA9F-C470-0E41-8295-3C132905EFC2}" dt="2018-05-28T06:00:06.362" v="5" actId="164"/>
-          <ac:spMkLst>
-            <pc:docMk/>
-            <pc:sldMk cId="316829636" sldId="257"/>
-            <ac:spMk id="204" creationId="{87D6B9EC-ABE1-084B-97FA-20F72FA0D582}"/>
-          </ac:spMkLst>
-        </pc:spChg>
-        <pc:spChg chg="mod">
-          <ac:chgData name="Ahmed Sabbour" userId="c4279823-a7c7-477e-982e-f4145bb0a83d" providerId="ADAL" clId="{B218BA9F-C470-0E41-8295-3C132905EFC2}" dt="2018-05-28T06:00:06.362" v="5" actId="164"/>
-          <ac:spMkLst>
-            <pc:docMk/>
-            <pc:sldMk cId="316829636" sldId="257"/>
-            <ac:spMk id="220" creationId="{3D0938D3-0D4A-A546-A09E-63A63F5B1ED1}"/>
-          </ac:spMkLst>
-        </pc:spChg>
-        <pc:grpChg chg="add del mod">
-          <ac:chgData name="Ahmed Sabbour" userId="c4279823-a7c7-477e-982e-f4145bb0a83d" providerId="ADAL" clId="{B218BA9F-C470-0E41-8295-3C132905EFC2}" dt="2018-05-28T06:00:14.985" v="8" actId="164"/>
-          <ac:grpSpMkLst>
-            <pc:docMk/>
-            <pc:sldMk cId="316829636" sldId="257"/>
-            <ac:grpSpMk id="7" creationId="{EF9C29AD-4E49-984D-A978-85374CA3C99C}"/>
-          </ac:grpSpMkLst>
-        </pc:grpChg>
-        <pc:grpChg chg="add del mod">
-          <ac:chgData name="Ahmed Sabbour" userId="c4279823-a7c7-477e-982e-f4145bb0a83d" providerId="ADAL" clId="{B218BA9F-C470-0E41-8295-3C132905EFC2}" dt="2018-05-28T06:00:17.785" v="10"/>
-          <ac:grpSpMkLst>
-            <pc:docMk/>
-            <pc:sldMk cId="316829636" sldId="257"/>
-            <ac:grpSpMk id="9" creationId="{4956C1C5-44EB-684A-9C31-D79D4D224186}"/>
-          </ac:grpSpMkLst>
-        </pc:grpChg>
-        <pc:grpChg chg="mod">
-          <ac:chgData name="Ahmed Sabbour" userId="c4279823-a7c7-477e-982e-f4145bb0a83d" providerId="ADAL" clId="{B218BA9F-C470-0E41-8295-3C132905EFC2}" dt="2018-05-28T06:00:06.362" v="5" actId="164"/>
-          <ac:grpSpMkLst>
-            <pc:docMk/>
-            <pc:sldMk cId="316829636" sldId="257"/>
-            <ac:grpSpMk id="191" creationId="{1AC6E7A5-EAB4-AA4B-BE00-5D47A87E9BB7}"/>
-          </ac:grpSpMkLst>
-        </pc:grpChg>
-        <pc:grpChg chg="mod">
-          <ac:chgData name="Ahmed Sabbour" userId="c4279823-a7c7-477e-982e-f4145bb0a83d" providerId="ADAL" clId="{B218BA9F-C470-0E41-8295-3C132905EFC2}" dt="2018-05-28T06:00:06.362" v="5" actId="164"/>
-          <ac:grpSpMkLst>
-            <pc:docMk/>
-            <pc:sldMk cId="316829636" sldId="257"/>
-            <ac:grpSpMk id="194" creationId="{C1ACBFE3-75A6-1F47-BF14-5CC9F5A9E8F1}"/>
-          </ac:grpSpMkLst>
-        </pc:grpChg>
-        <pc:grpChg chg="mod">
-          <ac:chgData name="Ahmed Sabbour" userId="c4279823-a7c7-477e-982e-f4145bb0a83d" providerId="ADAL" clId="{B218BA9F-C470-0E41-8295-3C132905EFC2}" dt="2018-05-28T06:00:06.362" v="5" actId="164"/>
-          <ac:grpSpMkLst>
-            <pc:docMk/>
-            <pc:sldMk cId="316829636" sldId="257"/>
-            <ac:grpSpMk id="200" creationId="{30EFD8EF-3C97-1E48-A544-8DEC6C408135}"/>
-          </ac:grpSpMkLst>
-        </pc:grpChg>
-        <pc:grpChg chg="mod">
-          <ac:chgData name="Ahmed Sabbour" userId="c4279823-a7c7-477e-982e-f4145bb0a83d" providerId="ADAL" clId="{B218BA9F-C470-0E41-8295-3C132905EFC2}" dt="2018-05-28T06:00:14.985" v="8" actId="164"/>
-          <ac:grpSpMkLst>
-            <pc:docMk/>
-            <pc:sldMk cId="316829636" sldId="257"/>
-            <ac:grpSpMk id="205" creationId="{A1C6BFE2-30BE-3B49-A021-F01C7F1A7073}"/>
-          </ac:grpSpMkLst>
-        </pc:grpChg>
-        <pc:grpChg chg="mod">
-          <ac:chgData name="Ahmed Sabbour" userId="c4279823-a7c7-477e-982e-f4145bb0a83d" providerId="ADAL" clId="{B218BA9F-C470-0E41-8295-3C132905EFC2}" dt="2018-05-28T06:00:06.362" v="5" actId="164"/>
-          <ac:grpSpMkLst>
-            <pc:docMk/>
-            <pc:sldMk cId="316829636" sldId="257"/>
-            <ac:grpSpMk id="223" creationId="{9031E030-A065-0947-AA91-8D3C17F8C191}"/>
-          </ac:grpSpMkLst>
-        </pc:grpChg>
-        <pc:picChg chg="add mod">
-          <ac:chgData name="Ahmed Sabbour" userId="c4279823-a7c7-477e-982e-f4145bb0a83d" providerId="ADAL" clId="{B218BA9F-C470-0E41-8295-3C132905EFC2}" dt="2018-05-28T06:01:55.584" v="18"/>
-          <ac:picMkLst>
-            <pc:docMk/>
-            <pc:sldMk cId="316829636" sldId="257"/>
-            <ac:picMk id="11" creationId="{DD17D836-CD83-2947-AA2A-846FEDC83F8E}"/>
-          </ac:picMkLst>
-        </pc:picChg>
-        <pc:picChg chg="mod">
-          <ac:chgData name="Ahmed Sabbour" userId="c4279823-a7c7-477e-982e-f4145bb0a83d" providerId="ADAL" clId="{B218BA9F-C470-0E41-8295-3C132905EFC2}" dt="2018-05-28T06:00:06.362" v="5" actId="164"/>
-          <ac:picMkLst>
-            <pc:docMk/>
-            <pc:sldMk cId="316829636" sldId="257"/>
-            <ac:picMk id="187" creationId="{A41329A4-C707-3A4C-ACAD-F6E1C2B94660}"/>
-          </ac:picMkLst>
-        </pc:picChg>
-        <pc:picChg chg="mod">
-          <ac:chgData name="Ahmed Sabbour" userId="c4279823-a7c7-477e-982e-f4145bb0a83d" providerId="ADAL" clId="{B218BA9F-C470-0E41-8295-3C132905EFC2}" dt="2018-05-28T06:00:06.362" v="5" actId="164"/>
-          <ac:picMkLst>
-            <pc:docMk/>
-            <pc:sldMk cId="316829636" sldId="257"/>
-            <ac:picMk id="188" creationId="{E20E74FD-80D6-3747-B360-3345970A40E8}"/>
-          </ac:picMkLst>
-        </pc:picChg>
-        <pc:picChg chg="mod">
-          <ac:chgData name="Ahmed Sabbour" userId="c4279823-a7c7-477e-982e-f4145bb0a83d" providerId="ADAL" clId="{B218BA9F-C470-0E41-8295-3C132905EFC2}" dt="2018-05-28T06:00:06.362" v="5" actId="164"/>
-          <ac:picMkLst>
-            <pc:docMk/>
-            <pc:sldMk cId="316829636" sldId="257"/>
-            <ac:picMk id="190" creationId="{3D297C25-84BA-BD44-B76A-F34F8EE8C8CC}"/>
-          </ac:picMkLst>
-        </pc:picChg>
-        <pc:picChg chg="mod">
-          <ac:chgData name="Ahmed Sabbour" userId="c4279823-a7c7-477e-982e-f4145bb0a83d" providerId="ADAL" clId="{B218BA9F-C470-0E41-8295-3C132905EFC2}" dt="2018-05-28T06:00:06.362" v="5" actId="164"/>
-          <ac:picMkLst>
-            <pc:docMk/>
-            <pc:sldMk cId="316829636" sldId="257"/>
-            <ac:picMk id="199" creationId="{17CB056A-8B1B-1346-B6D3-4F86065F988F}"/>
-          </ac:picMkLst>
-        </pc:picChg>
-        <pc:cxnChg chg="mod">
-          <ac:chgData name="Ahmed Sabbour" userId="c4279823-a7c7-477e-982e-f4145bb0a83d" providerId="ADAL" clId="{B218BA9F-C470-0E41-8295-3C132905EFC2}" dt="2018-05-28T06:00:06.362" v="5" actId="164"/>
-          <ac:cxnSpMkLst>
-            <pc:docMk/>
-            <pc:sldMk cId="316829636" sldId="257"/>
-            <ac:cxnSpMk id="219" creationId="{C8785912-9097-CB4A-ADDF-F8C832F57EEE}"/>
-          </ac:cxnSpMkLst>
-        </pc:cxnChg>
-      </pc:sldChg>
-    </pc:docChg>
-  </pc:docChgLst>
-</pc:chgInfo>
 </file>
 
 <file path=ppt/notesMasters/notesMaster1.xml><?xml version="1.0" encoding="utf-8"?>
@@ -1028,6 +633,90 @@
     <p:extLst>
       <p:ext uri="{BB962C8B-B14F-4D97-AF65-F5344CB8AC3E}">
         <p14:creationId xmlns:p14="http://schemas.microsoft.com/office/powerpoint/2010/main" val="1120810400"/>
+      </p:ext>
+    </p:extLst>
+  </p:cSld>
+  <p:clrMapOvr>
+    <a:masterClrMapping/>
+  </p:clrMapOvr>
+</p:notes>
+</file>
+
+<file path=ppt/notesSlides/notesSlide3.xml><?xml version="1.0" encoding="utf-8"?>
+<p:notes xmlns:a="http://schemas.openxmlformats.org/drawingml/2006/main" xmlns:r="http://schemas.openxmlformats.org/officeDocument/2006/relationships" xmlns:p="http://schemas.openxmlformats.org/presentationml/2006/main">
+  <p:cSld>
+    <p:spTree>
+      <p:nvGrpSpPr>
+        <p:cNvPr id="1" name=""/>
+        <p:cNvGrpSpPr/>
+        <p:nvPr/>
+      </p:nvGrpSpPr>
+      <p:grpSpPr>
+        <a:xfrm>
+          <a:off x="0" y="0"/>
+          <a:ext cx="0" cy="0"/>
+          <a:chOff x="0" y="0"/>
+          <a:chExt cx="0" cy="0"/>
+        </a:xfrm>
+      </p:grpSpPr>
+      <p:sp>
+        <p:nvSpPr>
+          <p:cNvPr id="2" name="Slide Image Placeholder 1"/>
+          <p:cNvSpPr>
+            <a:spLocks noGrp="1" noRot="1" noChangeAspect="1"/>
+          </p:cNvSpPr>
+          <p:nvPr>
+            <p:ph type="sldImg"/>
+          </p:nvPr>
+        </p:nvSpPr>
+        <p:spPr/>
+      </p:sp>
+      <p:sp>
+        <p:nvSpPr>
+          <p:cNvPr id="3" name="Notes Placeholder 2"/>
+          <p:cNvSpPr>
+            <a:spLocks noGrp="1"/>
+          </p:cNvSpPr>
+          <p:nvPr>
+            <p:ph type="body" idx="1"/>
+          </p:nvPr>
+        </p:nvSpPr>
+        <p:spPr/>
+        <p:txBody>
+          <a:bodyPr/>
+          <a:lstStyle/>
+          <a:p>
+            <a:endParaRPr lang="en-US" dirty="0"/>
+          </a:p>
+        </p:txBody>
+      </p:sp>
+      <p:sp>
+        <p:nvSpPr>
+          <p:cNvPr id="4" name="Slide Number Placeholder 3"/>
+          <p:cNvSpPr>
+            <a:spLocks noGrp="1"/>
+          </p:cNvSpPr>
+          <p:nvPr>
+            <p:ph type="sldNum" sz="quarter" idx="10"/>
+          </p:nvPr>
+        </p:nvSpPr>
+        <p:spPr/>
+        <p:txBody>
+          <a:bodyPr/>
+          <a:lstStyle/>
+          <a:p>
+            <a:fld id="{02A38AB6-DFD4-EA49-B368-CEC0CFCBF5FE}" type="slidenum">
+              <a:rPr lang="en-US" smtClean="0"/>
+              <a:t>3</a:t>
+            </a:fld>
+            <a:endParaRPr lang="en-US"/>
+          </a:p>
+        </p:txBody>
+      </p:sp>
+    </p:spTree>
+    <p:extLst>
+      <p:ext uri="{BB962C8B-B14F-4D97-AF65-F5344CB8AC3E}">
+        <p14:creationId xmlns:p14="http://schemas.microsoft.com/office/powerpoint/2010/main" val="2798279987"/>
       </p:ext>
     </p:extLst>
   </p:cSld>
@@ -4311,7 +4000,7 @@
         <p:spPr>
           <a:xfrm>
             <a:off x="2666586" y="378394"/>
-            <a:ext cx="7175426" cy="523220"/>
+            <a:ext cx="7672357" cy="523220"/>
           </a:xfrm>
           <a:prstGeom prst="rect">
             <a:avLst/>
@@ -4363,7 +4052,7 @@
                 <a:latin typeface="Consolas" panose="020B0609020204030204" pitchFamily="49" charset="0"/>
                 <a:cs typeface="Consolas" panose="020B0609020204030204" pitchFamily="49" charset="0"/>
               </a:rPr>
-              <a:t>master</a:t>
+              <a:t>development</a:t>
             </a:r>
             <a:r>
               <a:rPr lang="en-US" sz="1400" dirty="0">
@@ -4450,10 +4139,10 @@
                 <p:nvPr/>
               </p:nvPicPr>
               <p:blipFill>
-                <a:blip r:embed="rId6">
+                <a:blip r:embed="rId4">
                   <a:extLst>
                     <a:ext uri="{96DAC541-7B7A-43D3-8B79-37D633B846F1}">
-                      <asvg:svgBlip xmlns:asvg="http://schemas.microsoft.com/office/drawing/2016/SVG/main" r:embed="rId7"/>
+                      <asvg:svgBlip xmlns:asvg="http://schemas.microsoft.com/office/drawing/2016/SVG/main" r:embed="rId5"/>
                     </a:ext>
                   </a:extLst>
                 </a:blip>
@@ -4538,10 +4227,10 @@
                 <p:nvPr/>
               </p:nvPicPr>
               <p:blipFill>
-                <a:blip r:embed="rId8">
+                <a:blip r:embed="rId6">
                   <a:extLst>
                     <a:ext uri="{96DAC541-7B7A-43D3-8B79-37D633B846F1}">
-                      <asvg:svgBlip xmlns:asvg="http://schemas.microsoft.com/office/drawing/2016/SVG/main" r:embed="rId9"/>
+                      <asvg:svgBlip xmlns:asvg="http://schemas.microsoft.com/office/drawing/2016/SVG/main" r:embed="rId7"/>
                     </a:ext>
                   </a:extLst>
                 </a:blip>
@@ -4654,10 +4343,10 @@
                 <p:nvPr/>
               </p:nvPicPr>
               <p:blipFill>
-                <a:blip r:embed="rId6">
+                <a:blip r:embed="rId4">
                   <a:extLst>
                     <a:ext uri="{96DAC541-7B7A-43D3-8B79-37D633B846F1}">
-                      <asvg:svgBlip xmlns:asvg="http://schemas.microsoft.com/office/drawing/2016/SVG/main" r:embed="rId7"/>
+                      <asvg:svgBlip xmlns:asvg="http://schemas.microsoft.com/office/drawing/2016/SVG/main" r:embed="rId5"/>
                     </a:ext>
                   </a:extLst>
                 </a:blip>
@@ -5013,10 +4702,10 @@
             <p:nvPr/>
           </p:nvPicPr>
           <p:blipFill>
-            <a:blip r:embed="rId10">
+            <a:blip r:embed="rId8">
               <a:extLst>
                 <a:ext uri="{96DAC541-7B7A-43D3-8B79-37D633B846F1}">
-                  <asvg:svgBlip xmlns:asvg="http://schemas.microsoft.com/office/drawing/2016/SVG/main" r:embed="rId11"/>
+                  <asvg:svgBlip xmlns:asvg="http://schemas.microsoft.com/office/drawing/2016/SVG/main" r:embed="rId9"/>
                 </a:ext>
               </a:extLst>
             </a:blip>
@@ -5154,8 +4843,8 @@
           </p:nvSpPr>
           <p:spPr>
             <a:xfrm>
-              <a:off x="1767304" y="3403621"/>
-              <a:ext cx="723275" cy="430887"/>
+              <a:off x="1465017" y="3403621"/>
+              <a:ext cx="1107208" cy="430887"/>
             </a:xfrm>
             <a:prstGeom prst="rect">
               <a:avLst/>
@@ -5173,7 +4862,7 @@
                   <a:latin typeface="Consolas" panose="020B0609020204030204" pitchFamily="49" charset="0"/>
                   <a:cs typeface="Consolas" panose="020B0609020204030204" pitchFamily="49" charset="0"/>
                 </a:rPr>
-                <a:t>master</a:t>
+                <a:t>development</a:t>
               </a:r>
               <a:br>
                 <a:rPr lang="en-US" sz="1100" b="1" dirty="0">
@@ -5206,10 +4895,10 @@
             <p:nvPr/>
           </p:nvPicPr>
           <p:blipFill>
-            <a:blip r:embed="rId12">
+            <a:blip r:embed="rId10">
               <a:extLst>
                 <a:ext uri="{96DAC541-7B7A-43D3-8B79-37D633B846F1}">
-                  <asvg:svgBlip xmlns:asvg="http://schemas.microsoft.com/office/drawing/2016/SVG/main" r:embed="rId13"/>
+                  <asvg:svgBlip xmlns:asvg="http://schemas.microsoft.com/office/drawing/2016/SVG/main" r:embed="rId11"/>
                 </a:ext>
               </a:extLst>
             </a:blip>
@@ -5242,10 +4931,10 @@
             <p:nvPr/>
           </p:nvPicPr>
           <p:blipFill>
-            <a:blip r:embed="rId14">
+            <a:blip r:embed="rId12">
               <a:extLst>
                 <a:ext uri="{96DAC541-7B7A-43D3-8B79-37D633B846F1}">
-                  <asvg:svgBlip xmlns:asvg="http://schemas.microsoft.com/office/drawing/2016/SVG/main" r:embed="rId15"/>
+                  <asvg:svgBlip xmlns:asvg="http://schemas.microsoft.com/office/drawing/2016/SVG/main" r:embed="rId13"/>
                 </a:ext>
               </a:extLst>
             </a:blip>
@@ -5355,10 +5044,10 @@
             <p:nvPr/>
           </p:nvPicPr>
           <p:blipFill>
-            <a:blip r:embed="rId16">
+            <a:blip r:embed="rId14">
               <a:extLst>
                 <a:ext uri="{96DAC541-7B7A-43D3-8B79-37D633B846F1}">
-                  <asvg:svgBlip xmlns:asvg="http://schemas.microsoft.com/office/drawing/2016/SVG/main" r:embed="rId17"/>
+                  <asvg:svgBlip xmlns:asvg="http://schemas.microsoft.com/office/drawing/2016/SVG/main" r:embed="rId15"/>
                 </a:ext>
               </a:extLst>
             </a:blip>
@@ -5785,10 +5474,10 @@
             <p:nvPr/>
           </p:nvPicPr>
           <p:blipFill>
-            <a:blip r:embed="rId18">
+            <a:blip r:embed="rId16">
               <a:extLst>
                 <a:ext uri="{96DAC541-7B7A-43D3-8B79-37D633B846F1}">
-                  <asvg:svgBlip xmlns:asvg="http://schemas.microsoft.com/office/drawing/2016/SVG/main" r:embed="rId19"/>
+                  <asvg:svgBlip xmlns:asvg="http://schemas.microsoft.com/office/drawing/2016/SVG/main" r:embed="rId17"/>
                 </a:ext>
               </a:extLst>
             </a:blip>
@@ -5984,8 +5673,8 @@
           </p:nvSpPr>
           <p:spPr>
             <a:xfrm>
-              <a:off x="3709297" y="4634451"/>
-              <a:ext cx="1369603" cy="430887"/>
+              <a:off x="3280337" y="4634451"/>
+              <a:ext cx="2303898" cy="430887"/>
             </a:xfrm>
             <a:prstGeom prst="rect">
               <a:avLst/>
@@ -6003,7 +5692,7 @@
                   <a:latin typeface="Consolas" panose="020B0609020204030204" pitchFamily="49" charset="0"/>
                   <a:cs typeface="Consolas" panose="020B0609020204030204" pitchFamily="49" charset="0"/>
                 </a:rPr>
-                <a:t>pull request</a:t>
+                <a:t>pull request to development</a:t>
               </a:r>
               <a:br>
                 <a:rPr lang="en-US" sz="1100" b="1" dirty="0">
@@ -6056,7 +5745,7 @@
               <p:nvPr/>
             </p:nvPicPr>
             <p:blipFill>
-              <a:blip r:embed="rId20"/>
+              <a:blip r:embed="rId18"/>
               <a:stretch>
                 <a:fillRect/>
               </a:stretch>
@@ -6114,51 +5803,6 @@
             </p:txBody>
           </p:sp>
         </p:grpSp>
-        <p:cxnSp>
-          <p:nvCxnSpPr>
-            <p:cNvPr id="166" name="Straight Connector 165">
-              <a:extLst>
-                <a:ext uri="{FF2B5EF4-FFF2-40B4-BE49-F238E27FC236}">
-                  <a16:creationId xmlns:a16="http://schemas.microsoft.com/office/drawing/2014/main" id="{1F6D8C88-3D60-9A49-85C4-084F0D6FC60F}"/>
-                </a:ext>
-              </a:extLst>
-            </p:cNvPr>
-            <p:cNvCxnSpPr>
-              <a:cxnSpLocks/>
-            </p:cNvCxnSpPr>
-            <p:nvPr/>
-          </p:nvCxnSpPr>
-          <p:spPr>
-            <a:xfrm flipV="1">
-              <a:off x="7087255" y="2505127"/>
-              <a:ext cx="23584" cy="2560211"/>
-            </a:xfrm>
-            <a:prstGeom prst="line">
-              <a:avLst/>
-            </a:prstGeom>
-            <a:ln>
-              <a:solidFill>
-                <a:schemeClr val="bg1">
-                  <a:lumMod val="85000"/>
-                </a:schemeClr>
-              </a:solidFill>
-            </a:ln>
-          </p:spPr>
-          <p:style>
-            <a:lnRef idx="1">
-              <a:schemeClr val="accent1"/>
-            </a:lnRef>
-            <a:fillRef idx="0">
-              <a:schemeClr val="accent1"/>
-            </a:fillRef>
-            <a:effectRef idx="0">
-              <a:schemeClr val="accent1"/>
-            </a:effectRef>
-            <a:fontRef idx="minor">
-              <a:schemeClr val="tx1"/>
-            </a:fontRef>
-          </p:style>
-        </p:cxnSp>
         <p:grpSp>
           <p:nvGrpSpPr>
             <p:cNvPr id="224" name="Group 223">
@@ -6312,7 +5956,7 @@
               <p:nvPr/>
             </p:nvPicPr>
             <p:blipFill>
-              <a:blip r:embed="rId21">
+              <a:blip r:embed="rId19">
                 <a:extLst>
                   <a:ext uri="{28A0092B-C50C-407E-A947-70E740481C1C}">
                     <a14:useLocalDpi xmlns:a14="http://schemas.microsoft.com/office/drawing/2010/main"/>
@@ -6452,518 +6096,6 @@
       </p:grpSp>
       <p:grpSp>
         <p:nvGrpSpPr>
-          <p:cNvPr id="229" name="Group 228">
-            <a:extLst>
-              <a:ext uri="{FF2B5EF4-FFF2-40B4-BE49-F238E27FC236}">
-                <a16:creationId xmlns:a16="http://schemas.microsoft.com/office/drawing/2014/main" id="{DEE7F832-683B-124A-A3A3-AC53FFB14F8D}"/>
-              </a:ext>
-            </a:extLst>
-          </p:cNvPr>
-          <p:cNvGrpSpPr/>
-          <p:nvPr/>
-        </p:nvGrpSpPr>
-        <p:grpSpPr>
-          <a:xfrm>
-            <a:off x="7318663" y="2544460"/>
-            <a:ext cx="3829340" cy="2520878"/>
-            <a:chOff x="7318663" y="2544460"/>
-            <a:chExt cx="3829340" cy="2520878"/>
-          </a:xfrm>
-        </p:grpSpPr>
-        <p:sp>
-          <p:nvSpPr>
-            <p:cNvPr id="152" name="Rectangle 151">
-              <a:extLst>
-                <a:ext uri="{FF2B5EF4-FFF2-40B4-BE49-F238E27FC236}">
-                  <a16:creationId xmlns:a16="http://schemas.microsoft.com/office/drawing/2014/main" id="{02746EA6-7B65-FE44-BE84-ACF9D0074B0E}"/>
-                </a:ext>
-              </a:extLst>
-            </p:cNvPr>
-            <p:cNvSpPr/>
-            <p:nvPr/>
-          </p:nvSpPr>
-          <p:spPr>
-            <a:xfrm>
-              <a:off x="7554193" y="4634451"/>
-              <a:ext cx="1610492" cy="430887"/>
-            </a:xfrm>
-            <a:prstGeom prst="rect">
-              <a:avLst/>
-            </a:prstGeom>
-          </p:spPr>
-          <p:txBody>
-            <a:bodyPr wrap="square">
-              <a:spAutoFit/>
-            </a:bodyPr>
-            <a:lstStyle/>
-            <a:p>
-              <a:pPr algn="ctr"/>
-              <a:r>
-                <a:rPr lang="en-US" sz="1100" dirty="0">
-                  <a:latin typeface="Consolas" panose="020B0609020204030204" pitchFamily="49" charset="0"/>
-                  <a:cs typeface="Consolas" panose="020B0609020204030204" pitchFamily="49" charset="0"/>
-                </a:rPr>
-                <a:t>pull request</a:t>
-              </a:r>
-              <a:br>
-                <a:rPr lang="en-US" sz="1100" b="1" dirty="0">
-                  <a:latin typeface="Segoe UI Semibold" panose="020B0502040204020203" pitchFamily="34" charset="0"/>
-                  <a:cs typeface="Segoe UI Semibold" panose="020B0502040204020203" pitchFamily="34" charset="0"/>
-                </a:rPr>
-              </a:br>
-              <a:r>
-                <a:rPr lang="en-US" sz="1100" b="1" dirty="0">
-                  <a:latin typeface="Segoe UI Semibold" panose="020B0502040204020203" pitchFamily="34" charset="0"/>
-                  <a:cs typeface="Segoe UI Semibold" panose="020B0502040204020203" pitchFamily="34" charset="0"/>
-                </a:rPr>
-                <a:t>CD (Release)</a:t>
-              </a:r>
-            </a:p>
-          </p:txBody>
-        </p:sp>
-        <p:pic>
-          <p:nvPicPr>
-            <p:cNvPr id="153" name="Graphic 152">
-              <a:extLst>
-                <a:ext uri="{FF2B5EF4-FFF2-40B4-BE49-F238E27FC236}">
-                  <a16:creationId xmlns:a16="http://schemas.microsoft.com/office/drawing/2014/main" id="{0B19712B-FD6F-414C-B7DC-0F4C106E0297}"/>
-                </a:ext>
-              </a:extLst>
-            </p:cNvPr>
-            <p:cNvPicPr>
-              <a:picLocks noChangeAspect="1"/>
-            </p:cNvPicPr>
-            <p:nvPr/>
-          </p:nvPicPr>
-          <p:blipFill>
-            <a:blip r:embed="rId18">
-              <a:extLst>
-                <a:ext uri="{96DAC541-7B7A-43D3-8B79-37D633B846F1}">
-                  <asvg:svgBlip xmlns:asvg="http://schemas.microsoft.com/office/drawing/2016/SVG/main" r:embed="rId19"/>
-                </a:ext>
-              </a:extLst>
-            </a:blip>
-            <a:stretch>
-              <a:fillRect/>
-            </a:stretch>
-          </p:blipFill>
-          <p:spPr>
-            <a:xfrm>
-              <a:off x="7678568" y="3240299"/>
-              <a:ext cx="311021" cy="321054"/>
-            </a:xfrm>
-            <a:prstGeom prst="rect">
-              <a:avLst/>
-            </a:prstGeom>
-          </p:spPr>
-        </p:pic>
-        <p:grpSp>
-          <p:nvGrpSpPr>
-            <p:cNvPr id="154" name="Group 153">
-              <a:extLst>
-                <a:ext uri="{FF2B5EF4-FFF2-40B4-BE49-F238E27FC236}">
-                  <a16:creationId xmlns:a16="http://schemas.microsoft.com/office/drawing/2014/main" id="{6BC17CFE-B6DE-974F-915F-6CFB840B54C0}"/>
-                </a:ext>
-              </a:extLst>
-            </p:cNvPr>
-            <p:cNvGrpSpPr/>
-            <p:nvPr/>
-          </p:nvGrpSpPr>
-          <p:grpSpPr>
-            <a:xfrm>
-              <a:off x="7391320" y="3622141"/>
-              <a:ext cx="885518" cy="460197"/>
-              <a:chOff x="3811742" y="1728592"/>
-              <a:chExt cx="885518" cy="460197"/>
-            </a:xfrm>
-          </p:grpSpPr>
-          <p:cxnSp>
-            <p:nvCxnSpPr>
-              <p:cNvPr id="155" name="Straight Arrow Connector 154">
-                <a:extLst>
-                  <a:ext uri="{FF2B5EF4-FFF2-40B4-BE49-F238E27FC236}">
-                    <a16:creationId xmlns:a16="http://schemas.microsoft.com/office/drawing/2014/main" id="{E629EB72-A23E-4947-8410-8CBC97BFD106}"/>
-                  </a:ext>
-                </a:extLst>
-              </p:cNvPr>
-              <p:cNvCxnSpPr/>
-              <p:nvPr/>
-            </p:nvCxnSpPr>
-            <p:spPr>
-              <a:xfrm>
-                <a:off x="3811742" y="1728592"/>
-                <a:ext cx="885518" cy="0"/>
-              </a:xfrm>
-              <a:prstGeom prst="straightConnector1">
-                <a:avLst/>
-              </a:prstGeom>
-              <a:ln w="57150">
-                <a:solidFill>
-                  <a:schemeClr val="tx1"/>
-                </a:solidFill>
-                <a:headEnd type="none" w="med" len="sm"/>
-                <a:tailEnd type="triangle" w="med" len="sm"/>
-              </a:ln>
-            </p:spPr>
-            <p:style>
-              <a:lnRef idx="1">
-                <a:schemeClr val="accent1"/>
-              </a:lnRef>
-              <a:fillRef idx="0">
-                <a:schemeClr val="accent1"/>
-              </a:fillRef>
-              <a:effectRef idx="0">
-                <a:schemeClr val="accent1"/>
-              </a:effectRef>
-              <a:fontRef idx="minor">
-                <a:schemeClr val="tx1"/>
-              </a:fontRef>
-            </p:style>
-          </p:cxnSp>
-          <p:sp>
-            <p:nvSpPr>
-              <p:cNvPr id="156" name="Rectangle 155">
-                <a:extLst>
-                  <a:ext uri="{FF2B5EF4-FFF2-40B4-BE49-F238E27FC236}">
-                    <a16:creationId xmlns:a16="http://schemas.microsoft.com/office/drawing/2014/main" id="{EC4AA549-D3F2-7446-A55A-16891264CAE3}"/>
-                  </a:ext>
-                </a:extLst>
-              </p:cNvPr>
-              <p:cNvSpPr/>
-              <p:nvPr/>
-            </p:nvSpPr>
-            <p:spPr>
-              <a:xfrm>
-                <a:off x="3931338" y="1757902"/>
-                <a:ext cx="646331" cy="430887"/>
-              </a:xfrm>
-              <a:prstGeom prst="rect">
-                <a:avLst/>
-              </a:prstGeom>
-            </p:spPr>
-            <p:txBody>
-              <a:bodyPr wrap="none">
-                <a:spAutoFit/>
-              </a:bodyPr>
-              <a:lstStyle/>
-              <a:p>
-                <a:pPr algn="ctr"/>
-                <a:r>
-                  <a:rPr lang="en-US" sz="1100" dirty="0">
-                    <a:latin typeface="Consolas" panose="020B0609020204030204" pitchFamily="49" charset="0"/>
-                    <a:cs typeface="Consolas" panose="020B0609020204030204" pitchFamily="49" charset="0"/>
-                  </a:rPr>
-                  <a:t>helm</a:t>
-                </a:r>
-                <a:br>
-                  <a:rPr lang="en-US" sz="1100" dirty="0">
-                    <a:latin typeface="Consolas" panose="020B0609020204030204" pitchFamily="49" charset="0"/>
-                    <a:cs typeface="Consolas" panose="020B0609020204030204" pitchFamily="49" charset="0"/>
-                  </a:rPr>
-                </a:br>
-                <a:r>
-                  <a:rPr lang="en-US" sz="1100" dirty="0">
-                    <a:latin typeface="Consolas" panose="020B0609020204030204" pitchFamily="49" charset="0"/>
-                    <a:cs typeface="Consolas" panose="020B0609020204030204" pitchFamily="49" charset="0"/>
-                  </a:rPr>
-                  <a:t>deploy</a:t>
-                </a:r>
-              </a:p>
-            </p:txBody>
-          </p:sp>
-        </p:grpSp>
-        <p:pic>
-          <p:nvPicPr>
-            <p:cNvPr id="163" name="Graphic 162">
-              <a:extLst>
-                <a:ext uri="{FF2B5EF4-FFF2-40B4-BE49-F238E27FC236}">
-                  <a16:creationId xmlns:a16="http://schemas.microsoft.com/office/drawing/2014/main" id="{A5BFD80B-B332-EE45-9581-4065B5185046}"/>
-                </a:ext>
-              </a:extLst>
-            </p:cNvPr>
-            <p:cNvPicPr>
-              <a:picLocks noChangeAspect="1"/>
-            </p:cNvPicPr>
-            <p:nvPr/>
-          </p:nvPicPr>
-          <p:blipFill>
-            <a:blip r:embed="rId22">
-              <a:extLst>
-                <a:ext uri="{96DAC541-7B7A-43D3-8B79-37D633B846F1}">
-                  <asvg:svgBlip xmlns:asvg="http://schemas.microsoft.com/office/drawing/2016/SVG/main" r:embed="rId23"/>
-                </a:ext>
-              </a:extLst>
-            </a:blip>
-            <a:stretch>
-              <a:fillRect/>
-            </a:stretch>
-          </p:blipFill>
-          <p:spPr>
-            <a:xfrm>
-              <a:off x="8359439" y="3370326"/>
-              <a:ext cx="469900" cy="469900"/>
-            </a:xfrm>
-            <a:prstGeom prst="rect">
-              <a:avLst/>
-            </a:prstGeom>
-          </p:spPr>
-        </p:pic>
-        <p:pic>
-          <p:nvPicPr>
-            <p:cNvPr id="164" name="Picture 163">
-              <a:extLst>
-                <a:ext uri="{FF2B5EF4-FFF2-40B4-BE49-F238E27FC236}">
-                  <a16:creationId xmlns:a16="http://schemas.microsoft.com/office/drawing/2014/main" id="{35B3687F-68B1-0944-B458-04447563E13C}"/>
-                </a:ext>
-              </a:extLst>
-            </p:cNvPr>
-            <p:cNvPicPr>
-              <a:picLocks noChangeAspect="1"/>
-            </p:cNvPicPr>
-            <p:nvPr/>
-          </p:nvPicPr>
-          <p:blipFill>
-            <a:blip r:embed="rId24"/>
-            <a:stretch>
-              <a:fillRect/>
-            </a:stretch>
-          </p:blipFill>
-          <p:spPr>
-            <a:xfrm>
-              <a:off x="8655423" y="3684276"/>
-              <a:ext cx="234432" cy="234432"/>
-            </a:xfrm>
-            <a:prstGeom prst="rect">
-              <a:avLst/>
-            </a:prstGeom>
-          </p:spPr>
-        </p:pic>
-        <p:sp>
-          <p:nvSpPr>
-            <p:cNvPr id="165" name="Rectangle 164">
-              <a:extLst>
-                <a:ext uri="{FF2B5EF4-FFF2-40B4-BE49-F238E27FC236}">
-                  <a16:creationId xmlns:a16="http://schemas.microsoft.com/office/drawing/2014/main" id="{FD50B477-83DE-FB4A-8DF4-30349EE9001F}"/>
-                </a:ext>
-              </a:extLst>
-            </p:cNvPr>
-            <p:cNvSpPr/>
-            <p:nvPr/>
-          </p:nvSpPr>
-          <p:spPr>
-            <a:xfrm>
-              <a:off x="8206301" y="2872466"/>
-              <a:ext cx="776175" cy="507831"/>
-            </a:xfrm>
-            <a:prstGeom prst="rect">
-              <a:avLst/>
-            </a:prstGeom>
-          </p:spPr>
-          <p:txBody>
-            <a:bodyPr wrap="none">
-              <a:spAutoFit/>
-            </a:bodyPr>
-            <a:lstStyle/>
-            <a:p>
-              <a:pPr algn="ctr"/>
-              <a:r>
-                <a:rPr lang="en-US" sz="900" b="1" dirty="0">
-                  <a:latin typeface="Segoe UI Semibold" panose="020B0502040204020203" pitchFamily="34" charset="0"/>
-                  <a:cs typeface="Segoe UI Semibold" panose="020B0502040204020203" pitchFamily="34" charset="0"/>
-                </a:rPr>
-                <a:t>Azure</a:t>
-              </a:r>
-              <a:br>
-                <a:rPr lang="en-US" sz="900" b="1" dirty="0">
-                  <a:latin typeface="Segoe UI Semibold" panose="020B0502040204020203" pitchFamily="34" charset="0"/>
-                  <a:cs typeface="Segoe UI Semibold" panose="020B0502040204020203" pitchFamily="34" charset="0"/>
-                </a:rPr>
-              </a:br>
-              <a:r>
-                <a:rPr lang="en-US" sz="900" b="1" dirty="0">
-                  <a:latin typeface="Segoe UI Semibold" panose="020B0502040204020203" pitchFamily="34" charset="0"/>
-                  <a:cs typeface="Segoe UI Semibold" panose="020B0502040204020203" pitchFamily="34" charset="0"/>
-                </a:rPr>
-                <a:t>Kubernetes</a:t>
-              </a:r>
-              <a:br>
-                <a:rPr lang="en-US" sz="900" b="1" dirty="0">
-                  <a:latin typeface="Segoe UI Semibold" panose="020B0502040204020203" pitchFamily="34" charset="0"/>
-                  <a:cs typeface="Segoe UI Semibold" panose="020B0502040204020203" pitchFamily="34" charset="0"/>
-                </a:rPr>
-              </a:br>
-              <a:r>
-                <a:rPr lang="en-US" sz="900" b="1" dirty="0">
-                  <a:latin typeface="Segoe UI Semibold" panose="020B0502040204020203" pitchFamily="34" charset="0"/>
-                  <a:cs typeface="Segoe UI Semibold" panose="020B0502040204020203" pitchFamily="34" charset="0"/>
-                </a:rPr>
-                <a:t>Service</a:t>
-              </a:r>
-              <a:endParaRPr lang="en-US" sz="900" b="1" i="1" dirty="0">
-                <a:latin typeface="Segoe UI Semibold" panose="020B0502040204020203" pitchFamily="34" charset="0"/>
-                <a:cs typeface="Segoe UI Semibold" panose="020B0502040204020203" pitchFamily="34" charset="0"/>
-              </a:endParaRPr>
-            </a:p>
-          </p:txBody>
-        </p:sp>
-        <p:sp>
-          <p:nvSpPr>
-            <p:cNvPr id="226" name="Rectangle 225">
-              <a:extLst>
-                <a:ext uri="{FF2B5EF4-FFF2-40B4-BE49-F238E27FC236}">
-                  <a16:creationId xmlns:a16="http://schemas.microsoft.com/office/drawing/2014/main" id="{FA9FCB72-AF14-9743-BA5F-F4AF0B27C299}"/>
-                </a:ext>
-              </a:extLst>
-            </p:cNvPr>
-            <p:cNvSpPr/>
-            <p:nvPr/>
-          </p:nvSpPr>
-          <p:spPr>
-            <a:xfrm>
-              <a:off x="8276838" y="3863035"/>
-              <a:ext cx="2260555" cy="215444"/>
-            </a:xfrm>
-            <a:prstGeom prst="rect">
-              <a:avLst/>
-            </a:prstGeom>
-          </p:spPr>
-          <p:txBody>
-            <a:bodyPr wrap="none">
-              <a:spAutoFit/>
-            </a:bodyPr>
-            <a:lstStyle/>
-            <a:p>
-              <a:r>
-                <a:rPr lang="en-US" sz="800" dirty="0">
-                  <a:latin typeface="Consolas" panose="020B0609020204030204" pitchFamily="49" charset="0"/>
-                  <a:cs typeface="Consolas" panose="020B0609020204030204" pitchFamily="49" charset="0"/>
-                </a:rPr>
-                <a:t>namespace: foo-service-</a:t>
-              </a:r>
-              <a:r>
-                <a:rPr lang="en-US" sz="800" dirty="0" err="1">
-                  <a:latin typeface="Consolas" panose="020B0609020204030204" pitchFamily="49" charset="0"/>
-                  <a:cs typeface="Consolas" panose="020B0609020204030204" pitchFamily="49" charset="0"/>
-                </a:rPr>
-                <a:t>pr</a:t>
-              </a:r>
-              <a:r>
-                <a:rPr lang="en-US" sz="800" dirty="0">
-                  <a:latin typeface="Consolas" panose="020B0609020204030204" pitchFamily="49" charset="0"/>
-                  <a:cs typeface="Consolas" panose="020B0609020204030204" pitchFamily="49" charset="0"/>
-                </a:rPr>
-                <a:t>-${build-id}</a:t>
-              </a:r>
-              <a:endParaRPr lang="en-US" sz="800" dirty="0"/>
-            </a:p>
-          </p:txBody>
-        </p:sp>
-        <p:sp>
-          <p:nvSpPr>
-            <p:cNvPr id="227" name="TextBox 226">
-              <a:extLst>
-                <a:ext uri="{FF2B5EF4-FFF2-40B4-BE49-F238E27FC236}">
-                  <a16:creationId xmlns:a16="http://schemas.microsoft.com/office/drawing/2014/main" id="{C903C200-7B53-F349-AB49-8F28E1E43A22}"/>
-                </a:ext>
-              </a:extLst>
-            </p:cNvPr>
-            <p:cNvSpPr txBox="1"/>
-            <p:nvPr/>
-          </p:nvSpPr>
-          <p:spPr>
-            <a:xfrm>
-              <a:off x="8353648" y="2544460"/>
-              <a:ext cx="2794355" cy="246221"/>
-            </a:xfrm>
-            <a:prstGeom prst="rect">
-              <a:avLst/>
-            </a:prstGeom>
-            <a:solidFill>
-              <a:srgbClr val="00B0F0"/>
-            </a:solidFill>
-          </p:spPr>
-          <p:txBody>
-            <a:bodyPr wrap="none" rtlCol="0">
-              <a:spAutoFit/>
-            </a:bodyPr>
-            <a:lstStyle/>
-            <a:p>
-              <a:r>
-                <a:rPr lang="en-US" sz="1000" dirty="0">
-                  <a:latin typeface="Consolas" panose="020B0609020204030204" pitchFamily="49" charset="0"/>
-                  <a:cs typeface="Consolas" panose="020B0609020204030204" pitchFamily="49" charset="0"/>
-                </a:rPr>
-                <a:t>http://foo-service-</a:t>
-              </a:r>
-              <a:r>
-                <a:rPr lang="en-US" sz="1000" b="1" dirty="0">
-                  <a:latin typeface="Consolas" panose="020B0609020204030204" pitchFamily="49" charset="0"/>
-                  <a:cs typeface="Consolas" panose="020B0609020204030204" pitchFamily="49" charset="0"/>
-                </a:rPr>
-                <a:t>pr-12</a:t>
-              </a:r>
-              <a:r>
-                <a:rPr lang="en-US" sz="1000" dirty="0">
-                  <a:latin typeface="Consolas" panose="020B0609020204030204" pitchFamily="49" charset="0"/>
-                  <a:cs typeface="Consolas" panose="020B0609020204030204" pitchFamily="49" charset="0"/>
-                </a:rPr>
-                <a:t>.xx.aksapp.io</a:t>
-              </a:r>
-            </a:p>
-          </p:txBody>
-        </p:sp>
-        <p:sp>
-          <p:nvSpPr>
-            <p:cNvPr id="228" name="Left Brace 227">
-              <a:extLst>
-                <a:ext uri="{FF2B5EF4-FFF2-40B4-BE49-F238E27FC236}">
-                  <a16:creationId xmlns:a16="http://schemas.microsoft.com/office/drawing/2014/main" id="{19B1EF68-9CF5-6046-AB54-11B7702253B5}"/>
-                </a:ext>
-              </a:extLst>
-            </p:cNvPr>
-            <p:cNvSpPr/>
-            <p:nvPr/>
-          </p:nvSpPr>
-          <p:spPr>
-            <a:xfrm rot="16200000">
-              <a:off x="8931684" y="2784474"/>
-              <a:ext cx="214146" cy="3440187"/>
-            </a:xfrm>
-            <a:prstGeom prst="leftBrace">
-              <a:avLst/>
-            </a:prstGeom>
-            <a:ln w="15875">
-              <a:solidFill>
-                <a:schemeClr val="accent6"/>
-              </a:solidFill>
-            </a:ln>
-          </p:spPr>
-          <p:style>
-            <a:lnRef idx="1">
-              <a:schemeClr val="accent1"/>
-            </a:lnRef>
-            <a:fillRef idx="0">
-              <a:schemeClr val="accent1"/>
-            </a:fillRef>
-            <a:effectRef idx="0">
-              <a:schemeClr val="accent1"/>
-            </a:effectRef>
-            <a:fontRef idx="minor">
-              <a:schemeClr val="tx1"/>
-            </a:fontRef>
-          </p:style>
-          <p:txBody>
-            <a:bodyPr rtlCol="0" anchor="ctr"/>
-            <a:lstStyle/>
-            <a:p>
-              <a:pPr algn="ctr"/>
-              <a:endParaRPr lang="en-US"/>
-            </a:p>
-          </p:txBody>
-        </p:sp>
-      </p:grpSp>
-      <p:grpSp>
-        <p:nvGrpSpPr>
           <p:cNvPr id="230" name="Group 229">
             <a:extLst>
               <a:ext uri="{FF2B5EF4-FFF2-40B4-BE49-F238E27FC236}">
@@ -6997,10 +6129,10 @@
             <p:nvPr/>
           </p:nvPicPr>
           <p:blipFill>
-            <a:blip r:embed="rId10">
+            <a:blip r:embed="rId8">
               <a:extLst>
                 <a:ext uri="{96DAC541-7B7A-43D3-8B79-37D633B846F1}">
-                  <asvg:svgBlip xmlns:asvg="http://schemas.microsoft.com/office/drawing/2016/SVG/main" r:embed="rId11"/>
+                  <asvg:svgBlip xmlns:asvg="http://schemas.microsoft.com/office/drawing/2016/SVG/main" r:embed="rId9"/>
                 </a:ext>
               </a:extLst>
             </a:blip>
@@ -7281,10 +6413,10 @@
                 <p:nvPr/>
               </p:nvPicPr>
               <p:blipFill>
-                <a:blip r:embed="rId6">
+                <a:blip r:embed="rId4">
                   <a:extLst>
                     <a:ext uri="{96DAC541-7B7A-43D3-8B79-37D633B846F1}">
-                      <asvg:svgBlip xmlns:asvg="http://schemas.microsoft.com/office/drawing/2016/SVG/main" r:embed="rId7"/>
+                      <asvg:svgBlip xmlns:asvg="http://schemas.microsoft.com/office/drawing/2016/SVG/main" r:embed="rId5"/>
                     </a:ext>
                   </a:extLst>
                 </a:blip>
@@ -7626,44 +6758,660 @@
           </p:sp>
         </p:grpSp>
       </p:grpSp>
-      <p:pic>
-        <p:nvPicPr>
-          <p:cNvPr id="3" name="Audio 2">
-            <a:hlinkClick r:id="" action="ppaction://media"/>
+      <p:grpSp>
+        <p:nvGrpSpPr>
+          <p:cNvPr id="15" name="Group 14">
             <a:extLst>
               <a:ext uri="{FF2B5EF4-FFF2-40B4-BE49-F238E27FC236}">
-                <a16:creationId xmlns:a16="http://schemas.microsoft.com/office/drawing/2014/main" id="{1F630D3D-1BD8-7A4C-B933-5F9D15A2364D}"/>
+                <a16:creationId xmlns:a16="http://schemas.microsoft.com/office/drawing/2014/main" id="{BB175CE1-0E4C-9445-B738-E0FD750627C7}"/>
               </a:ext>
             </a:extLst>
           </p:cNvPr>
-          <p:cNvPicPr>
-            <a:picLocks noChangeAspect="1"/>
-          </p:cNvPicPr>
-          <p:nvPr>
-            <a:audioFile r:link="rId3"/>
-            <p:extLst>
-              <p:ext uri="{DAA4B4D4-6D71-4841-9C94-3DE7FCFB9230}">
-                <p14:media xmlns:p14="http://schemas.microsoft.com/office/powerpoint/2010/main" r:embed="rId2"/>
-              </p:ext>
-            </p:extLst>
-          </p:nvPr>
-        </p:nvPicPr>
-        <p:blipFill>
-          <a:blip r:embed="rId25"/>
-          <a:stretch>
-            <a:fillRect/>
-          </a:stretch>
-        </p:blipFill>
-        <p:spPr>
+          <p:cNvGrpSpPr/>
+          <p:nvPr/>
+        </p:nvGrpSpPr>
+        <p:grpSpPr>
           <a:xfrm>
-            <a:off x="11163300" y="5829300"/>
-            <a:ext cx="812800" cy="812800"/>
+            <a:off x="6763135" y="3646234"/>
+            <a:ext cx="3961728" cy="3233027"/>
+            <a:chOff x="6763135" y="3646234"/>
+            <a:chExt cx="3961728" cy="3233027"/>
           </a:xfrm>
-          <a:prstGeom prst="rect">
-            <a:avLst/>
-          </a:prstGeom>
-        </p:spPr>
-      </p:pic>
+        </p:grpSpPr>
+        <p:grpSp>
+          <p:nvGrpSpPr>
+            <p:cNvPr id="229" name="Group 228">
+              <a:extLst>
+                <a:ext uri="{FF2B5EF4-FFF2-40B4-BE49-F238E27FC236}">
+                  <a16:creationId xmlns:a16="http://schemas.microsoft.com/office/drawing/2014/main" id="{DEE7F832-683B-124A-A3A3-AC53FFB14F8D}"/>
+                </a:ext>
+              </a:extLst>
+            </p:cNvPr>
+            <p:cNvGrpSpPr/>
+            <p:nvPr/>
+          </p:nvGrpSpPr>
+          <p:grpSpPr>
+            <a:xfrm>
+              <a:off x="6895523" y="4358383"/>
+              <a:ext cx="3829340" cy="2520878"/>
+              <a:chOff x="7318663" y="2544460"/>
+              <a:chExt cx="3829340" cy="2520878"/>
+            </a:xfrm>
+          </p:grpSpPr>
+          <p:sp>
+            <p:nvSpPr>
+              <p:cNvPr id="152" name="Rectangle 151">
+                <a:extLst>
+                  <a:ext uri="{FF2B5EF4-FFF2-40B4-BE49-F238E27FC236}">
+                    <a16:creationId xmlns:a16="http://schemas.microsoft.com/office/drawing/2014/main" id="{02746EA6-7B65-FE44-BE84-ACF9D0074B0E}"/>
+                  </a:ext>
+                </a:extLst>
+              </p:cNvPr>
+              <p:cNvSpPr/>
+              <p:nvPr/>
+            </p:nvSpPr>
+            <p:spPr>
+              <a:xfrm>
+                <a:off x="7916861" y="4634451"/>
+                <a:ext cx="2280687" cy="430887"/>
+              </a:xfrm>
+              <a:prstGeom prst="rect">
+                <a:avLst/>
+              </a:prstGeom>
+            </p:spPr>
+            <p:txBody>
+              <a:bodyPr wrap="square">
+                <a:spAutoFit/>
+              </a:bodyPr>
+              <a:lstStyle/>
+              <a:p>
+                <a:pPr algn="ctr"/>
+                <a:r>
+                  <a:rPr lang="en-US" sz="1100" dirty="0">
+                    <a:latin typeface="Consolas" panose="020B0609020204030204" pitchFamily="49" charset="0"/>
+                    <a:cs typeface="Consolas" panose="020B0609020204030204" pitchFamily="49" charset="0"/>
+                  </a:rPr>
+                  <a:t>deploy to preview</a:t>
+                </a:r>
+                <a:br>
+                  <a:rPr lang="en-US" sz="1100" b="1" dirty="0">
+                    <a:latin typeface="Segoe UI Semibold" panose="020B0502040204020203" pitchFamily="34" charset="0"/>
+                    <a:cs typeface="Segoe UI Semibold" panose="020B0502040204020203" pitchFamily="34" charset="0"/>
+                  </a:rPr>
+                </a:br>
+                <a:r>
+                  <a:rPr lang="en-US" sz="1100" b="1" dirty="0">
+                    <a:latin typeface="Segoe UI Semibold" panose="020B0502040204020203" pitchFamily="34" charset="0"/>
+                    <a:cs typeface="Segoe UI Semibold" panose="020B0502040204020203" pitchFamily="34" charset="0"/>
+                  </a:rPr>
+                  <a:t>CD (Release)</a:t>
+                </a:r>
+              </a:p>
+            </p:txBody>
+          </p:sp>
+          <p:pic>
+            <p:nvPicPr>
+              <p:cNvPr id="153" name="Graphic 152">
+                <a:extLst>
+                  <a:ext uri="{FF2B5EF4-FFF2-40B4-BE49-F238E27FC236}">
+                    <a16:creationId xmlns:a16="http://schemas.microsoft.com/office/drawing/2014/main" id="{0B19712B-FD6F-414C-B7DC-0F4C106E0297}"/>
+                  </a:ext>
+                </a:extLst>
+              </p:cNvPr>
+              <p:cNvPicPr>
+                <a:picLocks noChangeAspect="1"/>
+              </p:cNvPicPr>
+              <p:nvPr/>
+            </p:nvPicPr>
+            <p:blipFill>
+              <a:blip r:embed="rId16">
+                <a:extLst>
+                  <a:ext uri="{96DAC541-7B7A-43D3-8B79-37D633B846F1}">
+                    <asvg:svgBlip xmlns:asvg="http://schemas.microsoft.com/office/drawing/2016/SVG/main" r:embed="rId17"/>
+                  </a:ext>
+                </a:extLst>
+              </a:blip>
+              <a:stretch>
+                <a:fillRect/>
+              </a:stretch>
+            </p:blipFill>
+            <p:spPr>
+              <a:xfrm>
+                <a:off x="7678568" y="3240299"/>
+                <a:ext cx="311021" cy="321054"/>
+              </a:xfrm>
+              <a:prstGeom prst="rect">
+                <a:avLst/>
+              </a:prstGeom>
+            </p:spPr>
+          </p:pic>
+          <p:grpSp>
+            <p:nvGrpSpPr>
+              <p:cNvPr id="154" name="Group 153">
+                <a:extLst>
+                  <a:ext uri="{FF2B5EF4-FFF2-40B4-BE49-F238E27FC236}">
+                    <a16:creationId xmlns:a16="http://schemas.microsoft.com/office/drawing/2014/main" id="{6BC17CFE-B6DE-974F-915F-6CFB840B54C0}"/>
+                  </a:ext>
+                </a:extLst>
+              </p:cNvPr>
+              <p:cNvGrpSpPr/>
+              <p:nvPr/>
+            </p:nvGrpSpPr>
+            <p:grpSpPr>
+              <a:xfrm>
+                <a:off x="7391320" y="3622141"/>
+                <a:ext cx="885518" cy="460197"/>
+                <a:chOff x="3811742" y="1728592"/>
+                <a:chExt cx="885518" cy="460197"/>
+              </a:xfrm>
+            </p:grpSpPr>
+            <p:cxnSp>
+              <p:nvCxnSpPr>
+                <p:cNvPr id="155" name="Straight Arrow Connector 154">
+                  <a:extLst>
+                    <a:ext uri="{FF2B5EF4-FFF2-40B4-BE49-F238E27FC236}">
+                      <a16:creationId xmlns:a16="http://schemas.microsoft.com/office/drawing/2014/main" id="{E629EB72-A23E-4947-8410-8CBC97BFD106}"/>
+                    </a:ext>
+                  </a:extLst>
+                </p:cNvPr>
+                <p:cNvCxnSpPr/>
+                <p:nvPr/>
+              </p:nvCxnSpPr>
+              <p:spPr>
+                <a:xfrm>
+                  <a:off x="3811742" y="1728592"/>
+                  <a:ext cx="885518" cy="0"/>
+                </a:xfrm>
+                <a:prstGeom prst="straightConnector1">
+                  <a:avLst/>
+                </a:prstGeom>
+                <a:ln w="57150">
+                  <a:solidFill>
+                    <a:schemeClr val="tx1"/>
+                  </a:solidFill>
+                  <a:headEnd type="none" w="med" len="sm"/>
+                  <a:tailEnd type="triangle" w="med" len="sm"/>
+                </a:ln>
+              </p:spPr>
+              <p:style>
+                <a:lnRef idx="1">
+                  <a:schemeClr val="accent1"/>
+                </a:lnRef>
+                <a:fillRef idx="0">
+                  <a:schemeClr val="accent1"/>
+                </a:fillRef>
+                <a:effectRef idx="0">
+                  <a:schemeClr val="accent1"/>
+                </a:effectRef>
+                <a:fontRef idx="minor">
+                  <a:schemeClr val="tx1"/>
+                </a:fontRef>
+              </p:style>
+            </p:cxnSp>
+            <p:sp>
+              <p:nvSpPr>
+                <p:cNvPr id="156" name="Rectangle 155">
+                  <a:extLst>
+                    <a:ext uri="{FF2B5EF4-FFF2-40B4-BE49-F238E27FC236}">
+                      <a16:creationId xmlns:a16="http://schemas.microsoft.com/office/drawing/2014/main" id="{EC4AA549-D3F2-7446-A55A-16891264CAE3}"/>
+                    </a:ext>
+                  </a:extLst>
+                </p:cNvPr>
+                <p:cNvSpPr/>
+                <p:nvPr/>
+              </p:nvSpPr>
+              <p:spPr>
+                <a:xfrm>
+                  <a:off x="3931338" y="1757902"/>
+                  <a:ext cx="646331" cy="430887"/>
+                </a:xfrm>
+                <a:prstGeom prst="rect">
+                  <a:avLst/>
+                </a:prstGeom>
+              </p:spPr>
+              <p:txBody>
+                <a:bodyPr wrap="none">
+                  <a:spAutoFit/>
+                </a:bodyPr>
+                <a:lstStyle/>
+                <a:p>
+                  <a:pPr algn="ctr"/>
+                  <a:r>
+                    <a:rPr lang="en-US" sz="1100" dirty="0">
+                      <a:latin typeface="Consolas" panose="020B0609020204030204" pitchFamily="49" charset="0"/>
+                      <a:cs typeface="Consolas" panose="020B0609020204030204" pitchFamily="49" charset="0"/>
+                    </a:rPr>
+                    <a:t>helm</a:t>
+                  </a:r>
+                  <a:br>
+                    <a:rPr lang="en-US" sz="1100" dirty="0">
+                      <a:latin typeface="Consolas" panose="020B0609020204030204" pitchFamily="49" charset="0"/>
+                      <a:cs typeface="Consolas" panose="020B0609020204030204" pitchFamily="49" charset="0"/>
+                    </a:rPr>
+                  </a:br>
+                  <a:r>
+                    <a:rPr lang="en-US" sz="1100" dirty="0">
+                      <a:latin typeface="Consolas" panose="020B0609020204030204" pitchFamily="49" charset="0"/>
+                      <a:cs typeface="Consolas" panose="020B0609020204030204" pitchFamily="49" charset="0"/>
+                    </a:rPr>
+                    <a:t>deploy</a:t>
+                  </a:r>
+                </a:p>
+              </p:txBody>
+            </p:sp>
+          </p:grpSp>
+          <p:pic>
+            <p:nvPicPr>
+              <p:cNvPr id="163" name="Graphic 162">
+                <a:extLst>
+                  <a:ext uri="{FF2B5EF4-FFF2-40B4-BE49-F238E27FC236}">
+                    <a16:creationId xmlns:a16="http://schemas.microsoft.com/office/drawing/2014/main" id="{A5BFD80B-B332-EE45-9581-4065B5185046}"/>
+                  </a:ext>
+                </a:extLst>
+              </p:cNvPr>
+              <p:cNvPicPr>
+                <a:picLocks noChangeAspect="1"/>
+              </p:cNvPicPr>
+              <p:nvPr/>
+            </p:nvPicPr>
+            <p:blipFill>
+              <a:blip r:embed="rId20">
+                <a:extLst>
+                  <a:ext uri="{96DAC541-7B7A-43D3-8B79-37D633B846F1}">
+                    <asvg:svgBlip xmlns:asvg="http://schemas.microsoft.com/office/drawing/2016/SVG/main" r:embed="rId21"/>
+                  </a:ext>
+                </a:extLst>
+              </a:blip>
+              <a:stretch>
+                <a:fillRect/>
+              </a:stretch>
+            </p:blipFill>
+            <p:spPr>
+              <a:xfrm>
+                <a:off x="8359439" y="3370326"/>
+                <a:ext cx="469900" cy="469900"/>
+              </a:xfrm>
+              <a:prstGeom prst="rect">
+                <a:avLst/>
+              </a:prstGeom>
+            </p:spPr>
+          </p:pic>
+          <p:pic>
+            <p:nvPicPr>
+              <p:cNvPr id="164" name="Picture 163">
+                <a:extLst>
+                  <a:ext uri="{FF2B5EF4-FFF2-40B4-BE49-F238E27FC236}">
+                    <a16:creationId xmlns:a16="http://schemas.microsoft.com/office/drawing/2014/main" id="{35B3687F-68B1-0944-B458-04447563E13C}"/>
+                  </a:ext>
+                </a:extLst>
+              </p:cNvPr>
+              <p:cNvPicPr>
+                <a:picLocks noChangeAspect="1"/>
+              </p:cNvPicPr>
+              <p:nvPr/>
+            </p:nvPicPr>
+            <p:blipFill>
+              <a:blip r:embed="rId22"/>
+              <a:stretch>
+                <a:fillRect/>
+              </a:stretch>
+            </p:blipFill>
+            <p:spPr>
+              <a:xfrm>
+                <a:off x="8655423" y="3684276"/>
+                <a:ext cx="234432" cy="234432"/>
+              </a:xfrm>
+              <a:prstGeom prst="rect">
+                <a:avLst/>
+              </a:prstGeom>
+            </p:spPr>
+          </p:pic>
+          <p:sp>
+            <p:nvSpPr>
+              <p:cNvPr id="165" name="Rectangle 164">
+                <a:extLst>
+                  <a:ext uri="{FF2B5EF4-FFF2-40B4-BE49-F238E27FC236}">
+                    <a16:creationId xmlns:a16="http://schemas.microsoft.com/office/drawing/2014/main" id="{FD50B477-83DE-FB4A-8DF4-30349EE9001F}"/>
+                  </a:ext>
+                </a:extLst>
+              </p:cNvPr>
+              <p:cNvSpPr/>
+              <p:nvPr/>
+            </p:nvSpPr>
+            <p:spPr>
+              <a:xfrm>
+                <a:off x="8206301" y="2872466"/>
+                <a:ext cx="776175" cy="507831"/>
+              </a:xfrm>
+              <a:prstGeom prst="rect">
+                <a:avLst/>
+              </a:prstGeom>
+            </p:spPr>
+            <p:txBody>
+              <a:bodyPr wrap="none">
+                <a:spAutoFit/>
+              </a:bodyPr>
+              <a:lstStyle/>
+              <a:p>
+                <a:pPr algn="ctr"/>
+                <a:r>
+                  <a:rPr lang="en-US" sz="900" b="1" dirty="0">
+                    <a:latin typeface="Segoe UI Semibold" panose="020B0502040204020203" pitchFamily="34" charset="0"/>
+                    <a:cs typeface="Segoe UI Semibold" panose="020B0502040204020203" pitchFamily="34" charset="0"/>
+                  </a:rPr>
+                  <a:t>Azure</a:t>
+                </a:r>
+                <a:br>
+                  <a:rPr lang="en-US" sz="900" b="1" dirty="0">
+                    <a:latin typeface="Segoe UI Semibold" panose="020B0502040204020203" pitchFamily="34" charset="0"/>
+                    <a:cs typeface="Segoe UI Semibold" panose="020B0502040204020203" pitchFamily="34" charset="0"/>
+                  </a:rPr>
+                </a:br>
+                <a:r>
+                  <a:rPr lang="en-US" sz="900" b="1" dirty="0">
+                    <a:latin typeface="Segoe UI Semibold" panose="020B0502040204020203" pitchFamily="34" charset="0"/>
+                    <a:cs typeface="Segoe UI Semibold" panose="020B0502040204020203" pitchFamily="34" charset="0"/>
+                  </a:rPr>
+                  <a:t>Kubernetes</a:t>
+                </a:r>
+                <a:br>
+                  <a:rPr lang="en-US" sz="900" b="1" dirty="0">
+                    <a:latin typeface="Segoe UI Semibold" panose="020B0502040204020203" pitchFamily="34" charset="0"/>
+                    <a:cs typeface="Segoe UI Semibold" panose="020B0502040204020203" pitchFamily="34" charset="0"/>
+                  </a:rPr>
+                </a:br>
+                <a:r>
+                  <a:rPr lang="en-US" sz="900" b="1" dirty="0">
+                    <a:latin typeface="Segoe UI Semibold" panose="020B0502040204020203" pitchFamily="34" charset="0"/>
+                    <a:cs typeface="Segoe UI Semibold" panose="020B0502040204020203" pitchFamily="34" charset="0"/>
+                  </a:rPr>
+                  <a:t>Service</a:t>
+                </a:r>
+                <a:endParaRPr lang="en-US" sz="900" b="1" i="1" dirty="0">
+                  <a:latin typeface="Segoe UI Semibold" panose="020B0502040204020203" pitchFamily="34" charset="0"/>
+                  <a:cs typeface="Segoe UI Semibold" panose="020B0502040204020203" pitchFamily="34" charset="0"/>
+                </a:endParaRPr>
+              </a:p>
+            </p:txBody>
+          </p:sp>
+          <p:sp>
+            <p:nvSpPr>
+              <p:cNvPr id="226" name="Rectangle 225">
+                <a:extLst>
+                  <a:ext uri="{FF2B5EF4-FFF2-40B4-BE49-F238E27FC236}">
+                    <a16:creationId xmlns:a16="http://schemas.microsoft.com/office/drawing/2014/main" id="{FA9FCB72-AF14-9743-BA5F-F4AF0B27C299}"/>
+                  </a:ext>
+                </a:extLst>
+              </p:cNvPr>
+              <p:cNvSpPr/>
+              <p:nvPr/>
+            </p:nvSpPr>
+            <p:spPr>
+              <a:xfrm>
+                <a:off x="8276838" y="3863035"/>
+                <a:ext cx="2260555" cy="215444"/>
+              </a:xfrm>
+              <a:prstGeom prst="rect">
+                <a:avLst/>
+              </a:prstGeom>
+            </p:spPr>
+            <p:txBody>
+              <a:bodyPr wrap="none">
+                <a:spAutoFit/>
+              </a:bodyPr>
+              <a:lstStyle/>
+              <a:p>
+                <a:r>
+                  <a:rPr lang="en-US" sz="800" dirty="0">
+                    <a:latin typeface="Consolas" panose="020B0609020204030204" pitchFamily="49" charset="0"/>
+                    <a:cs typeface="Consolas" panose="020B0609020204030204" pitchFamily="49" charset="0"/>
+                  </a:rPr>
+                  <a:t>namespace: foo-service-</a:t>
+                </a:r>
+                <a:r>
+                  <a:rPr lang="en-US" sz="800" dirty="0" err="1">
+                    <a:latin typeface="Consolas" panose="020B0609020204030204" pitchFamily="49" charset="0"/>
+                    <a:cs typeface="Consolas" panose="020B0609020204030204" pitchFamily="49" charset="0"/>
+                  </a:rPr>
+                  <a:t>pr</a:t>
+                </a:r>
+                <a:r>
+                  <a:rPr lang="en-US" sz="800" dirty="0">
+                    <a:latin typeface="Consolas" panose="020B0609020204030204" pitchFamily="49" charset="0"/>
+                    <a:cs typeface="Consolas" panose="020B0609020204030204" pitchFamily="49" charset="0"/>
+                  </a:rPr>
+                  <a:t>-${build-id}</a:t>
+                </a:r>
+                <a:endParaRPr lang="en-US" sz="800" dirty="0"/>
+              </a:p>
+            </p:txBody>
+          </p:sp>
+          <p:sp>
+            <p:nvSpPr>
+              <p:cNvPr id="227" name="TextBox 226">
+                <a:extLst>
+                  <a:ext uri="{FF2B5EF4-FFF2-40B4-BE49-F238E27FC236}">
+                    <a16:creationId xmlns:a16="http://schemas.microsoft.com/office/drawing/2014/main" id="{C903C200-7B53-F349-AB49-8F28E1E43A22}"/>
+                  </a:ext>
+                </a:extLst>
+              </p:cNvPr>
+              <p:cNvSpPr txBox="1"/>
+              <p:nvPr/>
+            </p:nvSpPr>
+            <p:spPr>
+              <a:xfrm>
+                <a:off x="8353648" y="2544460"/>
+                <a:ext cx="2794355" cy="246221"/>
+              </a:xfrm>
+              <a:prstGeom prst="rect">
+                <a:avLst/>
+              </a:prstGeom>
+              <a:solidFill>
+                <a:srgbClr val="00B0F0"/>
+              </a:solidFill>
+            </p:spPr>
+            <p:txBody>
+              <a:bodyPr wrap="none" rtlCol="0">
+                <a:spAutoFit/>
+              </a:bodyPr>
+              <a:lstStyle/>
+              <a:p>
+                <a:r>
+                  <a:rPr lang="en-US" sz="1000" dirty="0">
+                    <a:latin typeface="Consolas" panose="020B0609020204030204" pitchFamily="49" charset="0"/>
+                    <a:cs typeface="Consolas" panose="020B0609020204030204" pitchFamily="49" charset="0"/>
+                  </a:rPr>
+                  <a:t>http://foo-service-</a:t>
+                </a:r>
+                <a:r>
+                  <a:rPr lang="en-US" sz="1000" b="1" dirty="0">
+                    <a:latin typeface="Consolas" panose="020B0609020204030204" pitchFamily="49" charset="0"/>
+                    <a:cs typeface="Consolas" panose="020B0609020204030204" pitchFamily="49" charset="0"/>
+                  </a:rPr>
+                  <a:t>pr-12</a:t>
+                </a:r>
+                <a:r>
+                  <a:rPr lang="en-US" sz="1000" dirty="0">
+                    <a:latin typeface="Consolas" panose="020B0609020204030204" pitchFamily="49" charset="0"/>
+                    <a:cs typeface="Consolas" panose="020B0609020204030204" pitchFamily="49" charset="0"/>
+                  </a:rPr>
+                  <a:t>.xx.aksapp.io</a:t>
+                </a:r>
+              </a:p>
+            </p:txBody>
+          </p:sp>
+          <p:sp>
+            <p:nvSpPr>
+              <p:cNvPr id="228" name="Left Brace 227">
+                <a:extLst>
+                  <a:ext uri="{FF2B5EF4-FFF2-40B4-BE49-F238E27FC236}">
+                    <a16:creationId xmlns:a16="http://schemas.microsoft.com/office/drawing/2014/main" id="{19B1EF68-9CF5-6046-AB54-11B7702253B5}"/>
+                  </a:ext>
+                </a:extLst>
+              </p:cNvPr>
+              <p:cNvSpPr/>
+              <p:nvPr/>
+            </p:nvSpPr>
+            <p:spPr>
+              <a:xfrm rot="16200000">
+                <a:off x="8931684" y="2784474"/>
+                <a:ext cx="214146" cy="3440187"/>
+              </a:xfrm>
+              <a:prstGeom prst="leftBrace">
+                <a:avLst/>
+              </a:prstGeom>
+              <a:ln w="15875">
+                <a:solidFill>
+                  <a:schemeClr val="accent6"/>
+                </a:solidFill>
+              </a:ln>
+            </p:spPr>
+            <p:style>
+              <a:lnRef idx="1">
+                <a:schemeClr val="accent1"/>
+              </a:lnRef>
+              <a:fillRef idx="0">
+                <a:schemeClr val="accent1"/>
+              </a:fillRef>
+              <a:effectRef idx="0">
+                <a:schemeClr val="accent1"/>
+              </a:effectRef>
+              <a:fontRef idx="minor">
+                <a:schemeClr val="tx1"/>
+              </a:fontRef>
+            </p:style>
+            <p:txBody>
+              <a:bodyPr rtlCol="0" anchor="ctr"/>
+              <a:lstStyle/>
+              <a:p>
+                <a:pPr algn="ctr"/>
+                <a:endParaRPr lang="en-US"/>
+              </a:p>
+            </p:txBody>
+          </p:sp>
+        </p:grpSp>
+        <p:grpSp>
+          <p:nvGrpSpPr>
+            <p:cNvPr id="14" name="Group 13">
+              <a:extLst>
+                <a:ext uri="{FF2B5EF4-FFF2-40B4-BE49-F238E27FC236}">
+                  <a16:creationId xmlns:a16="http://schemas.microsoft.com/office/drawing/2014/main" id="{4ED625AC-C602-7D43-9A75-F20AC904A6E7}"/>
+                </a:ext>
+              </a:extLst>
+            </p:cNvPr>
+            <p:cNvGrpSpPr/>
+            <p:nvPr/>
+          </p:nvGrpSpPr>
+          <p:grpSpPr>
+            <a:xfrm>
+              <a:off x="6763135" y="3646234"/>
+              <a:ext cx="317552" cy="2349107"/>
+              <a:chOff x="6763135" y="3646234"/>
+              <a:chExt cx="317552" cy="2349107"/>
+            </a:xfrm>
+          </p:grpSpPr>
+          <p:cxnSp>
+            <p:nvCxnSpPr>
+              <p:cNvPr id="75" name="Elbow Connector 74">
+                <a:extLst>
+                  <a:ext uri="{FF2B5EF4-FFF2-40B4-BE49-F238E27FC236}">
+                    <a16:creationId xmlns:a16="http://schemas.microsoft.com/office/drawing/2014/main" id="{C0D6BD5A-3DE1-7C45-BE79-6CD70869B798}"/>
+                  </a:ext>
+                </a:extLst>
+              </p:cNvPr>
+              <p:cNvCxnSpPr>
+                <a:cxnSpLocks/>
+                <a:stCxn id="145" idx="3"/>
+                <a:endCxn id="7" idx="2"/>
+              </p:cNvCxnSpPr>
+              <p:nvPr/>
+            </p:nvCxnSpPr>
+            <p:spPr>
+              <a:xfrm flipH="1">
+                <a:off x="6763135" y="3646234"/>
+                <a:ext cx="132389" cy="2207382"/>
+              </a:xfrm>
+              <a:prstGeom prst="bentConnector5">
+                <a:avLst>
+                  <a:gd name="adj1" fmla="val -172673"/>
+                  <a:gd name="adj2" fmla="val 51755"/>
+                  <a:gd name="adj3" fmla="val 518252"/>
+                </a:avLst>
+              </a:prstGeom>
+              <a:ln w="57150">
+                <a:solidFill>
+                  <a:srgbClr val="00B050"/>
+                </a:solidFill>
+                <a:tailEnd type="triangle" w="med" len="sm"/>
+              </a:ln>
+            </p:spPr>
+            <p:style>
+              <a:lnRef idx="1">
+                <a:schemeClr val="accent1"/>
+              </a:lnRef>
+              <a:fillRef idx="0">
+                <a:schemeClr val="accent1"/>
+              </a:fillRef>
+              <a:effectRef idx="0">
+                <a:schemeClr val="accent1"/>
+              </a:effectRef>
+              <a:fontRef idx="minor">
+                <a:schemeClr val="tx1"/>
+              </a:fontRef>
+            </p:style>
+          </p:cxnSp>
+          <p:sp>
+            <p:nvSpPr>
+              <p:cNvPr id="7" name="Oval 6">
+                <a:extLst>
+                  <a:ext uri="{FF2B5EF4-FFF2-40B4-BE49-F238E27FC236}">
+                    <a16:creationId xmlns:a16="http://schemas.microsoft.com/office/drawing/2014/main" id="{30182132-85DB-704E-9FDA-845C1F735C67}"/>
+                  </a:ext>
+                </a:extLst>
+              </p:cNvPr>
+              <p:cNvSpPr/>
+              <p:nvPr/>
+            </p:nvSpPr>
+            <p:spPr>
+              <a:xfrm>
+                <a:off x="6763135" y="5711891"/>
+                <a:ext cx="317552" cy="283450"/>
+              </a:xfrm>
+              <a:prstGeom prst="ellipse">
+                <a:avLst/>
+              </a:prstGeom>
+              <a:noFill/>
+              <a:ln>
+                <a:noFill/>
+              </a:ln>
+            </p:spPr>
+            <p:style>
+              <a:lnRef idx="2">
+                <a:schemeClr val="accent1">
+                  <a:shade val="50000"/>
+                </a:schemeClr>
+              </a:lnRef>
+              <a:fillRef idx="1">
+                <a:schemeClr val="accent1"/>
+              </a:fillRef>
+              <a:effectRef idx="0">
+                <a:schemeClr val="accent1"/>
+              </a:effectRef>
+              <a:fontRef idx="minor">
+                <a:schemeClr val="lt1"/>
+              </a:fontRef>
+            </p:style>
+            <p:txBody>
+              <a:bodyPr rtlCol="0" anchor="ctr"/>
+              <a:lstStyle/>
+              <a:p>
+                <a:pPr algn="ctr"/>
+                <a:endParaRPr lang="en-US"/>
+              </a:p>
+            </p:txBody>
+          </p:sp>
+        </p:grpSp>
+      </p:grpSp>
     </p:spTree>
     <p:custDataLst>
       <p:tags r:id="rId1"/>
@@ -7679,10 +7427,10 @@
   </p:clrMapOvr>
   <mc:AlternateContent xmlns:mc="http://schemas.openxmlformats.org/markup-compatibility/2006">
     <mc:Choice xmlns:p14="http://schemas.microsoft.com/office/powerpoint/2010/main" Requires="p14">
-      <p:transition spd="slow" p14:dur="2000" advTm="10500"/>
+      <p:transition spd="slow" p14:dur="2000" advTm="12158"/>
     </mc:Choice>
     <mc:Fallback>
-      <p:transition spd="slow" advTm="10500"/>
+      <p:transition spd="slow" advTm="12158"/>
     </mc:Fallback>
   </mc:AlternateContent>
   <p:timing>
@@ -7697,9 +7445,6 @@
                     <p:cTn id="3" fill="hold">
                       <p:stCondLst>
                         <p:cond delay="indefinite"/>
-                        <p:cond evt="onBegin" delay="0">
-                          <p:tn val="2"/>
-                        </p:cond>
                       </p:stCondLst>
                       <p:childTnLst>
                         <p:par>
@@ -7709,19 +7454,29 @@
                             </p:stCondLst>
                             <p:childTnLst>
                               <p:par>
-                                <p:cTn id="5" presetID="1" presetClass="mediacall" presetSubtype="0" fill="hold" nodeType="afterEffect">
+                                <p:cTn id="5" presetID="1" presetClass="entr" presetSubtype="0" fill="hold" nodeType="clickEffect">
                                   <p:stCondLst>
                                     <p:cond delay="0"/>
                                   </p:stCondLst>
                                   <p:childTnLst>
-                                    <p:cmd type="call" cmd="playFrom(0.0)">
+                                    <p:set>
                                       <p:cBhvr>
-                                        <p:cTn id="6" dur="1" fill="hold"/>
+                                        <p:cTn id="6" dur="1" fill="hold">
+                                          <p:stCondLst>
+                                            <p:cond delay="0"/>
+                                          </p:stCondLst>
+                                        </p:cTn>
                                         <p:tgtEl>
-                                          <p:spTgt spid="3"/>
+                                          <p:spTgt spid="2"/>
                                         </p:tgtEl>
+                                        <p:attrNameLst>
+                                          <p:attrName>style.visibility</p:attrName>
+                                        </p:attrNameLst>
                                       </p:cBhvr>
-                                    </p:cmd>
+                                      <p:to>
+                                        <p:strVal val="visible"/>
+                                      </p:to>
+                                    </p:set>
                                   </p:childTnLst>
                                 </p:cTn>
                               </p:par>
@@ -7744,7 +7499,7 @@
                             </p:stCondLst>
                             <p:childTnLst>
                               <p:par>
-                                <p:cTn id="9" presetID="10" presetClass="entr" presetSubtype="0" fill="hold" nodeType="clickEffect">
+                                <p:cTn id="9" presetID="1" presetClass="entr" presetSubtype="0" fill="hold" nodeType="clickEffect">
                                   <p:stCondLst>
                                     <p:cond delay="0"/>
                                   </p:stCondLst>
@@ -7757,7 +7512,7 @@
                                           </p:stCondLst>
                                         </p:cTn>
                                         <p:tgtEl>
-                                          <p:spTgt spid="2"/>
+                                          <p:spTgt spid="15"/>
                                         </p:tgtEl>
                                         <p:attrNameLst>
                                           <p:attrName>style.visibility</p:attrName>
@@ -7767,90 +7522,6 @@
                                         <p:strVal val="visible"/>
                                       </p:to>
                                     </p:set>
-                                    <p:animEffect transition="in" filter="fade">
-                                      <p:cBhvr>
-                                        <p:cTn id="11" dur="500"/>
-                                        <p:tgtEl>
-                                          <p:spTgt spid="2"/>
-                                        </p:tgtEl>
-                                      </p:cBhvr>
-                                    </p:animEffect>
-                                  </p:childTnLst>
-                                </p:cTn>
-                              </p:par>
-                            </p:childTnLst>
-                          </p:cTn>
-                        </p:par>
-                      </p:childTnLst>
-                    </p:cTn>
-                  </p:par>
-                  <p:par>
-                    <p:cTn id="12" fill="hold">
-                      <p:stCondLst>
-                        <p:cond delay="indefinite"/>
-                      </p:stCondLst>
-                      <p:childTnLst>
-                        <p:par>
-                          <p:cTn id="13" fill="hold">
-                            <p:stCondLst>
-                              <p:cond delay="0"/>
-                            </p:stCondLst>
-                            <p:childTnLst>
-                              <p:par>
-                                <p:cTn id="14" presetID="12" presetClass="entr" presetSubtype="8" fill="hold" nodeType="clickEffect">
-                                  <p:stCondLst>
-                                    <p:cond delay="0"/>
-                                  </p:stCondLst>
-                                  <p:childTnLst>
-                                    <p:set>
-                                      <p:cBhvr>
-                                        <p:cTn id="15" dur="1" fill="hold">
-                                          <p:stCondLst>
-                                            <p:cond delay="0"/>
-                                          </p:stCondLst>
-                                        </p:cTn>
-                                        <p:tgtEl>
-                                          <p:spTgt spid="229"/>
-                                        </p:tgtEl>
-                                        <p:attrNameLst>
-                                          <p:attrName>style.visibility</p:attrName>
-                                        </p:attrNameLst>
-                                      </p:cBhvr>
-                                      <p:to>
-                                        <p:strVal val="visible"/>
-                                      </p:to>
-                                    </p:set>
-                                    <p:anim calcmode="lin" valueType="num">
-                                      <p:cBhvr additive="base">
-                                        <p:cTn id="16" dur="500"/>
-                                        <p:tgtEl>
-                                          <p:spTgt spid="229"/>
-                                        </p:tgtEl>
-                                        <p:attrNameLst>
-                                          <p:attrName>ppt_x</p:attrName>
-                                        </p:attrNameLst>
-                                      </p:cBhvr>
-                                      <p:tavLst>
-                                        <p:tav tm="0">
-                                          <p:val>
-                                            <p:strVal val="#ppt_x-#ppt_w*1.125000"/>
-                                          </p:val>
-                                        </p:tav>
-                                        <p:tav tm="100000">
-                                          <p:val>
-                                            <p:strVal val="#ppt_x"/>
-                                          </p:val>
-                                        </p:tav>
-                                      </p:tavLst>
-                                    </p:anim>
-                                    <p:animEffect transition="in" filter="wipe(right)">
-                                      <p:cBhvr>
-                                        <p:cTn id="17" dur="500"/>
-                                        <p:tgtEl>
-                                          <p:spTgt spid="229"/>
-                                        </p:tgtEl>
-                                      </p:cBhvr>
-                                    </p:animEffect>
                                   </p:childTnLst>
                                 </p:cTn>
                               </p:par>
@@ -7877,25 +7548,6 @@
                 </p:cond>
               </p:nextCondLst>
             </p:seq>
-            <p:audio isNarration="1">
-              <p:cMediaNode vol="80000" showWhenStopped="0">
-                <p:cTn id="18" fill="hold" display="0">
-                  <p:stCondLst>
-                    <p:cond delay="indefinite"/>
-                  </p:stCondLst>
-                  <p:endCondLst>
-                    <p:cond evt="onStopAudio" delay="0">
-                      <p:tgtEl>
-                        <p:sldTgt/>
-                      </p:tgtEl>
-                    </p:cond>
-                  </p:endCondLst>
-                </p:cTn>
-                <p:tgtEl>
-                  <p:spTgt spid="3"/>
-                </p:tgtEl>
-              </p:cMediaNode>
-            </p:audio>
           </p:childTnLst>
         </p:cTn>
       </p:par>
@@ -7923,10 +7575,10 @@
       </p:grpSpPr>
       <p:grpSp>
         <p:nvGrpSpPr>
-          <p:cNvPr id="9" name="Group 8">
+          <p:cNvPr id="22" name="Group 21">
             <a:extLst>
               <a:ext uri="{FF2B5EF4-FFF2-40B4-BE49-F238E27FC236}">
-                <a16:creationId xmlns:a16="http://schemas.microsoft.com/office/drawing/2014/main" id="{4956C1C5-44EB-684A-9C31-D79D4D224186}"/>
+                <a16:creationId xmlns:a16="http://schemas.microsoft.com/office/drawing/2014/main" id="{67CD26E8-53B3-634D-8AB6-9B0B4081A2C5}"/>
               </a:ext>
             </a:extLst>
           </p:cNvPr>
@@ -7935,18 +7587,18 @@
         </p:nvGrpSpPr>
         <p:grpSpPr>
           <a:xfrm>
-            <a:off x="1237928" y="2499980"/>
-            <a:ext cx="5835840" cy="3844349"/>
-            <a:chOff x="1237928" y="2499980"/>
-            <a:chExt cx="5835840" cy="3844349"/>
+            <a:off x="1237928" y="1220810"/>
+            <a:ext cx="5835840" cy="2800443"/>
+            <a:chOff x="1237928" y="1220810"/>
+            <a:chExt cx="5835840" cy="2800443"/>
           </a:xfrm>
         </p:grpSpPr>
         <p:grpSp>
           <p:nvGrpSpPr>
-            <p:cNvPr id="205" name="Group 204">
+            <p:cNvPr id="223" name="Group 222">
               <a:extLst>
                 <a:ext uri="{FF2B5EF4-FFF2-40B4-BE49-F238E27FC236}">
-                  <a16:creationId xmlns:a16="http://schemas.microsoft.com/office/drawing/2014/main" id="{A1C6BFE2-30BE-3B49-A021-F01C7F1A7073}"/>
+                  <a16:creationId xmlns:a16="http://schemas.microsoft.com/office/drawing/2014/main" id="{9031E030-A065-0947-AA91-8D3C17F8C191}"/>
                 </a:ext>
               </a:extLst>
             </p:cNvPr>
@@ -7955,10 +7607,174 @@
           </p:nvGrpSpPr>
           <p:grpSpPr>
             <a:xfrm>
-              <a:off x="6148514" y="4419209"/>
-              <a:ext cx="925254" cy="725228"/>
-              <a:chOff x="6148514" y="3560465"/>
-              <a:chExt cx="925254" cy="725228"/>
+              <a:off x="1237928" y="1220810"/>
+              <a:ext cx="880331" cy="994769"/>
+              <a:chOff x="1237928" y="2581391"/>
+              <a:chExt cx="880331" cy="994769"/>
+            </a:xfrm>
+          </p:grpSpPr>
+          <p:grpSp>
+            <p:nvGrpSpPr>
+              <p:cNvPr id="173" name="Group 172">
+                <a:extLst>
+                  <a:ext uri="{FF2B5EF4-FFF2-40B4-BE49-F238E27FC236}">
+                    <a16:creationId xmlns:a16="http://schemas.microsoft.com/office/drawing/2014/main" id="{0442B172-604E-5A40-BDFC-C9F47724BA53}"/>
+                  </a:ext>
+                </a:extLst>
+              </p:cNvPr>
+              <p:cNvGrpSpPr/>
+              <p:nvPr/>
+            </p:nvGrpSpPr>
+            <p:grpSpPr>
+              <a:xfrm rot="5400000">
+                <a:off x="1294881" y="2752782"/>
+                <a:ext cx="994769" cy="651987"/>
+                <a:chOff x="1293083" y="1730769"/>
+                <a:chExt cx="994769" cy="651987"/>
+              </a:xfrm>
+            </p:grpSpPr>
+            <p:cxnSp>
+              <p:nvCxnSpPr>
+                <p:cNvPr id="174" name="Straight Arrow Connector 173">
+                  <a:extLst>
+                    <a:ext uri="{FF2B5EF4-FFF2-40B4-BE49-F238E27FC236}">
+                      <a16:creationId xmlns:a16="http://schemas.microsoft.com/office/drawing/2014/main" id="{E98DB5E0-FBC9-3344-A3E9-A2EC4A141E48}"/>
+                    </a:ext>
+                  </a:extLst>
+                </p:cNvPr>
+                <p:cNvCxnSpPr>
+                  <a:cxnSpLocks/>
+                </p:cNvCxnSpPr>
+                <p:nvPr/>
+              </p:nvCxnSpPr>
+              <p:spPr>
+                <a:xfrm rot="16200000">
+                  <a:off x="1790468" y="1233384"/>
+                  <a:ext cx="0" cy="994769"/>
+                </a:xfrm>
+                <a:prstGeom prst="straightConnector1">
+                  <a:avLst/>
+                </a:prstGeom>
+                <a:ln w="57150">
+                  <a:solidFill>
+                    <a:schemeClr val="tx1"/>
+                  </a:solidFill>
+                  <a:headEnd type="none" w="med" len="sm"/>
+                  <a:tailEnd type="triangle" w="med" len="sm"/>
+                </a:ln>
+              </p:spPr>
+              <p:style>
+                <a:lnRef idx="1">
+                  <a:schemeClr val="accent1"/>
+                </a:lnRef>
+                <a:fillRef idx="0">
+                  <a:schemeClr val="accent1"/>
+                </a:fillRef>
+                <a:effectRef idx="0">
+                  <a:schemeClr val="accent1"/>
+                </a:effectRef>
+                <a:fontRef idx="minor">
+                  <a:schemeClr val="tx1"/>
+                </a:fontRef>
+              </p:style>
+            </p:cxnSp>
+            <p:sp>
+              <p:nvSpPr>
+                <p:cNvPr id="175" name="Rectangle 174">
+                  <a:extLst>
+                    <a:ext uri="{FF2B5EF4-FFF2-40B4-BE49-F238E27FC236}">
+                      <a16:creationId xmlns:a16="http://schemas.microsoft.com/office/drawing/2014/main" id="{52D5BD40-F1D0-664B-9856-61438F919F3C}"/>
+                    </a:ext>
+                  </a:extLst>
+                </p:cNvPr>
+                <p:cNvSpPr/>
+                <p:nvPr/>
+              </p:nvSpPr>
+              <p:spPr>
+                <a:xfrm rot="16200000">
+                  <a:off x="1523898" y="1967258"/>
+                  <a:ext cx="569387" cy="261610"/>
+                </a:xfrm>
+                <a:prstGeom prst="rect">
+                  <a:avLst/>
+                </a:prstGeom>
+                <a:solidFill>
+                  <a:srgbClr val="00B050"/>
+                </a:solidFill>
+              </p:spPr>
+              <p:txBody>
+                <a:bodyPr wrap="none">
+                  <a:spAutoFit/>
+                </a:bodyPr>
+                <a:lstStyle/>
+                <a:p>
+                  <a:pPr algn="ctr"/>
+                  <a:r>
+                    <a:rPr lang="en-US" sz="1100" dirty="0">
+                      <a:latin typeface="Consolas" panose="020B0609020204030204" pitchFamily="49" charset="0"/>
+                      <a:cs typeface="Consolas" panose="020B0609020204030204" pitchFamily="49" charset="0"/>
+                    </a:rPr>
+                    <a:t>merge</a:t>
+                  </a:r>
+                </a:p>
+              </p:txBody>
+            </p:sp>
+          </p:grpSp>
+          <p:pic>
+            <p:nvPicPr>
+              <p:cNvPr id="179" name="Picture 178">
+                <a:extLst>
+                  <a:ext uri="{FF2B5EF4-FFF2-40B4-BE49-F238E27FC236}">
+                    <a16:creationId xmlns:a16="http://schemas.microsoft.com/office/drawing/2014/main" id="{4619F0F8-CA50-994B-937C-74CFEBBE86CD}"/>
+                  </a:ext>
+                </a:extLst>
+              </p:cNvPr>
+              <p:cNvPicPr>
+                <a:picLocks noChangeAspect="1"/>
+              </p:cNvPicPr>
+              <p:nvPr/>
+            </p:nvPicPr>
+            <p:blipFill>
+              <a:blip r:embed="rId4">
+                <a:extLst>
+                  <a:ext uri="{28A0092B-C50C-407E-A947-70E740481C1C}">
+                    <a14:useLocalDpi xmlns:a14="http://schemas.microsoft.com/office/drawing/2010/main"/>
+                  </a:ext>
+                </a:extLst>
+              </a:blip>
+              <a:stretch>
+                <a:fillRect/>
+              </a:stretch>
+            </p:blipFill>
+            <p:spPr>
+              <a:xfrm>
+                <a:off x="1237928" y="2987191"/>
+                <a:ext cx="183072" cy="244036"/>
+              </a:xfrm>
+              <a:prstGeom prst="rect">
+                <a:avLst/>
+              </a:prstGeom>
+            </p:spPr>
+          </p:pic>
+        </p:grpSp>
+        <p:grpSp>
+          <p:nvGrpSpPr>
+            <p:cNvPr id="18" name="Group 17">
+              <a:extLst>
+                <a:ext uri="{FF2B5EF4-FFF2-40B4-BE49-F238E27FC236}">
+                  <a16:creationId xmlns:a16="http://schemas.microsoft.com/office/drawing/2014/main" id="{FDC631B7-1777-3046-9B89-66BEE273E789}"/>
+                </a:ext>
+              </a:extLst>
+            </p:cNvPr>
+            <p:cNvGrpSpPr/>
+            <p:nvPr/>
+          </p:nvGrpSpPr>
+          <p:grpSpPr>
+            <a:xfrm>
+              <a:off x="1421001" y="1253076"/>
+              <a:ext cx="5652767" cy="2768177"/>
+              <a:chOff x="1421001" y="2215579"/>
+              <a:chExt cx="5652767" cy="2768177"/>
             </a:xfrm>
           </p:grpSpPr>
           <p:pic>
@@ -7976,14 +7792,14 @@
               <p:nvPr/>
             </p:nvPicPr>
             <p:blipFill>
-              <a:blip r:embed="rId6"/>
+              <a:blip r:embed="rId5"/>
               <a:stretch>
                 <a:fillRect/>
               </a:stretch>
             </p:blipFill>
             <p:spPr>
               <a:xfrm>
-                <a:off x="6326758" y="3847269"/>
+                <a:off x="6326758" y="3345440"/>
                 <a:ext cx="568766" cy="438424"/>
               </a:xfrm>
               <a:prstGeom prst="rect">
@@ -8005,7 +7821,7 @@
             </p:nvSpPr>
             <p:spPr>
               <a:xfrm>
-                <a:off x="6148514" y="3560465"/>
+                <a:off x="6148514" y="3058636"/>
                 <a:ext cx="925254" cy="230832"/>
               </a:xfrm>
               <a:prstGeom prst="rect">
@@ -8033,27 +7849,6 @@
               </a:p>
             </p:txBody>
           </p:sp>
-        </p:grpSp>
-        <p:grpSp>
-          <p:nvGrpSpPr>
-            <p:cNvPr id="7" name="Group 6">
-              <a:extLst>
-                <a:ext uri="{FF2B5EF4-FFF2-40B4-BE49-F238E27FC236}">
-                  <a16:creationId xmlns:a16="http://schemas.microsoft.com/office/drawing/2014/main" id="{EF9C29AD-4E49-984D-A978-85374CA3C99C}"/>
-                </a:ext>
-              </a:extLst>
-            </p:cNvPr>
-            <p:cNvGrpSpPr/>
-            <p:nvPr/>
-          </p:nvGrpSpPr>
-          <p:grpSpPr>
-            <a:xfrm>
-              <a:off x="1237928" y="2499980"/>
-              <a:ext cx="5657595" cy="3844349"/>
-              <a:chOff x="1237928" y="2499980"/>
-              <a:chExt cx="5657595" cy="3844349"/>
-            </a:xfrm>
-          </p:grpSpPr>
           <p:sp>
             <p:nvSpPr>
               <p:cNvPr id="176" name="Rectangle 175">
@@ -8068,8 +7863,8 @@
             </p:nvSpPr>
             <p:spPr>
               <a:xfrm>
-                <a:off x="1758793" y="4659167"/>
-                <a:ext cx="723275" cy="430887"/>
+                <a:off x="1421001" y="3298594"/>
+                <a:ext cx="1061068" cy="430887"/>
               </a:xfrm>
               <a:prstGeom prst="rect">
                 <a:avLst/>
@@ -8087,7 +7882,7 @@
                     <a:latin typeface="Consolas" panose="020B0609020204030204" pitchFamily="49" charset="0"/>
                     <a:cs typeface="Consolas" panose="020B0609020204030204" pitchFamily="49" charset="0"/>
                   </a:rPr>
-                  <a:t>master</a:t>
+                  <a:t>development</a:t>
                 </a:r>
                 <a:br>
                   <a:rPr lang="en-US" sz="1100" b="1" dirty="0">
@@ -8105,177 +7900,48 @@
               </a:p>
             </p:txBody>
           </p:sp>
-          <p:grpSp>
-            <p:nvGrpSpPr>
-              <p:cNvPr id="223" name="Group 222">
-                <a:extLst>
-                  <a:ext uri="{FF2B5EF4-FFF2-40B4-BE49-F238E27FC236}">
-                    <a16:creationId xmlns:a16="http://schemas.microsoft.com/office/drawing/2014/main" id="{9031E030-A065-0947-AA91-8D3C17F8C191}"/>
-                  </a:ext>
-                </a:extLst>
-              </p:cNvPr>
-              <p:cNvGrpSpPr/>
-              <p:nvPr/>
-            </p:nvGrpSpPr>
-            <p:grpSpPr>
-              <a:xfrm>
-                <a:off x="1237928" y="2499980"/>
-                <a:ext cx="891015" cy="2151058"/>
-                <a:chOff x="1237928" y="2499988"/>
-                <a:chExt cx="891015" cy="2151058"/>
-              </a:xfrm>
-            </p:grpSpPr>
-            <p:grpSp>
-              <p:nvGrpSpPr>
-                <p:cNvPr id="173" name="Group 172">
-                  <a:extLst>
-                    <a:ext uri="{FF2B5EF4-FFF2-40B4-BE49-F238E27FC236}">
-                      <a16:creationId xmlns:a16="http://schemas.microsoft.com/office/drawing/2014/main" id="{0442B172-604E-5A40-BDFC-C9F47724BA53}"/>
-                    </a:ext>
-                  </a:extLst>
-                </p:cNvPr>
-                <p:cNvGrpSpPr/>
-                <p:nvPr/>
-              </p:nvGrpSpPr>
-              <p:grpSpPr>
-                <a:xfrm rot="5400000">
-                  <a:off x="722078" y="3244180"/>
-                  <a:ext cx="2151058" cy="662673"/>
-                  <a:chOff x="1211681" y="1720083"/>
-                  <a:chExt cx="2151058" cy="662673"/>
-                </a:xfrm>
-              </p:grpSpPr>
-              <p:cxnSp>
-                <p:nvCxnSpPr>
-                  <p:cNvPr id="174" name="Straight Arrow Connector 173">
-                    <a:extLst>
-                      <a:ext uri="{FF2B5EF4-FFF2-40B4-BE49-F238E27FC236}">
-                        <a16:creationId xmlns:a16="http://schemas.microsoft.com/office/drawing/2014/main" id="{E98DB5E0-FBC9-3344-A3E9-A2EC4A141E48}"/>
-                      </a:ext>
-                    </a:extLst>
-                  </p:cNvPr>
-                  <p:cNvCxnSpPr>
-                    <a:cxnSpLocks/>
-                    <a:stCxn id="103" idx="2"/>
-                  </p:cNvCxnSpPr>
-                  <p:nvPr/>
-                </p:nvCxnSpPr>
-                <p:spPr>
-                  <a:xfrm rot="16200000" flipH="1">
-                    <a:off x="2282956" y="648808"/>
-                    <a:ext cx="8508" cy="2151058"/>
-                  </a:xfrm>
-                  <a:prstGeom prst="straightConnector1">
-                    <a:avLst/>
-                  </a:prstGeom>
-                  <a:ln w="57150">
-                    <a:solidFill>
-                      <a:schemeClr val="tx1"/>
-                    </a:solidFill>
-                    <a:headEnd type="none" w="med" len="sm"/>
-                    <a:tailEnd type="triangle" w="med" len="sm"/>
-                  </a:ln>
-                </p:spPr>
-                <p:style>
-                  <a:lnRef idx="1">
-                    <a:schemeClr val="accent1"/>
-                  </a:lnRef>
-                  <a:fillRef idx="0">
-                    <a:schemeClr val="accent1"/>
-                  </a:fillRef>
-                  <a:effectRef idx="0">
-                    <a:schemeClr val="accent1"/>
-                  </a:effectRef>
-                  <a:fontRef idx="minor">
-                    <a:schemeClr val="tx1"/>
-                  </a:fontRef>
-                </p:style>
-              </p:cxnSp>
-              <p:sp>
-                <p:nvSpPr>
-                  <p:cNvPr id="175" name="Rectangle 174">
-                    <a:extLst>
-                      <a:ext uri="{FF2B5EF4-FFF2-40B4-BE49-F238E27FC236}">
-                        <a16:creationId xmlns:a16="http://schemas.microsoft.com/office/drawing/2014/main" id="{52D5BD40-F1D0-664B-9856-61438F919F3C}"/>
-                      </a:ext>
-                    </a:extLst>
-                  </p:cNvPr>
-                  <p:cNvSpPr/>
-                  <p:nvPr/>
-                </p:nvSpPr>
-                <p:spPr>
-                  <a:xfrm rot="16200000">
-                    <a:off x="2316931" y="1967258"/>
-                    <a:ext cx="569387" cy="261610"/>
-                  </a:xfrm>
-                  <a:prstGeom prst="rect">
-                    <a:avLst/>
-                  </a:prstGeom>
-                  <a:solidFill>
-                    <a:srgbClr val="00B050"/>
-                  </a:solidFill>
-                </p:spPr>
-                <p:txBody>
-                  <a:bodyPr wrap="none">
-                    <a:spAutoFit/>
-                  </a:bodyPr>
-                  <a:lstStyle/>
-                  <a:p>
-                    <a:pPr algn="ctr"/>
-                    <a:r>
-                      <a:rPr lang="en-US" sz="1100" dirty="0">
-                        <a:latin typeface="Consolas" panose="020B0609020204030204" pitchFamily="49" charset="0"/>
-                        <a:cs typeface="Consolas" panose="020B0609020204030204" pitchFamily="49" charset="0"/>
-                      </a:rPr>
-                      <a:t>merge</a:t>
-                    </a:r>
-                  </a:p>
-                </p:txBody>
-              </p:sp>
-            </p:grpSp>
-            <p:pic>
-              <p:nvPicPr>
-                <p:cNvPr id="179" name="Picture 178">
-                  <a:extLst>
-                    <a:ext uri="{FF2B5EF4-FFF2-40B4-BE49-F238E27FC236}">
-                      <a16:creationId xmlns:a16="http://schemas.microsoft.com/office/drawing/2014/main" id="{4619F0F8-CA50-994B-937C-74CFEBBE86CD}"/>
-                    </a:ext>
-                  </a:extLst>
-                </p:cNvPr>
-                <p:cNvPicPr>
-                  <a:picLocks noChangeAspect="1"/>
-                </p:cNvPicPr>
-                <p:nvPr/>
-              </p:nvPicPr>
-              <p:blipFill>
-                <a:blip r:embed="rId7">
-                  <a:extLst>
-                    <a:ext uri="{28A0092B-C50C-407E-A947-70E740481C1C}">
-                      <a14:useLocalDpi xmlns:a14="http://schemas.microsoft.com/office/drawing/2010/main"/>
-                    </a:ext>
-                  </a:extLst>
-                </a:blip>
-                <a:stretch>
-                  <a:fillRect/>
-                </a:stretch>
-              </p:blipFill>
-              <p:spPr>
-                <a:xfrm>
-                  <a:off x="1237928" y="3780224"/>
-                  <a:ext cx="183072" cy="244036"/>
-                </a:xfrm>
-                <a:prstGeom prst="rect">
-                  <a:avLst/>
-                </a:prstGeom>
-              </p:spPr>
-            </p:pic>
-          </p:grpSp>
           <p:pic>
             <p:nvPicPr>
               <p:cNvPr id="187" name="Graphic 186">
                 <a:extLst>
                   <a:ext uri="{FF2B5EF4-FFF2-40B4-BE49-F238E27FC236}">
                     <a16:creationId xmlns:a16="http://schemas.microsoft.com/office/drawing/2014/main" id="{A41329A4-C707-3A4C-ACAD-F6E1C2B94660}"/>
+                  </a:ext>
+                </a:extLst>
+              </p:cNvPr>
+              <p:cNvPicPr>
+                <a:picLocks noChangeAspect="1"/>
+              </p:cNvPicPr>
+              <p:nvPr/>
+            </p:nvPicPr>
+            <p:blipFill>
+              <a:blip r:embed="rId6">
+                <a:extLst>
+                  <a:ext uri="{96DAC541-7B7A-43D3-8B79-37D633B846F1}">
+                    <asvg:svgBlip xmlns:asvg="http://schemas.microsoft.com/office/drawing/2016/SVG/main" r:embed="rId7"/>
+                  </a:ext>
+                </a:extLst>
+              </a:blip>
+              <a:stretch>
+                <a:fillRect/>
+              </a:stretch>
+            </p:blipFill>
+            <p:spPr>
+              <a:xfrm>
+                <a:off x="4175972" y="3162219"/>
+                <a:ext cx="378514" cy="378514"/>
+              </a:xfrm>
+              <a:prstGeom prst="rect">
+                <a:avLst/>
+              </a:prstGeom>
+            </p:spPr>
+          </p:pic>
+          <p:pic>
+            <p:nvPicPr>
+              <p:cNvPr id="188" name="Graphic 187">
+                <a:extLst>
+                  <a:ext uri="{FF2B5EF4-FFF2-40B4-BE49-F238E27FC236}">
+                    <a16:creationId xmlns:a16="http://schemas.microsoft.com/office/drawing/2014/main" id="{E20E74FD-80D6-3747-B360-3345970A40E8}"/>
                   </a:ext>
                 </a:extLst>
               </p:cNvPr>
@@ -8298,43 +7964,7 @@
             </p:blipFill>
             <p:spPr>
               <a:xfrm>
-                <a:off x="4175972" y="4522792"/>
-                <a:ext cx="378514" cy="378514"/>
-              </a:xfrm>
-              <a:prstGeom prst="rect">
-                <a:avLst/>
-              </a:prstGeom>
-            </p:spPr>
-          </p:pic>
-          <p:pic>
-            <p:nvPicPr>
-              <p:cNvPr id="188" name="Graphic 187">
-                <a:extLst>
-                  <a:ext uri="{FF2B5EF4-FFF2-40B4-BE49-F238E27FC236}">
-                    <a16:creationId xmlns:a16="http://schemas.microsoft.com/office/drawing/2014/main" id="{E20E74FD-80D6-3747-B360-3345970A40E8}"/>
-                  </a:ext>
-                </a:extLst>
-              </p:cNvPr>
-              <p:cNvPicPr>
-                <a:picLocks noChangeAspect="1"/>
-              </p:cNvPicPr>
-              <p:nvPr/>
-            </p:nvPicPr>
-            <p:blipFill>
-              <a:blip r:embed="rId10">
-                <a:extLst>
-                  <a:ext uri="{96DAC541-7B7A-43D3-8B79-37D633B846F1}">
-                    <asvg:svgBlip xmlns:asvg="http://schemas.microsoft.com/office/drawing/2016/SVG/main" r:embed="rId11"/>
-                  </a:ext>
-                </a:extLst>
-              </a:blip>
-              <a:stretch>
-                <a:fillRect/>
-              </a:stretch>
-            </p:blipFill>
-            <p:spPr>
-              <a:xfrm>
-                <a:off x="4841909" y="4626523"/>
+                <a:off x="4841909" y="3265950"/>
                 <a:ext cx="516890" cy="516890"/>
               </a:xfrm>
               <a:prstGeom prst="rect">
@@ -8356,7 +7986,7 @@
             </p:nvSpPr>
             <p:spPr>
               <a:xfrm>
-                <a:off x="3286430" y="3916041"/>
+                <a:off x="3286430" y="2555468"/>
                 <a:ext cx="697627" cy="646331"/>
               </a:xfrm>
               <a:prstGeom prst="rect">
@@ -8434,10 +8064,10 @@
               <p:nvPr/>
             </p:nvPicPr>
             <p:blipFill>
-              <a:blip r:embed="rId12">
+              <a:blip r:embed="rId10">
                 <a:extLst>
                   <a:ext uri="{96DAC541-7B7A-43D3-8B79-37D633B846F1}">
-                    <asvg:svgBlip xmlns:asvg="http://schemas.microsoft.com/office/drawing/2016/SVG/main" r:embed="rId13"/>
+                    <asvg:svgBlip xmlns:asvg="http://schemas.microsoft.com/office/drawing/2016/SVG/main" r:embed="rId11"/>
                   </a:ext>
                 </a:extLst>
               </a:blip>
@@ -8447,7 +8077,7 @@
             </p:blipFill>
             <p:spPr>
               <a:xfrm>
-                <a:off x="3381937" y="4573309"/>
+                <a:off x="3381937" y="3212736"/>
                 <a:ext cx="506615" cy="506615"/>
               </a:xfrm>
               <a:prstGeom prst="rect">
@@ -8469,7 +8099,7 @@
             </p:nvGrpSpPr>
             <p:grpSpPr>
               <a:xfrm>
-                <a:off x="3922471" y="4903984"/>
+                <a:off x="3922471" y="3543411"/>
                 <a:ext cx="885518" cy="290920"/>
                 <a:chOff x="3811742" y="1728592"/>
                 <a:chExt cx="885518" cy="290920"/>
@@ -8571,7 +8201,7 @@
             </p:nvGrpSpPr>
             <p:grpSpPr>
               <a:xfrm>
-                <a:off x="2478833" y="4903927"/>
+                <a:off x="2478833" y="3543354"/>
                 <a:ext cx="885518" cy="798751"/>
                 <a:chOff x="3811742" y="1728592"/>
                 <a:chExt cx="885518" cy="798751"/>
@@ -8712,7 +8342,7 @@
             </p:nvSpPr>
             <p:spPr>
               <a:xfrm>
-                <a:off x="4751540" y="4147466"/>
+                <a:off x="4751540" y="2786893"/>
                 <a:ext cx="697627" cy="507831"/>
               </a:xfrm>
               <a:prstGeom prst="rect">
@@ -8780,8 +8410,8 @@
             </p:nvSpPr>
             <p:spPr>
               <a:xfrm>
-                <a:off x="3668658" y="5098781"/>
-                <a:ext cx="1475083" cy="215444"/>
+                <a:off x="3556448" y="3738208"/>
+                <a:ext cx="1699504" cy="215444"/>
               </a:xfrm>
               <a:prstGeom prst="rect">
                 <a:avLst/>
@@ -8795,11 +8425,18 @@
               <a:p>
                 <a:pPr algn="ctr"/>
                 <a:r>
+                  <a:rPr lang="en-US" sz="800" dirty="0" err="1">
+                    <a:latin typeface="Consolas" panose="020B0609020204030204" pitchFamily="49" charset="0"/>
+                    <a:cs typeface="Consolas" panose="020B0609020204030204" pitchFamily="49" charset="0"/>
+                  </a:rPr>
+                  <a:t>foo-service:dev</a:t>
+                </a:r>
+                <a:r>
                   <a:rPr lang="en-US" sz="800" dirty="0">
                     <a:latin typeface="Consolas" panose="020B0609020204030204" pitchFamily="49" charset="0"/>
                     <a:cs typeface="Consolas" panose="020B0609020204030204" pitchFamily="49" charset="0"/>
                   </a:rPr>
-                  <a:t>foo-service:${build-id}</a:t>
+                  <a:t>-${build-id}</a:t>
                 </a:r>
               </a:p>
             </p:txBody>
@@ -8819,10 +8456,10 @@
               <p:nvPr/>
             </p:nvPicPr>
             <p:blipFill>
-              <a:blip r:embed="rId14">
+              <a:blip r:embed="rId12">
                 <a:extLst>
                   <a:ext uri="{96DAC541-7B7A-43D3-8B79-37D633B846F1}">
-                    <asvg:svgBlip xmlns:asvg="http://schemas.microsoft.com/office/drawing/2016/SVG/main" r:embed="rId15"/>
+                    <asvg:svgBlip xmlns:asvg="http://schemas.microsoft.com/office/drawing/2016/SVG/main" r:embed="rId13"/>
                   </a:ext>
                 </a:extLst>
               </a:blip>
@@ -8832,7 +8469,7 @@
             </p:blipFill>
             <p:spPr>
               <a:xfrm>
-                <a:off x="5685835" y="4522085"/>
+                <a:off x="5685835" y="3161512"/>
                 <a:ext cx="311021" cy="321054"/>
               </a:xfrm>
               <a:prstGeom prst="rect">
@@ -8854,7 +8491,7 @@
             </p:nvGrpSpPr>
             <p:grpSpPr>
               <a:xfrm>
-                <a:off x="5364294" y="4903927"/>
+                <a:off x="5364294" y="3543354"/>
                 <a:ext cx="954107" cy="460197"/>
                 <a:chOff x="3777449" y="1728592"/>
                 <a:chExt cx="954107" cy="460197"/>
@@ -8969,7 +8606,7 @@
             </p:nvSpPr>
             <p:spPr>
               <a:xfrm rot="16200000">
-                <a:off x="4281817" y="3276926"/>
+                <a:off x="4281817" y="1916353"/>
                 <a:ext cx="211491" cy="5015921"/>
               </a:xfrm>
               <a:prstGeom prst="leftBrace">
@@ -9018,8 +8655,8 @@
             </p:nvSpPr>
             <p:spPr>
               <a:xfrm>
-                <a:off x="3610802" y="5913442"/>
-                <a:ext cx="1649502" cy="430887"/>
+                <a:off x="3590481" y="4552869"/>
+                <a:ext cx="1838365" cy="430887"/>
               </a:xfrm>
               <a:prstGeom prst="rect">
                 <a:avLst/>
@@ -9037,7 +8674,7 @@
                     <a:latin typeface="Consolas" panose="020B0609020204030204" pitchFamily="49" charset="0"/>
                     <a:cs typeface="Consolas" panose="020B0609020204030204" pitchFamily="49" charset="0"/>
                   </a:rPr>
-                  <a:t>merge to master</a:t>
+                  <a:t>merge to development</a:t>
                 </a:r>
                 <a:br>
                   <a:rPr lang="en-US" sz="1100" b="1" dirty="0">
@@ -9069,7 +8706,7 @@
             </p:nvCxnSpPr>
             <p:spPr>
               <a:xfrm>
-                <a:off x="5825587" y="4069838"/>
+                <a:off x="5825587" y="2709265"/>
                 <a:ext cx="0" cy="377727"/>
               </a:xfrm>
               <a:prstGeom prst="straightConnector1">
@@ -9111,7 +8748,7 @@
             </p:nvSpPr>
             <p:spPr>
               <a:xfrm>
-                <a:off x="5802616" y="3576152"/>
+                <a:off x="5802616" y="2215579"/>
                 <a:ext cx="960519" cy="553998"/>
               </a:xfrm>
               <a:prstGeom prst="rect">
@@ -9172,12 +8809,725 @@
           </p:sp>
         </p:grpSp>
       </p:grpSp>
+      <p:sp>
+        <p:nvSpPr>
+          <p:cNvPr id="136" name="TextBox 135">
+            <a:extLst>
+              <a:ext uri="{FF2B5EF4-FFF2-40B4-BE49-F238E27FC236}">
+                <a16:creationId xmlns:a16="http://schemas.microsoft.com/office/drawing/2014/main" id="{BFD3DADB-269B-E84A-9E4E-DB2E44E5FA83}"/>
+              </a:ext>
+            </a:extLst>
+          </p:cNvPr>
+          <p:cNvSpPr txBox="1"/>
+          <p:nvPr/>
+        </p:nvSpPr>
+        <p:spPr>
+          <a:xfrm>
+            <a:off x="2666586" y="387859"/>
+            <a:ext cx="7928614" cy="523220"/>
+          </a:xfrm>
+          <a:prstGeom prst="rect">
+            <a:avLst/>
+          </a:prstGeom>
+          <a:noFill/>
+        </p:spPr>
+        <p:txBody>
+          <a:bodyPr wrap="square" rtlCol="0">
+            <a:spAutoFit/>
+          </a:bodyPr>
+          <a:lstStyle/>
+          <a:p>
+            <a:r>
+              <a:rPr lang="en-US" sz="1400" dirty="0">
+                <a:latin typeface="Segoe UI" panose="020B0502040204020203" pitchFamily="34" charset="0"/>
+                <a:cs typeface="Segoe UI" panose="020B0502040204020203" pitchFamily="34" charset="0"/>
+              </a:rPr>
+              <a:t>After review of the pull request, when it gets merged with </a:t>
+            </a:r>
+            <a:r>
+              <a:rPr lang="en-US" sz="1400" b="1" dirty="0">
+                <a:latin typeface="Consolas" panose="020B0609020204030204" pitchFamily="49" charset="0"/>
+                <a:cs typeface="Consolas" panose="020B0609020204030204" pitchFamily="49" charset="0"/>
+              </a:rPr>
+              <a:t>development</a:t>
+            </a:r>
+            <a:r>
+              <a:rPr lang="en-US" sz="1400" dirty="0">
+                <a:latin typeface="Segoe UI" panose="020B0502040204020203" pitchFamily="34" charset="0"/>
+                <a:cs typeface="Segoe UI" panose="020B0502040204020203" pitchFamily="34" charset="0"/>
+              </a:rPr>
+              <a:t>, this will run the build pipeline again to generate the merged Docker image, Helm chart, etc. and release to Development</a:t>
+            </a:r>
+          </a:p>
+        </p:txBody>
+      </p:sp>
+      <p:pic>
+        <p:nvPicPr>
+          <p:cNvPr id="125" name="Graphic 124" descr="User">
+            <a:extLst>
+              <a:ext uri="{FF2B5EF4-FFF2-40B4-BE49-F238E27FC236}">
+                <a16:creationId xmlns:a16="http://schemas.microsoft.com/office/drawing/2014/main" id="{D3726D22-2F4F-CE42-B440-CBA79BB2FF56}"/>
+              </a:ext>
+            </a:extLst>
+          </p:cNvPr>
+          <p:cNvPicPr>
+            <a:picLocks noChangeAspect="1"/>
+          </p:cNvPicPr>
+          <p:nvPr/>
+        </p:nvPicPr>
+        <p:blipFill>
+          <a:blip r:embed="rId14">
+            <a:extLst>
+              <a:ext uri="{96DAC541-7B7A-43D3-8B79-37D633B846F1}">
+                <asvg:svgBlip xmlns:asvg="http://schemas.microsoft.com/office/drawing/2016/SVG/main" r:embed="rId15"/>
+              </a:ext>
+            </a:extLst>
+          </a:blip>
+          <a:stretch>
+            <a:fillRect/>
+          </a:stretch>
+        </p:blipFill>
+        <p:spPr>
+          <a:xfrm>
+            <a:off x="741961" y="443251"/>
+            <a:ext cx="656787" cy="665798"/>
+          </a:xfrm>
+          <a:prstGeom prst="rect">
+            <a:avLst/>
+          </a:prstGeom>
+        </p:spPr>
+      </p:pic>
+      <p:sp>
+        <p:nvSpPr>
+          <p:cNvPr id="133" name="Cloud 132">
+            <a:extLst>
+              <a:ext uri="{FF2B5EF4-FFF2-40B4-BE49-F238E27FC236}">
+                <a16:creationId xmlns:a16="http://schemas.microsoft.com/office/drawing/2014/main" id="{4C28CFB4-E7E5-9648-B85C-C38BBE076D5F}"/>
+              </a:ext>
+            </a:extLst>
+          </p:cNvPr>
+          <p:cNvSpPr/>
+          <p:nvPr/>
+        </p:nvSpPr>
+        <p:spPr>
+          <a:xfrm>
+            <a:off x="935061" y="440163"/>
+            <a:ext cx="270586" cy="182183"/>
+          </a:xfrm>
+          <a:prstGeom prst="cloud">
+            <a:avLst/>
+          </a:prstGeom>
+          <a:solidFill>
+            <a:srgbClr val="FFC000"/>
+          </a:solidFill>
+          <a:ln>
+            <a:noFill/>
+          </a:ln>
+        </p:spPr>
+        <p:style>
+          <a:lnRef idx="2">
+            <a:schemeClr val="accent1">
+              <a:shade val="50000"/>
+            </a:schemeClr>
+          </a:lnRef>
+          <a:fillRef idx="1">
+            <a:schemeClr val="accent1"/>
+          </a:fillRef>
+          <a:effectRef idx="0">
+            <a:schemeClr val="accent1"/>
+          </a:effectRef>
+          <a:fontRef idx="minor">
+            <a:schemeClr val="lt1"/>
+          </a:fontRef>
+        </p:style>
+        <p:txBody>
+          <a:bodyPr rtlCol="0" anchor="ctr"/>
+          <a:lstStyle/>
+          <a:p>
+            <a:pPr algn="ctr"/>
+            <a:endParaRPr lang="en-US"/>
+          </a:p>
+        </p:txBody>
+      </p:sp>
+      <p:pic>
+        <p:nvPicPr>
+          <p:cNvPr id="135" name="Graphic 134" descr="Glasses">
+            <a:extLst>
+              <a:ext uri="{FF2B5EF4-FFF2-40B4-BE49-F238E27FC236}">
+                <a16:creationId xmlns:a16="http://schemas.microsoft.com/office/drawing/2014/main" id="{E01754B8-97B9-F34B-B2C2-FAEBF86AC5DA}"/>
+              </a:ext>
+            </a:extLst>
+          </p:cNvPr>
+          <p:cNvPicPr>
+            <a:picLocks noChangeAspect="1"/>
+          </p:cNvPicPr>
+          <p:nvPr/>
+        </p:nvPicPr>
+        <p:blipFill>
+          <a:blip r:embed="rId16">
+            <a:extLst>
+              <a:ext uri="{96DAC541-7B7A-43D3-8B79-37D633B846F1}">
+                <asvg:svgBlip xmlns:asvg="http://schemas.microsoft.com/office/drawing/2016/SVG/main" r:embed="rId17"/>
+              </a:ext>
+            </a:extLst>
+          </a:blip>
+          <a:stretch>
+            <a:fillRect/>
+          </a:stretch>
+        </p:blipFill>
+        <p:spPr>
+          <a:xfrm>
+            <a:off x="955255" y="519996"/>
+            <a:ext cx="230200" cy="233358"/>
+          </a:xfrm>
+          <a:prstGeom prst="rect">
+            <a:avLst/>
+          </a:prstGeom>
+        </p:spPr>
+      </p:pic>
+      <p:sp>
+        <p:nvSpPr>
+          <p:cNvPr id="137" name="Rectangle 136">
+            <a:extLst>
+              <a:ext uri="{FF2B5EF4-FFF2-40B4-BE49-F238E27FC236}">
+                <a16:creationId xmlns:a16="http://schemas.microsoft.com/office/drawing/2014/main" id="{2D238931-370D-C640-B964-FEA8C74F9AFD}"/>
+              </a:ext>
+            </a:extLst>
+          </p:cNvPr>
+          <p:cNvSpPr/>
+          <p:nvPr/>
+        </p:nvSpPr>
+        <p:spPr>
+          <a:xfrm>
+            <a:off x="862605" y="991466"/>
+            <a:ext cx="415498" cy="261610"/>
+          </a:xfrm>
+          <a:prstGeom prst="rect">
+            <a:avLst/>
+          </a:prstGeom>
+        </p:spPr>
+        <p:txBody>
+          <a:bodyPr wrap="none">
+            <a:spAutoFit/>
+          </a:bodyPr>
+          <a:lstStyle/>
+          <a:p>
+            <a:pPr algn="ctr"/>
+            <a:r>
+              <a:rPr lang="en-US" sz="1100" b="1" dirty="0">
+                <a:latin typeface="Segoe UI Semibold" panose="020B0502040204020203" pitchFamily="34" charset="0"/>
+                <a:cs typeface="Segoe UI Semibold" panose="020B0502040204020203" pitchFamily="34" charset="0"/>
+              </a:rPr>
+              <a:t>ops</a:t>
+            </a:r>
+          </a:p>
+        </p:txBody>
+      </p:sp>
+      <p:pic>
+        <p:nvPicPr>
+          <p:cNvPr id="138" name="Graphic 137" descr="User">
+            <a:extLst>
+              <a:ext uri="{FF2B5EF4-FFF2-40B4-BE49-F238E27FC236}">
+                <a16:creationId xmlns:a16="http://schemas.microsoft.com/office/drawing/2014/main" id="{DCA18B36-340E-EA42-836E-EECFAA996309}"/>
+              </a:ext>
+            </a:extLst>
+          </p:cNvPr>
+          <p:cNvPicPr>
+            <a:picLocks noChangeAspect="1"/>
+          </p:cNvPicPr>
+          <p:nvPr/>
+        </p:nvPicPr>
+        <p:blipFill>
+          <a:blip r:embed="rId14">
+            <a:extLst>
+              <a:ext uri="{96DAC541-7B7A-43D3-8B79-37D633B846F1}">
+                <asvg:svgBlip xmlns:asvg="http://schemas.microsoft.com/office/drawing/2016/SVG/main" r:embed="rId15"/>
+              </a:ext>
+            </a:extLst>
+          </a:blip>
+          <a:stretch>
+            <a:fillRect/>
+          </a:stretch>
+        </p:blipFill>
+        <p:spPr>
+          <a:xfrm>
+            <a:off x="263179" y="454578"/>
+            <a:ext cx="656787" cy="656787"/>
+          </a:xfrm>
+          <a:prstGeom prst="rect">
+            <a:avLst/>
+          </a:prstGeom>
+        </p:spPr>
+      </p:pic>
+      <p:sp>
+        <p:nvSpPr>
+          <p:cNvPr id="148" name="Freeform 147">
+            <a:extLst>
+              <a:ext uri="{FF2B5EF4-FFF2-40B4-BE49-F238E27FC236}">
+                <a16:creationId xmlns:a16="http://schemas.microsoft.com/office/drawing/2014/main" id="{5BEA249D-BADE-574B-AEEB-2ADAA885A6B5}"/>
+              </a:ext>
+            </a:extLst>
+          </p:cNvPr>
+          <p:cNvSpPr/>
+          <p:nvPr/>
+        </p:nvSpPr>
+        <p:spPr>
+          <a:xfrm>
+            <a:off x="444816" y="496416"/>
+            <a:ext cx="269819" cy="321697"/>
+          </a:xfrm>
+          <a:custGeom>
+            <a:avLst/>
+            <a:gdLst>
+              <a:gd name="connsiteX0" fmla="*/ 429638 w 1071773"/>
+              <a:gd name="connsiteY0" fmla="*/ 17353 h 1277846"/>
+              <a:gd name="connsiteX1" fmla="*/ 221090 w 1071773"/>
+              <a:gd name="connsiteY1" fmla="*/ 129648 h 1277846"/>
+              <a:gd name="connsiteX2" fmla="*/ 44627 w 1071773"/>
+              <a:gd name="connsiteY2" fmla="*/ 514658 h 1277846"/>
+              <a:gd name="connsiteX3" fmla="*/ 84733 w 1071773"/>
+              <a:gd name="connsiteY3" fmla="*/ 1019985 h 1277846"/>
+              <a:gd name="connsiteX4" fmla="*/ 4522 w 1071773"/>
+              <a:gd name="connsiteY4" fmla="*/ 1260616 h 1277846"/>
+              <a:gd name="connsiteX5" fmla="*/ 245154 w 1071773"/>
+              <a:gd name="connsiteY5" fmla="*/ 1244574 h 1277846"/>
+              <a:gd name="connsiteX6" fmla="*/ 333385 w 1071773"/>
+              <a:gd name="connsiteY6" fmla="*/ 1132279 h 1277846"/>
+              <a:gd name="connsiteX7" fmla="*/ 253175 w 1071773"/>
+              <a:gd name="connsiteY7" fmla="*/ 907690 h 1277846"/>
+              <a:gd name="connsiteX8" fmla="*/ 164943 w 1071773"/>
+              <a:gd name="connsiteY8" fmla="*/ 763311 h 1277846"/>
+              <a:gd name="connsiteX9" fmla="*/ 197027 w 1071773"/>
+              <a:gd name="connsiteY9" fmla="*/ 562785 h 1277846"/>
+              <a:gd name="connsiteX10" fmla="*/ 365469 w 1071773"/>
+              <a:gd name="connsiteY10" fmla="*/ 402363 h 1277846"/>
+              <a:gd name="connsiteX11" fmla="*/ 886838 w 1071773"/>
+              <a:gd name="connsiteY11" fmla="*/ 675079 h 1277846"/>
+              <a:gd name="connsiteX12" fmla="*/ 951006 w 1071773"/>
+              <a:gd name="connsiteY12" fmla="*/ 819458 h 1277846"/>
+              <a:gd name="connsiteX13" fmla="*/ 806627 w 1071773"/>
+              <a:gd name="connsiteY13" fmla="*/ 1044048 h 1277846"/>
+              <a:gd name="connsiteX14" fmla="*/ 846733 w 1071773"/>
+              <a:gd name="connsiteY14" fmla="*/ 1228532 h 1277846"/>
+              <a:gd name="connsiteX15" fmla="*/ 1063301 w 1071773"/>
+              <a:gd name="connsiteY15" fmla="*/ 1260616 h 1277846"/>
+              <a:gd name="connsiteX16" fmla="*/ 1031217 w 1071773"/>
+              <a:gd name="connsiteY16" fmla="*/ 1084153 h 1277846"/>
+              <a:gd name="connsiteX17" fmla="*/ 1063301 w 1071773"/>
+              <a:gd name="connsiteY17" fmla="*/ 659037 h 1277846"/>
+              <a:gd name="connsiteX18" fmla="*/ 1039238 w 1071773"/>
+              <a:gd name="connsiteY18" fmla="*/ 362258 h 1277846"/>
+              <a:gd name="connsiteX19" fmla="*/ 886838 w 1071773"/>
+              <a:gd name="connsiteY19" fmla="*/ 97563 h 1277846"/>
+              <a:gd name="connsiteX20" fmla="*/ 606101 w 1071773"/>
+              <a:gd name="connsiteY20" fmla="*/ 9332 h 1277846"/>
+              <a:gd name="connsiteX21" fmla="*/ 429638 w 1071773"/>
+              <a:gd name="connsiteY21" fmla="*/ 17353 h 1277846"/>
+            </a:gdLst>
+            <a:ahLst/>
+            <a:cxnLst>
+              <a:cxn ang="0">
+                <a:pos x="connsiteX0" y="connsiteY0"/>
+              </a:cxn>
+              <a:cxn ang="0">
+                <a:pos x="connsiteX1" y="connsiteY1"/>
+              </a:cxn>
+              <a:cxn ang="0">
+                <a:pos x="connsiteX2" y="connsiteY2"/>
+              </a:cxn>
+              <a:cxn ang="0">
+                <a:pos x="connsiteX3" y="connsiteY3"/>
+              </a:cxn>
+              <a:cxn ang="0">
+                <a:pos x="connsiteX4" y="connsiteY4"/>
+              </a:cxn>
+              <a:cxn ang="0">
+                <a:pos x="connsiteX5" y="connsiteY5"/>
+              </a:cxn>
+              <a:cxn ang="0">
+                <a:pos x="connsiteX6" y="connsiteY6"/>
+              </a:cxn>
+              <a:cxn ang="0">
+                <a:pos x="connsiteX7" y="connsiteY7"/>
+              </a:cxn>
+              <a:cxn ang="0">
+                <a:pos x="connsiteX8" y="connsiteY8"/>
+              </a:cxn>
+              <a:cxn ang="0">
+                <a:pos x="connsiteX9" y="connsiteY9"/>
+              </a:cxn>
+              <a:cxn ang="0">
+                <a:pos x="connsiteX10" y="connsiteY10"/>
+              </a:cxn>
+              <a:cxn ang="0">
+                <a:pos x="connsiteX11" y="connsiteY11"/>
+              </a:cxn>
+              <a:cxn ang="0">
+                <a:pos x="connsiteX12" y="connsiteY12"/>
+              </a:cxn>
+              <a:cxn ang="0">
+                <a:pos x="connsiteX13" y="connsiteY13"/>
+              </a:cxn>
+              <a:cxn ang="0">
+                <a:pos x="connsiteX14" y="connsiteY14"/>
+              </a:cxn>
+              <a:cxn ang="0">
+                <a:pos x="connsiteX15" y="connsiteY15"/>
+              </a:cxn>
+              <a:cxn ang="0">
+                <a:pos x="connsiteX16" y="connsiteY16"/>
+              </a:cxn>
+              <a:cxn ang="0">
+                <a:pos x="connsiteX17" y="connsiteY17"/>
+              </a:cxn>
+              <a:cxn ang="0">
+                <a:pos x="connsiteX18" y="connsiteY18"/>
+              </a:cxn>
+              <a:cxn ang="0">
+                <a:pos x="connsiteX19" y="connsiteY19"/>
+              </a:cxn>
+              <a:cxn ang="0">
+                <a:pos x="connsiteX20" y="connsiteY20"/>
+              </a:cxn>
+              <a:cxn ang="0">
+                <a:pos x="connsiteX21" y="connsiteY21"/>
+              </a:cxn>
+            </a:cxnLst>
+            <a:rect l="l" t="t" r="r" b="b"/>
+            <a:pathLst>
+              <a:path w="1071773" h="1277846">
+                <a:moveTo>
+                  <a:pt x="429638" y="17353"/>
+                </a:moveTo>
+                <a:cubicBezTo>
+                  <a:pt x="365469" y="37406"/>
+                  <a:pt x="285258" y="46764"/>
+                  <a:pt x="221090" y="129648"/>
+                </a:cubicBezTo>
+                <a:cubicBezTo>
+                  <a:pt x="156922" y="212532"/>
+                  <a:pt x="67353" y="366269"/>
+                  <a:pt x="44627" y="514658"/>
+                </a:cubicBezTo>
+                <a:cubicBezTo>
+                  <a:pt x="21901" y="663047"/>
+                  <a:pt x="91417" y="895659"/>
+                  <a:pt x="84733" y="1019985"/>
+                </a:cubicBezTo>
+                <a:cubicBezTo>
+                  <a:pt x="78049" y="1144311"/>
+                  <a:pt x="-22215" y="1223185"/>
+                  <a:pt x="4522" y="1260616"/>
+                </a:cubicBezTo>
+                <a:cubicBezTo>
+                  <a:pt x="31259" y="1298047"/>
+                  <a:pt x="190344" y="1265963"/>
+                  <a:pt x="245154" y="1244574"/>
+                </a:cubicBezTo>
+                <a:cubicBezTo>
+                  <a:pt x="299964" y="1223185"/>
+                  <a:pt x="332048" y="1188426"/>
+                  <a:pt x="333385" y="1132279"/>
+                </a:cubicBezTo>
+                <a:cubicBezTo>
+                  <a:pt x="334722" y="1076132"/>
+                  <a:pt x="281249" y="969185"/>
+                  <a:pt x="253175" y="907690"/>
+                </a:cubicBezTo>
+                <a:cubicBezTo>
+                  <a:pt x="225101" y="846195"/>
+                  <a:pt x="174301" y="820795"/>
+                  <a:pt x="164943" y="763311"/>
+                </a:cubicBezTo>
+                <a:cubicBezTo>
+                  <a:pt x="155585" y="705827"/>
+                  <a:pt x="163606" y="622943"/>
+                  <a:pt x="197027" y="562785"/>
+                </a:cubicBezTo>
+                <a:cubicBezTo>
+                  <a:pt x="230448" y="502627"/>
+                  <a:pt x="250501" y="383647"/>
+                  <a:pt x="365469" y="402363"/>
+                </a:cubicBezTo>
+                <a:cubicBezTo>
+                  <a:pt x="480437" y="421079"/>
+                  <a:pt x="789248" y="605563"/>
+                  <a:pt x="886838" y="675079"/>
+                </a:cubicBezTo>
+                <a:cubicBezTo>
+                  <a:pt x="984428" y="744595"/>
+                  <a:pt x="964374" y="757963"/>
+                  <a:pt x="951006" y="819458"/>
+                </a:cubicBezTo>
+                <a:cubicBezTo>
+                  <a:pt x="937638" y="880953"/>
+                  <a:pt x="824006" y="975869"/>
+                  <a:pt x="806627" y="1044048"/>
+                </a:cubicBezTo>
+                <a:cubicBezTo>
+                  <a:pt x="789248" y="1112227"/>
+                  <a:pt x="803954" y="1192437"/>
+                  <a:pt x="846733" y="1228532"/>
+                </a:cubicBezTo>
+                <a:cubicBezTo>
+                  <a:pt x="889512" y="1264627"/>
+                  <a:pt x="1032554" y="1284679"/>
+                  <a:pt x="1063301" y="1260616"/>
+                </a:cubicBezTo>
+                <a:cubicBezTo>
+                  <a:pt x="1094048" y="1236553"/>
+                  <a:pt x="1031217" y="1184416"/>
+                  <a:pt x="1031217" y="1084153"/>
+                </a:cubicBezTo>
+                <a:cubicBezTo>
+                  <a:pt x="1031217" y="983890"/>
+                  <a:pt x="1061964" y="779353"/>
+                  <a:pt x="1063301" y="659037"/>
+                </a:cubicBezTo>
+                <a:cubicBezTo>
+                  <a:pt x="1064638" y="538721"/>
+                  <a:pt x="1068649" y="455837"/>
+                  <a:pt x="1039238" y="362258"/>
+                </a:cubicBezTo>
+                <a:cubicBezTo>
+                  <a:pt x="1009827" y="268679"/>
+                  <a:pt x="959028" y="156384"/>
+                  <a:pt x="886838" y="97563"/>
+                </a:cubicBezTo>
+                <a:cubicBezTo>
+                  <a:pt x="814648" y="38742"/>
+                  <a:pt x="682301" y="24037"/>
+                  <a:pt x="606101" y="9332"/>
+                </a:cubicBezTo>
+                <a:cubicBezTo>
+                  <a:pt x="529901" y="-5373"/>
+                  <a:pt x="493807" y="-2700"/>
+                  <a:pt x="429638" y="17353"/>
+                </a:cubicBezTo>
+                <a:close/>
+              </a:path>
+            </a:pathLst>
+          </a:custGeom>
+          <a:solidFill>
+            <a:schemeClr val="accent6">
+              <a:lumMod val="50000"/>
+            </a:schemeClr>
+          </a:solidFill>
+          <a:ln>
+            <a:noFill/>
+          </a:ln>
+        </p:spPr>
+        <p:style>
+          <a:lnRef idx="2">
+            <a:schemeClr val="accent1">
+              <a:shade val="50000"/>
+            </a:schemeClr>
+          </a:lnRef>
+          <a:fillRef idx="1">
+            <a:schemeClr val="accent1"/>
+          </a:fillRef>
+          <a:effectRef idx="0">
+            <a:schemeClr val="accent1"/>
+          </a:effectRef>
+          <a:fontRef idx="minor">
+            <a:schemeClr val="lt1"/>
+          </a:fontRef>
+        </p:style>
+        <p:txBody>
+          <a:bodyPr rtlCol="0" anchor="ctr"/>
+          <a:lstStyle/>
+          <a:p>
+            <a:pPr algn="ctr"/>
+            <a:endParaRPr lang="en-US"/>
+          </a:p>
+        </p:txBody>
+      </p:sp>
+      <p:sp>
+        <p:nvSpPr>
+          <p:cNvPr id="149" name="Rectangle 148">
+            <a:extLst>
+              <a:ext uri="{FF2B5EF4-FFF2-40B4-BE49-F238E27FC236}">
+                <a16:creationId xmlns:a16="http://schemas.microsoft.com/office/drawing/2014/main" id="{0FAA8F22-2FB2-7940-99FC-3784DD5DD4DE}"/>
+              </a:ext>
+            </a:extLst>
+          </p:cNvPr>
+          <p:cNvSpPr/>
+          <p:nvPr/>
+        </p:nvSpPr>
+        <p:spPr>
+          <a:xfrm>
+            <a:off x="371174" y="996381"/>
+            <a:ext cx="417102" cy="261610"/>
+          </a:xfrm>
+          <a:prstGeom prst="rect">
+            <a:avLst/>
+          </a:prstGeom>
+        </p:spPr>
+        <p:txBody>
+          <a:bodyPr wrap="none">
+            <a:spAutoFit/>
+          </a:bodyPr>
+          <a:lstStyle/>
+          <a:p>
+            <a:pPr algn="ctr"/>
+            <a:r>
+              <a:rPr lang="en-US" sz="1100" b="1" dirty="0">
+                <a:latin typeface="Segoe UI Semibold" panose="020B0502040204020203" pitchFamily="34" charset="0"/>
+                <a:cs typeface="Segoe UI Semibold" panose="020B0502040204020203" pitchFamily="34" charset="0"/>
+              </a:rPr>
+              <a:t>dev</a:t>
+            </a:r>
+          </a:p>
+        </p:txBody>
+      </p:sp>
+      <p:pic>
+        <p:nvPicPr>
+          <p:cNvPr id="150" name="Graphic 149">
+            <a:extLst>
+              <a:ext uri="{FF2B5EF4-FFF2-40B4-BE49-F238E27FC236}">
+                <a16:creationId xmlns:a16="http://schemas.microsoft.com/office/drawing/2014/main" id="{9DD99669-8776-1143-B5F5-1C7D31071907}"/>
+              </a:ext>
+            </a:extLst>
+          </p:cNvPr>
+          <p:cNvPicPr>
+            <a:picLocks noChangeAspect="1"/>
+          </p:cNvPicPr>
+          <p:nvPr/>
+        </p:nvPicPr>
+        <p:blipFill>
+          <a:blip r:embed="rId18">
+            <a:extLst>
+              <a:ext uri="{96DAC541-7B7A-43D3-8B79-37D633B846F1}">
+                <asvg:svgBlip xmlns:asvg="http://schemas.microsoft.com/office/drawing/2016/SVG/main" r:embed="rId19"/>
+              </a:ext>
+            </a:extLst>
+          </a:blip>
+          <a:stretch>
+            <a:fillRect/>
+          </a:stretch>
+        </p:blipFill>
+        <p:spPr>
+          <a:xfrm>
+            <a:off x="1794630" y="467234"/>
+            <a:ext cx="645195" cy="322596"/>
+          </a:xfrm>
+          <a:prstGeom prst="rect">
+            <a:avLst/>
+          </a:prstGeom>
+        </p:spPr>
+      </p:pic>
+      <p:sp>
+        <p:nvSpPr>
+          <p:cNvPr id="157" name="Rectangle 156">
+            <a:extLst>
+              <a:ext uri="{FF2B5EF4-FFF2-40B4-BE49-F238E27FC236}">
+                <a16:creationId xmlns:a16="http://schemas.microsoft.com/office/drawing/2014/main" id="{A91051BE-1E14-0A46-948F-B85B82BB0510}"/>
+              </a:ext>
+            </a:extLst>
+          </p:cNvPr>
+          <p:cNvSpPr/>
+          <p:nvPr/>
+        </p:nvSpPr>
+        <p:spPr>
+          <a:xfrm>
+            <a:off x="1602223" y="739708"/>
+            <a:ext cx="1039333" cy="430887"/>
+          </a:xfrm>
+          <a:prstGeom prst="rect">
+            <a:avLst/>
+          </a:prstGeom>
+        </p:spPr>
+        <p:txBody>
+          <a:bodyPr wrap="square">
+            <a:spAutoFit/>
+          </a:bodyPr>
+          <a:lstStyle/>
+          <a:p>
+            <a:pPr algn="ctr"/>
+            <a:r>
+              <a:rPr lang="en-US" sz="1100" dirty="0">
+                <a:latin typeface="Consolas" panose="020B0609020204030204" pitchFamily="49" charset="0"/>
+                <a:cs typeface="Consolas" panose="020B0609020204030204" pitchFamily="49" charset="0"/>
+              </a:rPr>
+              <a:t>feature</a:t>
+            </a:r>
+            <a:br>
+              <a:rPr lang="en-US" sz="1100" b="1" dirty="0">
+                <a:latin typeface="Segoe UI Semibold" panose="020B0502040204020203" pitchFamily="34" charset="0"/>
+                <a:cs typeface="Segoe UI Semibold" panose="020B0502040204020203" pitchFamily="34" charset="0"/>
+              </a:rPr>
+            </a:br>
+            <a:r>
+              <a:rPr lang="en-US" sz="1100" b="1" dirty="0">
+                <a:latin typeface="Segoe UI Semibold" panose="020B0502040204020203" pitchFamily="34" charset="0"/>
+                <a:cs typeface="Segoe UI Semibold" panose="020B0502040204020203" pitchFamily="34" charset="0"/>
+              </a:rPr>
+              <a:t>branch</a:t>
+            </a:r>
+          </a:p>
+        </p:txBody>
+      </p:sp>
+      <p:sp>
+        <p:nvSpPr>
+          <p:cNvPr id="158" name="Rectangle 157">
+            <a:extLst>
+              <a:ext uri="{FF2B5EF4-FFF2-40B4-BE49-F238E27FC236}">
+                <a16:creationId xmlns:a16="http://schemas.microsoft.com/office/drawing/2014/main" id="{46F8C814-C3C4-954A-937C-CE671A785EA0}"/>
+              </a:ext>
+            </a:extLst>
+          </p:cNvPr>
+          <p:cNvSpPr/>
+          <p:nvPr/>
+        </p:nvSpPr>
+        <p:spPr>
+          <a:xfrm>
+            <a:off x="1737237" y="77652"/>
+            <a:ext cx="768159" cy="369332"/>
+          </a:xfrm>
+          <a:prstGeom prst="rect">
+            <a:avLst/>
+          </a:prstGeom>
+        </p:spPr>
+        <p:txBody>
+          <a:bodyPr wrap="square">
+            <a:spAutoFit/>
+          </a:bodyPr>
+          <a:lstStyle/>
+          <a:p>
+            <a:pPr algn="ctr"/>
+            <a:r>
+              <a:rPr lang="en-US" sz="900" b="1" i="1" dirty="0">
+                <a:latin typeface="Segoe UI Semibold" panose="020B0502040204020203" pitchFamily="34" charset="0"/>
+                <a:cs typeface="Segoe UI Semibold" panose="020B0502040204020203" pitchFamily="34" charset="0"/>
+              </a:rPr>
+              <a:t>foo-service</a:t>
+            </a:r>
+            <a:br>
+              <a:rPr lang="en-US" sz="900" b="1" dirty="0">
+                <a:latin typeface="Segoe UI Semibold" panose="020B0502040204020203" pitchFamily="34" charset="0"/>
+                <a:cs typeface="Segoe UI Semibold" panose="020B0502040204020203" pitchFamily="34" charset="0"/>
+              </a:rPr>
+            </a:br>
+            <a:r>
+              <a:rPr lang="en-US" sz="900" b="1" dirty="0">
+                <a:latin typeface="Segoe UI Semibold" panose="020B0502040204020203" pitchFamily="34" charset="0"/>
+                <a:cs typeface="Segoe UI Semibold" panose="020B0502040204020203" pitchFamily="34" charset="0"/>
+              </a:rPr>
+              <a:t>repository</a:t>
+            </a:r>
+            <a:endParaRPr lang="en-US" sz="900" b="1" i="1" dirty="0">
+              <a:latin typeface="Segoe UI Semibold" panose="020B0502040204020203" pitchFamily="34" charset="0"/>
+              <a:cs typeface="Segoe UI Semibold" panose="020B0502040204020203" pitchFamily="34" charset="0"/>
+            </a:endParaRPr>
+          </a:p>
+        </p:txBody>
+      </p:sp>
       <p:grpSp>
         <p:nvGrpSpPr>
-          <p:cNvPr id="6" name="Group 5">
+          <p:cNvPr id="23" name="Group 22">
             <a:extLst>
               <a:ext uri="{FF2B5EF4-FFF2-40B4-BE49-F238E27FC236}">
-                <a16:creationId xmlns:a16="http://schemas.microsoft.com/office/drawing/2014/main" id="{50AAC68C-3F07-2949-AA35-477D5DFC2D3D}"/>
+                <a16:creationId xmlns:a16="http://schemas.microsoft.com/office/drawing/2014/main" id="{D951D01C-7552-EB4D-A6C0-6FA0C2AF837E}"/>
               </a:ext>
             </a:extLst>
           </p:cNvPr>
@@ -9186,18 +9536,18 @@
         </p:nvGrpSpPr>
         <p:grpSpPr>
           <a:xfrm>
-            <a:off x="263179" y="77652"/>
-            <a:ext cx="10884824" cy="3653155"/>
-            <a:chOff x="263179" y="77652"/>
-            <a:chExt cx="10884824" cy="3653155"/>
+            <a:off x="6763135" y="2602149"/>
+            <a:ext cx="3891196" cy="4277112"/>
+            <a:chOff x="6763135" y="2602149"/>
+            <a:chExt cx="3891196" cy="4277112"/>
           </a:xfrm>
         </p:grpSpPr>
         <p:grpSp>
           <p:nvGrpSpPr>
-            <p:cNvPr id="63" name="Group 62">
+            <p:cNvPr id="160" name="Group 159">
               <a:extLst>
                 <a:ext uri="{FF2B5EF4-FFF2-40B4-BE49-F238E27FC236}">
-                  <a16:creationId xmlns:a16="http://schemas.microsoft.com/office/drawing/2014/main" id="{18B3D797-78FF-C745-AD42-2149EB06BBE2}"/>
+                  <a16:creationId xmlns:a16="http://schemas.microsoft.com/office/drawing/2014/main" id="{06686C88-D3A9-D640-AB4E-84931904D557}"/>
                 </a:ext>
               </a:extLst>
             </p:cNvPr>
@@ -9206,18 +9556,226 @@
           </p:nvGrpSpPr>
           <p:grpSpPr>
             <a:xfrm>
-              <a:off x="741961" y="440163"/>
-              <a:ext cx="656787" cy="812913"/>
-              <a:chOff x="2979890" y="2363073"/>
-              <a:chExt cx="656787" cy="812913"/>
+              <a:off x="6763135" y="2602149"/>
+              <a:ext cx="317552" cy="3393192"/>
+              <a:chOff x="6763135" y="2602149"/>
+              <a:chExt cx="317552" cy="3393192"/>
             </a:xfrm>
           </p:grpSpPr>
+          <p:cxnSp>
+            <p:nvCxnSpPr>
+              <p:cNvPr id="161" name="Elbow Connector 160">
+                <a:extLst>
+                  <a:ext uri="{FF2B5EF4-FFF2-40B4-BE49-F238E27FC236}">
+                    <a16:creationId xmlns:a16="http://schemas.microsoft.com/office/drawing/2014/main" id="{97336A18-BF32-A241-ACC9-DEC7994683DA}"/>
+                  </a:ext>
+                </a:extLst>
+              </p:cNvPr>
+              <p:cNvCxnSpPr>
+                <a:cxnSpLocks/>
+                <a:stCxn id="206" idx="3"/>
+                <a:endCxn id="162" idx="2"/>
+              </p:cNvCxnSpPr>
+              <p:nvPr/>
+            </p:nvCxnSpPr>
+            <p:spPr>
+              <a:xfrm flipH="1">
+                <a:off x="6763135" y="2602149"/>
+                <a:ext cx="132389" cy="3251467"/>
+              </a:xfrm>
+              <a:prstGeom prst="bentConnector5">
+                <a:avLst>
+                  <a:gd name="adj1" fmla="val -172673"/>
+                  <a:gd name="adj2" fmla="val 51192"/>
+                  <a:gd name="adj3" fmla="val 456857"/>
+                </a:avLst>
+              </a:prstGeom>
+              <a:ln w="57150">
+                <a:solidFill>
+                  <a:srgbClr val="00B050"/>
+                </a:solidFill>
+                <a:tailEnd type="triangle" w="med" len="sm"/>
+              </a:ln>
+            </p:spPr>
+            <p:style>
+              <a:lnRef idx="1">
+                <a:schemeClr val="accent1"/>
+              </a:lnRef>
+              <a:fillRef idx="0">
+                <a:schemeClr val="accent1"/>
+              </a:fillRef>
+              <a:effectRef idx="0">
+                <a:schemeClr val="accent1"/>
+              </a:effectRef>
+              <a:fontRef idx="minor">
+                <a:schemeClr val="tx1"/>
+              </a:fontRef>
+            </p:style>
+          </p:cxnSp>
+          <p:sp>
+            <p:nvSpPr>
+              <p:cNvPr id="162" name="Oval 161">
+                <a:extLst>
+                  <a:ext uri="{FF2B5EF4-FFF2-40B4-BE49-F238E27FC236}">
+                    <a16:creationId xmlns:a16="http://schemas.microsoft.com/office/drawing/2014/main" id="{03DEF982-3007-1740-AB47-9B1E85B2EAF7}"/>
+                  </a:ext>
+                </a:extLst>
+              </p:cNvPr>
+              <p:cNvSpPr/>
+              <p:nvPr/>
+            </p:nvSpPr>
+            <p:spPr>
+              <a:xfrm>
+                <a:off x="6763135" y="5711891"/>
+                <a:ext cx="317552" cy="283450"/>
+              </a:xfrm>
+              <a:prstGeom prst="ellipse">
+                <a:avLst/>
+              </a:prstGeom>
+              <a:noFill/>
+              <a:ln>
+                <a:noFill/>
+              </a:ln>
+            </p:spPr>
+            <p:style>
+              <a:lnRef idx="2">
+                <a:schemeClr val="accent1">
+                  <a:shade val="50000"/>
+                </a:schemeClr>
+              </a:lnRef>
+              <a:fillRef idx="1">
+                <a:schemeClr val="accent1"/>
+              </a:fillRef>
+              <a:effectRef idx="0">
+                <a:schemeClr val="accent1"/>
+              </a:effectRef>
+              <a:fontRef idx="minor">
+                <a:schemeClr val="lt1"/>
+              </a:fontRef>
+            </p:style>
+            <p:txBody>
+              <a:bodyPr rtlCol="0" anchor="ctr"/>
+              <a:lstStyle/>
+              <a:p>
+                <a:pPr algn="ctr"/>
+                <a:endParaRPr lang="en-US"/>
+              </a:p>
+            </p:txBody>
+          </p:sp>
+        </p:grpSp>
+        <p:grpSp>
+          <p:nvGrpSpPr>
+            <p:cNvPr id="166" name="Group 165">
+              <a:extLst>
+                <a:ext uri="{FF2B5EF4-FFF2-40B4-BE49-F238E27FC236}">
+                  <a16:creationId xmlns:a16="http://schemas.microsoft.com/office/drawing/2014/main" id="{29717E35-721A-1D47-849D-4F5277112574}"/>
+                </a:ext>
+              </a:extLst>
+            </p:cNvPr>
+            <p:cNvGrpSpPr/>
+            <p:nvPr/>
+          </p:nvGrpSpPr>
+          <p:grpSpPr>
+            <a:xfrm>
+              <a:off x="6895523" y="4358383"/>
+              <a:ext cx="3758808" cy="2520878"/>
+              <a:chOff x="7318663" y="2544460"/>
+              <a:chExt cx="3758808" cy="2520878"/>
+            </a:xfrm>
+          </p:grpSpPr>
+          <p:sp>
+            <p:nvSpPr>
+              <p:cNvPr id="167" name="Rectangle 166">
+                <a:extLst>
+                  <a:ext uri="{FF2B5EF4-FFF2-40B4-BE49-F238E27FC236}">
+                    <a16:creationId xmlns:a16="http://schemas.microsoft.com/office/drawing/2014/main" id="{AB5A569F-CC18-8844-A5D5-D277D8B88420}"/>
+                  </a:ext>
+                </a:extLst>
+              </p:cNvPr>
+              <p:cNvSpPr/>
+              <p:nvPr/>
+            </p:nvSpPr>
+            <p:spPr>
+              <a:xfrm>
+                <a:off x="7916861" y="4634451"/>
+                <a:ext cx="2280687" cy="430887"/>
+              </a:xfrm>
+              <a:prstGeom prst="rect">
+                <a:avLst/>
+              </a:prstGeom>
+            </p:spPr>
+            <p:txBody>
+              <a:bodyPr wrap="square">
+                <a:spAutoFit/>
+              </a:bodyPr>
+              <a:lstStyle/>
+              <a:p>
+                <a:pPr algn="ctr"/>
+                <a:r>
+                  <a:rPr lang="en-US" sz="1100" dirty="0">
+                    <a:latin typeface="Consolas" panose="020B0609020204030204" pitchFamily="49" charset="0"/>
+                    <a:cs typeface="Consolas" panose="020B0609020204030204" pitchFamily="49" charset="0"/>
+                  </a:rPr>
+                  <a:t>deploy to dev</a:t>
+                </a:r>
+                <a:br>
+                  <a:rPr lang="en-US" sz="1100" b="1" dirty="0">
+                    <a:latin typeface="Segoe UI Semibold" panose="020B0502040204020203" pitchFamily="34" charset="0"/>
+                    <a:cs typeface="Segoe UI Semibold" panose="020B0502040204020203" pitchFamily="34" charset="0"/>
+                  </a:rPr>
+                </a:br>
+                <a:r>
+                  <a:rPr lang="en-US" sz="1100" b="1" dirty="0">
+                    <a:latin typeface="Segoe UI Semibold" panose="020B0502040204020203" pitchFamily="34" charset="0"/>
+                    <a:cs typeface="Segoe UI Semibold" panose="020B0502040204020203" pitchFamily="34" charset="0"/>
+                  </a:rPr>
+                  <a:t>CD (Release)</a:t>
+                </a:r>
+              </a:p>
+            </p:txBody>
+          </p:sp>
+          <p:pic>
+            <p:nvPicPr>
+              <p:cNvPr id="168" name="Graphic 167">
+                <a:extLst>
+                  <a:ext uri="{FF2B5EF4-FFF2-40B4-BE49-F238E27FC236}">
+                    <a16:creationId xmlns:a16="http://schemas.microsoft.com/office/drawing/2014/main" id="{007A8D32-48DA-1B4F-AE79-00F1D7CBEFA4}"/>
+                  </a:ext>
+                </a:extLst>
+              </p:cNvPr>
+              <p:cNvPicPr>
+                <a:picLocks noChangeAspect="1"/>
+              </p:cNvPicPr>
+              <p:nvPr/>
+            </p:nvPicPr>
+            <p:blipFill>
+              <a:blip r:embed="rId12">
+                <a:extLst>
+                  <a:ext uri="{96DAC541-7B7A-43D3-8B79-37D633B846F1}">
+                    <asvg:svgBlip xmlns:asvg="http://schemas.microsoft.com/office/drawing/2016/SVG/main" r:embed="rId13"/>
+                  </a:ext>
+                </a:extLst>
+              </a:blip>
+              <a:stretch>
+                <a:fillRect/>
+              </a:stretch>
+            </p:blipFill>
+            <p:spPr>
+              <a:xfrm>
+                <a:off x="7678568" y="3240299"/>
+                <a:ext cx="311021" cy="321054"/>
+              </a:xfrm>
+              <a:prstGeom prst="rect">
+                <a:avLst/>
+              </a:prstGeom>
+            </p:spPr>
+          </p:pic>
           <p:grpSp>
             <p:nvGrpSpPr>
-              <p:cNvPr id="38" name="Group 37">
+              <p:cNvPr id="169" name="Group 168">
                 <a:extLst>
                   <a:ext uri="{FF2B5EF4-FFF2-40B4-BE49-F238E27FC236}">
-                    <a16:creationId xmlns:a16="http://schemas.microsoft.com/office/drawing/2014/main" id="{04ECFE06-78BF-2540-956B-F65A60B2D8F0}"/>
+                    <a16:creationId xmlns:a16="http://schemas.microsoft.com/office/drawing/2014/main" id="{6368787D-F2E1-1D46-B692-E3FA54CBD40B}"/>
                   </a:ext>
                 </a:extLst>
               </p:cNvPr>
@@ -9226,54 +9784,61 @@
             </p:nvGrpSpPr>
             <p:grpSpPr>
               <a:xfrm>
-                <a:off x="2979890" y="2363073"/>
-                <a:ext cx="656787" cy="668886"/>
-                <a:chOff x="2489371" y="1320335"/>
-                <a:chExt cx="2608891" cy="2620992"/>
+                <a:off x="7391320" y="3622141"/>
+                <a:ext cx="885518" cy="460197"/>
+                <a:chOff x="3811742" y="1728592"/>
+                <a:chExt cx="885518" cy="460197"/>
               </a:xfrm>
             </p:grpSpPr>
-            <p:pic>
-              <p:nvPicPr>
-                <p:cNvPr id="17" name="Graphic 16" descr="User">
+            <p:cxnSp>
+              <p:nvCxnSpPr>
+                <p:cNvPr id="183" name="Straight Arrow Connector 182">
                   <a:extLst>
                     <a:ext uri="{FF2B5EF4-FFF2-40B4-BE49-F238E27FC236}">
-                      <a16:creationId xmlns:a16="http://schemas.microsoft.com/office/drawing/2014/main" id="{3DCD5239-A774-0147-B62A-E2E76C635618}"/>
+                      <a16:creationId xmlns:a16="http://schemas.microsoft.com/office/drawing/2014/main" id="{7002D023-9997-3B45-8AC5-4F36D3FA6057}"/>
                     </a:ext>
                   </a:extLst>
                 </p:cNvPr>
-                <p:cNvPicPr>
-                  <a:picLocks noChangeAspect="1"/>
-                </p:cNvPicPr>
+                <p:cNvCxnSpPr/>
                 <p:nvPr/>
-              </p:nvPicPr>
-              <p:blipFill>
-                <a:blip r:embed="rId16">
-                  <a:extLst>
-                    <a:ext uri="{96DAC541-7B7A-43D3-8B79-37D633B846F1}">
-                      <asvg:svgBlip xmlns:asvg="http://schemas.microsoft.com/office/drawing/2016/SVG/main" r:embed="rId17"/>
-                    </a:ext>
-                  </a:extLst>
-                </a:blip>
-                <a:stretch>
-                  <a:fillRect/>
-                </a:stretch>
-              </p:blipFill>
+              </p:nvCxnSpPr>
               <p:spPr>
                 <a:xfrm>
-                  <a:off x="2489371" y="1332435"/>
-                  <a:ext cx="2608891" cy="2608892"/>
+                  <a:off x="3811742" y="1728592"/>
+                  <a:ext cx="885518" cy="0"/>
                 </a:xfrm>
-                <a:prstGeom prst="rect">
+                <a:prstGeom prst="straightConnector1">
                   <a:avLst/>
                 </a:prstGeom>
+                <a:ln w="57150">
+                  <a:solidFill>
+                    <a:schemeClr val="tx1"/>
+                  </a:solidFill>
+                  <a:headEnd type="none" w="med" len="sm"/>
+                  <a:tailEnd type="triangle" w="med" len="sm"/>
+                </a:ln>
               </p:spPr>
-            </p:pic>
+              <p:style>
+                <a:lnRef idx="1">
+                  <a:schemeClr val="accent1"/>
+                </a:lnRef>
+                <a:fillRef idx="0">
+                  <a:schemeClr val="accent1"/>
+                </a:fillRef>
+                <a:effectRef idx="0">
+                  <a:schemeClr val="accent1"/>
+                </a:effectRef>
+                <a:fontRef idx="minor">
+                  <a:schemeClr val="tx1"/>
+                </a:fontRef>
+              </p:style>
+            </p:cxnSp>
             <p:sp>
               <p:nvSpPr>
-                <p:cNvPr id="26" name="Cloud 25">
+                <p:cNvPr id="184" name="Rectangle 183">
                   <a:extLst>
                     <a:ext uri="{FF2B5EF4-FFF2-40B4-BE49-F238E27FC236}">
-                      <a16:creationId xmlns:a16="http://schemas.microsoft.com/office/drawing/2014/main" id="{5049FD25-8970-AD4F-B755-29D9EAA35AB6}"/>
+                      <a16:creationId xmlns:a16="http://schemas.microsoft.com/office/drawing/2014/main" id="{C7E9AF19-89B5-8040-95CB-B68CEA87A0B3}"/>
                     </a:ext>
                   </a:extLst>
                 </p:cNvPr>
@@ -9282,87 +9847,116 @@
               </p:nvSpPr>
               <p:spPr>
                 <a:xfrm>
-                  <a:off x="3256405" y="1320335"/>
-                  <a:ext cx="1074821" cy="713874"/>
-                </a:xfrm>
-                <a:prstGeom prst="cloud">
-                  <a:avLst/>
-                </a:prstGeom>
-                <a:solidFill>
-                  <a:srgbClr val="FFC000"/>
-                </a:solidFill>
-                <a:ln>
-                  <a:noFill/>
-                </a:ln>
-              </p:spPr>
-              <p:style>
-                <a:lnRef idx="2">
-                  <a:schemeClr val="accent1">
-                    <a:shade val="50000"/>
-                  </a:schemeClr>
-                </a:lnRef>
-                <a:fillRef idx="1">
-                  <a:schemeClr val="accent1"/>
-                </a:fillRef>
-                <a:effectRef idx="0">
-                  <a:schemeClr val="accent1"/>
-                </a:effectRef>
-                <a:fontRef idx="minor">
-                  <a:schemeClr val="lt1"/>
-                </a:fontRef>
-              </p:style>
-              <p:txBody>
-                <a:bodyPr rtlCol="0" anchor="ctr"/>
-                <a:lstStyle/>
-                <a:p>
-                  <a:pPr algn="ctr"/>
-                  <a:endParaRPr lang="en-US"/>
-                </a:p>
-              </p:txBody>
-            </p:sp>
-            <p:pic>
-              <p:nvPicPr>
-                <p:cNvPr id="19" name="Graphic 18" descr="Glasses">
-                  <a:extLst>
-                    <a:ext uri="{FF2B5EF4-FFF2-40B4-BE49-F238E27FC236}">
-                      <a16:creationId xmlns:a16="http://schemas.microsoft.com/office/drawing/2014/main" id="{81BE7CFF-8548-534F-BC64-B1AE200B444F}"/>
-                    </a:ext>
-                  </a:extLst>
-                </p:cNvPr>
-                <p:cNvPicPr>
-                  <a:picLocks noChangeAspect="1"/>
-                </p:cNvPicPr>
-                <p:nvPr/>
-              </p:nvPicPr>
-              <p:blipFill>
-                <a:blip r:embed="rId18">
-                  <a:extLst>
-                    <a:ext uri="{96DAC541-7B7A-43D3-8B79-37D633B846F1}">
-                      <asvg:svgBlip xmlns:asvg="http://schemas.microsoft.com/office/drawing/2016/SVG/main" r:embed="rId19"/>
-                    </a:ext>
-                  </a:extLst>
-                </a:blip>
-                <a:stretch>
-                  <a:fillRect/>
-                </a:stretch>
-              </p:blipFill>
-              <p:spPr>
-                <a:xfrm>
-                  <a:off x="3336616" y="1633156"/>
-                  <a:ext cx="914400" cy="914400"/>
+                  <a:off x="3931338" y="1757902"/>
+                  <a:ext cx="646331" cy="430887"/>
                 </a:xfrm>
                 <a:prstGeom prst="rect">
                   <a:avLst/>
                 </a:prstGeom>
               </p:spPr>
-            </p:pic>
+              <p:txBody>
+                <a:bodyPr wrap="none">
+                  <a:spAutoFit/>
+                </a:bodyPr>
+                <a:lstStyle/>
+                <a:p>
+                  <a:pPr algn="ctr"/>
+                  <a:r>
+                    <a:rPr lang="en-US" sz="1100" dirty="0">
+                      <a:latin typeface="Consolas" panose="020B0609020204030204" pitchFamily="49" charset="0"/>
+                      <a:cs typeface="Consolas" panose="020B0609020204030204" pitchFamily="49" charset="0"/>
+                    </a:rPr>
+                    <a:t>helm</a:t>
+                  </a:r>
+                  <a:br>
+                    <a:rPr lang="en-US" sz="1100" dirty="0">
+                      <a:latin typeface="Consolas" panose="020B0609020204030204" pitchFamily="49" charset="0"/>
+                      <a:cs typeface="Consolas" panose="020B0609020204030204" pitchFamily="49" charset="0"/>
+                    </a:rPr>
+                  </a:br>
+                  <a:r>
+                    <a:rPr lang="en-US" sz="1100" dirty="0">
+                      <a:latin typeface="Consolas" panose="020B0609020204030204" pitchFamily="49" charset="0"/>
+                      <a:cs typeface="Consolas" panose="020B0609020204030204" pitchFamily="49" charset="0"/>
+                    </a:rPr>
+                    <a:t>deploy</a:t>
+                  </a:r>
+                </a:p>
+              </p:txBody>
+            </p:sp>
           </p:grpSp>
+          <p:pic>
+            <p:nvPicPr>
+              <p:cNvPr id="170" name="Graphic 169">
+                <a:extLst>
+                  <a:ext uri="{FF2B5EF4-FFF2-40B4-BE49-F238E27FC236}">
+                    <a16:creationId xmlns:a16="http://schemas.microsoft.com/office/drawing/2014/main" id="{7456F062-2CAD-D940-851B-5F24E5588696}"/>
+                  </a:ext>
+                </a:extLst>
+              </p:cNvPr>
+              <p:cNvPicPr>
+                <a:picLocks noChangeAspect="1"/>
+              </p:cNvPicPr>
+              <p:nvPr/>
+            </p:nvPicPr>
+            <p:blipFill>
+              <a:blip r:embed="rId20">
+                <a:extLst>
+                  <a:ext uri="{96DAC541-7B7A-43D3-8B79-37D633B846F1}">
+                    <asvg:svgBlip xmlns:asvg="http://schemas.microsoft.com/office/drawing/2016/SVG/main" r:embed="rId21"/>
+                  </a:ext>
+                </a:extLst>
+              </a:blip>
+              <a:stretch>
+                <a:fillRect/>
+              </a:stretch>
+            </p:blipFill>
+            <p:spPr>
+              <a:xfrm>
+                <a:off x="8359439" y="3370326"/>
+                <a:ext cx="469900" cy="469900"/>
+              </a:xfrm>
+              <a:prstGeom prst="rect">
+                <a:avLst/>
+              </a:prstGeom>
+            </p:spPr>
+          </p:pic>
+          <p:pic>
+            <p:nvPicPr>
+              <p:cNvPr id="177" name="Picture 176">
+                <a:extLst>
+                  <a:ext uri="{FF2B5EF4-FFF2-40B4-BE49-F238E27FC236}">
+                    <a16:creationId xmlns:a16="http://schemas.microsoft.com/office/drawing/2014/main" id="{6971EE08-310D-7748-A1F1-AD872B7A7561}"/>
+                  </a:ext>
+                </a:extLst>
+              </p:cNvPr>
+              <p:cNvPicPr>
+                <a:picLocks noChangeAspect="1"/>
+              </p:cNvPicPr>
+              <p:nvPr/>
+            </p:nvPicPr>
+            <p:blipFill>
+              <a:blip r:embed="rId22"/>
+              <a:stretch>
+                <a:fillRect/>
+              </a:stretch>
+            </p:blipFill>
+            <p:spPr>
+              <a:xfrm>
+                <a:off x="8655423" y="3684276"/>
+                <a:ext cx="234432" cy="234432"/>
+              </a:xfrm>
+              <a:prstGeom prst="rect">
+                <a:avLst/>
+              </a:prstGeom>
+            </p:spPr>
+          </p:pic>
           <p:sp>
             <p:nvSpPr>
-              <p:cNvPr id="62" name="Rectangle 61">
+              <p:cNvPr id="178" name="Rectangle 177">
                 <a:extLst>
                   <a:ext uri="{FF2B5EF4-FFF2-40B4-BE49-F238E27FC236}">
-                    <a16:creationId xmlns:a16="http://schemas.microsoft.com/office/drawing/2014/main" id="{6E862F15-B573-F042-B819-AD9EDB6DB2E9}"/>
+                    <a16:creationId xmlns:a16="http://schemas.microsoft.com/office/drawing/2014/main" id="{3A102337-B71F-3B47-A91E-CA9AF5E57172}"/>
                   </a:ext>
                 </a:extLst>
               </p:cNvPr>
@@ -9371,8 +9965,8 @@
             </p:nvSpPr>
             <p:spPr>
               <a:xfrm>
-                <a:off x="3100534" y="2914376"/>
-                <a:ext cx="415498" cy="261610"/>
+                <a:off x="8206301" y="2872466"/>
+                <a:ext cx="776175" cy="507831"/>
               </a:xfrm>
               <a:prstGeom prst="rect">
                 <a:avLst/>
@@ -9386,22 +9980,379 @@
               <a:p>
                 <a:pPr algn="ctr"/>
                 <a:r>
-                  <a:rPr lang="en-US" sz="1100" b="1" dirty="0">
+                  <a:rPr lang="en-US" sz="900" b="1" dirty="0">
                     <a:latin typeface="Segoe UI Semibold" panose="020B0502040204020203" pitchFamily="34" charset="0"/>
                     <a:cs typeface="Segoe UI Semibold" panose="020B0502040204020203" pitchFamily="34" charset="0"/>
                   </a:rPr>
-                  <a:t>ops</a:t>
+                  <a:t>Azure</a:t>
                 </a:r>
+                <a:br>
+                  <a:rPr lang="en-US" sz="900" b="1" dirty="0">
+                    <a:latin typeface="Segoe UI Semibold" panose="020B0502040204020203" pitchFamily="34" charset="0"/>
+                    <a:cs typeface="Segoe UI Semibold" panose="020B0502040204020203" pitchFamily="34" charset="0"/>
+                  </a:rPr>
+                </a:br>
+                <a:r>
+                  <a:rPr lang="en-US" sz="900" b="1" dirty="0">
+                    <a:latin typeface="Segoe UI Semibold" panose="020B0502040204020203" pitchFamily="34" charset="0"/>
+                    <a:cs typeface="Segoe UI Semibold" panose="020B0502040204020203" pitchFamily="34" charset="0"/>
+                  </a:rPr>
+                  <a:t>Kubernetes</a:t>
+                </a:r>
+                <a:br>
+                  <a:rPr lang="en-US" sz="900" b="1" dirty="0">
+                    <a:latin typeface="Segoe UI Semibold" panose="020B0502040204020203" pitchFamily="34" charset="0"/>
+                    <a:cs typeface="Segoe UI Semibold" panose="020B0502040204020203" pitchFamily="34" charset="0"/>
+                  </a:rPr>
+                </a:br>
+                <a:r>
+                  <a:rPr lang="en-US" sz="900" b="1" dirty="0">
+                    <a:latin typeface="Segoe UI Semibold" panose="020B0502040204020203" pitchFamily="34" charset="0"/>
+                    <a:cs typeface="Segoe UI Semibold" panose="020B0502040204020203" pitchFamily="34" charset="0"/>
+                  </a:rPr>
+                  <a:t>Service</a:t>
+                </a:r>
+                <a:endParaRPr lang="en-US" sz="900" b="1" i="1" dirty="0">
+                  <a:latin typeface="Segoe UI Semibold" panose="020B0502040204020203" pitchFamily="34" charset="0"/>
+                  <a:cs typeface="Segoe UI Semibold" panose="020B0502040204020203" pitchFamily="34" charset="0"/>
+                </a:endParaRPr>
+              </a:p>
+            </p:txBody>
+          </p:sp>
+          <p:sp>
+            <p:nvSpPr>
+              <p:cNvPr id="180" name="Rectangle 179">
+                <a:extLst>
+                  <a:ext uri="{FF2B5EF4-FFF2-40B4-BE49-F238E27FC236}">
+                    <a16:creationId xmlns:a16="http://schemas.microsoft.com/office/drawing/2014/main" id="{4A2FFF5F-6138-EA43-8632-C323A76707CB}"/>
+                  </a:ext>
+                </a:extLst>
+              </p:cNvPr>
+              <p:cNvSpPr/>
+              <p:nvPr/>
+            </p:nvSpPr>
+            <p:spPr>
+              <a:xfrm>
+                <a:off x="8276838" y="3863035"/>
+                <a:ext cx="1643399" cy="215444"/>
+              </a:xfrm>
+              <a:prstGeom prst="rect">
+                <a:avLst/>
+              </a:prstGeom>
+            </p:spPr>
+            <p:txBody>
+              <a:bodyPr wrap="none">
+                <a:spAutoFit/>
+              </a:bodyPr>
+              <a:lstStyle/>
+              <a:p>
+                <a:r>
+                  <a:rPr lang="en-US" sz="800" dirty="0">
+                    <a:latin typeface="Consolas" panose="020B0609020204030204" pitchFamily="49" charset="0"/>
+                    <a:cs typeface="Consolas" panose="020B0609020204030204" pitchFamily="49" charset="0"/>
+                  </a:rPr>
+                  <a:t>namespace: foo-service-dev</a:t>
+                </a:r>
+                <a:endParaRPr lang="en-US" sz="800" dirty="0"/>
+              </a:p>
+            </p:txBody>
+          </p:sp>
+          <p:sp>
+            <p:nvSpPr>
+              <p:cNvPr id="181" name="TextBox 180">
+                <a:extLst>
+                  <a:ext uri="{FF2B5EF4-FFF2-40B4-BE49-F238E27FC236}">
+                    <a16:creationId xmlns:a16="http://schemas.microsoft.com/office/drawing/2014/main" id="{7FDEB1EF-99F1-724F-99CF-92C0F7E49F59}"/>
+                  </a:ext>
+                </a:extLst>
+              </p:cNvPr>
+              <p:cNvSpPr txBox="1"/>
+              <p:nvPr/>
+            </p:nvSpPr>
+            <p:spPr>
+              <a:xfrm>
+                <a:off x="8353648" y="2544460"/>
+                <a:ext cx="2723823" cy="246221"/>
+              </a:xfrm>
+              <a:prstGeom prst="rect">
+                <a:avLst/>
+              </a:prstGeom>
+              <a:solidFill>
+                <a:srgbClr val="00B0F0"/>
+              </a:solidFill>
+            </p:spPr>
+            <p:txBody>
+              <a:bodyPr wrap="none" rtlCol="0">
+                <a:spAutoFit/>
+              </a:bodyPr>
+              <a:lstStyle/>
+              <a:p>
+                <a:r>
+                  <a:rPr lang="en-US" sz="1000" dirty="0">
+                    <a:latin typeface="Consolas" panose="020B0609020204030204" pitchFamily="49" charset="0"/>
+                    <a:cs typeface="Consolas" panose="020B0609020204030204" pitchFamily="49" charset="0"/>
+                  </a:rPr>
+                  <a:t>http://foo-service-</a:t>
+                </a:r>
+                <a:r>
+                  <a:rPr lang="en-US" sz="1000" b="1" dirty="0" err="1">
+                    <a:latin typeface="Consolas" panose="020B0609020204030204" pitchFamily="49" charset="0"/>
+                    <a:cs typeface="Consolas" panose="020B0609020204030204" pitchFamily="49" charset="0"/>
+                  </a:rPr>
+                  <a:t>dev</a:t>
+                </a:r>
+                <a:r>
+                  <a:rPr lang="en-US" sz="1000" dirty="0" err="1">
+                    <a:latin typeface="Consolas" panose="020B0609020204030204" pitchFamily="49" charset="0"/>
+                    <a:cs typeface="Consolas" panose="020B0609020204030204" pitchFamily="49" charset="0"/>
+                  </a:rPr>
+                  <a:t>.xx.aksapp.io</a:t>
+                </a:r>
+                <a:endParaRPr lang="en-US" sz="1000" dirty="0">
+                  <a:latin typeface="Consolas" panose="020B0609020204030204" pitchFamily="49" charset="0"/>
+                  <a:cs typeface="Consolas" panose="020B0609020204030204" pitchFamily="49" charset="0"/>
+                </a:endParaRPr>
+              </a:p>
+            </p:txBody>
+          </p:sp>
+          <p:sp>
+            <p:nvSpPr>
+              <p:cNvPr id="182" name="Left Brace 181">
+                <a:extLst>
+                  <a:ext uri="{FF2B5EF4-FFF2-40B4-BE49-F238E27FC236}">
+                    <a16:creationId xmlns:a16="http://schemas.microsoft.com/office/drawing/2014/main" id="{350276CF-5C6A-A641-A652-9302A325643C}"/>
+                  </a:ext>
+                </a:extLst>
+              </p:cNvPr>
+              <p:cNvSpPr/>
+              <p:nvPr/>
+            </p:nvSpPr>
+            <p:spPr>
+              <a:xfrm rot="16200000">
+                <a:off x="8931684" y="2784474"/>
+                <a:ext cx="214146" cy="3440187"/>
+              </a:xfrm>
+              <a:prstGeom prst="leftBrace">
+                <a:avLst/>
+              </a:prstGeom>
+              <a:ln w="15875">
+                <a:solidFill>
+                  <a:schemeClr val="accent6"/>
+                </a:solidFill>
+              </a:ln>
+            </p:spPr>
+            <p:style>
+              <a:lnRef idx="1">
+                <a:schemeClr val="accent1"/>
+              </a:lnRef>
+              <a:fillRef idx="0">
+                <a:schemeClr val="accent1"/>
+              </a:fillRef>
+              <a:effectRef idx="0">
+                <a:schemeClr val="accent1"/>
+              </a:effectRef>
+              <a:fontRef idx="minor">
+                <a:schemeClr val="tx1"/>
+              </a:fontRef>
+            </p:style>
+            <p:txBody>
+              <a:bodyPr rtlCol="0" anchor="ctr"/>
+              <a:lstStyle/>
+              <a:p>
+                <a:pPr algn="ctr"/>
+                <a:endParaRPr lang="en-US"/>
               </a:p>
             </p:txBody>
           </p:sp>
         </p:grpSp>
+      </p:grpSp>
+    </p:spTree>
+    <p:custDataLst>
+      <p:tags r:id="rId1"/>
+    </p:custDataLst>
+    <p:extLst>
+      <p:ext uri="{BB962C8B-B14F-4D97-AF65-F5344CB8AC3E}">
+        <p14:creationId xmlns:p14="http://schemas.microsoft.com/office/powerpoint/2010/main" val="316829636"/>
+      </p:ext>
+    </p:extLst>
+  </p:cSld>
+  <p:clrMapOvr>
+    <a:masterClrMapping/>
+  </p:clrMapOvr>
+  <mc:AlternateContent xmlns:mc="http://schemas.openxmlformats.org/markup-compatibility/2006">
+    <mc:Choice xmlns:p14="http://schemas.microsoft.com/office/powerpoint/2010/main" Requires="p14">
+      <p:transition p14:dur="0" advTm="11353"/>
+    </mc:Choice>
+    <mc:Fallback>
+      <p:transition advTm="11353"/>
+    </mc:Fallback>
+  </mc:AlternateContent>
+  <p:timing>
+    <p:tnLst>
+      <p:par>
+        <p:cTn id="1" dur="indefinite" restart="never" nodeType="tmRoot">
+          <p:childTnLst>
+            <p:seq concurrent="1" nextAc="seek">
+              <p:cTn id="2" dur="indefinite" nodeType="mainSeq">
+                <p:childTnLst>
+                  <p:par>
+                    <p:cTn id="3" fill="hold">
+                      <p:stCondLst>
+                        <p:cond delay="indefinite"/>
+                      </p:stCondLst>
+                      <p:childTnLst>
+                        <p:par>
+                          <p:cTn id="4" fill="hold">
+                            <p:stCondLst>
+                              <p:cond delay="0"/>
+                            </p:stCondLst>
+                            <p:childTnLst>
+                              <p:par>
+                                <p:cTn id="5" presetID="1" presetClass="entr" presetSubtype="0" fill="hold" nodeType="clickEffect">
+                                  <p:stCondLst>
+                                    <p:cond delay="0"/>
+                                  </p:stCondLst>
+                                  <p:childTnLst>
+                                    <p:set>
+                                      <p:cBhvr>
+                                        <p:cTn id="6" dur="1" fill="hold">
+                                          <p:stCondLst>
+                                            <p:cond delay="0"/>
+                                          </p:stCondLst>
+                                        </p:cTn>
+                                        <p:tgtEl>
+                                          <p:spTgt spid="22"/>
+                                        </p:tgtEl>
+                                        <p:attrNameLst>
+                                          <p:attrName>style.visibility</p:attrName>
+                                        </p:attrNameLst>
+                                      </p:cBhvr>
+                                      <p:to>
+                                        <p:strVal val="visible"/>
+                                      </p:to>
+                                    </p:set>
+                                  </p:childTnLst>
+                                </p:cTn>
+                              </p:par>
+                            </p:childTnLst>
+                          </p:cTn>
+                        </p:par>
+                      </p:childTnLst>
+                    </p:cTn>
+                  </p:par>
+                  <p:par>
+                    <p:cTn id="7" fill="hold">
+                      <p:stCondLst>
+                        <p:cond delay="indefinite"/>
+                      </p:stCondLst>
+                      <p:childTnLst>
+                        <p:par>
+                          <p:cTn id="8" fill="hold">
+                            <p:stCondLst>
+                              <p:cond delay="0"/>
+                            </p:stCondLst>
+                            <p:childTnLst>
+                              <p:par>
+                                <p:cTn id="9" presetID="1" presetClass="entr" presetSubtype="0" fill="hold" nodeType="clickEffect">
+                                  <p:stCondLst>
+                                    <p:cond delay="0"/>
+                                  </p:stCondLst>
+                                  <p:childTnLst>
+                                    <p:set>
+                                      <p:cBhvr>
+                                        <p:cTn id="10" dur="1" fill="hold">
+                                          <p:stCondLst>
+                                            <p:cond delay="0"/>
+                                          </p:stCondLst>
+                                        </p:cTn>
+                                        <p:tgtEl>
+                                          <p:spTgt spid="23"/>
+                                        </p:tgtEl>
+                                        <p:attrNameLst>
+                                          <p:attrName>style.visibility</p:attrName>
+                                        </p:attrNameLst>
+                                      </p:cBhvr>
+                                      <p:to>
+                                        <p:strVal val="visible"/>
+                                      </p:to>
+                                    </p:set>
+                                  </p:childTnLst>
+                                </p:cTn>
+                              </p:par>
+                            </p:childTnLst>
+                          </p:cTn>
+                        </p:par>
+                      </p:childTnLst>
+                    </p:cTn>
+                  </p:par>
+                </p:childTnLst>
+              </p:cTn>
+              <p:prevCondLst>
+                <p:cond evt="onPrev" delay="0">
+                  <p:tgtEl>
+                    <p:sldTgt/>
+                  </p:tgtEl>
+                </p:cond>
+              </p:prevCondLst>
+              <p:nextCondLst>
+                <p:cond evt="onNext" delay="0">
+                  <p:tgtEl>
+                    <p:sldTgt/>
+                  </p:tgtEl>
+                </p:cond>
+              </p:nextCondLst>
+            </p:seq>
+          </p:childTnLst>
+        </p:cTn>
+      </p:par>
+    </p:tnLst>
+  </p:timing>
+</p:sld>
+</file>
+
+<file path=ppt/slides/slide3.xml><?xml version="1.0" encoding="utf-8"?>
+<p:sld xmlns:a="http://schemas.openxmlformats.org/drawingml/2006/main" xmlns:r="http://schemas.openxmlformats.org/officeDocument/2006/relationships" xmlns:p="http://schemas.openxmlformats.org/presentationml/2006/main">
+  <p:cSld>
+    <p:spTree>
+      <p:nvGrpSpPr>
+        <p:cNvPr id="1" name=""/>
+        <p:cNvGrpSpPr/>
+        <p:nvPr/>
+      </p:nvGrpSpPr>
+      <p:grpSpPr>
+        <a:xfrm>
+          <a:off x="0" y="0"/>
+          <a:ext cx="0" cy="0"/>
+          <a:chOff x="0" y="0"/>
+          <a:chExt cx="0" cy="0"/>
+        </a:xfrm>
+      </p:grpSpPr>
+      <p:grpSp>
+        <p:nvGrpSpPr>
+          <p:cNvPr id="31" name="Group 30">
+            <a:extLst>
+              <a:ext uri="{FF2B5EF4-FFF2-40B4-BE49-F238E27FC236}">
+                <a16:creationId xmlns:a16="http://schemas.microsoft.com/office/drawing/2014/main" id="{96A05F47-0F62-2F47-8CFF-D878AEE346E6}"/>
+              </a:ext>
+            </a:extLst>
+          </p:cNvPr>
+          <p:cNvGrpSpPr/>
+          <p:nvPr/>
+        </p:nvGrpSpPr>
+        <p:grpSpPr>
+          <a:xfrm>
+            <a:off x="1237928" y="1203804"/>
+            <a:ext cx="5835840" cy="2817449"/>
+            <a:chOff x="1237928" y="1203804"/>
+            <a:chExt cx="5835840" cy="2817449"/>
+          </a:xfrm>
+        </p:grpSpPr>
         <p:grpSp>
           <p:nvGrpSpPr>
-            <p:cNvPr id="80" name="Group 79">
+            <p:cNvPr id="205" name="Group 204">
               <a:extLst>
                 <a:ext uri="{FF2B5EF4-FFF2-40B4-BE49-F238E27FC236}">
-                  <a16:creationId xmlns:a16="http://schemas.microsoft.com/office/drawing/2014/main" id="{0F41A084-3BB1-8144-832E-E04915F018D3}"/>
+                  <a16:creationId xmlns:a16="http://schemas.microsoft.com/office/drawing/2014/main" id="{A1C6BFE2-30BE-3B49-A021-F01C7F1A7073}"/>
                 </a:ext>
               </a:extLst>
             </p:cNvPr>
@@ -9410,358 +10361,48 @@
           </p:nvGrpSpPr>
           <p:grpSpPr>
             <a:xfrm>
-              <a:off x="263179" y="454578"/>
-              <a:ext cx="656787" cy="803413"/>
-              <a:chOff x="1775227" y="1332435"/>
-              <a:chExt cx="656787" cy="803413"/>
+              <a:off x="6148514" y="2096133"/>
+              <a:ext cx="925254" cy="725228"/>
+              <a:chOff x="6148514" y="3560465"/>
+              <a:chExt cx="925254" cy="725228"/>
             </a:xfrm>
           </p:grpSpPr>
-          <p:grpSp>
-            <p:nvGrpSpPr>
-              <p:cNvPr id="81" name="Group 80">
+          <p:pic>
+            <p:nvPicPr>
+              <p:cNvPr id="206" name="Picture 205">
                 <a:extLst>
                   <a:ext uri="{FF2B5EF4-FFF2-40B4-BE49-F238E27FC236}">
-                    <a16:creationId xmlns:a16="http://schemas.microsoft.com/office/drawing/2014/main" id="{67D6CD15-8A2A-2D41-85C7-948625A52D20}"/>
+                    <a16:creationId xmlns:a16="http://schemas.microsoft.com/office/drawing/2014/main" id="{B9C83185-6F40-1D41-81C1-522AC5540EE0}"/>
                   </a:ext>
                 </a:extLst>
               </p:cNvPr>
-              <p:cNvGrpSpPr/>
+              <p:cNvPicPr>
+                <a:picLocks noChangeAspect="1"/>
+              </p:cNvPicPr>
               <p:nvPr/>
-            </p:nvGrpSpPr>
-            <p:grpSpPr>
+            </p:nvPicPr>
+            <p:blipFill>
+              <a:blip r:embed="rId4"/>
+              <a:stretch>
+                <a:fillRect/>
+              </a:stretch>
+            </p:blipFill>
+            <p:spPr>
               <a:xfrm>
-                <a:off x="1775227" y="1332435"/>
-                <a:ext cx="656787" cy="656787"/>
-                <a:chOff x="4438486" y="1332435"/>
-                <a:chExt cx="2608891" cy="2608891"/>
+                <a:off x="6326758" y="3847269"/>
+                <a:ext cx="568766" cy="438424"/>
               </a:xfrm>
-            </p:grpSpPr>
-            <p:pic>
-              <p:nvPicPr>
-                <p:cNvPr id="83" name="Graphic 82" descr="User">
-                  <a:extLst>
-                    <a:ext uri="{FF2B5EF4-FFF2-40B4-BE49-F238E27FC236}">
-                      <a16:creationId xmlns:a16="http://schemas.microsoft.com/office/drawing/2014/main" id="{1B6CBEDE-CD64-2944-B561-03A9EB059E2A}"/>
-                    </a:ext>
-                  </a:extLst>
-                </p:cNvPr>
-                <p:cNvPicPr>
-                  <a:picLocks noChangeAspect="1"/>
-                </p:cNvPicPr>
-                <p:nvPr/>
-              </p:nvPicPr>
-              <p:blipFill>
-                <a:blip r:embed="rId16">
-                  <a:extLst>
-                    <a:ext uri="{96DAC541-7B7A-43D3-8B79-37D633B846F1}">
-                      <asvg:svgBlip xmlns:asvg="http://schemas.microsoft.com/office/drawing/2016/SVG/main" r:embed="rId17"/>
-                    </a:ext>
-                  </a:extLst>
-                </a:blip>
-                <a:stretch>
-                  <a:fillRect/>
-                </a:stretch>
-              </p:blipFill>
-              <p:spPr>
-                <a:xfrm>
-                  <a:off x="4438486" y="1332435"/>
-                  <a:ext cx="2608891" cy="2608891"/>
-                </a:xfrm>
-                <a:prstGeom prst="rect">
-                  <a:avLst/>
-                </a:prstGeom>
-              </p:spPr>
-            </p:pic>
-            <p:sp>
-              <p:nvSpPr>
-                <p:cNvPr id="84" name="Freeform 83">
-                  <a:extLst>
-                    <a:ext uri="{FF2B5EF4-FFF2-40B4-BE49-F238E27FC236}">
-                      <a16:creationId xmlns:a16="http://schemas.microsoft.com/office/drawing/2014/main" id="{A56A5131-9C73-054B-8699-6C5A26EE2232}"/>
-                    </a:ext>
-                  </a:extLst>
-                </p:cNvPr>
-                <p:cNvSpPr/>
-                <p:nvPr/>
-              </p:nvSpPr>
-              <p:spPr>
-                <a:xfrm>
-                  <a:off x="5159984" y="1498625"/>
-                  <a:ext cx="1071774" cy="1277846"/>
-                </a:xfrm>
-                <a:custGeom>
-                  <a:avLst/>
-                  <a:gdLst>
-                    <a:gd name="connsiteX0" fmla="*/ 429638 w 1071773"/>
-                    <a:gd name="connsiteY0" fmla="*/ 17353 h 1277846"/>
-                    <a:gd name="connsiteX1" fmla="*/ 221090 w 1071773"/>
-                    <a:gd name="connsiteY1" fmla="*/ 129648 h 1277846"/>
-                    <a:gd name="connsiteX2" fmla="*/ 44627 w 1071773"/>
-                    <a:gd name="connsiteY2" fmla="*/ 514658 h 1277846"/>
-                    <a:gd name="connsiteX3" fmla="*/ 84733 w 1071773"/>
-                    <a:gd name="connsiteY3" fmla="*/ 1019985 h 1277846"/>
-                    <a:gd name="connsiteX4" fmla="*/ 4522 w 1071773"/>
-                    <a:gd name="connsiteY4" fmla="*/ 1260616 h 1277846"/>
-                    <a:gd name="connsiteX5" fmla="*/ 245154 w 1071773"/>
-                    <a:gd name="connsiteY5" fmla="*/ 1244574 h 1277846"/>
-                    <a:gd name="connsiteX6" fmla="*/ 333385 w 1071773"/>
-                    <a:gd name="connsiteY6" fmla="*/ 1132279 h 1277846"/>
-                    <a:gd name="connsiteX7" fmla="*/ 253175 w 1071773"/>
-                    <a:gd name="connsiteY7" fmla="*/ 907690 h 1277846"/>
-                    <a:gd name="connsiteX8" fmla="*/ 164943 w 1071773"/>
-                    <a:gd name="connsiteY8" fmla="*/ 763311 h 1277846"/>
-                    <a:gd name="connsiteX9" fmla="*/ 197027 w 1071773"/>
-                    <a:gd name="connsiteY9" fmla="*/ 562785 h 1277846"/>
-                    <a:gd name="connsiteX10" fmla="*/ 365469 w 1071773"/>
-                    <a:gd name="connsiteY10" fmla="*/ 402363 h 1277846"/>
-                    <a:gd name="connsiteX11" fmla="*/ 886838 w 1071773"/>
-                    <a:gd name="connsiteY11" fmla="*/ 675079 h 1277846"/>
-                    <a:gd name="connsiteX12" fmla="*/ 951006 w 1071773"/>
-                    <a:gd name="connsiteY12" fmla="*/ 819458 h 1277846"/>
-                    <a:gd name="connsiteX13" fmla="*/ 806627 w 1071773"/>
-                    <a:gd name="connsiteY13" fmla="*/ 1044048 h 1277846"/>
-                    <a:gd name="connsiteX14" fmla="*/ 846733 w 1071773"/>
-                    <a:gd name="connsiteY14" fmla="*/ 1228532 h 1277846"/>
-                    <a:gd name="connsiteX15" fmla="*/ 1063301 w 1071773"/>
-                    <a:gd name="connsiteY15" fmla="*/ 1260616 h 1277846"/>
-                    <a:gd name="connsiteX16" fmla="*/ 1031217 w 1071773"/>
-                    <a:gd name="connsiteY16" fmla="*/ 1084153 h 1277846"/>
-                    <a:gd name="connsiteX17" fmla="*/ 1063301 w 1071773"/>
-                    <a:gd name="connsiteY17" fmla="*/ 659037 h 1277846"/>
-                    <a:gd name="connsiteX18" fmla="*/ 1039238 w 1071773"/>
-                    <a:gd name="connsiteY18" fmla="*/ 362258 h 1277846"/>
-                    <a:gd name="connsiteX19" fmla="*/ 886838 w 1071773"/>
-                    <a:gd name="connsiteY19" fmla="*/ 97563 h 1277846"/>
-                    <a:gd name="connsiteX20" fmla="*/ 606101 w 1071773"/>
-                    <a:gd name="connsiteY20" fmla="*/ 9332 h 1277846"/>
-                    <a:gd name="connsiteX21" fmla="*/ 429638 w 1071773"/>
-                    <a:gd name="connsiteY21" fmla="*/ 17353 h 1277846"/>
-                  </a:gdLst>
-                  <a:ahLst/>
-                  <a:cxnLst>
-                    <a:cxn ang="0">
-                      <a:pos x="connsiteX0" y="connsiteY0"/>
-                    </a:cxn>
-                    <a:cxn ang="0">
-                      <a:pos x="connsiteX1" y="connsiteY1"/>
-                    </a:cxn>
-                    <a:cxn ang="0">
-                      <a:pos x="connsiteX2" y="connsiteY2"/>
-                    </a:cxn>
-                    <a:cxn ang="0">
-                      <a:pos x="connsiteX3" y="connsiteY3"/>
-                    </a:cxn>
-                    <a:cxn ang="0">
-                      <a:pos x="connsiteX4" y="connsiteY4"/>
-                    </a:cxn>
-                    <a:cxn ang="0">
-                      <a:pos x="connsiteX5" y="connsiteY5"/>
-                    </a:cxn>
-                    <a:cxn ang="0">
-                      <a:pos x="connsiteX6" y="connsiteY6"/>
-                    </a:cxn>
-                    <a:cxn ang="0">
-                      <a:pos x="connsiteX7" y="connsiteY7"/>
-                    </a:cxn>
-                    <a:cxn ang="0">
-                      <a:pos x="connsiteX8" y="connsiteY8"/>
-                    </a:cxn>
-                    <a:cxn ang="0">
-                      <a:pos x="connsiteX9" y="connsiteY9"/>
-                    </a:cxn>
-                    <a:cxn ang="0">
-                      <a:pos x="connsiteX10" y="connsiteY10"/>
-                    </a:cxn>
-                    <a:cxn ang="0">
-                      <a:pos x="connsiteX11" y="connsiteY11"/>
-                    </a:cxn>
-                    <a:cxn ang="0">
-                      <a:pos x="connsiteX12" y="connsiteY12"/>
-                    </a:cxn>
-                    <a:cxn ang="0">
-                      <a:pos x="connsiteX13" y="connsiteY13"/>
-                    </a:cxn>
-                    <a:cxn ang="0">
-                      <a:pos x="connsiteX14" y="connsiteY14"/>
-                    </a:cxn>
-                    <a:cxn ang="0">
-                      <a:pos x="connsiteX15" y="connsiteY15"/>
-                    </a:cxn>
-                    <a:cxn ang="0">
-                      <a:pos x="connsiteX16" y="connsiteY16"/>
-                    </a:cxn>
-                    <a:cxn ang="0">
-                      <a:pos x="connsiteX17" y="connsiteY17"/>
-                    </a:cxn>
-                    <a:cxn ang="0">
-                      <a:pos x="connsiteX18" y="connsiteY18"/>
-                    </a:cxn>
-                    <a:cxn ang="0">
-                      <a:pos x="connsiteX19" y="connsiteY19"/>
-                    </a:cxn>
-                    <a:cxn ang="0">
-                      <a:pos x="connsiteX20" y="connsiteY20"/>
-                    </a:cxn>
-                    <a:cxn ang="0">
-                      <a:pos x="connsiteX21" y="connsiteY21"/>
-                    </a:cxn>
-                  </a:cxnLst>
-                  <a:rect l="l" t="t" r="r" b="b"/>
-                  <a:pathLst>
-                    <a:path w="1071773" h="1277846">
-                      <a:moveTo>
-                        <a:pt x="429638" y="17353"/>
-                      </a:moveTo>
-                      <a:cubicBezTo>
-                        <a:pt x="365469" y="37406"/>
-                        <a:pt x="285258" y="46764"/>
-                        <a:pt x="221090" y="129648"/>
-                      </a:cubicBezTo>
-                      <a:cubicBezTo>
-                        <a:pt x="156922" y="212532"/>
-                        <a:pt x="67353" y="366269"/>
-                        <a:pt x="44627" y="514658"/>
-                      </a:cubicBezTo>
-                      <a:cubicBezTo>
-                        <a:pt x="21901" y="663047"/>
-                        <a:pt x="91417" y="895659"/>
-                        <a:pt x="84733" y="1019985"/>
-                      </a:cubicBezTo>
-                      <a:cubicBezTo>
-                        <a:pt x="78049" y="1144311"/>
-                        <a:pt x="-22215" y="1223185"/>
-                        <a:pt x="4522" y="1260616"/>
-                      </a:cubicBezTo>
-                      <a:cubicBezTo>
-                        <a:pt x="31259" y="1298047"/>
-                        <a:pt x="190344" y="1265963"/>
-                        <a:pt x="245154" y="1244574"/>
-                      </a:cubicBezTo>
-                      <a:cubicBezTo>
-                        <a:pt x="299964" y="1223185"/>
-                        <a:pt x="332048" y="1188426"/>
-                        <a:pt x="333385" y="1132279"/>
-                      </a:cubicBezTo>
-                      <a:cubicBezTo>
-                        <a:pt x="334722" y="1076132"/>
-                        <a:pt x="281249" y="969185"/>
-                        <a:pt x="253175" y="907690"/>
-                      </a:cubicBezTo>
-                      <a:cubicBezTo>
-                        <a:pt x="225101" y="846195"/>
-                        <a:pt x="174301" y="820795"/>
-                        <a:pt x="164943" y="763311"/>
-                      </a:cubicBezTo>
-                      <a:cubicBezTo>
-                        <a:pt x="155585" y="705827"/>
-                        <a:pt x="163606" y="622943"/>
-                        <a:pt x="197027" y="562785"/>
-                      </a:cubicBezTo>
-                      <a:cubicBezTo>
-                        <a:pt x="230448" y="502627"/>
-                        <a:pt x="250501" y="383647"/>
-                        <a:pt x="365469" y="402363"/>
-                      </a:cubicBezTo>
-                      <a:cubicBezTo>
-                        <a:pt x="480437" y="421079"/>
-                        <a:pt x="789248" y="605563"/>
-                        <a:pt x="886838" y="675079"/>
-                      </a:cubicBezTo>
-                      <a:cubicBezTo>
-                        <a:pt x="984428" y="744595"/>
-                        <a:pt x="964374" y="757963"/>
-                        <a:pt x="951006" y="819458"/>
-                      </a:cubicBezTo>
-                      <a:cubicBezTo>
-                        <a:pt x="937638" y="880953"/>
-                        <a:pt x="824006" y="975869"/>
-                        <a:pt x="806627" y="1044048"/>
-                      </a:cubicBezTo>
-                      <a:cubicBezTo>
-                        <a:pt x="789248" y="1112227"/>
-                        <a:pt x="803954" y="1192437"/>
-                        <a:pt x="846733" y="1228532"/>
-                      </a:cubicBezTo>
-                      <a:cubicBezTo>
-                        <a:pt x="889512" y="1264627"/>
-                        <a:pt x="1032554" y="1284679"/>
-                        <a:pt x="1063301" y="1260616"/>
-                      </a:cubicBezTo>
-                      <a:cubicBezTo>
-                        <a:pt x="1094048" y="1236553"/>
-                        <a:pt x="1031217" y="1184416"/>
-                        <a:pt x="1031217" y="1084153"/>
-                      </a:cubicBezTo>
-                      <a:cubicBezTo>
-                        <a:pt x="1031217" y="983890"/>
-                        <a:pt x="1061964" y="779353"/>
-                        <a:pt x="1063301" y="659037"/>
-                      </a:cubicBezTo>
-                      <a:cubicBezTo>
-                        <a:pt x="1064638" y="538721"/>
-                        <a:pt x="1068649" y="455837"/>
-                        <a:pt x="1039238" y="362258"/>
-                      </a:cubicBezTo>
-                      <a:cubicBezTo>
-                        <a:pt x="1009827" y="268679"/>
-                        <a:pt x="959028" y="156384"/>
-                        <a:pt x="886838" y="97563"/>
-                      </a:cubicBezTo>
-                      <a:cubicBezTo>
-                        <a:pt x="814648" y="38742"/>
-                        <a:pt x="682301" y="24037"/>
-                        <a:pt x="606101" y="9332"/>
-                      </a:cubicBezTo>
-                      <a:cubicBezTo>
-                        <a:pt x="529901" y="-5373"/>
-                        <a:pt x="493807" y="-2700"/>
-                        <a:pt x="429638" y="17353"/>
-                      </a:cubicBezTo>
-                      <a:close/>
-                    </a:path>
-                  </a:pathLst>
-                </a:custGeom>
-                <a:solidFill>
-                  <a:schemeClr val="accent6">
-                    <a:lumMod val="50000"/>
-                  </a:schemeClr>
-                </a:solidFill>
-                <a:ln>
-                  <a:noFill/>
-                </a:ln>
-              </p:spPr>
-              <p:style>
-                <a:lnRef idx="2">
-                  <a:schemeClr val="accent1">
-                    <a:shade val="50000"/>
-                  </a:schemeClr>
-                </a:lnRef>
-                <a:fillRef idx="1">
-                  <a:schemeClr val="accent1"/>
-                </a:fillRef>
-                <a:effectRef idx="0">
-                  <a:schemeClr val="accent1"/>
-                </a:effectRef>
-                <a:fontRef idx="minor">
-                  <a:schemeClr val="lt1"/>
-                </a:fontRef>
-              </p:style>
-              <p:txBody>
-                <a:bodyPr rtlCol="0" anchor="ctr"/>
-                <a:lstStyle/>
-                <a:p>
-                  <a:pPr algn="ctr"/>
-                  <a:endParaRPr lang="en-US"/>
-                </a:p>
-              </p:txBody>
-            </p:sp>
-          </p:grpSp>
+              <a:prstGeom prst="rect">
+                <a:avLst/>
+              </a:prstGeom>
+            </p:spPr>
+          </p:pic>
           <p:sp>
             <p:nvSpPr>
-              <p:cNvPr id="82" name="Rectangle 81">
+              <p:cNvPr id="207" name="Rectangle 206">
                 <a:extLst>
                   <a:ext uri="{FF2B5EF4-FFF2-40B4-BE49-F238E27FC236}">
-                    <a16:creationId xmlns:a16="http://schemas.microsoft.com/office/drawing/2014/main" id="{10D0AF29-6A19-EC45-8472-F1E8E4A0ED6A}"/>
+                    <a16:creationId xmlns:a16="http://schemas.microsoft.com/office/drawing/2014/main" id="{4ED2655B-B8CE-584B-B31B-C6801F99DBC0}"/>
                   </a:ext>
                 </a:extLst>
               </p:cNvPr>
@@ -9770,8 +10411,8 @@
             </p:nvSpPr>
             <p:spPr>
               <a:xfrm>
-                <a:off x="1883222" y="1874238"/>
-                <a:ext cx="417102" cy="261610"/>
+                <a:off x="6148514" y="3560465"/>
+                <a:ext cx="925254" cy="230832"/>
               </a:xfrm>
               <a:prstGeom prst="rect">
                 <a:avLst/>
@@ -9785,58 +10426,26 @@
               <a:p>
                 <a:pPr algn="ctr"/>
                 <a:r>
-                  <a:rPr lang="en-US" sz="1100" b="1" dirty="0">
+                  <a:rPr lang="en-US" sz="900" b="1" dirty="0" err="1">
                     <a:latin typeface="Segoe UI Semibold" panose="020B0502040204020203" pitchFamily="34" charset="0"/>
                     <a:cs typeface="Segoe UI Semibold" panose="020B0502040204020203" pitchFamily="34" charset="0"/>
                   </a:rPr>
-                  <a:t>dev</a:t>
+                  <a:t>ChartMuseum</a:t>
                 </a:r>
+                <a:endParaRPr lang="en-US" sz="900" b="1" i="1" dirty="0">
+                  <a:latin typeface="Segoe UI Semibold" panose="020B0502040204020203" pitchFamily="34" charset="0"/>
+                  <a:cs typeface="Segoe UI Semibold" panose="020B0502040204020203" pitchFamily="34" charset="0"/>
+                </a:endParaRPr>
               </a:p>
             </p:txBody>
           </p:sp>
         </p:grpSp>
-        <p:pic>
-          <p:nvPicPr>
-            <p:cNvPr id="85" name="Graphic 84">
+        <p:sp>
+          <p:nvSpPr>
+            <p:cNvPr id="176" name="Rectangle 175">
               <a:extLst>
                 <a:ext uri="{FF2B5EF4-FFF2-40B4-BE49-F238E27FC236}">
-                  <a16:creationId xmlns:a16="http://schemas.microsoft.com/office/drawing/2014/main" id="{ACDE3532-5167-2746-B25D-F460CB4DCDE5}"/>
-                </a:ext>
-              </a:extLst>
-            </p:cNvPr>
-            <p:cNvPicPr>
-              <a:picLocks noChangeAspect="1"/>
-            </p:cNvPicPr>
-            <p:nvPr/>
-          </p:nvPicPr>
-          <p:blipFill>
-            <a:blip r:embed="rId20">
-              <a:extLst>
-                <a:ext uri="{96DAC541-7B7A-43D3-8B79-37D633B846F1}">
-                  <asvg:svgBlip xmlns:asvg="http://schemas.microsoft.com/office/drawing/2016/SVG/main" r:embed="rId21"/>
-                </a:ext>
-              </a:extLst>
-            </a:blip>
-            <a:stretch>
-              <a:fillRect/>
-            </a:stretch>
-          </p:blipFill>
-          <p:spPr>
-            <a:xfrm>
-              <a:off x="1794630" y="467234"/>
-              <a:ext cx="645195" cy="322596"/>
-            </a:xfrm>
-            <a:prstGeom prst="rect">
-              <a:avLst/>
-            </a:prstGeom>
-          </p:spPr>
-        </p:pic>
-        <p:sp>
-          <p:nvSpPr>
-            <p:cNvPr id="86" name="Rectangle 85">
-              <a:extLst>
-                <a:ext uri="{FF2B5EF4-FFF2-40B4-BE49-F238E27FC236}">
-                  <a16:creationId xmlns:a16="http://schemas.microsoft.com/office/drawing/2014/main" id="{21FDD124-B6DD-1946-BB5F-698AE5880521}"/>
+                  <a16:creationId xmlns:a16="http://schemas.microsoft.com/office/drawing/2014/main" id="{78551995-0B65-BC4C-818D-8C8E2CBAECD6}"/>
                 </a:ext>
               </a:extLst>
             </p:cNvPr>
@@ -9845,114 +10454,8 @@
           </p:nvSpPr>
           <p:spPr>
             <a:xfrm>
-              <a:off x="1757210" y="739708"/>
-              <a:ext cx="723275" cy="430887"/>
-            </a:xfrm>
-            <a:prstGeom prst="rect">
-              <a:avLst/>
-            </a:prstGeom>
-          </p:spPr>
-          <p:txBody>
-            <a:bodyPr wrap="square">
-              <a:spAutoFit/>
-            </a:bodyPr>
-            <a:lstStyle/>
-            <a:p>
-              <a:pPr algn="ctr"/>
-              <a:r>
-                <a:rPr lang="en-US" sz="1100" dirty="0">
-                  <a:latin typeface="Consolas" panose="020B0609020204030204" pitchFamily="49" charset="0"/>
-                  <a:cs typeface="Consolas" panose="020B0609020204030204" pitchFamily="49" charset="0"/>
-                </a:rPr>
-                <a:t>feature</a:t>
-              </a:r>
-              <a:br>
-                <a:rPr lang="en-US" sz="1100" b="1" dirty="0">
-                  <a:latin typeface="Segoe UI Semibold" panose="020B0502040204020203" pitchFamily="34" charset="0"/>
-                  <a:cs typeface="Segoe UI Semibold" panose="020B0502040204020203" pitchFamily="34" charset="0"/>
-                </a:rPr>
-              </a:br>
-              <a:r>
-                <a:rPr lang="en-US" sz="1100" b="1" dirty="0">
-                  <a:latin typeface="Segoe UI Semibold" panose="020B0502040204020203" pitchFamily="34" charset="0"/>
-                  <a:cs typeface="Segoe UI Semibold" panose="020B0502040204020203" pitchFamily="34" charset="0"/>
-                </a:rPr>
-                <a:t>branch</a:t>
-              </a:r>
-            </a:p>
-          </p:txBody>
-        </p:sp>
-        <p:sp>
-          <p:nvSpPr>
-            <p:cNvPr id="101" name="Rectangle 100">
-              <a:extLst>
-                <a:ext uri="{FF2B5EF4-FFF2-40B4-BE49-F238E27FC236}">
-                  <a16:creationId xmlns:a16="http://schemas.microsoft.com/office/drawing/2014/main" id="{FE4AF2B5-5883-C742-BD6C-76ED0C67D701}"/>
-                </a:ext>
-              </a:extLst>
-            </p:cNvPr>
-            <p:cNvSpPr/>
-            <p:nvPr/>
-          </p:nvSpPr>
-          <p:spPr>
-            <a:xfrm>
-              <a:off x="1737237" y="77652"/>
-              <a:ext cx="768159" cy="369332"/>
-            </a:xfrm>
-            <a:prstGeom prst="rect">
-              <a:avLst/>
-            </a:prstGeom>
-          </p:spPr>
-          <p:txBody>
-            <a:bodyPr wrap="square">
-              <a:spAutoFit/>
-            </a:bodyPr>
-            <a:lstStyle/>
-            <a:p>
-              <a:pPr algn="ctr"/>
-              <a:r>
-                <a:rPr lang="en-US" sz="900" b="1" i="1" dirty="0">
-                  <a:latin typeface="Segoe UI Semibold" panose="020B0502040204020203" pitchFamily="34" charset="0"/>
-                  <a:cs typeface="Segoe UI Semibold" panose="020B0502040204020203" pitchFamily="34" charset="0"/>
-                </a:rPr>
-                <a:t>foo-service</a:t>
-              </a:r>
-              <a:br>
-                <a:rPr lang="en-US" sz="900" b="1" dirty="0">
-                  <a:latin typeface="Segoe UI Semibold" panose="020B0502040204020203" pitchFamily="34" charset="0"/>
-                  <a:cs typeface="Segoe UI Semibold" panose="020B0502040204020203" pitchFamily="34" charset="0"/>
-                </a:rPr>
-              </a:br>
-              <a:r>
-                <a:rPr lang="en-US" sz="900" b="1" dirty="0">
-                  <a:latin typeface="Segoe UI Semibold" panose="020B0502040204020203" pitchFamily="34" charset="0"/>
-                  <a:cs typeface="Segoe UI Semibold" panose="020B0502040204020203" pitchFamily="34" charset="0"/>
-                </a:rPr>
-                <a:t>repository</a:t>
-              </a:r>
-              <a:endParaRPr lang="en-US" sz="900" b="1" i="1" dirty="0">
-                <a:latin typeface="Segoe UI Semibold" panose="020B0502040204020203" pitchFamily="34" charset="0"/>
-                <a:cs typeface="Segoe UI Semibold" panose="020B0502040204020203" pitchFamily="34" charset="0"/>
-              </a:endParaRPr>
-            </a:p>
-          </p:txBody>
-        </p:sp>
-        <p:sp>
-          <p:nvSpPr>
-            <p:cNvPr id="103" name="Rectangle 102">
-              <a:extLst>
-                <a:ext uri="{FF2B5EF4-FFF2-40B4-BE49-F238E27FC236}">
-                  <a16:creationId xmlns:a16="http://schemas.microsoft.com/office/drawing/2014/main" id="{3A5A5767-7513-D04F-BBC0-2B0D6B085C8A}"/>
-                </a:ext>
-              </a:extLst>
-            </p:cNvPr>
-            <p:cNvSpPr/>
-            <p:nvPr/>
-          </p:nvSpPr>
-          <p:spPr>
-            <a:xfrm>
-              <a:off x="1767304" y="2069090"/>
-              <a:ext cx="723275" cy="430887"/>
+              <a:off x="1583567" y="2336091"/>
+              <a:ext cx="1061068" cy="430887"/>
             </a:xfrm>
             <a:prstGeom prst="rect">
               <a:avLst/>
@@ -9988,12 +10491,212 @@
             </a:p>
           </p:txBody>
         </p:sp>
+        <p:grpSp>
+          <p:nvGrpSpPr>
+            <p:cNvPr id="223" name="Group 222">
+              <a:extLst>
+                <a:ext uri="{FF2B5EF4-FFF2-40B4-BE49-F238E27FC236}">
+                  <a16:creationId xmlns:a16="http://schemas.microsoft.com/office/drawing/2014/main" id="{9031E030-A065-0947-AA91-8D3C17F8C191}"/>
+                </a:ext>
+              </a:extLst>
+            </p:cNvPr>
+            <p:cNvGrpSpPr/>
+            <p:nvPr/>
+          </p:nvGrpSpPr>
+          <p:grpSpPr>
+            <a:xfrm>
+              <a:off x="1237928" y="1203804"/>
+              <a:ext cx="880331" cy="1083559"/>
+              <a:chOff x="1237928" y="2581391"/>
+              <a:chExt cx="880331" cy="1083559"/>
+            </a:xfrm>
+          </p:grpSpPr>
+          <p:grpSp>
+            <p:nvGrpSpPr>
+              <p:cNvPr id="173" name="Group 172">
+                <a:extLst>
+                  <a:ext uri="{FF2B5EF4-FFF2-40B4-BE49-F238E27FC236}">
+                    <a16:creationId xmlns:a16="http://schemas.microsoft.com/office/drawing/2014/main" id="{0442B172-604E-5A40-BDFC-C9F47724BA53}"/>
+                  </a:ext>
+                </a:extLst>
+              </p:cNvPr>
+              <p:cNvGrpSpPr/>
+              <p:nvPr/>
+            </p:nvGrpSpPr>
+            <p:grpSpPr>
+              <a:xfrm rot="5400000">
+                <a:off x="1250486" y="2797177"/>
+                <a:ext cx="1083559" cy="651987"/>
+                <a:chOff x="1293083" y="1730769"/>
+                <a:chExt cx="1083559" cy="651987"/>
+              </a:xfrm>
+            </p:grpSpPr>
+            <p:cxnSp>
+              <p:nvCxnSpPr>
+                <p:cNvPr id="174" name="Straight Arrow Connector 173">
+                  <a:extLst>
+                    <a:ext uri="{FF2B5EF4-FFF2-40B4-BE49-F238E27FC236}">
+                      <a16:creationId xmlns:a16="http://schemas.microsoft.com/office/drawing/2014/main" id="{E98DB5E0-FBC9-3344-A3E9-A2EC4A141E48}"/>
+                    </a:ext>
+                  </a:extLst>
+                </p:cNvPr>
+                <p:cNvCxnSpPr>
+                  <a:cxnSpLocks/>
+                </p:cNvCxnSpPr>
+                <p:nvPr/>
+              </p:nvCxnSpPr>
+              <p:spPr>
+                <a:xfrm rot="16200000">
+                  <a:off x="1834863" y="1188989"/>
+                  <a:ext cx="0" cy="1083559"/>
+                </a:xfrm>
+                <a:prstGeom prst="straightConnector1">
+                  <a:avLst/>
+                </a:prstGeom>
+                <a:ln w="57150">
+                  <a:solidFill>
+                    <a:schemeClr val="tx1"/>
+                  </a:solidFill>
+                  <a:headEnd type="none" w="med" len="sm"/>
+                  <a:tailEnd type="triangle" w="med" len="sm"/>
+                </a:ln>
+              </p:spPr>
+              <p:style>
+                <a:lnRef idx="1">
+                  <a:schemeClr val="accent1"/>
+                </a:lnRef>
+                <a:fillRef idx="0">
+                  <a:schemeClr val="accent1"/>
+                </a:fillRef>
+                <a:effectRef idx="0">
+                  <a:schemeClr val="accent1"/>
+                </a:effectRef>
+                <a:fontRef idx="minor">
+                  <a:schemeClr val="tx1"/>
+                </a:fontRef>
+              </p:style>
+            </p:cxnSp>
+            <p:sp>
+              <p:nvSpPr>
+                <p:cNvPr id="175" name="Rectangle 174">
+                  <a:extLst>
+                    <a:ext uri="{FF2B5EF4-FFF2-40B4-BE49-F238E27FC236}">
+                      <a16:creationId xmlns:a16="http://schemas.microsoft.com/office/drawing/2014/main" id="{52D5BD40-F1D0-664B-9856-61438F919F3C}"/>
+                    </a:ext>
+                  </a:extLst>
+                </p:cNvPr>
+                <p:cNvSpPr/>
+                <p:nvPr/>
+              </p:nvSpPr>
+              <p:spPr>
+                <a:xfrm rot="16200000">
+                  <a:off x="1526072" y="1967258"/>
+                  <a:ext cx="569387" cy="261610"/>
+                </a:xfrm>
+                <a:prstGeom prst="rect">
+                  <a:avLst/>
+                </a:prstGeom>
+                <a:solidFill>
+                  <a:srgbClr val="00B050"/>
+                </a:solidFill>
+              </p:spPr>
+              <p:txBody>
+                <a:bodyPr wrap="none">
+                  <a:spAutoFit/>
+                </a:bodyPr>
+                <a:lstStyle/>
+                <a:p>
+                  <a:pPr algn="ctr"/>
+                  <a:r>
+                    <a:rPr lang="en-US" sz="1100" dirty="0">
+                      <a:latin typeface="Consolas" panose="020B0609020204030204" pitchFamily="49" charset="0"/>
+                      <a:cs typeface="Consolas" panose="020B0609020204030204" pitchFamily="49" charset="0"/>
+                    </a:rPr>
+                    <a:t>merge</a:t>
+                  </a:r>
+                </a:p>
+              </p:txBody>
+            </p:sp>
+          </p:grpSp>
+          <p:pic>
+            <p:nvPicPr>
+              <p:cNvPr id="179" name="Picture 178">
+                <a:extLst>
+                  <a:ext uri="{FF2B5EF4-FFF2-40B4-BE49-F238E27FC236}">
+                    <a16:creationId xmlns:a16="http://schemas.microsoft.com/office/drawing/2014/main" id="{4619F0F8-CA50-994B-937C-74CFEBBE86CD}"/>
+                  </a:ext>
+                </a:extLst>
+              </p:cNvPr>
+              <p:cNvPicPr>
+                <a:picLocks noChangeAspect="1"/>
+              </p:cNvPicPr>
+              <p:nvPr/>
+            </p:nvPicPr>
+            <p:blipFill>
+              <a:blip r:embed="rId5">
+                <a:extLst>
+                  <a:ext uri="{28A0092B-C50C-407E-A947-70E740481C1C}">
+                    <a14:useLocalDpi xmlns:a14="http://schemas.microsoft.com/office/drawing/2010/main"/>
+                  </a:ext>
+                </a:extLst>
+              </a:blip>
+              <a:stretch>
+                <a:fillRect/>
+              </a:stretch>
+            </p:blipFill>
+            <p:spPr>
+              <a:xfrm>
+                <a:off x="1237928" y="2989365"/>
+                <a:ext cx="183072" cy="244036"/>
+              </a:xfrm>
+              <a:prstGeom prst="rect">
+                <a:avLst/>
+              </a:prstGeom>
+            </p:spPr>
+          </p:pic>
+        </p:grpSp>
         <p:pic>
           <p:nvPicPr>
-            <p:cNvPr id="104" name="Graphic 103">
+            <p:cNvPr id="187" name="Graphic 186">
               <a:extLst>
                 <a:ext uri="{FF2B5EF4-FFF2-40B4-BE49-F238E27FC236}">
-                  <a16:creationId xmlns:a16="http://schemas.microsoft.com/office/drawing/2014/main" id="{5E48E948-89ED-2745-B957-7B82ECF7BD4F}"/>
+                  <a16:creationId xmlns:a16="http://schemas.microsoft.com/office/drawing/2014/main" id="{A41329A4-C707-3A4C-ACAD-F6E1C2B94660}"/>
+                </a:ext>
+              </a:extLst>
+            </p:cNvPr>
+            <p:cNvPicPr>
+              <a:picLocks noChangeAspect="1"/>
+            </p:cNvPicPr>
+            <p:nvPr/>
+          </p:nvPicPr>
+          <p:blipFill>
+            <a:blip r:embed="rId6">
+              <a:extLst>
+                <a:ext uri="{96DAC541-7B7A-43D3-8B79-37D633B846F1}">
+                  <asvg:svgBlip xmlns:asvg="http://schemas.microsoft.com/office/drawing/2016/SVG/main" r:embed="rId7"/>
+                </a:ext>
+              </a:extLst>
+            </a:blip>
+            <a:stretch>
+              <a:fillRect/>
+            </a:stretch>
+          </p:blipFill>
+          <p:spPr>
+            <a:xfrm>
+              <a:off x="4175972" y="2199716"/>
+              <a:ext cx="378514" cy="378514"/>
+            </a:xfrm>
+            <a:prstGeom prst="rect">
+              <a:avLst/>
+            </a:prstGeom>
+          </p:spPr>
+        </p:pic>
+        <p:pic>
+          <p:nvPicPr>
+            <p:cNvPr id="188" name="Graphic 187">
+              <a:extLst>
+                <a:ext uri="{FF2B5EF4-FFF2-40B4-BE49-F238E27FC236}">
+                  <a16:creationId xmlns:a16="http://schemas.microsoft.com/office/drawing/2014/main" id="{E20E74FD-80D6-3747-B360-3345970A40E8}"/>
                 </a:ext>
               </a:extLst>
             </p:cNvPr>
@@ -10016,43 +10719,7 @@
           </p:blipFill>
           <p:spPr>
             <a:xfrm>
-              <a:off x="4175972" y="1909270"/>
-              <a:ext cx="378514" cy="378514"/>
-            </a:xfrm>
-            <a:prstGeom prst="rect">
-              <a:avLst/>
-            </a:prstGeom>
-          </p:spPr>
-        </p:pic>
-        <p:pic>
-          <p:nvPicPr>
-            <p:cNvPr id="105" name="Graphic 104">
-              <a:extLst>
-                <a:ext uri="{FF2B5EF4-FFF2-40B4-BE49-F238E27FC236}">
-                  <a16:creationId xmlns:a16="http://schemas.microsoft.com/office/drawing/2014/main" id="{8949835F-F76D-EA41-A9D1-736ECF1F7CBD}"/>
-                </a:ext>
-              </a:extLst>
-            </p:cNvPr>
-            <p:cNvPicPr>
-              <a:picLocks noChangeAspect="1"/>
-            </p:cNvPicPr>
-            <p:nvPr/>
-          </p:nvPicPr>
-          <p:blipFill>
-            <a:blip r:embed="rId10">
-              <a:extLst>
-                <a:ext uri="{96DAC541-7B7A-43D3-8B79-37D633B846F1}">
-                  <asvg:svgBlip xmlns:asvg="http://schemas.microsoft.com/office/drawing/2016/SVG/main" r:embed="rId11"/>
-                </a:ext>
-              </a:extLst>
-            </a:blip>
-            <a:stretch>
-              <a:fillRect/>
-            </a:stretch>
-          </p:blipFill>
-          <p:spPr>
-            <a:xfrm>
-              <a:off x="4841909" y="2013001"/>
+              <a:off x="4841909" y="2303447"/>
               <a:ext cx="516890" cy="516890"/>
             </a:xfrm>
             <a:prstGeom prst="rect">
@@ -10062,10 +10729,10 @@
         </p:pic>
         <p:sp>
           <p:nvSpPr>
-            <p:cNvPr id="106" name="Rectangle 105">
+            <p:cNvPr id="189" name="Rectangle 188">
               <a:extLst>
                 <a:ext uri="{FF2B5EF4-FFF2-40B4-BE49-F238E27FC236}">
-                  <a16:creationId xmlns:a16="http://schemas.microsoft.com/office/drawing/2014/main" id="{D533D521-12B1-324F-BCD4-6F5EB7A04ACD}"/>
+                  <a16:creationId xmlns:a16="http://schemas.microsoft.com/office/drawing/2014/main" id="{0B945238-2D43-2C4B-97C2-993A737CFF8C}"/>
                 </a:ext>
               </a:extLst>
             </p:cNvPr>
@@ -10074,7 +10741,7 @@
           </p:nvSpPr>
           <p:spPr>
             <a:xfrm>
-              <a:off x="3286430" y="1302519"/>
+              <a:off x="3286430" y="1592965"/>
               <a:ext cx="697627" cy="646331"/>
             </a:xfrm>
             <a:prstGeom prst="rect">
@@ -10139,10 +10806,10 @@
         </p:sp>
         <p:pic>
           <p:nvPicPr>
-            <p:cNvPr id="107" name="Graphic 106">
+            <p:cNvPr id="190" name="Graphic 189">
               <a:extLst>
                 <a:ext uri="{FF2B5EF4-FFF2-40B4-BE49-F238E27FC236}">
-                  <a16:creationId xmlns:a16="http://schemas.microsoft.com/office/drawing/2014/main" id="{49ABBC64-C908-6343-A585-58EF136414FC}"/>
+                  <a16:creationId xmlns:a16="http://schemas.microsoft.com/office/drawing/2014/main" id="{3D297C25-84BA-BD44-B76A-F34F8EE8C8CC}"/>
                 </a:ext>
               </a:extLst>
             </p:cNvPr>
@@ -10152,10 +10819,10 @@
             <p:nvPr/>
           </p:nvPicPr>
           <p:blipFill>
-            <a:blip r:embed="rId12">
+            <a:blip r:embed="rId10">
               <a:extLst>
                 <a:ext uri="{96DAC541-7B7A-43D3-8B79-37D633B846F1}">
-                  <asvg:svgBlip xmlns:asvg="http://schemas.microsoft.com/office/drawing/2016/SVG/main" r:embed="rId13"/>
+                  <asvg:svgBlip xmlns:asvg="http://schemas.microsoft.com/office/drawing/2016/SVG/main" r:embed="rId11"/>
                 </a:ext>
               </a:extLst>
             </a:blip>
@@ -10165,7 +10832,7 @@
           </p:blipFill>
           <p:spPr>
             <a:xfrm>
-              <a:off x="3381937" y="1959787"/>
+              <a:off x="3381937" y="2250233"/>
               <a:ext cx="506615" cy="506615"/>
             </a:xfrm>
             <a:prstGeom prst="rect">
@@ -10175,10 +10842,10 @@
         </p:pic>
         <p:grpSp>
           <p:nvGrpSpPr>
-            <p:cNvPr id="108" name="Group 107">
+            <p:cNvPr id="191" name="Group 190">
               <a:extLst>
                 <a:ext uri="{FF2B5EF4-FFF2-40B4-BE49-F238E27FC236}">
-                  <a16:creationId xmlns:a16="http://schemas.microsoft.com/office/drawing/2014/main" id="{00494E7D-38C4-E542-95AE-8C334C71B9EF}"/>
+                  <a16:creationId xmlns:a16="http://schemas.microsoft.com/office/drawing/2014/main" id="{1AC6E7A5-EAB4-AA4B-BE00-5D47A87E9BB7}"/>
                 </a:ext>
               </a:extLst>
             </p:cNvPr>
@@ -10187,7 +10854,7 @@
           </p:nvGrpSpPr>
           <p:grpSpPr>
             <a:xfrm>
-              <a:off x="3922471" y="2290462"/>
+              <a:off x="3922471" y="2580908"/>
               <a:ext cx="885518" cy="290920"/>
               <a:chOff x="3811742" y="1728592"/>
               <a:chExt cx="885518" cy="290920"/>
@@ -10195,10 +10862,10 @@
           </p:grpSpPr>
           <p:cxnSp>
             <p:nvCxnSpPr>
-              <p:cNvPr id="109" name="Straight Arrow Connector 108">
+              <p:cNvPr id="192" name="Straight Arrow Connector 191">
                 <a:extLst>
                   <a:ext uri="{FF2B5EF4-FFF2-40B4-BE49-F238E27FC236}">
-                    <a16:creationId xmlns:a16="http://schemas.microsoft.com/office/drawing/2014/main" id="{A729E330-6E69-8C47-B8F7-AE8D666A384D}"/>
+                    <a16:creationId xmlns:a16="http://schemas.microsoft.com/office/drawing/2014/main" id="{606AD64A-692A-9348-A017-6C515B2EB54D}"/>
                   </a:ext>
                 </a:extLst>
               </p:cNvPr>
@@ -10238,10 +10905,10 @@
           </p:cxnSp>
           <p:sp>
             <p:nvSpPr>
-              <p:cNvPr id="110" name="Rectangle 109">
+              <p:cNvPr id="193" name="Rectangle 192">
                 <a:extLst>
                   <a:ext uri="{FF2B5EF4-FFF2-40B4-BE49-F238E27FC236}">
-                    <a16:creationId xmlns:a16="http://schemas.microsoft.com/office/drawing/2014/main" id="{4A1AB322-280C-F040-9565-9EE53263891F}"/>
+                    <a16:creationId xmlns:a16="http://schemas.microsoft.com/office/drawing/2014/main" id="{DAF5BE79-6A0B-7649-BBD4-980E54C2E1A0}"/>
                   </a:ext>
                 </a:extLst>
               </p:cNvPr>
@@ -10277,10 +10944,10 @@
         </p:grpSp>
         <p:grpSp>
           <p:nvGrpSpPr>
-            <p:cNvPr id="111" name="Group 110">
+            <p:cNvPr id="194" name="Group 193">
               <a:extLst>
                 <a:ext uri="{FF2B5EF4-FFF2-40B4-BE49-F238E27FC236}">
-                  <a16:creationId xmlns:a16="http://schemas.microsoft.com/office/drawing/2014/main" id="{1C7E93E7-F064-024A-98A1-48C0834476D8}"/>
+                  <a16:creationId xmlns:a16="http://schemas.microsoft.com/office/drawing/2014/main" id="{C1ACBFE3-75A6-1F47-BF14-5CC9F5A9E8F1}"/>
                 </a:ext>
               </a:extLst>
             </p:cNvPr>
@@ -10289,7 +10956,7 @@
           </p:nvGrpSpPr>
           <p:grpSpPr>
             <a:xfrm>
-              <a:off x="2478833" y="2290405"/>
+              <a:off x="2478833" y="2580851"/>
               <a:ext cx="885518" cy="798751"/>
               <a:chOff x="3811742" y="1728592"/>
               <a:chExt cx="885518" cy="798751"/>
@@ -10297,10 +10964,10 @@
           </p:grpSpPr>
           <p:cxnSp>
             <p:nvCxnSpPr>
-              <p:cNvPr id="112" name="Straight Arrow Connector 111">
+              <p:cNvPr id="195" name="Straight Arrow Connector 194">
                 <a:extLst>
                   <a:ext uri="{FF2B5EF4-FFF2-40B4-BE49-F238E27FC236}">
-                    <a16:creationId xmlns:a16="http://schemas.microsoft.com/office/drawing/2014/main" id="{D0C6FE4D-BC31-0943-AB62-ADF7E98C23A5}"/>
+                    <a16:creationId xmlns:a16="http://schemas.microsoft.com/office/drawing/2014/main" id="{F64F0400-C57A-2B4B-9E95-D9F51D78CCF8}"/>
                   </a:ext>
                 </a:extLst>
               </p:cNvPr>
@@ -10340,10 +11007,10 @@
           </p:cxnSp>
           <p:sp>
             <p:nvSpPr>
-              <p:cNvPr id="113" name="Rectangle 112">
+              <p:cNvPr id="196" name="Rectangle 195">
                 <a:extLst>
                   <a:ext uri="{FF2B5EF4-FFF2-40B4-BE49-F238E27FC236}">
-                    <a16:creationId xmlns:a16="http://schemas.microsoft.com/office/drawing/2014/main" id="{607569A1-0247-8047-A884-10B16BFC6C00}"/>
+                    <a16:creationId xmlns:a16="http://schemas.microsoft.com/office/drawing/2014/main" id="{B735B2A4-AE9D-8442-AC67-86597C39CAED}"/>
                   </a:ext>
                 </a:extLst>
               </p:cNvPr>
@@ -10418,10 +11085,10 @@
         </p:grpSp>
         <p:sp>
           <p:nvSpPr>
-            <p:cNvPr id="114" name="Rectangle 113">
+            <p:cNvPr id="197" name="Rectangle 196">
               <a:extLst>
                 <a:ext uri="{FF2B5EF4-FFF2-40B4-BE49-F238E27FC236}">
-                  <a16:creationId xmlns:a16="http://schemas.microsoft.com/office/drawing/2014/main" id="{C7ED4E72-6C7B-0047-8188-0AE4A1F0458E}"/>
+                  <a16:creationId xmlns:a16="http://schemas.microsoft.com/office/drawing/2014/main" id="{08891F0E-FBE4-8947-A3CD-90CF174C8AFF}"/>
                 </a:ext>
               </a:extLst>
             </p:cNvPr>
@@ -10430,7 +11097,7 @@
           </p:nvSpPr>
           <p:spPr>
             <a:xfrm>
-              <a:off x="4751540" y="1533944"/>
+              <a:off x="4751540" y="1824390"/>
               <a:ext cx="697627" cy="507831"/>
             </a:xfrm>
             <a:prstGeom prst="rect">
@@ -10486,10 +11153,10 @@
         </p:sp>
         <p:sp>
           <p:nvSpPr>
-            <p:cNvPr id="115" name="Rectangle 114">
+            <p:cNvPr id="198" name="Rectangle 197">
               <a:extLst>
                 <a:ext uri="{FF2B5EF4-FFF2-40B4-BE49-F238E27FC236}">
-                  <a16:creationId xmlns:a16="http://schemas.microsoft.com/office/drawing/2014/main" id="{CE64EE95-E556-5C43-A637-6871C5DA6674}"/>
+                  <a16:creationId xmlns:a16="http://schemas.microsoft.com/office/drawing/2014/main" id="{909A26C7-927A-384B-9FF5-F6BCF355F3F1}"/>
                 </a:ext>
               </a:extLst>
             </p:cNvPr>
@@ -10498,8 +11165,8 @@
           </p:nvSpPr>
           <p:spPr>
             <a:xfrm>
-              <a:off x="3584500" y="2485259"/>
-              <a:ext cx="1643400" cy="215444"/>
+              <a:off x="3668658" y="2775705"/>
+              <a:ext cx="1475083" cy="215444"/>
             </a:xfrm>
             <a:prstGeom prst="rect">
               <a:avLst/>
@@ -10513,28 +11180,21 @@
             <a:p>
               <a:pPr algn="ctr"/>
               <a:r>
-                <a:rPr lang="en-US" sz="800" dirty="0" err="1">
-                  <a:latin typeface="Consolas" panose="020B0609020204030204" pitchFamily="49" charset="0"/>
-                  <a:cs typeface="Consolas" panose="020B0609020204030204" pitchFamily="49" charset="0"/>
-                </a:rPr>
-                <a:t>foo-service:pr</a:t>
-              </a:r>
-              <a:r>
                 <a:rPr lang="en-US" sz="800" dirty="0">
                   <a:latin typeface="Consolas" panose="020B0609020204030204" pitchFamily="49" charset="0"/>
                   <a:cs typeface="Consolas" panose="020B0609020204030204" pitchFamily="49" charset="0"/>
                 </a:rPr>
-                <a:t>-${build-id}</a:t>
+                <a:t>foo-service:${build-id}</a:t>
               </a:r>
             </a:p>
           </p:txBody>
         </p:sp>
         <p:pic>
           <p:nvPicPr>
-            <p:cNvPr id="139" name="Graphic 138">
+            <p:cNvPr id="199" name="Graphic 198">
               <a:extLst>
                 <a:ext uri="{FF2B5EF4-FFF2-40B4-BE49-F238E27FC236}">
-                  <a16:creationId xmlns:a16="http://schemas.microsoft.com/office/drawing/2014/main" id="{0452B068-F31B-304D-BBAB-AEA25DF3F5A1}"/>
+                  <a16:creationId xmlns:a16="http://schemas.microsoft.com/office/drawing/2014/main" id="{17CB056A-8B1B-1346-B6D3-4F86065F988F}"/>
                 </a:ext>
               </a:extLst>
             </p:cNvPr>
@@ -10544,10 +11204,10 @@
             <p:nvPr/>
           </p:nvPicPr>
           <p:blipFill>
-            <a:blip r:embed="rId14">
+            <a:blip r:embed="rId12">
               <a:extLst>
                 <a:ext uri="{96DAC541-7B7A-43D3-8B79-37D633B846F1}">
-                  <asvg:svgBlip xmlns:asvg="http://schemas.microsoft.com/office/drawing/2016/SVG/main" r:embed="rId15"/>
+                  <asvg:svgBlip xmlns:asvg="http://schemas.microsoft.com/office/drawing/2016/SVG/main" r:embed="rId13"/>
                 </a:ext>
               </a:extLst>
             </a:blip>
@@ -10557,7 +11217,7 @@
           </p:blipFill>
           <p:spPr>
             <a:xfrm>
-              <a:off x="5685835" y="1908563"/>
+              <a:off x="5685835" y="2199009"/>
               <a:ext cx="311021" cy="321054"/>
             </a:xfrm>
             <a:prstGeom prst="rect">
@@ -10567,10 +11227,10 @@
         </p:pic>
         <p:grpSp>
           <p:nvGrpSpPr>
-            <p:cNvPr id="140" name="Group 139">
+            <p:cNvPr id="200" name="Group 199">
               <a:extLst>
                 <a:ext uri="{FF2B5EF4-FFF2-40B4-BE49-F238E27FC236}">
-                  <a16:creationId xmlns:a16="http://schemas.microsoft.com/office/drawing/2014/main" id="{E8C3F7A3-7047-3D44-9D68-85FB9C4E9970}"/>
+                  <a16:creationId xmlns:a16="http://schemas.microsoft.com/office/drawing/2014/main" id="{30EFD8EF-3C97-1E48-A544-8DEC6C408135}"/>
                 </a:ext>
               </a:extLst>
             </p:cNvPr>
@@ -10579,7 +11239,7 @@
           </p:nvGrpSpPr>
           <p:grpSpPr>
             <a:xfrm>
-              <a:off x="5364294" y="2290405"/>
+              <a:off x="5364294" y="2580851"/>
               <a:ext cx="954107" cy="460197"/>
               <a:chOff x="3777449" y="1728592"/>
               <a:chExt cx="954107" cy="460197"/>
@@ -10587,10 +11247,10 @@
           </p:grpSpPr>
           <p:cxnSp>
             <p:nvCxnSpPr>
-              <p:cNvPr id="141" name="Straight Arrow Connector 140">
+              <p:cNvPr id="201" name="Straight Arrow Connector 200">
                 <a:extLst>
                   <a:ext uri="{FF2B5EF4-FFF2-40B4-BE49-F238E27FC236}">
-                    <a16:creationId xmlns:a16="http://schemas.microsoft.com/office/drawing/2014/main" id="{18333A97-A030-B74E-A6C4-772881DD2769}"/>
+                    <a16:creationId xmlns:a16="http://schemas.microsoft.com/office/drawing/2014/main" id="{BCD7E713-476A-B04E-854F-E36C0D971F40}"/>
                   </a:ext>
                 </a:extLst>
               </p:cNvPr>
@@ -10630,10 +11290,10 @@
           </p:cxnSp>
           <p:sp>
             <p:nvSpPr>
-              <p:cNvPr id="142" name="Rectangle 141">
+              <p:cNvPr id="202" name="Rectangle 201">
                 <a:extLst>
                   <a:ext uri="{FF2B5EF4-FFF2-40B4-BE49-F238E27FC236}">
-                    <a16:creationId xmlns:a16="http://schemas.microsoft.com/office/drawing/2014/main" id="{877EB12C-951E-9349-8AF1-DB9735A407B8}"/>
+                    <a16:creationId xmlns:a16="http://schemas.microsoft.com/office/drawing/2014/main" id="{CBD0CC68-9B65-AA4C-A797-5064E03FF392}"/>
                   </a:ext>
                 </a:extLst>
               </p:cNvPr>
@@ -10682,10 +11342,10 @@
         </p:grpSp>
         <p:sp>
           <p:nvSpPr>
-            <p:cNvPr id="143" name="Left Brace 142">
+            <p:cNvPr id="203" name="Left Brace 202">
               <a:extLst>
                 <a:ext uri="{FF2B5EF4-FFF2-40B4-BE49-F238E27FC236}">
-                  <a16:creationId xmlns:a16="http://schemas.microsoft.com/office/drawing/2014/main" id="{57617C84-FE7A-CE45-98D7-9F20298D86A2}"/>
+                  <a16:creationId xmlns:a16="http://schemas.microsoft.com/office/drawing/2014/main" id="{787848B7-9635-9D46-BC60-7464161BF9D9}"/>
                 </a:ext>
               </a:extLst>
             </p:cNvPr>
@@ -10694,7 +11354,7 @@
           </p:nvSpPr>
           <p:spPr>
             <a:xfrm rot="16200000">
-              <a:off x="4281817" y="663404"/>
+              <a:off x="4281817" y="953850"/>
               <a:ext cx="211491" cy="5015921"/>
             </a:xfrm>
             <a:prstGeom prst="leftBrace">
@@ -10731,10 +11391,10 @@
         </p:sp>
         <p:sp>
           <p:nvSpPr>
-            <p:cNvPr id="144" name="Rectangle 143">
+            <p:cNvPr id="204" name="Rectangle 203">
               <a:extLst>
                 <a:ext uri="{FF2B5EF4-FFF2-40B4-BE49-F238E27FC236}">
-                  <a16:creationId xmlns:a16="http://schemas.microsoft.com/office/drawing/2014/main" id="{AEB9B577-3440-AB41-B02F-8DEC72840374}"/>
+                  <a16:creationId xmlns:a16="http://schemas.microsoft.com/office/drawing/2014/main" id="{87D6B9EC-ABE1-084B-97FA-20F72FA0D582}"/>
                 </a:ext>
               </a:extLst>
             </p:cNvPr>
@@ -10743,8 +11403,8 @@
           </p:nvSpPr>
           <p:spPr>
             <a:xfrm>
-              <a:off x="3709297" y="3299920"/>
-              <a:ext cx="1369603" cy="430887"/>
+              <a:off x="3610802" y="3590366"/>
+              <a:ext cx="1649502" cy="430887"/>
             </a:xfrm>
             <a:prstGeom prst="rect">
               <a:avLst/>
@@ -10762,7 +11422,7 @@
                   <a:latin typeface="Consolas" panose="020B0609020204030204" pitchFamily="49" charset="0"/>
                   <a:cs typeface="Consolas" panose="020B0609020204030204" pitchFamily="49" charset="0"/>
                 </a:rPr>
-                <a:t>pull request</a:t>
+                <a:t>merge to master</a:t>
               </a:r>
               <a:br>
                 <a:rPr lang="en-US" sz="1100" b="1" dirty="0">
@@ -10780,717 +11440,12 @@
             </a:p>
           </p:txBody>
         </p:sp>
-        <p:grpSp>
-          <p:nvGrpSpPr>
-            <p:cNvPr id="147" name="Group 146">
+        <p:cxnSp>
+          <p:nvCxnSpPr>
+            <p:cNvPr id="219" name="Straight Arrow Connector 218">
               <a:extLst>
                 <a:ext uri="{FF2B5EF4-FFF2-40B4-BE49-F238E27FC236}">
-                  <a16:creationId xmlns:a16="http://schemas.microsoft.com/office/drawing/2014/main" id="{5A3DC15A-820C-934B-A800-D0A3112E24A4}"/>
-                </a:ext>
-              </a:extLst>
-            </p:cNvPr>
-            <p:cNvGrpSpPr/>
-            <p:nvPr/>
-          </p:nvGrpSpPr>
-          <p:grpSpPr>
-            <a:xfrm>
-              <a:off x="6148514" y="1805687"/>
-              <a:ext cx="925254" cy="725228"/>
-              <a:chOff x="6148514" y="3560465"/>
-              <a:chExt cx="925254" cy="725228"/>
-            </a:xfrm>
-          </p:grpSpPr>
-          <p:pic>
-            <p:nvPicPr>
-              <p:cNvPr id="145" name="Picture 144">
-                <a:extLst>
-                  <a:ext uri="{FF2B5EF4-FFF2-40B4-BE49-F238E27FC236}">
-                    <a16:creationId xmlns:a16="http://schemas.microsoft.com/office/drawing/2014/main" id="{5BEDD4BE-0A85-3746-81C0-A495ABD0ED2E}"/>
-                  </a:ext>
-                </a:extLst>
-              </p:cNvPr>
-              <p:cNvPicPr>
-                <a:picLocks noChangeAspect="1"/>
-              </p:cNvPicPr>
-              <p:nvPr/>
-            </p:nvPicPr>
-            <p:blipFill>
-              <a:blip r:embed="rId6"/>
-              <a:stretch>
-                <a:fillRect/>
-              </a:stretch>
-            </p:blipFill>
-            <p:spPr>
-              <a:xfrm>
-                <a:off x="6326758" y="3847269"/>
-                <a:ext cx="568766" cy="438424"/>
-              </a:xfrm>
-              <a:prstGeom prst="rect">
-                <a:avLst/>
-              </a:prstGeom>
-            </p:spPr>
-          </p:pic>
-          <p:sp>
-            <p:nvSpPr>
-              <p:cNvPr id="146" name="Rectangle 145">
-                <a:extLst>
-                  <a:ext uri="{FF2B5EF4-FFF2-40B4-BE49-F238E27FC236}">
-                    <a16:creationId xmlns:a16="http://schemas.microsoft.com/office/drawing/2014/main" id="{88347902-4AA3-6443-A0F1-819CBE65B00D}"/>
-                  </a:ext>
-                </a:extLst>
-              </p:cNvPr>
-              <p:cNvSpPr/>
-              <p:nvPr/>
-            </p:nvSpPr>
-            <p:spPr>
-              <a:xfrm>
-                <a:off x="6148514" y="3560465"/>
-                <a:ext cx="925254" cy="230832"/>
-              </a:xfrm>
-              <a:prstGeom prst="rect">
-                <a:avLst/>
-              </a:prstGeom>
-            </p:spPr>
-            <p:txBody>
-              <a:bodyPr wrap="none">
-                <a:spAutoFit/>
-              </a:bodyPr>
-              <a:lstStyle/>
-              <a:p>
-                <a:pPr algn="ctr"/>
-                <a:r>
-                  <a:rPr lang="en-US" sz="900" b="1" dirty="0" err="1">
-                    <a:latin typeface="Segoe UI Semibold" panose="020B0502040204020203" pitchFamily="34" charset="0"/>
-                    <a:cs typeface="Segoe UI Semibold" panose="020B0502040204020203" pitchFamily="34" charset="0"/>
-                  </a:rPr>
-                  <a:t>ChartMuseum</a:t>
-                </a:r>
-                <a:endParaRPr lang="en-US" sz="900" b="1" i="1" dirty="0">
-                  <a:latin typeface="Segoe UI Semibold" panose="020B0502040204020203" pitchFamily="34" charset="0"/>
-                  <a:cs typeface="Segoe UI Semibold" panose="020B0502040204020203" pitchFamily="34" charset="0"/>
-                </a:endParaRPr>
-              </a:p>
-            </p:txBody>
-          </p:sp>
-        </p:grpSp>
-        <p:sp>
-          <p:nvSpPr>
-            <p:cNvPr id="151" name="Left Brace 150">
-              <a:extLst>
-                <a:ext uri="{FF2B5EF4-FFF2-40B4-BE49-F238E27FC236}">
-                  <a16:creationId xmlns:a16="http://schemas.microsoft.com/office/drawing/2014/main" id="{0881C756-22A1-AB4E-9732-D68D7BC78A18}"/>
-                </a:ext>
-              </a:extLst>
-            </p:cNvPr>
-            <p:cNvSpPr/>
-            <p:nvPr/>
-          </p:nvSpPr>
-          <p:spPr>
-            <a:xfrm rot="16200000">
-              <a:off x="8931683" y="1449943"/>
-              <a:ext cx="214146" cy="3440187"/>
-            </a:xfrm>
-            <a:prstGeom prst="leftBrace">
-              <a:avLst/>
-            </a:prstGeom>
-            <a:ln w="15875">
-              <a:solidFill>
-                <a:schemeClr val="accent6"/>
-              </a:solidFill>
-            </a:ln>
-          </p:spPr>
-          <p:style>
-            <a:lnRef idx="1">
-              <a:schemeClr val="accent1"/>
-            </a:lnRef>
-            <a:fillRef idx="0">
-              <a:schemeClr val="accent1"/>
-            </a:fillRef>
-            <a:effectRef idx="0">
-              <a:schemeClr val="accent1"/>
-            </a:effectRef>
-            <a:fontRef idx="minor">
-              <a:schemeClr val="tx1"/>
-            </a:fontRef>
-          </p:style>
-          <p:txBody>
-            <a:bodyPr rtlCol="0" anchor="ctr"/>
-            <a:lstStyle/>
-            <a:p>
-              <a:pPr algn="ctr"/>
-              <a:endParaRPr lang="en-US"/>
-            </a:p>
-          </p:txBody>
-        </p:sp>
-        <p:sp>
-          <p:nvSpPr>
-            <p:cNvPr id="152" name="Rectangle 151">
-              <a:extLst>
-                <a:ext uri="{FF2B5EF4-FFF2-40B4-BE49-F238E27FC236}">
-                  <a16:creationId xmlns:a16="http://schemas.microsoft.com/office/drawing/2014/main" id="{02746EA6-7B65-FE44-BE84-ACF9D0074B0E}"/>
-                </a:ext>
-              </a:extLst>
-            </p:cNvPr>
-            <p:cNvSpPr/>
-            <p:nvPr/>
-          </p:nvSpPr>
-          <p:spPr>
-            <a:xfrm>
-              <a:off x="8318549" y="3299920"/>
-              <a:ext cx="1610492" cy="430887"/>
-            </a:xfrm>
-            <a:prstGeom prst="rect">
-              <a:avLst/>
-            </a:prstGeom>
-          </p:spPr>
-          <p:txBody>
-            <a:bodyPr wrap="square">
-              <a:spAutoFit/>
-            </a:bodyPr>
-            <a:lstStyle/>
-            <a:p>
-              <a:pPr algn="ctr"/>
-              <a:r>
-                <a:rPr lang="en-US" sz="1100" dirty="0">
-                  <a:latin typeface="Consolas" panose="020B0609020204030204" pitchFamily="49" charset="0"/>
-                  <a:cs typeface="Consolas" panose="020B0609020204030204" pitchFamily="49" charset="0"/>
-                </a:rPr>
-                <a:t>pull request</a:t>
-              </a:r>
-              <a:br>
-                <a:rPr lang="en-US" sz="1100" b="1" dirty="0">
-                  <a:latin typeface="Segoe UI Semibold" panose="020B0502040204020203" pitchFamily="34" charset="0"/>
-                  <a:cs typeface="Segoe UI Semibold" panose="020B0502040204020203" pitchFamily="34" charset="0"/>
-                </a:rPr>
-              </a:br>
-              <a:r>
-                <a:rPr lang="en-US" sz="1100" b="1" dirty="0">
-                  <a:latin typeface="Segoe UI Semibold" panose="020B0502040204020203" pitchFamily="34" charset="0"/>
-                  <a:cs typeface="Segoe UI Semibold" panose="020B0502040204020203" pitchFamily="34" charset="0"/>
-                </a:rPr>
-                <a:t>CD (Release)</a:t>
-              </a:r>
-            </a:p>
-          </p:txBody>
-        </p:sp>
-        <p:pic>
-          <p:nvPicPr>
-            <p:cNvPr id="153" name="Graphic 152">
-              <a:extLst>
-                <a:ext uri="{FF2B5EF4-FFF2-40B4-BE49-F238E27FC236}">
-                  <a16:creationId xmlns:a16="http://schemas.microsoft.com/office/drawing/2014/main" id="{0B19712B-FD6F-414C-B7DC-0F4C106E0297}"/>
-                </a:ext>
-              </a:extLst>
-            </p:cNvPr>
-            <p:cNvPicPr>
-              <a:picLocks noChangeAspect="1"/>
-            </p:cNvPicPr>
-            <p:nvPr/>
-          </p:nvPicPr>
-          <p:blipFill>
-            <a:blip r:embed="rId14">
-              <a:extLst>
-                <a:ext uri="{96DAC541-7B7A-43D3-8B79-37D633B846F1}">
-                  <asvg:svgBlip xmlns:asvg="http://schemas.microsoft.com/office/drawing/2016/SVG/main" r:embed="rId15"/>
-                </a:ext>
-              </a:extLst>
-            </a:blip>
-            <a:stretch>
-              <a:fillRect/>
-            </a:stretch>
-          </p:blipFill>
-          <p:spPr>
-            <a:xfrm>
-              <a:off x="7678568" y="1905768"/>
-              <a:ext cx="311021" cy="321054"/>
-            </a:xfrm>
-            <a:prstGeom prst="rect">
-              <a:avLst/>
-            </a:prstGeom>
-          </p:spPr>
-        </p:pic>
-        <p:grpSp>
-          <p:nvGrpSpPr>
-            <p:cNvPr id="154" name="Group 153">
-              <a:extLst>
-                <a:ext uri="{FF2B5EF4-FFF2-40B4-BE49-F238E27FC236}">
-                  <a16:creationId xmlns:a16="http://schemas.microsoft.com/office/drawing/2014/main" id="{6BC17CFE-B6DE-974F-915F-6CFB840B54C0}"/>
-                </a:ext>
-              </a:extLst>
-            </p:cNvPr>
-            <p:cNvGrpSpPr/>
-            <p:nvPr/>
-          </p:nvGrpSpPr>
-          <p:grpSpPr>
-            <a:xfrm>
-              <a:off x="7391320" y="2287610"/>
-              <a:ext cx="885518" cy="460197"/>
-              <a:chOff x="3811742" y="1728592"/>
-              <a:chExt cx="885518" cy="460197"/>
-            </a:xfrm>
-          </p:grpSpPr>
-          <p:cxnSp>
-            <p:nvCxnSpPr>
-              <p:cNvPr id="155" name="Straight Arrow Connector 154">
-                <a:extLst>
-                  <a:ext uri="{FF2B5EF4-FFF2-40B4-BE49-F238E27FC236}">
-                    <a16:creationId xmlns:a16="http://schemas.microsoft.com/office/drawing/2014/main" id="{E629EB72-A23E-4947-8410-8CBC97BFD106}"/>
-                  </a:ext>
-                </a:extLst>
-              </p:cNvPr>
-              <p:cNvCxnSpPr/>
-              <p:nvPr/>
-            </p:nvCxnSpPr>
-            <p:spPr>
-              <a:xfrm>
-                <a:off x="3811742" y="1728592"/>
-                <a:ext cx="885518" cy="0"/>
-              </a:xfrm>
-              <a:prstGeom prst="straightConnector1">
-                <a:avLst/>
-              </a:prstGeom>
-              <a:ln w="57150">
-                <a:solidFill>
-                  <a:schemeClr val="tx1"/>
-                </a:solidFill>
-                <a:headEnd type="none" w="med" len="sm"/>
-                <a:tailEnd type="triangle" w="med" len="sm"/>
-              </a:ln>
-            </p:spPr>
-            <p:style>
-              <a:lnRef idx="1">
-                <a:schemeClr val="accent1"/>
-              </a:lnRef>
-              <a:fillRef idx="0">
-                <a:schemeClr val="accent1"/>
-              </a:fillRef>
-              <a:effectRef idx="0">
-                <a:schemeClr val="accent1"/>
-              </a:effectRef>
-              <a:fontRef idx="minor">
-                <a:schemeClr val="tx1"/>
-              </a:fontRef>
-            </p:style>
-          </p:cxnSp>
-          <p:sp>
-            <p:nvSpPr>
-              <p:cNvPr id="156" name="Rectangle 155">
-                <a:extLst>
-                  <a:ext uri="{FF2B5EF4-FFF2-40B4-BE49-F238E27FC236}">
-                    <a16:creationId xmlns:a16="http://schemas.microsoft.com/office/drawing/2014/main" id="{EC4AA549-D3F2-7446-A55A-16891264CAE3}"/>
-                  </a:ext>
-                </a:extLst>
-              </p:cNvPr>
-              <p:cNvSpPr/>
-              <p:nvPr/>
-            </p:nvSpPr>
-            <p:spPr>
-              <a:xfrm>
-                <a:off x="3931338" y="1757902"/>
-                <a:ext cx="646331" cy="430887"/>
-              </a:xfrm>
-              <a:prstGeom prst="rect">
-                <a:avLst/>
-              </a:prstGeom>
-            </p:spPr>
-            <p:txBody>
-              <a:bodyPr wrap="none">
-                <a:spAutoFit/>
-              </a:bodyPr>
-              <a:lstStyle/>
-              <a:p>
-                <a:pPr algn="ctr"/>
-                <a:r>
-                  <a:rPr lang="en-US" sz="1100" dirty="0">
-                    <a:latin typeface="Consolas" panose="020B0609020204030204" pitchFamily="49" charset="0"/>
-                    <a:cs typeface="Consolas" panose="020B0609020204030204" pitchFamily="49" charset="0"/>
-                  </a:rPr>
-                  <a:t>helm</a:t>
-                </a:r>
-                <a:br>
-                  <a:rPr lang="en-US" sz="1100" dirty="0">
-                    <a:latin typeface="Consolas" panose="020B0609020204030204" pitchFamily="49" charset="0"/>
-                    <a:cs typeface="Consolas" panose="020B0609020204030204" pitchFamily="49" charset="0"/>
-                  </a:rPr>
-                </a:br>
-                <a:r>
-                  <a:rPr lang="en-US" sz="1100" dirty="0">
-                    <a:latin typeface="Consolas" panose="020B0609020204030204" pitchFamily="49" charset="0"/>
-                    <a:cs typeface="Consolas" panose="020B0609020204030204" pitchFamily="49" charset="0"/>
-                  </a:rPr>
-                  <a:t>deploy</a:t>
-                </a:r>
-              </a:p>
-            </p:txBody>
-          </p:sp>
-        </p:grpSp>
-        <p:pic>
-          <p:nvPicPr>
-            <p:cNvPr id="163" name="Graphic 162">
-              <a:extLst>
-                <a:ext uri="{FF2B5EF4-FFF2-40B4-BE49-F238E27FC236}">
-                  <a16:creationId xmlns:a16="http://schemas.microsoft.com/office/drawing/2014/main" id="{A5BFD80B-B332-EE45-9581-4065B5185046}"/>
-                </a:ext>
-              </a:extLst>
-            </p:cNvPr>
-            <p:cNvPicPr>
-              <a:picLocks noChangeAspect="1"/>
-            </p:cNvPicPr>
-            <p:nvPr/>
-          </p:nvPicPr>
-          <p:blipFill>
-            <a:blip r:embed="rId22">
-              <a:extLst>
-                <a:ext uri="{96DAC541-7B7A-43D3-8B79-37D633B846F1}">
-                  <asvg:svgBlip xmlns:asvg="http://schemas.microsoft.com/office/drawing/2016/SVG/main" r:embed="rId23"/>
-                </a:ext>
-              </a:extLst>
-            </a:blip>
-            <a:stretch>
-              <a:fillRect/>
-            </a:stretch>
-          </p:blipFill>
-          <p:spPr>
-            <a:xfrm>
-              <a:off x="8359439" y="2035795"/>
-              <a:ext cx="469900" cy="469900"/>
-            </a:xfrm>
-            <a:prstGeom prst="rect">
-              <a:avLst/>
-            </a:prstGeom>
-          </p:spPr>
-        </p:pic>
-        <p:pic>
-          <p:nvPicPr>
-            <p:cNvPr id="164" name="Picture 163">
-              <a:extLst>
-                <a:ext uri="{FF2B5EF4-FFF2-40B4-BE49-F238E27FC236}">
-                  <a16:creationId xmlns:a16="http://schemas.microsoft.com/office/drawing/2014/main" id="{35B3687F-68B1-0944-B458-04447563E13C}"/>
-                </a:ext>
-              </a:extLst>
-            </p:cNvPr>
-            <p:cNvPicPr>
-              <a:picLocks noChangeAspect="1"/>
-            </p:cNvPicPr>
-            <p:nvPr/>
-          </p:nvPicPr>
-          <p:blipFill>
-            <a:blip r:embed="rId24"/>
-            <a:stretch>
-              <a:fillRect/>
-            </a:stretch>
-          </p:blipFill>
-          <p:spPr>
-            <a:xfrm>
-              <a:off x="8655423" y="2349745"/>
-              <a:ext cx="234432" cy="234432"/>
-            </a:xfrm>
-            <a:prstGeom prst="rect">
-              <a:avLst/>
-            </a:prstGeom>
-          </p:spPr>
-        </p:pic>
-        <p:sp>
-          <p:nvSpPr>
-            <p:cNvPr id="165" name="Rectangle 164">
-              <a:extLst>
-                <a:ext uri="{FF2B5EF4-FFF2-40B4-BE49-F238E27FC236}">
-                  <a16:creationId xmlns:a16="http://schemas.microsoft.com/office/drawing/2014/main" id="{FD50B477-83DE-FB4A-8DF4-30349EE9001F}"/>
-                </a:ext>
-              </a:extLst>
-            </p:cNvPr>
-            <p:cNvSpPr/>
-            <p:nvPr/>
-          </p:nvSpPr>
-          <p:spPr>
-            <a:xfrm>
-              <a:off x="8206301" y="1537935"/>
-              <a:ext cx="776175" cy="507831"/>
-            </a:xfrm>
-            <a:prstGeom prst="rect">
-              <a:avLst/>
-            </a:prstGeom>
-          </p:spPr>
-          <p:txBody>
-            <a:bodyPr wrap="none">
-              <a:spAutoFit/>
-            </a:bodyPr>
-            <a:lstStyle/>
-            <a:p>
-              <a:pPr algn="ctr"/>
-              <a:r>
-                <a:rPr lang="en-US" sz="900" b="1" dirty="0">
-                  <a:latin typeface="Segoe UI Semibold" panose="020B0502040204020203" pitchFamily="34" charset="0"/>
-                  <a:cs typeface="Segoe UI Semibold" panose="020B0502040204020203" pitchFamily="34" charset="0"/>
-                </a:rPr>
-                <a:t>Azure</a:t>
-              </a:r>
-              <a:br>
-                <a:rPr lang="en-US" sz="900" b="1" dirty="0">
-                  <a:latin typeface="Segoe UI Semibold" panose="020B0502040204020203" pitchFamily="34" charset="0"/>
-                  <a:cs typeface="Segoe UI Semibold" panose="020B0502040204020203" pitchFamily="34" charset="0"/>
-                </a:rPr>
-              </a:br>
-              <a:r>
-                <a:rPr lang="en-US" sz="900" b="1" dirty="0">
-                  <a:latin typeface="Segoe UI Semibold" panose="020B0502040204020203" pitchFamily="34" charset="0"/>
-                  <a:cs typeface="Segoe UI Semibold" panose="020B0502040204020203" pitchFamily="34" charset="0"/>
-                </a:rPr>
-                <a:t>Kubernetes</a:t>
-              </a:r>
-              <a:br>
-                <a:rPr lang="en-US" sz="900" b="1" dirty="0">
-                  <a:latin typeface="Segoe UI Semibold" panose="020B0502040204020203" pitchFamily="34" charset="0"/>
-                  <a:cs typeface="Segoe UI Semibold" panose="020B0502040204020203" pitchFamily="34" charset="0"/>
-                </a:rPr>
-              </a:br>
-              <a:r>
-                <a:rPr lang="en-US" sz="900" b="1" dirty="0">
-                  <a:latin typeface="Segoe UI Semibold" panose="020B0502040204020203" pitchFamily="34" charset="0"/>
-                  <a:cs typeface="Segoe UI Semibold" panose="020B0502040204020203" pitchFamily="34" charset="0"/>
-                </a:rPr>
-                <a:t>Service</a:t>
-              </a:r>
-              <a:endParaRPr lang="en-US" sz="900" b="1" i="1" dirty="0">
-                <a:latin typeface="Segoe UI Semibold" panose="020B0502040204020203" pitchFamily="34" charset="0"/>
-                <a:cs typeface="Segoe UI Semibold" panose="020B0502040204020203" pitchFamily="34" charset="0"/>
-              </a:endParaRPr>
-            </a:p>
-          </p:txBody>
-        </p:sp>
-        <p:sp>
-          <p:nvSpPr>
-            <p:cNvPr id="171" name="Rectangle 170">
-              <a:extLst>
-                <a:ext uri="{FF2B5EF4-FFF2-40B4-BE49-F238E27FC236}">
-                  <a16:creationId xmlns:a16="http://schemas.microsoft.com/office/drawing/2014/main" id="{31F4636E-0B55-7740-84AF-06AB99274F70}"/>
-                </a:ext>
-              </a:extLst>
-            </p:cNvPr>
-            <p:cNvSpPr/>
-            <p:nvPr/>
-          </p:nvSpPr>
-          <p:spPr>
-            <a:xfrm>
-              <a:off x="8276838" y="2527207"/>
-              <a:ext cx="2260555" cy="215444"/>
-            </a:xfrm>
-            <a:prstGeom prst="rect">
-              <a:avLst/>
-            </a:prstGeom>
-          </p:spPr>
-          <p:txBody>
-            <a:bodyPr wrap="none">
-              <a:spAutoFit/>
-            </a:bodyPr>
-            <a:lstStyle/>
-            <a:p>
-              <a:r>
-                <a:rPr lang="en-US" sz="800" dirty="0">
-                  <a:latin typeface="Consolas" panose="020B0609020204030204" pitchFamily="49" charset="0"/>
-                  <a:cs typeface="Consolas" panose="020B0609020204030204" pitchFamily="49" charset="0"/>
-                </a:rPr>
-                <a:t>namespace: foo-service-</a:t>
-              </a:r>
-              <a:r>
-                <a:rPr lang="en-US" sz="800" dirty="0" err="1">
-                  <a:latin typeface="Consolas" panose="020B0609020204030204" pitchFamily="49" charset="0"/>
-                  <a:cs typeface="Consolas" panose="020B0609020204030204" pitchFamily="49" charset="0"/>
-                </a:rPr>
-                <a:t>pr</a:t>
-              </a:r>
-              <a:r>
-                <a:rPr lang="en-US" sz="800" dirty="0">
-                  <a:latin typeface="Consolas" panose="020B0609020204030204" pitchFamily="49" charset="0"/>
-                  <a:cs typeface="Consolas" panose="020B0609020204030204" pitchFamily="49" charset="0"/>
-                </a:rPr>
-                <a:t>-${build-id}</a:t>
-              </a:r>
-              <a:endParaRPr lang="en-US" sz="800" dirty="0"/>
-            </a:p>
-          </p:txBody>
-        </p:sp>
-        <p:grpSp>
-          <p:nvGrpSpPr>
-            <p:cNvPr id="224" name="Group 223">
-              <a:extLst>
-                <a:ext uri="{FF2B5EF4-FFF2-40B4-BE49-F238E27FC236}">
-                  <a16:creationId xmlns:a16="http://schemas.microsoft.com/office/drawing/2014/main" id="{B3C9BAB0-7020-3A4C-83DC-BF08DF98E71C}"/>
-                </a:ext>
-              </a:extLst>
-            </p:cNvPr>
-            <p:cNvGrpSpPr/>
-            <p:nvPr/>
-          </p:nvGrpSpPr>
-          <p:grpSpPr>
-            <a:xfrm>
-              <a:off x="1087491" y="1175441"/>
-              <a:ext cx="1041454" cy="885518"/>
-              <a:chOff x="1087491" y="2509972"/>
-              <a:chExt cx="1041454" cy="885518"/>
-            </a:xfrm>
-          </p:grpSpPr>
-          <p:grpSp>
-            <p:nvGrpSpPr>
-              <p:cNvPr id="97" name="Group 96">
-                <a:extLst>
-                  <a:ext uri="{FF2B5EF4-FFF2-40B4-BE49-F238E27FC236}">
-                    <a16:creationId xmlns:a16="http://schemas.microsoft.com/office/drawing/2014/main" id="{9430222F-F9EC-7D40-ABCE-0ABD3F597858}"/>
-                  </a:ext>
-                </a:extLst>
-              </p:cNvPr>
-              <p:cNvGrpSpPr/>
-              <p:nvPr/>
-            </p:nvGrpSpPr>
-            <p:grpSpPr>
-              <a:xfrm rot="5400000">
-                <a:off x="1277382" y="2543926"/>
-                <a:ext cx="885518" cy="817609"/>
-                <a:chOff x="3811742" y="1728592"/>
-                <a:chExt cx="885518" cy="817609"/>
-              </a:xfrm>
-            </p:grpSpPr>
-            <p:cxnSp>
-              <p:nvCxnSpPr>
-                <p:cNvPr id="98" name="Straight Arrow Connector 97">
-                  <a:extLst>
-                    <a:ext uri="{FF2B5EF4-FFF2-40B4-BE49-F238E27FC236}">
-                      <a16:creationId xmlns:a16="http://schemas.microsoft.com/office/drawing/2014/main" id="{C9666C81-B88D-CB4A-B558-322242CC42E4}"/>
-                    </a:ext>
-                  </a:extLst>
-                </p:cNvPr>
-                <p:cNvCxnSpPr/>
-                <p:nvPr/>
-              </p:nvCxnSpPr>
-              <p:spPr>
-                <a:xfrm>
-                  <a:off x="3811742" y="1728592"/>
-                  <a:ext cx="885518" cy="0"/>
-                </a:xfrm>
-                <a:prstGeom prst="straightConnector1">
-                  <a:avLst/>
-                </a:prstGeom>
-                <a:ln w="57150">
-                  <a:solidFill>
-                    <a:schemeClr val="tx1"/>
-                  </a:solidFill>
-                  <a:headEnd type="none" w="med" len="sm"/>
-                  <a:tailEnd type="triangle" w="med" len="sm"/>
-                </a:ln>
-              </p:spPr>
-              <p:style>
-                <a:lnRef idx="1">
-                  <a:schemeClr val="accent1"/>
-                </a:lnRef>
-                <a:fillRef idx="0">
-                  <a:schemeClr val="accent1"/>
-                </a:fillRef>
-                <a:effectRef idx="0">
-                  <a:schemeClr val="accent1"/>
-                </a:effectRef>
-                <a:fontRef idx="minor">
-                  <a:schemeClr val="tx1"/>
-                </a:fontRef>
-              </p:style>
-            </p:cxnSp>
-            <p:sp>
-              <p:nvSpPr>
-                <p:cNvPr id="99" name="Rectangle 98">
-                  <a:extLst>
-                    <a:ext uri="{FF2B5EF4-FFF2-40B4-BE49-F238E27FC236}">
-                      <a16:creationId xmlns:a16="http://schemas.microsoft.com/office/drawing/2014/main" id="{D2EA6D88-C591-DF40-8416-9EEDC20870AF}"/>
-                    </a:ext>
-                  </a:extLst>
-                </p:cNvPr>
-                <p:cNvSpPr/>
-                <p:nvPr/>
-              </p:nvSpPr>
-              <p:spPr>
-                <a:xfrm rot="16200000">
-                  <a:off x="3835592" y="1969120"/>
-                  <a:ext cx="723275" cy="430887"/>
-                </a:xfrm>
-                <a:prstGeom prst="rect">
-                  <a:avLst/>
-                </a:prstGeom>
-                <a:solidFill>
-                  <a:srgbClr val="00B050"/>
-                </a:solidFill>
-              </p:spPr>
-              <p:txBody>
-                <a:bodyPr wrap="none">
-                  <a:spAutoFit/>
-                </a:bodyPr>
-                <a:lstStyle/>
-                <a:p>
-                  <a:pPr algn="ctr"/>
-                  <a:r>
-                    <a:rPr lang="en-US" sz="1100" dirty="0">
-                      <a:latin typeface="Consolas" panose="020B0609020204030204" pitchFamily="49" charset="0"/>
-                      <a:cs typeface="Consolas" panose="020B0609020204030204" pitchFamily="49" charset="0"/>
-                    </a:rPr>
-                    <a:t>pull</a:t>
-                  </a:r>
-                  <a:br>
-                    <a:rPr lang="en-US" sz="1100" dirty="0">
-                      <a:latin typeface="Consolas" panose="020B0609020204030204" pitchFamily="49" charset="0"/>
-                      <a:cs typeface="Consolas" panose="020B0609020204030204" pitchFamily="49" charset="0"/>
-                    </a:rPr>
-                  </a:br>
-                  <a:r>
-                    <a:rPr lang="en-US" sz="1100" dirty="0">
-                      <a:latin typeface="Consolas" panose="020B0609020204030204" pitchFamily="49" charset="0"/>
-                      <a:cs typeface="Consolas" panose="020B0609020204030204" pitchFamily="49" charset="0"/>
-                    </a:rPr>
-                    <a:t>request</a:t>
-                  </a:r>
-                </a:p>
-              </p:txBody>
-            </p:sp>
-          </p:grpSp>
-          <p:pic>
-            <p:nvPicPr>
-              <p:cNvPr id="172" name="Picture 171">
-                <a:extLst>
-                  <a:ext uri="{FF2B5EF4-FFF2-40B4-BE49-F238E27FC236}">
-                    <a16:creationId xmlns:a16="http://schemas.microsoft.com/office/drawing/2014/main" id="{22C8378F-07E5-F741-890F-9C9A45CCF0D8}"/>
-                  </a:ext>
-                </a:extLst>
-              </p:cNvPr>
-              <p:cNvPicPr>
-                <a:picLocks noChangeAspect="1"/>
-              </p:cNvPicPr>
-              <p:nvPr/>
-            </p:nvPicPr>
-            <p:blipFill>
-              <a:blip r:embed="rId25">
-                <a:extLst>
-                  <a:ext uri="{28A0092B-C50C-407E-A947-70E740481C1C}">
-                    <a14:useLocalDpi xmlns:a14="http://schemas.microsoft.com/office/drawing/2010/main"/>
-                  </a:ext>
-                </a:extLst>
-              </a:blip>
-              <a:stretch>
-                <a:fillRect/>
-              </a:stretch>
-            </p:blipFill>
-            <p:spPr>
-              <a:xfrm>
-                <a:off x="1087491" y="2762491"/>
-                <a:ext cx="201379" cy="268440"/>
-              </a:xfrm>
-              <a:prstGeom prst="rect">
-                <a:avLst/>
-              </a:prstGeom>
-            </p:spPr>
-          </p:pic>
-        </p:grpSp>
-        <p:cxnSp>
-          <p:nvCxnSpPr>
-            <p:cNvPr id="185" name="Straight Arrow Connector 184">
-              <a:extLst>
-                <a:ext uri="{FF2B5EF4-FFF2-40B4-BE49-F238E27FC236}">
-                  <a16:creationId xmlns:a16="http://schemas.microsoft.com/office/drawing/2014/main" id="{8225FC7B-66F7-9B4A-8E69-35D608A079B1}"/>
+                  <a16:creationId xmlns:a16="http://schemas.microsoft.com/office/drawing/2014/main" id="{C8785912-9097-CB4A-ADDF-F8C832F57EEE}"/>
                 </a:ext>
               </a:extLst>
             </p:cNvPr>
@@ -11499,7 +11454,7 @@
           </p:nvCxnSpPr>
           <p:spPr>
             <a:xfrm>
-              <a:off x="5825587" y="1456316"/>
+              <a:off x="5825587" y="1746762"/>
               <a:ext cx="0" cy="377727"/>
             </a:xfrm>
             <a:prstGeom prst="straightConnector1">
@@ -11529,10 +11484,10 @@
         </p:cxnSp>
         <p:sp>
           <p:nvSpPr>
-            <p:cNvPr id="186" name="TextBox 185">
+            <p:cNvPr id="220" name="TextBox 219">
               <a:extLst>
                 <a:ext uri="{FF2B5EF4-FFF2-40B4-BE49-F238E27FC236}">
-                  <a16:creationId xmlns:a16="http://schemas.microsoft.com/office/drawing/2014/main" id="{62361029-7C8A-B24E-8936-59A0BBB1DA68}"/>
+                  <a16:creationId xmlns:a16="http://schemas.microsoft.com/office/drawing/2014/main" id="{3D0938D3-0D4A-A546-A09E-63A63F5B1ED1}"/>
                 </a:ext>
               </a:extLst>
             </p:cNvPr>
@@ -11541,7 +11496,7 @@
           </p:nvSpPr>
           <p:spPr>
             <a:xfrm>
-              <a:off x="5802616" y="962630"/>
+              <a:off x="5802616" y="1253076"/>
               <a:ext cx="960519" cy="553998"/>
             </a:xfrm>
             <a:prstGeom prst="rect">
@@ -11600,105 +11555,6 @@
             </a:p>
           </p:txBody>
         </p:sp>
-        <p:cxnSp>
-          <p:nvCxnSpPr>
-            <p:cNvPr id="116" name="Straight Connector 115">
-              <a:extLst>
-                <a:ext uri="{FF2B5EF4-FFF2-40B4-BE49-F238E27FC236}">
-                  <a16:creationId xmlns:a16="http://schemas.microsoft.com/office/drawing/2014/main" id="{E84454AE-2DEA-2C4E-8AAE-EC37655D7DDA}"/>
-                </a:ext>
-              </a:extLst>
-            </p:cNvPr>
-            <p:cNvCxnSpPr>
-              <a:cxnSpLocks/>
-            </p:cNvCxnSpPr>
-            <p:nvPr/>
-          </p:nvCxnSpPr>
-          <p:spPr>
-            <a:xfrm flipV="1">
-              <a:off x="7087255" y="1170596"/>
-              <a:ext cx="23584" cy="2560211"/>
-            </a:xfrm>
-            <a:prstGeom prst="line">
-              <a:avLst/>
-            </a:prstGeom>
-            <a:ln>
-              <a:solidFill>
-                <a:schemeClr val="bg1">
-                  <a:lumMod val="85000"/>
-                </a:schemeClr>
-              </a:solidFill>
-            </a:ln>
-          </p:spPr>
-          <p:style>
-            <a:lnRef idx="1">
-              <a:schemeClr val="accent1"/>
-            </a:lnRef>
-            <a:fillRef idx="0">
-              <a:schemeClr val="accent1"/>
-            </a:fillRef>
-            <a:effectRef idx="0">
-              <a:schemeClr val="accent1"/>
-            </a:effectRef>
-            <a:fontRef idx="minor">
-              <a:schemeClr val="tx1"/>
-            </a:fontRef>
-          </p:style>
-        </p:cxnSp>
-        <p:sp>
-          <p:nvSpPr>
-            <p:cNvPr id="118" name="TextBox 117">
-              <a:extLst>
-                <a:ext uri="{FF2B5EF4-FFF2-40B4-BE49-F238E27FC236}">
-                  <a16:creationId xmlns:a16="http://schemas.microsoft.com/office/drawing/2014/main" id="{21944C27-72A4-184E-9044-568DF23A405B}"/>
-                </a:ext>
-              </a:extLst>
-            </p:cNvPr>
-            <p:cNvSpPr txBox="1"/>
-            <p:nvPr/>
-          </p:nvSpPr>
-          <p:spPr>
-            <a:xfrm>
-              <a:off x="8353648" y="1261639"/>
-              <a:ext cx="2794355" cy="246221"/>
-            </a:xfrm>
-            <a:prstGeom prst="rect">
-              <a:avLst/>
-            </a:prstGeom>
-            <a:solidFill>
-              <a:srgbClr val="00B0F0"/>
-            </a:solidFill>
-          </p:spPr>
-          <p:txBody>
-            <a:bodyPr wrap="none" rtlCol="0">
-              <a:spAutoFit/>
-            </a:bodyPr>
-            <a:lstStyle/>
-            <a:p>
-              <a:r>
-                <a:rPr lang="en-US" sz="1000" dirty="0">
-                  <a:latin typeface="Consolas" panose="020B0609020204030204" pitchFamily="49" charset="0"/>
-                  <a:cs typeface="Consolas" panose="020B0609020204030204" pitchFamily="49" charset="0"/>
-                </a:rPr>
-                <a:t>http://foo-service-</a:t>
-              </a:r>
-              <a:r>
-                <a:rPr lang="en-US" sz="1000" b="1" dirty="0">
-                  <a:latin typeface="Consolas" panose="020B0609020204030204" pitchFamily="49" charset="0"/>
-                  <a:cs typeface="Consolas" panose="020B0609020204030204" pitchFamily="49" charset="0"/>
-                </a:rPr>
-                <a:t>pr-12</a:t>
-              </a:r>
-              <a:r>
-                <a:rPr lang="en-US" sz="1000" dirty="0">
-                  <a:latin typeface="Consolas" panose="020B0609020204030204" pitchFamily="49" charset="0"/>
-                  <a:cs typeface="Consolas" panose="020B0609020204030204" pitchFamily="49" charset="0"/>
-                </a:rPr>
-                <a:t>.xx.aksapp.io</a:t>
-              </a:r>
-            </a:p>
-          </p:txBody>
-        </p:sp>
       </p:grpSp>
       <p:grpSp>
         <p:nvGrpSpPr>
@@ -11714,7 +11570,7 @@
         </p:nvGrpSpPr>
         <p:grpSpPr>
           <a:xfrm>
-            <a:off x="7318662" y="3868333"/>
+            <a:off x="1932170" y="4380138"/>
             <a:ext cx="2935419" cy="2475996"/>
             <a:chOff x="7318662" y="3868333"/>
             <a:chExt cx="2935419" cy="2475996"/>
@@ -11735,9 +11591,9 @@
           <p:grpSpPr>
             <a:xfrm>
               <a:off x="7318663" y="4151457"/>
-              <a:ext cx="2152733" cy="2192872"/>
+              <a:ext cx="2825994" cy="2192872"/>
               <a:chOff x="7318663" y="4151457"/>
-              <a:chExt cx="2152733" cy="2192872"/>
+              <a:chExt cx="2825994" cy="2192872"/>
             </a:xfrm>
           </p:grpSpPr>
           <p:sp>
@@ -11855,10 +11711,10 @@
               <p:nvPr/>
             </p:nvPicPr>
             <p:blipFill>
-              <a:blip r:embed="rId14">
+              <a:blip r:embed="rId12">
                 <a:extLst>
                   <a:ext uri="{96DAC541-7B7A-43D3-8B79-37D633B846F1}">
-                    <asvg:svgBlip xmlns:asvg="http://schemas.microsoft.com/office/drawing/2016/SVG/main" r:embed="rId15"/>
+                    <asvg:svgBlip xmlns:asvg="http://schemas.microsoft.com/office/drawing/2016/SVG/main" r:embed="rId13"/>
                   </a:ext>
                 </a:extLst>
               </a:blip>
@@ -12006,10 +11862,10 @@
               <p:nvPr/>
             </p:nvPicPr>
             <p:blipFill>
-              <a:blip r:embed="rId22">
+              <a:blip r:embed="rId14">
                 <a:extLst>
                   <a:ext uri="{96DAC541-7B7A-43D3-8B79-37D633B846F1}">
-                    <asvg:svgBlip xmlns:asvg="http://schemas.microsoft.com/office/drawing/2016/SVG/main" r:embed="rId23"/>
+                    <asvg:svgBlip xmlns:asvg="http://schemas.microsoft.com/office/drawing/2016/SVG/main" r:embed="rId15"/>
                   </a:ext>
                 </a:extLst>
               </a:blip>
@@ -12042,7 +11898,7 @@
               <p:nvPr/>
             </p:nvPicPr>
             <p:blipFill>
-              <a:blip r:embed="rId24"/>
+              <a:blip r:embed="rId16"/>
               <a:stretch>
                 <a:fillRect/>
               </a:stretch>
@@ -12140,7 +11996,7 @@
             <p:spPr>
               <a:xfrm>
                 <a:off x="8276838" y="5140729"/>
-                <a:ext cx="1194558" cy="215444"/>
+                <a:ext cx="1867819" cy="215444"/>
               </a:xfrm>
               <a:prstGeom prst="rect">
                 <a:avLst/>
@@ -12157,7 +12013,7 @@
                     <a:latin typeface="Consolas" panose="020B0609020204030204" pitchFamily="49" charset="0"/>
                     <a:cs typeface="Consolas" panose="020B0609020204030204" pitchFamily="49" charset="0"/>
                   </a:rPr>
-                  <a:t>namespace: staging</a:t>
+                  <a:t>namespace: foo-service-staging</a:t>
                 </a:r>
                 <a:endParaRPr lang="en-US" sz="800" dirty="0"/>
               </a:p>
@@ -12223,12 +12079,724 @@
           </p:txBody>
         </p:sp>
       </p:grpSp>
+      <p:sp>
+        <p:nvSpPr>
+          <p:cNvPr id="136" name="TextBox 135">
+            <a:extLst>
+              <a:ext uri="{FF2B5EF4-FFF2-40B4-BE49-F238E27FC236}">
+                <a16:creationId xmlns:a16="http://schemas.microsoft.com/office/drawing/2014/main" id="{BFD3DADB-269B-E84A-9E4E-DB2E44E5FA83}"/>
+              </a:ext>
+            </a:extLst>
+          </p:cNvPr>
+          <p:cNvSpPr txBox="1"/>
+          <p:nvPr/>
+        </p:nvSpPr>
+        <p:spPr>
+          <a:xfrm>
+            <a:off x="2666586" y="165999"/>
+            <a:ext cx="7928614" cy="738664"/>
+          </a:xfrm>
+          <a:prstGeom prst="rect">
+            <a:avLst/>
+          </a:prstGeom>
+          <a:noFill/>
+        </p:spPr>
+        <p:txBody>
+          <a:bodyPr wrap="square" rtlCol="0">
+            <a:spAutoFit/>
+          </a:bodyPr>
+          <a:lstStyle/>
+          <a:p>
+            <a:r>
+              <a:rPr lang="en-US" sz="1400" dirty="0">
+                <a:latin typeface="Segoe UI" panose="020B0502040204020203" pitchFamily="34" charset="0"/>
+                <a:cs typeface="Segoe UI" panose="020B0502040204020203" pitchFamily="34" charset="0"/>
+              </a:rPr>
+              <a:t>Now when it is time to do a production release, the developers cherry pick features they want to include in the master build, merge with master then trigger CD to Staging -&gt; Pre-Prod -&gt; Prod</a:t>
+            </a:r>
+            <a:br>
+              <a:rPr lang="en-US" sz="1400" dirty="0">
+                <a:latin typeface="Segoe UI" panose="020B0502040204020203" pitchFamily="34" charset="0"/>
+                <a:cs typeface="Segoe UI" panose="020B0502040204020203" pitchFamily="34" charset="0"/>
+              </a:rPr>
+            </a:br>
+            <a:r>
+              <a:rPr lang="en-US" sz="1400" dirty="0">
+                <a:latin typeface="Segoe UI" panose="020B0502040204020203" pitchFamily="34" charset="0"/>
+                <a:cs typeface="Segoe UI" panose="020B0502040204020203" pitchFamily="34" charset="0"/>
+              </a:rPr>
+              <a:t>Release approvals and gates can be added between the release steps.</a:t>
+            </a:r>
+          </a:p>
+        </p:txBody>
+      </p:sp>
+      <p:pic>
+        <p:nvPicPr>
+          <p:cNvPr id="138" name="Graphic 137" descr="User">
+            <a:extLst>
+              <a:ext uri="{FF2B5EF4-FFF2-40B4-BE49-F238E27FC236}">
+                <a16:creationId xmlns:a16="http://schemas.microsoft.com/office/drawing/2014/main" id="{F519B281-031F-2C42-B037-95C75D7DE26C}"/>
+              </a:ext>
+            </a:extLst>
+          </p:cNvPr>
+          <p:cNvPicPr>
+            <a:picLocks noChangeAspect="1"/>
+          </p:cNvPicPr>
+          <p:nvPr/>
+        </p:nvPicPr>
+        <p:blipFill>
+          <a:blip r:embed="rId17">
+            <a:extLst>
+              <a:ext uri="{96DAC541-7B7A-43D3-8B79-37D633B846F1}">
+                <asvg:svgBlip xmlns:asvg="http://schemas.microsoft.com/office/drawing/2016/SVG/main" r:embed="rId18"/>
+              </a:ext>
+            </a:extLst>
+          </a:blip>
+          <a:stretch>
+            <a:fillRect/>
+          </a:stretch>
+        </p:blipFill>
+        <p:spPr>
+          <a:xfrm>
+            <a:off x="741961" y="443251"/>
+            <a:ext cx="656787" cy="665798"/>
+          </a:xfrm>
+          <a:prstGeom prst="rect">
+            <a:avLst/>
+          </a:prstGeom>
+        </p:spPr>
+      </p:pic>
+      <p:sp>
+        <p:nvSpPr>
+          <p:cNvPr id="148" name="Cloud 147">
+            <a:extLst>
+              <a:ext uri="{FF2B5EF4-FFF2-40B4-BE49-F238E27FC236}">
+                <a16:creationId xmlns:a16="http://schemas.microsoft.com/office/drawing/2014/main" id="{882797C5-2CEA-034B-BCA8-0BE591C55916}"/>
+              </a:ext>
+            </a:extLst>
+          </p:cNvPr>
+          <p:cNvSpPr/>
+          <p:nvPr/>
+        </p:nvSpPr>
+        <p:spPr>
+          <a:xfrm>
+            <a:off x="935061" y="440163"/>
+            <a:ext cx="270586" cy="182183"/>
+          </a:xfrm>
+          <a:prstGeom prst="cloud">
+            <a:avLst/>
+          </a:prstGeom>
+          <a:solidFill>
+            <a:srgbClr val="FFC000"/>
+          </a:solidFill>
+          <a:ln>
+            <a:noFill/>
+          </a:ln>
+        </p:spPr>
+        <p:style>
+          <a:lnRef idx="2">
+            <a:schemeClr val="accent1">
+              <a:shade val="50000"/>
+            </a:schemeClr>
+          </a:lnRef>
+          <a:fillRef idx="1">
+            <a:schemeClr val="accent1"/>
+          </a:fillRef>
+          <a:effectRef idx="0">
+            <a:schemeClr val="accent1"/>
+          </a:effectRef>
+          <a:fontRef idx="minor">
+            <a:schemeClr val="lt1"/>
+          </a:fontRef>
+        </p:style>
+        <p:txBody>
+          <a:bodyPr rtlCol="0" anchor="ctr"/>
+          <a:lstStyle/>
+          <a:p>
+            <a:pPr algn="ctr"/>
+            <a:endParaRPr lang="en-US"/>
+          </a:p>
+        </p:txBody>
+      </p:sp>
+      <p:pic>
+        <p:nvPicPr>
+          <p:cNvPr id="149" name="Graphic 148" descr="Glasses">
+            <a:extLst>
+              <a:ext uri="{FF2B5EF4-FFF2-40B4-BE49-F238E27FC236}">
+                <a16:creationId xmlns:a16="http://schemas.microsoft.com/office/drawing/2014/main" id="{AEE30E37-FFF5-6D43-9DED-C04A667BF773}"/>
+              </a:ext>
+            </a:extLst>
+          </p:cNvPr>
+          <p:cNvPicPr>
+            <a:picLocks noChangeAspect="1"/>
+          </p:cNvPicPr>
+          <p:nvPr/>
+        </p:nvPicPr>
+        <p:blipFill>
+          <a:blip r:embed="rId19">
+            <a:extLst>
+              <a:ext uri="{96DAC541-7B7A-43D3-8B79-37D633B846F1}">
+                <asvg:svgBlip xmlns:asvg="http://schemas.microsoft.com/office/drawing/2016/SVG/main" r:embed="rId20"/>
+              </a:ext>
+            </a:extLst>
+          </a:blip>
+          <a:stretch>
+            <a:fillRect/>
+          </a:stretch>
+        </p:blipFill>
+        <p:spPr>
+          <a:xfrm>
+            <a:off x="955255" y="519996"/>
+            <a:ext cx="230200" cy="233358"/>
+          </a:xfrm>
+          <a:prstGeom prst="rect">
+            <a:avLst/>
+          </a:prstGeom>
+        </p:spPr>
+      </p:pic>
+      <p:sp>
+        <p:nvSpPr>
+          <p:cNvPr id="150" name="Rectangle 149">
+            <a:extLst>
+              <a:ext uri="{FF2B5EF4-FFF2-40B4-BE49-F238E27FC236}">
+                <a16:creationId xmlns:a16="http://schemas.microsoft.com/office/drawing/2014/main" id="{0BFF0DE9-AEA2-664E-BB8D-861BCEEB4620}"/>
+              </a:ext>
+            </a:extLst>
+          </p:cNvPr>
+          <p:cNvSpPr/>
+          <p:nvPr/>
+        </p:nvSpPr>
+        <p:spPr>
+          <a:xfrm>
+            <a:off x="862605" y="991466"/>
+            <a:ext cx="415498" cy="261610"/>
+          </a:xfrm>
+          <a:prstGeom prst="rect">
+            <a:avLst/>
+          </a:prstGeom>
+        </p:spPr>
+        <p:txBody>
+          <a:bodyPr wrap="none">
+            <a:spAutoFit/>
+          </a:bodyPr>
+          <a:lstStyle/>
+          <a:p>
+            <a:pPr algn="ctr"/>
+            <a:r>
+              <a:rPr lang="en-US" sz="1100" b="1" dirty="0">
+                <a:latin typeface="Segoe UI Semibold" panose="020B0502040204020203" pitchFamily="34" charset="0"/>
+                <a:cs typeface="Segoe UI Semibold" panose="020B0502040204020203" pitchFamily="34" charset="0"/>
+              </a:rPr>
+              <a:t>ops</a:t>
+            </a:r>
+          </a:p>
+        </p:txBody>
+      </p:sp>
+      <p:pic>
+        <p:nvPicPr>
+          <p:cNvPr id="157" name="Graphic 156" descr="User">
+            <a:extLst>
+              <a:ext uri="{FF2B5EF4-FFF2-40B4-BE49-F238E27FC236}">
+                <a16:creationId xmlns:a16="http://schemas.microsoft.com/office/drawing/2014/main" id="{A3510354-9DFE-2C4A-85F7-CDBAF4E06A0E}"/>
+              </a:ext>
+            </a:extLst>
+          </p:cNvPr>
+          <p:cNvPicPr>
+            <a:picLocks noChangeAspect="1"/>
+          </p:cNvPicPr>
+          <p:nvPr/>
+        </p:nvPicPr>
+        <p:blipFill>
+          <a:blip r:embed="rId17">
+            <a:extLst>
+              <a:ext uri="{96DAC541-7B7A-43D3-8B79-37D633B846F1}">
+                <asvg:svgBlip xmlns:asvg="http://schemas.microsoft.com/office/drawing/2016/SVG/main" r:embed="rId18"/>
+              </a:ext>
+            </a:extLst>
+          </a:blip>
+          <a:stretch>
+            <a:fillRect/>
+          </a:stretch>
+        </p:blipFill>
+        <p:spPr>
+          <a:xfrm>
+            <a:off x="263179" y="454578"/>
+            <a:ext cx="656787" cy="656787"/>
+          </a:xfrm>
+          <a:prstGeom prst="rect">
+            <a:avLst/>
+          </a:prstGeom>
+        </p:spPr>
+      </p:pic>
+      <p:sp>
+        <p:nvSpPr>
+          <p:cNvPr id="158" name="Freeform 157">
+            <a:extLst>
+              <a:ext uri="{FF2B5EF4-FFF2-40B4-BE49-F238E27FC236}">
+                <a16:creationId xmlns:a16="http://schemas.microsoft.com/office/drawing/2014/main" id="{DEA9054D-CC0C-B64E-BBBC-79FF2BA3CD19}"/>
+              </a:ext>
+            </a:extLst>
+          </p:cNvPr>
+          <p:cNvSpPr/>
+          <p:nvPr/>
+        </p:nvSpPr>
+        <p:spPr>
+          <a:xfrm>
+            <a:off x="444816" y="496416"/>
+            <a:ext cx="269819" cy="321697"/>
+          </a:xfrm>
+          <a:custGeom>
+            <a:avLst/>
+            <a:gdLst>
+              <a:gd name="connsiteX0" fmla="*/ 429638 w 1071773"/>
+              <a:gd name="connsiteY0" fmla="*/ 17353 h 1277846"/>
+              <a:gd name="connsiteX1" fmla="*/ 221090 w 1071773"/>
+              <a:gd name="connsiteY1" fmla="*/ 129648 h 1277846"/>
+              <a:gd name="connsiteX2" fmla="*/ 44627 w 1071773"/>
+              <a:gd name="connsiteY2" fmla="*/ 514658 h 1277846"/>
+              <a:gd name="connsiteX3" fmla="*/ 84733 w 1071773"/>
+              <a:gd name="connsiteY3" fmla="*/ 1019985 h 1277846"/>
+              <a:gd name="connsiteX4" fmla="*/ 4522 w 1071773"/>
+              <a:gd name="connsiteY4" fmla="*/ 1260616 h 1277846"/>
+              <a:gd name="connsiteX5" fmla="*/ 245154 w 1071773"/>
+              <a:gd name="connsiteY5" fmla="*/ 1244574 h 1277846"/>
+              <a:gd name="connsiteX6" fmla="*/ 333385 w 1071773"/>
+              <a:gd name="connsiteY6" fmla="*/ 1132279 h 1277846"/>
+              <a:gd name="connsiteX7" fmla="*/ 253175 w 1071773"/>
+              <a:gd name="connsiteY7" fmla="*/ 907690 h 1277846"/>
+              <a:gd name="connsiteX8" fmla="*/ 164943 w 1071773"/>
+              <a:gd name="connsiteY8" fmla="*/ 763311 h 1277846"/>
+              <a:gd name="connsiteX9" fmla="*/ 197027 w 1071773"/>
+              <a:gd name="connsiteY9" fmla="*/ 562785 h 1277846"/>
+              <a:gd name="connsiteX10" fmla="*/ 365469 w 1071773"/>
+              <a:gd name="connsiteY10" fmla="*/ 402363 h 1277846"/>
+              <a:gd name="connsiteX11" fmla="*/ 886838 w 1071773"/>
+              <a:gd name="connsiteY11" fmla="*/ 675079 h 1277846"/>
+              <a:gd name="connsiteX12" fmla="*/ 951006 w 1071773"/>
+              <a:gd name="connsiteY12" fmla="*/ 819458 h 1277846"/>
+              <a:gd name="connsiteX13" fmla="*/ 806627 w 1071773"/>
+              <a:gd name="connsiteY13" fmla="*/ 1044048 h 1277846"/>
+              <a:gd name="connsiteX14" fmla="*/ 846733 w 1071773"/>
+              <a:gd name="connsiteY14" fmla="*/ 1228532 h 1277846"/>
+              <a:gd name="connsiteX15" fmla="*/ 1063301 w 1071773"/>
+              <a:gd name="connsiteY15" fmla="*/ 1260616 h 1277846"/>
+              <a:gd name="connsiteX16" fmla="*/ 1031217 w 1071773"/>
+              <a:gd name="connsiteY16" fmla="*/ 1084153 h 1277846"/>
+              <a:gd name="connsiteX17" fmla="*/ 1063301 w 1071773"/>
+              <a:gd name="connsiteY17" fmla="*/ 659037 h 1277846"/>
+              <a:gd name="connsiteX18" fmla="*/ 1039238 w 1071773"/>
+              <a:gd name="connsiteY18" fmla="*/ 362258 h 1277846"/>
+              <a:gd name="connsiteX19" fmla="*/ 886838 w 1071773"/>
+              <a:gd name="connsiteY19" fmla="*/ 97563 h 1277846"/>
+              <a:gd name="connsiteX20" fmla="*/ 606101 w 1071773"/>
+              <a:gd name="connsiteY20" fmla="*/ 9332 h 1277846"/>
+              <a:gd name="connsiteX21" fmla="*/ 429638 w 1071773"/>
+              <a:gd name="connsiteY21" fmla="*/ 17353 h 1277846"/>
+            </a:gdLst>
+            <a:ahLst/>
+            <a:cxnLst>
+              <a:cxn ang="0">
+                <a:pos x="connsiteX0" y="connsiteY0"/>
+              </a:cxn>
+              <a:cxn ang="0">
+                <a:pos x="connsiteX1" y="connsiteY1"/>
+              </a:cxn>
+              <a:cxn ang="0">
+                <a:pos x="connsiteX2" y="connsiteY2"/>
+              </a:cxn>
+              <a:cxn ang="0">
+                <a:pos x="connsiteX3" y="connsiteY3"/>
+              </a:cxn>
+              <a:cxn ang="0">
+                <a:pos x="connsiteX4" y="connsiteY4"/>
+              </a:cxn>
+              <a:cxn ang="0">
+                <a:pos x="connsiteX5" y="connsiteY5"/>
+              </a:cxn>
+              <a:cxn ang="0">
+                <a:pos x="connsiteX6" y="connsiteY6"/>
+              </a:cxn>
+              <a:cxn ang="0">
+                <a:pos x="connsiteX7" y="connsiteY7"/>
+              </a:cxn>
+              <a:cxn ang="0">
+                <a:pos x="connsiteX8" y="connsiteY8"/>
+              </a:cxn>
+              <a:cxn ang="0">
+                <a:pos x="connsiteX9" y="connsiteY9"/>
+              </a:cxn>
+              <a:cxn ang="0">
+                <a:pos x="connsiteX10" y="connsiteY10"/>
+              </a:cxn>
+              <a:cxn ang="0">
+                <a:pos x="connsiteX11" y="connsiteY11"/>
+              </a:cxn>
+              <a:cxn ang="0">
+                <a:pos x="connsiteX12" y="connsiteY12"/>
+              </a:cxn>
+              <a:cxn ang="0">
+                <a:pos x="connsiteX13" y="connsiteY13"/>
+              </a:cxn>
+              <a:cxn ang="0">
+                <a:pos x="connsiteX14" y="connsiteY14"/>
+              </a:cxn>
+              <a:cxn ang="0">
+                <a:pos x="connsiteX15" y="connsiteY15"/>
+              </a:cxn>
+              <a:cxn ang="0">
+                <a:pos x="connsiteX16" y="connsiteY16"/>
+              </a:cxn>
+              <a:cxn ang="0">
+                <a:pos x="connsiteX17" y="connsiteY17"/>
+              </a:cxn>
+              <a:cxn ang="0">
+                <a:pos x="connsiteX18" y="connsiteY18"/>
+              </a:cxn>
+              <a:cxn ang="0">
+                <a:pos x="connsiteX19" y="connsiteY19"/>
+              </a:cxn>
+              <a:cxn ang="0">
+                <a:pos x="connsiteX20" y="connsiteY20"/>
+              </a:cxn>
+              <a:cxn ang="0">
+                <a:pos x="connsiteX21" y="connsiteY21"/>
+              </a:cxn>
+            </a:cxnLst>
+            <a:rect l="l" t="t" r="r" b="b"/>
+            <a:pathLst>
+              <a:path w="1071773" h="1277846">
+                <a:moveTo>
+                  <a:pt x="429638" y="17353"/>
+                </a:moveTo>
+                <a:cubicBezTo>
+                  <a:pt x="365469" y="37406"/>
+                  <a:pt x="285258" y="46764"/>
+                  <a:pt x="221090" y="129648"/>
+                </a:cubicBezTo>
+                <a:cubicBezTo>
+                  <a:pt x="156922" y="212532"/>
+                  <a:pt x="67353" y="366269"/>
+                  <a:pt x="44627" y="514658"/>
+                </a:cubicBezTo>
+                <a:cubicBezTo>
+                  <a:pt x="21901" y="663047"/>
+                  <a:pt x="91417" y="895659"/>
+                  <a:pt x="84733" y="1019985"/>
+                </a:cubicBezTo>
+                <a:cubicBezTo>
+                  <a:pt x="78049" y="1144311"/>
+                  <a:pt x="-22215" y="1223185"/>
+                  <a:pt x="4522" y="1260616"/>
+                </a:cubicBezTo>
+                <a:cubicBezTo>
+                  <a:pt x="31259" y="1298047"/>
+                  <a:pt x="190344" y="1265963"/>
+                  <a:pt x="245154" y="1244574"/>
+                </a:cubicBezTo>
+                <a:cubicBezTo>
+                  <a:pt x="299964" y="1223185"/>
+                  <a:pt x="332048" y="1188426"/>
+                  <a:pt x="333385" y="1132279"/>
+                </a:cubicBezTo>
+                <a:cubicBezTo>
+                  <a:pt x="334722" y="1076132"/>
+                  <a:pt x="281249" y="969185"/>
+                  <a:pt x="253175" y="907690"/>
+                </a:cubicBezTo>
+                <a:cubicBezTo>
+                  <a:pt x="225101" y="846195"/>
+                  <a:pt x="174301" y="820795"/>
+                  <a:pt x="164943" y="763311"/>
+                </a:cubicBezTo>
+                <a:cubicBezTo>
+                  <a:pt x="155585" y="705827"/>
+                  <a:pt x="163606" y="622943"/>
+                  <a:pt x="197027" y="562785"/>
+                </a:cubicBezTo>
+                <a:cubicBezTo>
+                  <a:pt x="230448" y="502627"/>
+                  <a:pt x="250501" y="383647"/>
+                  <a:pt x="365469" y="402363"/>
+                </a:cubicBezTo>
+                <a:cubicBezTo>
+                  <a:pt x="480437" y="421079"/>
+                  <a:pt x="789248" y="605563"/>
+                  <a:pt x="886838" y="675079"/>
+                </a:cubicBezTo>
+                <a:cubicBezTo>
+                  <a:pt x="984428" y="744595"/>
+                  <a:pt x="964374" y="757963"/>
+                  <a:pt x="951006" y="819458"/>
+                </a:cubicBezTo>
+                <a:cubicBezTo>
+                  <a:pt x="937638" y="880953"/>
+                  <a:pt x="824006" y="975869"/>
+                  <a:pt x="806627" y="1044048"/>
+                </a:cubicBezTo>
+                <a:cubicBezTo>
+                  <a:pt x="789248" y="1112227"/>
+                  <a:pt x="803954" y="1192437"/>
+                  <a:pt x="846733" y="1228532"/>
+                </a:cubicBezTo>
+                <a:cubicBezTo>
+                  <a:pt x="889512" y="1264627"/>
+                  <a:pt x="1032554" y="1284679"/>
+                  <a:pt x="1063301" y="1260616"/>
+                </a:cubicBezTo>
+                <a:cubicBezTo>
+                  <a:pt x="1094048" y="1236553"/>
+                  <a:pt x="1031217" y="1184416"/>
+                  <a:pt x="1031217" y="1084153"/>
+                </a:cubicBezTo>
+                <a:cubicBezTo>
+                  <a:pt x="1031217" y="983890"/>
+                  <a:pt x="1061964" y="779353"/>
+                  <a:pt x="1063301" y="659037"/>
+                </a:cubicBezTo>
+                <a:cubicBezTo>
+                  <a:pt x="1064638" y="538721"/>
+                  <a:pt x="1068649" y="455837"/>
+                  <a:pt x="1039238" y="362258"/>
+                </a:cubicBezTo>
+                <a:cubicBezTo>
+                  <a:pt x="1009827" y="268679"/>
+                  <a:pt x="959028" y="156384"/>
+                  <a:pt x="886838" y="97563"/>
+                </a:cubicBezTo>
+                <a:cubicBezTo>
+                  <a:pt x="814648" y="38742"/>
+                  <a:pt x="682301" y="24037"/>
+                  <a:pt x="606101" y="9332"/>
+                </a:cubicBezTo>
+                <a:cubicBezTo>
+                  <a:pt x="529901" y="-5373"/>
+                  <a:pt x="493807" y="-2700"/>
+                  <a:pt x="429638" y="17353"/>
+                </a:cubicBezTo>
+                <a:close/>
+              </a:path>
+            </a:pathLst>
+          </a:custGeom>
+          <a:solidFill>
+            <a:schemeClr val="accent6">
+              <a:lumMod val="50000"/>
+            </a:schemeClr>
+          </a:solidFill>
+          <a:ln>
+            <a:noFill/>
+          </a:ln>
+        </p:spPr>
+        <p:style>
+          <a:lnRef idx="2">
+            <a:schemeClr val="accent1">
+              <a:shade val="50000"/>
+            </a:schemeClr>
+          </a:lnRef>
+          <a:fillRef idx="1">
+            <a:schemeClr val="accent1"/>
+          </a:fillRef>
+          <a:effectRef idx="0">
+            <a:schemeClr val="accent1"/>
+          </a:effectRef>
+          <a:fontRef idx="minor">
+            <a:schemeClr val="lt1"/>
+          </a:fontRef>
+        </p:style>
+        <p:txBody>
+          <a:bodyPr rtlCol="0" anchor="ctr"/>
+          <a:lstStyle/>
+          <a:p>
+            <a:pPr algn="ctr"/>
+            <a:endParaRPr lang="en-US"/>
+          </a:p>
+        </p:txBody>
+      </p:sp>
+      <p:sp>
+        <p:nvSpPr>
+          <p:cNvPr id="159" name="Rectangle 158">
+            <a:extLst>
+              <a:ext uri="{FF2B5EF4-FFF2-40B4-BE49-F238E27FC236}">
+                <a16:creationId xmlns:a16="http://schemas.microsoft.com/office/drawing/2014/main" id="{B77973C6-91F5-1A43-962A-46E824E3A2D1}"/>
+              </a:ext>
+            </a:extLst>
+          </p:cNvPr>
+          <p:cNvSpPr/>
+          <p:nvPr/>
+        </p:nvSpPr>
+        <p:spPr>
+          <a:xfrm>
+            <a:off x="371174" y="996381"/>
+            <a:ext cx="417102" cy="261610"/>
+          </a:xfrm>
+          <a:prstGeom prst="rect">
+            <a:avLst/>
+          </a:prstGeom>
+        </p:spPr>
+        <p:txBody>
+          <a:bodyPr wrap="none">
+            <a:spAutoFit/>
+          </a:bodyPr>
+          <a:lstStyle/>
+          <a:p>
+            <a:pPr algn="ctr"/>
+            <a:r>
+              <a:rPr lang="en-US" sz="1100" b="1" dirty="0">
+                <a:latin typeface="Segoe UI Semibold" panose="020B0502040204020203" pitchFamily="34" charset="0"/>
+                <a:cs typeface="Segoe UI Semibold" panose="020B0502040204020203" pitchFamily="34" charset="0"/>
+              </a:rPr>
+              <a:t>dev</a:t>
+            </a:r>
+          </a:p>
+        </p:txBody>
+      </p:sp>
+      <p:pic>
+        <p:nvPicPr>
+          <p:cNvPr id="160" name="Graphic 159">
+            <a:extLst>
+              <a:ext uri="{FF2B5EF4-FFF2-40B4-BE49-F238E27FC236}">
+                <a16:creationId xmlns:a16="http://schemas.microsoft.com/office/drawing/2014/main" id="{EB72D0F7-E5D0-9745-9513-5DE597C47141}"/>
+              </a:ext>
+            </a:extLst>
+          </p:cNvPr>
+          <p:cNvPicPr>
+            <a:picLocks noChangeAspect="1"/>
+          </p:cNvPicPr>
+          <p:nvPr/>
+        </p:nvPicPr>
+        <p:blipFill>
+          <a:blip r:embed="rId21">
+            <a:extLst>
+              <a:ext uri="{96DAC541-7B7A-43D3-8B79-37D633B846F1}">
+                <asvg:svgBlip xmlns:asvg="http://schemas.microsoft.com/office/drawing/2016/SVG/main" r:embed="rId22"/>
+              </a:ext>
+            </a:extLst>
+          </a:blip>
+          <a:stretch>
+            <a:fillRect/>
+          </a:stretch>
+        </p:blipFill>
+        <p:spPr>
+          <a:xfrm>
+            <a:off x="1794630" y="467234"/>
+            <a:ext cx="645195" cy="322596"/>
+          </a:xfrm>
+          <a:prstGeom prst="rect">
+            <a:avLst/>
+          </a:prstGeom>
+        </p:spPr>
+      </p:pic>
+      <p:sp>
+        <p:nvSpPr>
+          <p:cNvPr id="161" name="Rectangle 160">
+            <a:extLst>
+              <a:ext uri="{FF2B5EF4-FFF2-40B4-BE49-F238E27FC236}">
+                <a16:creationId xmlns:a16="http://schemas.microsoft.com/office/drawing/2014/main" id="{164E92A7-DBB7-4648-83D5-40ABC79F8275}"/>
+              </a:ext>
+            </a:extLst>
+          </p:cNvPr>
+          <p:cNvSpPr/>
+          <p:nvPr/>
+        </p:nvSpPr>
+        <p:spPr>
+          <a:xfrm>
+            <a:off x="1602223" y="739708"/>
+            <a:ext cx="1039333" cy="430887"/>
+          </a:xfrm>
+          <a:prstGeom prst="rect">
+            <a:avLst/>
+          </a:prstGeom>
+        </p:spPr>
+        <p:txBody>
+          <a:bodyPr wrap="square">
+            <a:spAutoFit/>
+          </a:bodyPr>
+          <a:lstStyle/>
+          <a:p>
+            <a:pPr algn="ctr"/>
+            <a:r>
+              <a:rPr lang="en-US" sz="1100" dirty="0">
+                <a:latin typeface="Consolas" panose="020B0609020204030204" pitchFamily="49" charset="0"/>
+                <a:cs typeface="Consolas" panose="020B0609020204030204" pitchFamily="49" charset="0"/>
+              </a:rPr>
+              <a:t>development</a:t>
+            </a:r>
+            <a:br>
+              <a:rPr lang="en-US" sz="1100" b="1" dirty="0">
+                <a:latin typeface="Segoe UI Semibold" panose="020B0502040204020203" pitchFamily="34" charset="0"/>
+                <a:cs typeface="Segoe UI Semibold" panose="020B0502040204020203" pitchFamily="34" charset="0"/>
+              </a:rPr>
+            </a:br>
+            <a:r>
+              <a:rPr lang="en-US" sz="1100" b="1" dirty="0">
+                <a:latin typeface="Segoe UI Semibold" panose="020B0502040204020203" pitchFamily="34" charset="0"/>
+                <a:cs typeface="Segoe UI Semibold" panose="020B0502040204020203" pitchFamily="34" charset="0"/>
+              </a:rPr>
+              <a:t>branch</a:t>
+            </a:r>
+          </a:p>
+        </p:txBody>
+      </p:sp>
+      <p:sp>
+        <p:nvSpPr>
+          <p:cNvPr id="162" name="Rectangle 161">
+            <a:extLst>
+              <a:ext uri="{FF2B5EF4-FFF2-40B4-BE49-F238E27FC236}">
+                <a16:creationId xmlns:a16="http://schemas.microsoft.com/office/drawing/2014/main" id="{17127955-79C3-A849-BACC-D7F656489AD4}"/>
+              </a:ext>
+            </a:extLst>
+          </p:cNvPr>
+          <p:cNvSpPr/>
+          <p:nvPr/>
+        </p:nvSpPr>
+        <p:spPr>
+          <a:xfrm>
+            <a:off x="1737237" y="77652"/>
+            <a:ext cx="768159" cy="369332"/>
+          </a:xfrm>
+          <a:prstGeom prst="rect">
+            <a:avLst/>
+          </a:prstGeom>
+        </p:spPr>
+        <p:txBody>
+          <a:bodyPr wrap="square">
+            <a:spAutoFit/>
+          </a:bodyPr>
+          <a:lstStyle/>
+          <a:p>
+            <a:pPr algn="ctr"/>
+            <a:r>
+              <a:rPr lang="en-US" sz="900" b="1" i="1" dirty="0">
+                <a:latin typeface="Segoe UI Semibold" panose="020B0502040204020203" pitchFamily="34" charset="0"/>
+                <a:cs typeface="Segoe UI Semibold" panose="020B0502040204020203" pitchFamily="34" charset="0"/>
+              </a:rPr>
+              <a:t>foo-service</a:t>
+            </a:r>
+            <a:br>
+              <a:rPr lang="en-US" sz="900" b="1" dirty="0">
+                <a:latin typeface="Segoe UI Semibold" panose="020B0502040204020203" pitchFamily="34" charset="0"/>
+                <a:cs typeface="Segoe UI Semibold" panose="020B0502040204020203" pitchFamily="34" charset="0"/>
+              </a:rPr>
+            </a:br>
+            <a:r>
+              <a:rPr lang="en-US" sz="900" b="1" dirty="0">
+                <a:latin typeface="Segoe UI Semibold" panose="020B0502040204020203" pitchFamily="34" charset="0"/>
+                <a:cs typeface="Segoe UI Semibold" panose="020B0502040204020203" pitchFamily="34" charset="0"/>
+              </a:rPr>
+              <a:t>repository</a:t>
+            </a:r>
+            <a:endParaRPr lang="en-US" sz="900" b="1" i="1" dirty="0">
+              <a:latin typeface="Segoe UI Semibold" panose="020B0502040204020203" pitchFamily="34" charset="0"/>
+              <a:cs typeface="Segoe UI Semibold" panose="020B0502040204020203" pitchFamily="34" charset="0"/>
+            </a:endParaRPr>
+          </a:p>
+        </p:txBody>
+      </p:sp>
       <p:grpSp>
         <p:nvGrpSpPr>
-          <p:cNvPr id="5" name="Group 4">
+          <p:cNvPr id="166" name="Group 165">
             <a:extLst>
               <a:ext uri="{FF2B5EF4-FFF2-40B4-BE49-F238E27FC236}">
-                <a16:creationId xmlns:a16="http://schemas.microsoft.com/office/drawing/2014/main" id="{B64EDD69-B45B-5844-9743-A830594F9A27}"/>
+                <a16:creationId xmlns:a16="http://schemas.microsoft.com/office/drawing/2014/main" id="{96E55367-A2A4-724F-A46B-7E656CE4B36D}"/>
               </a:ext>
             </a:extLst>
           </p:cNvPr>
@@ -12237,18 +12805,18 @@
         </p:nvGrpSpPr>
         <p:grpSpPr>
           <a:xfrm>
-            <a:off x="9554424" y="3871141"/>
-            <a:ext cx="3280001" cy="2473188"/>
-            <a:chOff x="9554424" y="3871141"/>
-            <a:chExt cx="3280001" cy="2473188"/>
+            <a:off x="5156734" y="4393024"/>
+            <a:ext cx="2935419" cy="2475996"/>
+            <a:chOff x="7318662" y="3868333"/>
+            <a:chExt cx="2935419" cy="2475996"/>
           </a:xfrm>
         </p:grpSpPr>
         <p:grpSp>
           <p:nvGrpSpPr>
-            <p:cNvPr id="2" name="Group 1">
+            <p:cNvPr id="167" name="Group 166">
               <a:extLst>
                 <a:ext uri="{FF2B5EF4-FFF2-40B4-BE49-F238E27FC236}">
-                  <a16:creationId xmlns:a16="http://schemas.microsoft.com/office/drawing/2014/main" id="{511B18D3-BF97-F347-B89F-6E0AA2F5633F}"/>
+                  <a16:creationId xmlns:a16="http://schemas.microsoft.com/office/drawing/2014/main" id="{D59F106B-19F3-CA47-AF34-38630C3474FD}"/>
                 </a:ext>
               </a:extLst>
             </p:cNvPr>
@@ -12257,18 +12825,18 @@
           </p:nvGrpSpPr>
           <p:grpSpPr>
             <a:xfrm>
-              <a:off x="9554424" y="4151457"/>
-              <a:ext cx="2152733" cy="2192872"/>
-              <a:chOff x="9554424" y="4151457"/>
-              <a:chExt cx="2152733" cy="2192872"/>
+              <a:off x="7318663" y="4151457"/>
+              <a:ext cx="2825994" cy="2192872"/>
+              <a:chOff x="7318663" y="4151457"/>
+              <a:chExt cx="2825994" cy="2192872"/>
             </a:xfrm>
           </p:grpSpPr>
           <p:sp>
             <p:nvSpPr>
-              <p:cNvPr id="121" name="Left Brace 120">
+              <p:cNvPr id="169" name="Left Brace 168">
                 <a:extLst>
                   <a:ext uri="{FF2B5EF4-FFF2-40B4-BE49-F238E27FC236}">
-                    <a16:creationId xmlns:a16="http://schemas.microsoft.com/office/drawing/2014/main" id="{A359E9AB-CA49-CE4E-9E01-0A872C487763}"/>
+                    <a16:creationId xmlns:a16="http://schemas.microsoft.com/office/drawing/2014/main" id="{A1CBD423-027E-9145-9590-1A04D73F61A2}"/>
                   </a:ext>
                 </a:extLst>
               </p:cNvPr>
@@ -12277,7 +12845,7 @@
             </p:nvSpPr>
             <p:spPr>
               <a:xfrm rot="16200000">
-                <a:off x="10536814" y="4720288"/>
+                <a:off x="8301053" y="4720288"/>
                 <a:ext cx="187954" cy="2152733"/>
               </a:xfrm>
               <a:prstGeom prst="leftBrace">
@@ -12314,10 +12882,10 @@
           </p:sp>
           <p:sp>
             <p:nvSpPr>
-              <p:cNvPr id="122" name="Rectangle 121">
+              <p:cNvPr id="170" name="Rectangle 169">
                 <a:extLst>
                   <a:ext uri="{FF2B5EF4-FFF2-40B4-BE49-F238E27FC236}">
-                    <a16:creationId xmlns:a16="http://schemas.microsoft.com/office/drawing/2014/main" id="{CAA35761-9D45-5D40-A7BD-73E29C876DD0}"/>
+                    <a16:creationId xmlns:a16="http://schemas.microsoft.com/office/drawing/2014/main" id="{1EA42EDA-428C-9443-BBCF-A32EC815BA2C}"/>
                   </a:ext>
                 </a:extLst>
               </p:cNvPr>
@@ -12326,7 +12894,7 @@
             </p:nvSpPr>
             <p:spPr>
               <a:xfrm>
-                <a:off x="9858666" y="5913442"/>
+                <a:off x="7622905" y="5913442"/>
                 <a:ext cx="1610492" cy="430887"/>
               </a:xfrm>
               <a:prstGeom prst="rect">
@@ -12345,7 +12913,7 @@
                     <a:latin typeface="Consolas" panose="020B0609020204030204" pitchFamily="49" charset="0"/>
                     <a:cs typeface="Consolas" panose="020B0609020204030204" pitchFamily="49" charset="0"/>
                   </a:rPr>
-                  <a:t>deploy to prod</a:t>
+                  <a:t>deploy to preprod</a:t>
                 </a:r>
                 <a:br>
                   <a:rPr lang="en-US" sz="1100" b="1" dirty="0">
@@ -12365,10 +12933,10 @@
           </p:sp>
           <p:pic>
             <p:nvPicPr>
-              <p:cNvPr id="123" name="Graphic 122">
+              <p:cNvPr id="177" name="Graphic 176">
                 <a:extLst>
                   <a:ext uri="{FF2B5EF4-FFF2-40B4-BE49-F238E27FC236}">
-                    <a16:creationId xmlns:a16="http://schemas.microsoft.com/office/drawing/2014/main" id="{A86DD242-7F01-C942-ADFC-CF7E1C3972F4}"/>
+                    <a16:creationId xmlns:a16="http://schemas.microsoft.com/office/drawing/2014/main" id="{93E72AE0-1001-524B-8B4E-AED5C348398B}"/>
                   </a:ext>
                 </a:extLst>
               </p:cNvPr>
@@ -12378,10 +12946,10 @@
               <p:nvPr/>
             </p:nvPicPr>
             <p:blipFill>
-              <a:blip r:embed="rId14">
+              <a:blip r:embed="rId12">
                 <a:extLst>
                   <a:ext uri="{96DAC541-7B7A-43D3-8B79-37D633B846F1}">
-                    <asvg:svgBlip xmlns:asvg="http://schemas.microsoft.com/office/drawing/2016/SVG/main" r:embed="rId15"/>
+                    <asvg:svgBlip xmlns:asvg="http://schemas.microsoft.com/office/drawing/2016/SVG/main" r:embed="rId13"/>
                   </a:ext>
                 </a:extLst>
               </a:blip>
@@ -12391,7 +12959,7 @@
             </p:blipFill>
             <p:spPr>
               <a:xfrm>
-                <a:off x="9914329" y="4519290"/>
+                <a:off x="7678568" y="4519290"/>
                 <a:ext cx="311021" cy="321054"/>
               </a:xfrm>
               <a:prstGeom prst="rect">
@@ -12401,10 +12969,10 @@
           </p:pic>
           <p:grpSp>
             <p:nvGrpSpPr>
-              <p:cNvPr id="124" name="Group 123">
+              <p:cNvPr id="178" name="Group 177">
                 <a:extLst>
                   <a:ext uri="{FF2B5EF4-FFF2-40B4-BE49-F238E27FC236}">
-                    <a16:creationId xmlns:a16="http://schemas.microsoft.com/office/drawing/2014/main" id="{D1116B66-2E97-7B46-89D8-58A9C3800BB4}"/>
+                    <a16:creationId xmlns:a16="http://schemas.microsoft.com/office/drawing/2014/main" id="{6710334F-AC0D-3A42-B9EE-DCA54F73F440}"/>
                   </a:ext>
                 </a:extLst>
               </p:cNvPr>
@@ -12413,7 +12981,7 @@
             </p:nvGrpSpPr>
             <p:grpSpPr>
               <a:xfrm>
-                <a:off x="9627081" y="4901132"/>
+                <a:off x="7391320" y="4901132"/>
                 <a:ext cx="885518" cy="460197"/>
                 <a:chOff x="3811742" y="1728592"/>
                 <a:chExt cx="885518" cy="460197"/>
@@ -12421,10 +12989,10 @@
             </p:grpSpPr>
             <p:cxnSp>
               <p:nvCxnSpPr>
-                <p:cNvPr id="126" name="Straight Arrow Connector 125">
+                <p:cNvPr id="184" name="Straight Arrow Connector 183">
                   <a:extLst>
                     <a:ext uri="{FF2B5EF4-FFF2-40B4-BE49-F238E27FC236}">
-                      <a16:creationId xmlns:a16="http://schemas.microsoft.com/office/drawing/2014/main" id="{E52F7E53-8640-F149-B381-BEEFCE8F9400}"/>
+                      <a16:creationId xmlns:a16="http://schemas.microsoft.com/office/drawing/2014/main" id="{5FCFB2E7-B093-8F43-A60F-A54EB0F52144}"/>
                     </a:ext>
                   </a:extLst>
                 </p:cNvPr>
@@ -12464,10 +13032,10 @@
             </p:cxnSp>
             <p:sp>
               <p:nvSpPr>
-                <p:cNvPr id="127" name="Rectangle 126">
+                <p:cNvPr id="217" name="Rectangle 216">
                   <a:extLst>
                     <a:ext uri="{FF2B5EF4-FFF2-40B4-BE49-F238E27FC236}">
-                      <a16:creationId xmlns:a16="http://schemas.microsoft.com/office/drawing/2014/main" id="{EAF4F006-DBE3-5D4D-86E0-1DB1237B0C39}"/>
+                      <a16:creationId xmlns:a16="http://schemas.microsoft.com/office/drawing/2014/main" id="{1031CEE7-0068-4D4C-9AFD-1186070E1F2A}"/>
                     </a:ext>
                   </a:extLst>
                 </p:cNvPr>
@@ -12516,10 +13084,10 @@
           </p:grpSp>
           <p:pic>
             <p:nvPicPr>
-              <p:cNvPr id="128" name="Graphic 127">
+              <p:cNvPr id="180" name="Graphic 179">
                 <a:extLst>
                   <a:ext uri="{FF2B5EF4-FFF2-40B4-BE49-F238E27FC236}">
-                    <a16:creationId xmlns:a16="http://schemas.microsoft.com/office/drawing/2014/main" id="{EF47DDB6-4842-654F-AC86-3E3AA48AE843}"/>
+                    <a16:creationId xmlns:a16="http://schemas.microsoft.com/office/drawing/2014/main" id="{9A3827AC-0C15-7E4B-908C-B823782D570E}"/>
                   </a:ext>
                 </a:extLst>
               </p:cNvPr>
@@ -12529,10 +13097,10 @@
               <p:nvPr/>
             </p:nvPicPr>
             <p:blipFill>
-              <a:blip r:embed="rId22">
+              <a:blip r:embed="rId14">
                 <a:extLst>
                   <a:ext uri="{96DAC541-7B7A-43D3-8B79-37D633B846F1}">
-                    <asvg:svgBlip xmlns:asvg="http://schemas.microsoft.com/office/drawing/2016/SVG/main" r:embed="rId23"/>
+                    <asvg:svgBlip xmlns:asvg="http://schemas.microsoft.com/office/drawing/2016/SVG/main" r:embed="rId15"/>
                   </a:ext>
                 </a:extLst>
               </a:blip>
@@ -12542,7 +13110,7 @@
             </p:blipFill>
             <p:spPr>
               <a:xfrm>
-                <a:off x="10595200" y="4649317"/>
+                <a:off x="8359439" y="4649317"/>
                 <a:ext cx="469900" cy="469900"/>
               </a:xfrm>
               <a:prstGeom prst="rect">
@@ -12552,10 +13120,10 @@
           </p:pic>
           <p:pic>
             <p:nvPicPr>
-              <p:cNvPr id="129" name="Picture 128">
+              <p:cNvPr id="181" name="Picture 180">
                 <a:extLst>
                   <a:ext uri="{FF2B5EF4-FFF2-40B4-BE49-F238E27FC236}">
-                    <a16:creationId xmlns:a16="http://schemas.microsoft.com/office/drawing/2014/main" id="{6DE52F84-5BE0-6245-9BA2-9D810C9415CD}"/>
+                    <a16:creationId xmlns:a16="http://schemas.microsoft.com/office/drawing/2014/main" id="{0AD92AC0-6452-3446-9E28-2A7E410CFE3A}"/>
                   </a:ext>
                 </a:extLst>
               </p:cNvPr>
@@ -12565,14 +13133,14 @@
               <p:nvPr/>
             </p:nvPicPr>
             <p:blipFill>
-              <a:blip r:embed="rId24"/>
+              <a:blip r:embed="rId16"/>
               <a:stretch>
                 <a:fillRect/>
               </a:stretch>
             </p:blipFill>
             <p:spPr>
               <a:xfrm>
-                <a:off x="10891184" y="4963267"/>
+                <a:off x="8655423" y="4963267"/>
                 <a:ext cx="234432" cy="234432"/>
               </a:xfrm>
               <a:prstGeom prst="rect">
@@ -12582,10 +13150,10 @@
           </p:pic>
           <p:sp>
             <p:nvSpPr>
-              <p:cNvPr id="130" name="Rectangle 129">
+              <p:cNvPr id="182" name="Rectangle 181">
                 <a:extLst>
                   <a:ext uri="{FF2B5EF4-FFF2-40B4-BE49-F238E27FC236}">
-                    <a16:creationId xmlns:a16="http://schemas.microsoft.com/office/drawing/2014/main" id="{6AC3EF85-9479-AC42-8F54-C71FB0B13F16}"/>
+                    <a16:creationId xmlns:a16="http://schemas.microsoft.com/office/drawing/2014/main" id="{06DD704A-C3D9-A44A-A4DF-438EEE4DB43B}"/>
                   </a:ext>
                 </a:extLst>
               </p:cNvPr>
@@ -12594,7 +13162,7 @@
             </p:nvSpPr>
             <p:spPr>
               <a:xfrm>
-                <a:off x="10442062" y="4151457"/>
+                <a:off x="8206301" y="4151457"/>
                 <a:ext cx="776175" cy="507831"/>
               </a:xfrm>
               <a:prstGeom prst="rect">
@@ -12650,10 +13218,10 @@
           </p:sp>
           <p:sp>
             <p:nvSpPr>
-              <p:cNvPr id="131" name="Rectangle 130">
+              <p:cNvPr id="183" name="Rectangle 182">
                 <a:extLst>
                   <a:ext uri="{FF2B5EF4-FFF2-40B4-BE49-F238E27FC236}">
-                    <a16:creationId xmlns:a16="http://schemas.microsoft.com/office/drawing/2014/main" id="{D0B00F1C-9E2F-BD4A-9843-9D520319E436}"/>
+                    <a16:creationId xmlns:a16="http://schemas.microsoft.com/office/drawing/2014/main" id="{AB48D047-C821-A840-B49F-07812E17340A}"/>
                   </a:ext>
                 </a:extLst>
               </p:cNvPr>
@@ -12662,8 +13230,8 @@
             </p:nvSpPr>
             <p:spPr>
               <a:xfrm>
-                <a:off x="10512599" y="5140729"/>
-                <a:ext cx="1026243" cy="215444"/>
+                <a:off x="8276838" y="5140729"/>
+                <a:ext cx="1867819" cy="215444"/>
               </a:xfrm>
               <a:prstGeom prst="rect">
                 <a:avLst/>
@@ -12680,7 +13248,7 @@
                     <a:latin typeface="Consolas" panose="020B0609020204030204" pitchFamily="49" charset="0"/>
                     <a:cs typeface="Consolas" panose="020B0609020204030204" pitchFamily="49" charset="0"/>
                   </a:rPr>
-                  <a:t>namespace: prod</a:t>
+                  <a:t>namespace: foo-service-preprod</a:t>
                 </a:r>
                 <a:endParaRPr lang="en-US" sz="800" dirty="0"/>
               </a:p>
@@ -12689,10 +13257,10 @@
         </p:grpSp>
         <p:sp>
           <p:nvSpPr>
-            <p:cNvPr id="132" name="TextBox 131">
+            <p:cNvPr id="168" name="TextBox 167">
               <a:extLst>
                 <a:ext uri="{FF2B5EF4-FFF2-40B4-BE49-F238E27FC236}">
-                  <a16:creationId xmlns:a16="http://schemas.microsoft.com/office/drawing/2014/main" id="{A5967F73-AD6A-FE46-8B04-E26A17392E4B}"/>
+                  <a16:creationId xmlns:a16="http://schemas.microsoft.com/office/drawing/2014/main" id="{1B2BF0D4-DDDC-7E46-B9EC-F34BE766F10F}"/>
                 </a:ext>
               </a:extLst>
             </p:cNvPr>
@@ -12701,8 +13269,8 @@
           </p:nvSpPr>
           <p:spPr>
             <a:xfrm>
-              <a:off x="10463263" y="3871141"/>
-              <a:ext cx="2371162" cy="246221"/>
+              <a:off x="7318662" y="3868333"/>
+              <a:ext cx="2935419" cy="246221"/>
             </a:xfrm>
             <a:prstGeom prst="rect">
               <a:avLst/>
@@ -12722,14 +13290,21 @@
                   <a:latin typeface="Consolas" panose="020B0609020204030204" pitchFamily="49" charset="0"/>
                   <a:cs typeface="Consolas" panose="020B0609020204030204" pitchFamily="49" charset="0"/>
                 </a:rPr>
-                <a:t>http://foo-</a:t>
+                <a:t>http://foo-service-</a:t>
+              </a:r>
+              <a:r>
+                <a:rPr lang="en-US" sz="1000" b="1" dirty="0" err="1">
+                  <a:latin typeface="Consolas" panose="020B0609020204030204" pitchFamily="49" charset="0"/>
+                  <a:cs typeface="Consolas" panose="020B0609020204030204" pitchFamily="49" charset="0"/>
+                </a:rPr>
+                <a:t>preprod</a:t>
               </a:r>
               <a:r>
                 <a:rPr lang="en-US" sz="1000" dirty="0" err="1">
                   <a:latin typeface="Consolas" panose="020B0609020204030204" pitchFamily="49" charset="0"/>
                   <a:cs typeface="Consolas" panose="020B0609020204030204" pitchFamily="49" charset="0"/>
                 </a:rPr>
-                <a:t>service.xx.aksapp.io</a:t>
+                <a:t>.xx.aksapp.io</a:t>
               </a:r>
               <a:endParaRPr lang="en-US" sz="1000" dirty="0">
                 <a:latin typeface="Consolas" panose="020B0609020204030204" pitchFamily="49" charset="0"/>
@@ -12741,10 +13316,10 @@
       </p:grpSp>
       <p:grpSp>
         <p:nvGrpSpPr>
-          <p:cNvPr id="10" name="Group 9">
+          <p:cNvPr id="221" name="Group 220">
             <a:extLst>
               <a:ext uri="{FF2B5EF4-FFF2-40B4-BE49-F238E27FC236}">
-                <a16:creationId xmlns:a16="http://schemas.microsoft.com/office/drawing/2014/main" id="{4C71524B-9E34-AA4C-9CA7-CC1924A871EF}"/>
+                <a16:creationId xmlns:a16="http://schemas.microsoft.com/office/drawing/2014/main" id="{153D5E85-EB43-6148-BDA8-30C3769FE4C5}"/>
               </a:ext>
             </a:extLst>
           </p:cNvPr>
@@ -12753,34 +13328,568 @@
         </p:nvGrpSpPr>
         <p:grpSpPr>
           <a:xfrm>
-            <a:off x="8666150" y="5841204"/>
-            <a:ext cx="1610492" cy="972031"/>
-            <a:chOff x="8666150" y="5841204"/>
-            <a:chExt cx="1610492" cy="972031"/>
+            <a:off x="8360197" y="4382004"/>
+            <a:ext cx="2723823" cy="2475996"/>
+            <a:chOff x="7318662" y="3868333"/>
+            <a:chExt cx="2723823" cy="2475996"/>
+          </a:xfrm>
+        </p:grpSpPr>
+        <p:grpSp>
+          <p:nvGrpSpPr>
+            <p:cNvPr id="222" name="Group 221">
+              <a:extLst>
+                <a:ext uri="{FF2B5EF4-FFF2-40B4-BE49-F238E27FC236}">
+                  <a16:creationId xmlns:a16="http://schemas.microsoft.com/office/drawing/2014/main" id="{85065B3D-E102-D34B-B118-DA86D2CEB3D3}"/>
+                </a:ext>
+              </a:extLst>
+            </p:cNvPr>
+            <p:cNvGrpSpPr/>
+            <p:nvPr/>
+          </p:nvGrpSpPr>
+          <p:grpSpPr>
+            <a:xfrm>
+              <a:off x="7318663" y="4151457"/>
+              <a:ext cx="2657679" cy="2192872"/>
+              <a:chOff x="7318663" y="4151457"/>
+              <a:chExt cx="2657679" cy="2192872"/>
+            </a:xfrm>
+          </p:grpSpPr>
+          <p:sp>
+            <p:nvSpPr>
+              <p:cNvPr id="226" name="Left Brace 225">
+                <a:extLst>
+                  <a:ext uri="{FF2B5EF4-FFF2-40B4-BE49-F238E27FC236}">
+                    <a16:creationId xmlns:a16="http://schemas.microsoft.com/office/drawing/2014/main" id="{4FEA8B85-EBD7-1448-9E65-97D125934989}"/>
+                  </a:ext>
+                </a:extLst>
+              </p:cNvPr>
+              <p:cNvSpPr/>
+              <p:nvPr/>
+            </p:nvSpPr>
+            <p:spPr>
+              <a:xfrm rot="16200000">
+                <a:off x="8301053" y="4720288"/>
+                <a:ext cx="187954" cy="2152733"/>
+              </a:xfrm>
+              <a:prstGeom prst="leftBrace">
+                <a:avLst/>
+              </a:prstGeom>
+              <a:ln w="15875">
+                <a:solidFill>
+                  <a:schemeClr val="accent6"/>
+                </a:solidFill>
+              </a:ln>
+            </p:spPr>
+            <p:style>
+              <a:lnRef idx="1">
+                <a:schemeClr val="accent1"/>
+              </a:lnRef>
+              <a:fillRef idx="0">
+                <a:schemeClr val="accent1"/>
+              </a:fillRef>
+              <a:effectRef idx="0">
+                <a:schemeClr val="accent1"/>
+              </a:effectRef>
+              <a:fontRef idx="minor">
+                <a:schemeClr val="tx1"/>
+              </a:fontRef>
+            </p:style>
+            <p:txBody>
+              <a:bodyPr rtlCol="0" anchor="ctr"/>
+              <a:lstStyle/>
+              <a:p>
+                <a:pPr algn="ctr"/>
+                <a:endParaRPr lang="en-US"/>
+              </a:p>
+            </p:txBody>
+          </p:sp>
+          <p:sp>
+            <p:nvSpPr>
+              <p:cNvPr id="227" name="Rectangle 226">
+                <a:extLst>
+                  <a:ext uri="{FF2B5EF4-FFF2-40B4-BE49-F238E27FC236}">
+                    <a16:creationId xmlns:a16="http://schemas.microsoft.com/office/drawing/2014/main" id="{BEACBD94-8756-454D-8C5A-4228C6625100}"/>
+                  </a:ext>
+                </a:extLst>
+              </p:cNvPr>
+              <p:cNvSpPr/>
+              <p:nvPr/>
+            </p:nvSpPr>
+            <p:spPr>
+              <a:xfrm>
+                <a:off x="7622905" y="5913442"/>
+                <a:ext cx="1610492" cy="430887"/>
+              </a:xfrm>
+              <a:prstGeom prst="rect">
+                <a:avLst/>
+              </a:prstGeom>
+            </p:spPr>
+            <p:txBody>
+              <a:bodyPr wrap="square">
+                <a:spAutoFit/>
+              </a:bodyPr>
+              <a:lstStyle/>
+              <a:p>
+                <a:pPr algn="ctr"/>
+                <a:r>
+                  <a:rPr lang="en-US" sz="1100" dirty="0">
+                    <a:latin typeface="Consolas" panose="020B0609020204030204" pitchFamily="49" charset="0"/>
+                    <a:cs typeface="Consolas" panose="020B0609020204030204" pitchFamily="49" charset="0"/>
+                  </a:rPr>
+                  <a:t>deploy to prod</a:t>
+                </a:r>
+                <a:br>
+                  <a:rPr lang="en-US" sz="1100" b="1" dirty="0">
+                    <a:latin typeface="Segoe UI Semibold" panose="020B0502040204020203" pitchFamily="34" charset="0"/>
+                    <a:cs typeface="Segoe UI Semibold" panose="020B0502040204020203" pitchFamily="34" charset="0"/>
+                  </a:rPr>
+                </a:br>
+                <a:r>
+                  <a:rPr lang="en-US" sz="1100" b="1" dirty="0">
+                    <a:latin typeface="Segoe UI Semibold" panose="020B0502040204020203" pitchFamily="34" charset="0"/>
+                    <a:cs typeface="Segoe UI Semibold" panose="020B0502040204020203" pitchFamily="34" charset="0"/>
+                  </a:rPr>
+                  <a:t>CD (Release)</a:t>
+                </a:r>
+              </a:p>
+            </p:txBody>
+          </p:sp>
+          <p:pic>
+            <p:nvPicPr>
+              <p:cNvPr id="228" name="Graphic 227">
+                <a:extLst>
+                  <a:ext uri="{FF2B5EF4-FFF2-40B4-BE49-F238E27FC236}">
+                    <a16:creationId xmlns:a16="http://schemas.microsoft.com/office/drawing/2014/main" id="{AAF55D78-037E-E44B-905D-360A8B2DCDF7}"/>
+                  </a:ext>
+                </a:extLst>
+              </p:cNvPr>
+              <p:cNvPicPr>
+                <a:picLocks noChangeAspect="1"/>
+              </p:cNvPicPr>
+              <p:nvPr/>
+            </p:nvPicPr>
+            <p:blipFill>
+              <a:blip r:embed="rId12">
+                <a:extLst>
+                  <a:ext uri="{96DAC541-7B7A-43D3-8B79-37D633B846F1}">
+                    <asvg:svgBlip xmlns:asvg="http://schemas.microsoft.com/office/drawing/2016/SVG/main" r:embed="rId13"/>
+                  </a:ext>
+                </a:extLst>
+              </a:blip>
+              <a:stretch>
+                <a:fillRect/>
+              </a:stretch>
+            </p:blipFill>
+            <p:spPr>
+              <a:xfrm>
+                <a:off x="7678568" y="4519290"/>
+                <a:ext cx="311021" cy="321054"/>
+              </a:xfrm>
+              <a:prstGeom prst="rect">
+                <a:avLst/>
+              </a:prstGeom>
+            </p:spPr>
+          </p:pic>
+          <p:grpSp>
+            <p:nvGrpSpPr>
+              <p:cNvPr id="229" name="Group 228">
+                <a:extLst>
+                  <a:ext uri="{FF2B5EF4-FFF2-40B4-BE49-F238E27FC236}">
+                    <a16:creationId xmlns:a16="http://schemas.microsoft.com/office/drawing/2014/main" id="{A321165D-3665-6548-9419-1049AA26A7BF}"/>
+                  </a:ext>
+                </a:extLst>
+              </p:cNvPr>
+              <p:cNvGrpSpPr/>
+              <p:nvPr/>
+            </p:nvGrpSpPr>
+            <p:grpSpPr>
+              <a:xfrm>
+                <a:off x="7391320" y="4901132"/>
+                <a:ext cx="885518" cy="460197"/>
+                <a:chOff x="3811742" y="1728592"/>
+                <a:chExt cx="885518" cy="460197"/>
+              </a:xfrm>
+            </p:grpSpPr>
+            <p:cxnSp>
+              <p:nvCxnSpPr>
+                <p:cNvPr id="234" name="Straight Arrow Connector 233">
+                  <a:extLst>
+                    <a:ext uri="{FF2B5EF4-FFF2-40B4-BE49-F238E27FC236}">
+                      <a16:creationId xmlns:a16="http://schemas.microsoft.com/office/drawing/2014/main" id="{F4E7740B-C842-4C46-86C4-142601A808D8}"/>
+                    </a:ext>
+                  </a:extLst>
+                </p:cNvPr>
+                <p:cNvCxnSpPr/>
+                <p:nvPr/>
+              </p:nvCxnSpPr>
+              <p:spPr>
+                <a:xfrm>
+                  <a:off x="3811742" y="1728592"/>
+                  <a:ext cx="885518" cy="0"/>
+                </a:xfrm>
+                <a:prstGeom prst="straightConnector1">
+                  <a:avLst/>
+                </a:prstGeom>
+                <a:ln w="57150">
+                  <a:solidFill>
+                    <a:schemeClr val="tx1"/>
+                  </a:solidFill>
+                  <a:headEnd type="none" w="med" len="sm"/>
+                  <a:tailEnd type="triangle" w="med" len="sm"/>
+                </a:ln>
+              </p:spPr>
+              <p:style>
+                <a:lnRef idx="1">
+                  <a:schemeClr val="accent1"/>
+                </a:lnRef>
+                <a:fillRef idx="0">
+                  <a:schemeClr val="accent1"/>
+                </a:fillRef>
+                <a:effectRef idx="0">
+                  <a:schemeClr val="accent1"/>
+                </a:effectRef>
+                <a:fontRef idx="minor">
+                  <a:schemeClr val="tx1"/>
+                </a:fontRef>
+              </p:style>
+            </p:cxnSp>
+            <p:sp>
+              <p:nvSpPr>
+                <p:cNvPr id="235" name="Rectangle 234">
+                  <a:extLst>
+                    <a:ext uri="{FF2B5EF4-FFF2-40B4-BE49-F238E27FC236}">
+                      <a16:creationId xmlns:a16="http://schemas.microsoft.com/office/drawing/2014/main" id="{2054C5A7-AF56-B64F-938F-452869848EB6}"/>
+                    </a:ext>
+                  </a:extLst>
+                </p:cNvPr>
+                <p:cNvSpPr/>
+                <p:nvPr/>
+              </p:nvSpPr>
+              <p:spPr>
+                <a:xfrm>
+                  <a:off x="3931338" y="1757902"/>
+                  <a:ext cx="646331" cy="430887"/>
+                </a:xfrm>
+                <a:prstGeom prst="rect">
+                  <a:avLst/>
+                </a:prstGeom>
+              </p:spPr>
+              <p:txBody>
+                <a:bodyPr wrap="none">
+                  <a:spAutoFit/>
+                </a:bodyPr>
+                <a:lstStyle/>
+                <a:p>
+                  <a:pPr algn="ctr"/>
+                  <a:r>
+                    <a:rPr lang="en-US" sz="1100" dirty="0">
+                      <a:latin typeface="Consolas" panose="020B0609020204030204" pitchFamily="49" charset="0"/>
+                      <a:cs typeface="Consolas" panose="020B0609020204030204" pitchFamily="49" charset="0"/>
+                    </a:rPr>
+                    <a:t>helm</a:t>
+                  </a:r>
+                  <a:br>
+                    <a:rPr lang="en-US" sz="1100" dirty="0">
+                      <a:latin typeface="Consolas" panose="020B0609020204030204" pitchFamily="49" charset="0"/>
+                      <a:cs typeface="Consolas" panose="020B0609020204030204" pitchFamily="49" charset="0"/>
+                    </a:rPr>
+                  </a:br>
+                  <a:r>
+                    <a:rPr lang="en-US" sz="1100" dirty="0">
+                      <a:latin typeface="Consolas" panose="020B0609020204030204" pitchFamily="49" charset="0"/>
+                      <a:cs typeface="Consolas" panose="020B0609020204030204" pitchFamily="49" charset="0"/>
+                    </a:rPr>
+                    <a:t>deploy</a:t>
+                  </a:r>
+                </a:p>
+              </p:txBody>
+            </p:sp>
+          </p:grpSp>
+          <p:pic>
+            <p:nvPicPr>
+              <p:cNvPr id="230" name="Graphic 229">
+                <a:extLst>
+                  <a:ext uri="{FF2B5EF4-FFF2-40B4-BE49-F238E27FC236}">
+                    <a16:creationId xmlns:a16="http://schemas.microsoft.com/office/drawing/2014/main" id="{A3A753F9-6D0F-4D48-921A-FF11151142FF}"/>
+                  </a:ext>
+                </a:extLst>
+              </p:cNvPr>
+              <p:cNvPicPr>
+                <a:picLocks noChangeAspect="1"/>
+              </p:cNvPicPr>
+              <p:nvPr/>
+            </p:nvPicPr>
+            <p:blipFill>
+              <a:blip r:embed="rId14">
+                <a:extLst>
+                  <a:ext uri="{96DAC541-7B7A-43D3-8B79-37D633B846F1}">
+                    <asvg:svgBlip xmlns:asvg="http://schemas.microsoft.com/office/drawing/2016/SVG/main" r:embed="rId15"/>
+                  </a:ext>
+                </a:extLst>
+              </a:blip>
+              <a:stretch>
+                <a:fillRect/>
+              </a:stretch>
+            </p:blipFill>
+            <p:spPr>
+              <a:xfrm>
+                <a:off x="8359439" y="4649317"/>
+                <a:ext cx="469900" cy="469900"/>
+              </a:xfrm>
+              <a:prstGeom prst="rect">
+                <a:avLst/>
+              </a:prstGeom>
+            </p:spPr>
+          </p:pic>
+          <p:pic>
+            <p:nvPicPr>
+              <p:cNvPr id="231" name="Picture 230">
+                <a:extLst>
+                  <a:ext uri="{FF2B5EF4-FFF2-40B4-BE49-F238E27FC236}">
+                    <a16:creationId xmlns:a16="http://schemas.microsoft.com/office/drawing/2014/main" id="{1FD46F0C-293E-C845-9A1C-7EB6385140F7}"/>
+                  </a:ext>
+                </a:extLst>
+              </p:cNvPr>
+              <p:cNvPicPr>
+                <a:picLocks noChangeAspect="1"/>
+              </p:cNvPicPr>
+              <p:nvPr/>
+            </p:nvPicPr>
+            <p:blipFill>
+              <a:blip r:embed="rId16"/>
+              <a:stretch>
+                <a:fillRect/>
+              </a:stretch>
+            </p:blipFill>
+            <p:spPr>
+              <a:xfrm>
+                <a:off x="8655423" y="4963267"/>
+                <a:ext cx="234432" cy="234432"/>
+              </a:xfrm>
+              <a:prstGeom prst="rect">
+                <a:avLst/>
+              </a:prstGeom>
+            </p:spPr>
+          </p:pic>
+          <p:sp>
+            <p:nvSpPr>
+              <p:cNvPr id="232" name="Rectangle 231">
+                <a:extLst>
+                  <a:ext uri="{FF2B5EF4-FFF2-40B4-BE49-F238E27FC236}">
+                    <a16:creationId xmlns:a16="http://schemas.microsoft.com/office/drawing/2014/main" id="{B72E432B-222B-2C44-BB0E-A01630BCCA59}"/>
+                  </a:ext>
+                </a:extLst>
+              </p:cNvPr>
+              <p:cNvSpPr/>
+              <p:nvPr/>
+            </p:nvSpPr>
+            <p:spPr>
+              <a:xfrm>
+                <a:off x="8206301" y="4151457"/>
+                <a:ext cx="776175" cy="507831"/>
+              </a:xfrm>
+              <a:prstGeom prst="rect">
+                <a:avLst/>
+              </a:prstGeom>
+            </p:spPr>
+            <p:txBody>
+              <a:bodyPr wrap="none">
+                <a:spAutoFit/>
+              </a:bodyPr>
+              <a:lstStyle/>
+              <a:p>
+                <a:pPr algn="ctr"/>
+                <a:r>
+                  <a:rPr lang="en-US" sz="900" b="1" dirty="0">
+                    <a:latin typeface="Segoe UI Semibold" panose="020B0502040204020203" pitchFamily="34" charset="0"/>
+                    <a:cs typeface="Segoe UI Semibold" panose="020B0502040204020203" pitchFamily="34" charset="0"/>
+                  </a:rPr>
+                  <a:t>Azure</a:t>
+                </a:r>
+                <a:br>
+                  <a:rPr lang="en-US" sz="900" b="1" dirty="0">
+                    <a:latin typeface="Segoe UI Semibold" panose="020B0502040204020203" pitchFamily="34" charset="0"/>
+                    <a:cs typeface="Segoe UI Semibold" panose="020B0502040204020203" pitchFamily="34" charset="0"/>
+                  </a:rPr>
+                </a:br>
+                <a:r>
+                  <a:rPr lang="en-US" sz="900" b="1" dirty="0">
+                    <a:latin typeface="Segoe UI Semibold" panose="020B0502040204020203" pitchFamily="34" charset="0"/>
+                    <a:cs typeface="Segoe UI Semibold" panose="020B0502040204020203" pitchFamily="34" charset="0"/>
+                  </a:rPr>
+                  <a:t>Kubernetes</a:t>
+                </a:r>
+                <a:br>
+                  <a:rPr lang="en-US" sz="900" b="1" dirty="0">
+                    <a:latin typeface="Segoe UI Semibold" panose="020B0502040204020203" pitchFamily="34" charset="0"/>
+                    <a:cs typeface="Segoe UI Semibold" panose="020B0502040204020203" pitchFamily="34" charset="0"/>
+                  </a:rPr>
+                </a:br>
+                <a:r>
+                  <a:rPr lang="en-US" sz="900" b="1" dirty="0">
+                    <a:latin typeface="Segoe UI Semibold" panose="020B0502040204020203" pitchFamily="34" charset="0"/>
+                    <a:cs typeface="Segoe UI Semibold" panose="020B0502040204020203" pitchFamily="34" charset="0"/>
+                  </a:rPr>
+                  <a:t>Service</a:t>
+                </a:r>
+                <a:endParaRPr lang="en-US" sz="900" b="1" i="1" dirty="0">
+                  <a:latin typeface="Segoe UI Semibold" panose="020B0502040204020203" pitchFamily="34" charset="0"/>
+                  <a:cs typeface="Segoe UI Semibold" panose="020B0502040204020203" pitchFamily="34" charset="0"/>
+                </a:endParaRPr>
+              </a:p>
+            </p:txBody>
+          </p:sp>
+          <p:sp>
+            <p:nvSpPr>
+              <p:cNvPr id="233" name="Rectangle 232">
+                <a:extLst>
+                  <a:ext uri="{FF2B5EF4-FFF2-40B4-BE49-F238E27FC236}">
+                    <a16:creationId xmlns:a16="http://schemas.microsoft.com/office/drawing/2014/main" id="{98BDF35C-54F7-5C46-980E-0FCA1EDAF453}"/>
+                  </a:ext>
+                </a:extLst>
+              </p:cNvPr>
+              <p:cNvSpPr/>
+              <p:nvPr/>
+            </p:nvSpPr>
+            <p:spPr>
+              <a:xfrm>
+                <a:off x="8276838" y="5140729"/>
+                <a:ext cx="1699504" cy="215444"/>
+              </a:xfrm>
+              <a:prstGeom prst="rect">
+                <a:avLst/>
+              </a:prstGeom>
+            </p:spPr>
+            <p:txBody>
+              <a:bodyPr wrap="none">
+                <a:spAutoFit/>
+              </a:bodyPr>
+              <a:lstStyle/>
+              <a:p>
+                <a:r>
+                  <a:rPr lang="en-US" sz="800" dirty="0">
+                    <a:latin typeface="Consolas" panose="020B0609020204030204" pitchFamily="49" charset="0"/>
+                    <a:cs typeface="Consolas" panose="020B0609020204030204" pitchFamily="49" charset="0"/>
+                  </a:rPr>
+                  <a:t>namespace: foo-service-prod</a:t>
+                </a:r>
+                <a:endParaRPr lang="en-US" sz="800" dirty="0"/>
+              </a:p>
+            </p:txBody>
+          </p:sp>
+        </p:grpSp>
+        <p:sp>
+          <p:nvSpPr>
+            <p:cNvPr id="225" name="TextBox 224">
+              <a:extLst>
+                <a:ext uri="{FF2B5EF4-FFF2-40B4-BE49-F238E27FC236}">
+                  <a16:creationId xmlns:a16="http://schemas.microsoft.com/office/drawing/2014/main" id="{90957BBD-EE62-A340-9614-831A90675C84}"/>
+                </a:ext>
+              </a:extLst>
+            </p:cNvPr>
+            <p:cNvSpPr txBox="1"/>
+            <p:nvPr/>
+          </p:nvSpPr>
+          <p:spPr>
+            <a:xfrm>
+              <a:off x="7318662" y="3868333"/>
+              <a:ext cx="2723823" cy="246221"/>
+            </a:xfrm>
+            <a:prstGeom prst="rect">
+              <a:avLst/>
+            </a:prstGeom>
+            <a:solidFill>
+              <a:srgbClr val="00B0F0"/>
+            </a:solidFill>
+          </p:spPr>
+          <p:txBody>
+            <a:bodyPr wrap="none" rtlCol="0">
+              <a:spAutoFit/>
+            </a:bodyPr>
+            <a:lstStyle/>
+            <a:p>
+              <a:r>
+                <a:rPr lang="en-US" sz="1000" dirty="0">
+                  <a:latin typeface="Consolas" panose="020B0609020204030204" pitchFamily="49" charset="0"/>
+                  <a:cs typeface="Consolas" panose="020B0609020204030204" pitchFamily="49" charset="0"/>
+                </a:rPr>
+                <a:t>http://foo-service-</a:t>
+              </a:r>
+              <a:r>
+                <a:rPr lang="en-US" sz="1000" b="1" dirty="0" err="1">
+                  <a:latin typeface="Consolas" panose="020B0609020204030204" pitchFamily="49" charset="0"/>
+                  <a:cs typeface="Consolas" panose="020B0609020204030204" pitchFamily="49" charset="0"/>
+                </a:rPr>
+                <a:t>prod</a:t>
+              </a:r>
+              <a:r>
+                <a:rPr lang="en-US" sz="1000" dirty="0" err="1">
+                  <a:latin typeface="Consolas" panose="020B0609020204030204" pitchFamily="49" charset="0"/>
+                  <a:cs typeface="Consolas" panose="020B0609020204030204" pitchFamily="49" charset="0"/>
+                </a:rPr>
+                <a:t>.xx.aksapp.io</a:t>
+              </a:r>
+              <a:endParaRPr lang="en-US" sz="1000" dirty="0">
+                <a:latin typeface="Consolas" panose="020B0609020204030204" pitchFamily="49" charset="0"/>
+                <a:cs typeface="Consolas" panose="020B0609020204030204" pitchFamily="49" charset="0"/>
+              </a:endParaRPr>
+            </a:p>
+          </p:txBody>
+        </p:sp>
+      </p:grpSp>
+      <p:grpSp>
+        <p:nvGrpSpPr>
+          <p:cNvPr id="236" name="Group 235">
+            <a:extLst>
+              <a:ext uri="{FF2B5EF4-FFF2-40B4-BE49-F238E27FC236}">
+                <a16:creationId xmlns:a16="http://schemas.microsoft.com/office/drawing/2014/main" id="{85B919CD-0CCF-5B43-B7FD-70DCBF8F037C}"/>
+              </a:ext>
+            </a:extLst>
+          </p:cNvPr>
+          <p:cNvGrpSpPr/>
+          <p:nvPr/>
+        </p:nvGrpSpPr>
+        <p:grpSpPr>
+          <a:xfrm>
+            <a:off x="1743373" y="2602149"/>
+            <a:ext cx="5152151" cy="3393192"/>
+            <a:chOff x="1743373" y="2602149"/>
+            <a:chExt cx="5152151" cy="3393192"/>
           </a:xfrm>
         </p:grpSpPr>
         <p:cxnSp>
           <p:nvCxnSpPr>
-            <p:cNvPr id="8" name="Straight Arrow Connector 7">
+            <p:cNvPr id="237" name="Elbow Connector 236">
               <a:extLst>
                 <a:ext uri="{FF2B5EF4-FFF2-40B4-BE49-F238E27FC236}">
-                  <a16:creationId xmlns:a16="http://schemas.microsoft.com/office/drawing/2014/main" id="{5DCE384D-0ADC-3043-B940-E17EF1E47A36}"/>
+                  <a16:creationId xmlns:a16="http://schemas.microsoft.com/office/drawing/2014/main" id="{445C782D-A33F-214F-A959-F6EC0FDBB21D}"/>
                 </a:ext>
               </a:extLst>
             </p:cNvPr>
-            <p:cNvCxnSpPr/>
+            <p:cNvCxnSpPr>
+              <a:cxnSpLocks/>
+              <a:stCxn id="206" idx="3"/>
+              <a:endCxn id="238" idx="2"/>
+            </p:cNvCxnSpPr>
             <p:nvPr/>
           </p:nvCxnSpPr>
           <p:spPr>
-            <a:xfrm flipV="1">
-              <a:off x="9517353" y="5841204"/>
-              <a:ext cx="0" cy="453697"/>
+            <a:xfrm flipH="1">
+              <a:off x="1743373" y="2602149"/>
+              <a:ext cx="5152151" cy="3251467"/>
             </a:xfrm>
-            <a:prstGeom prst="straightConnector1">
-              <a:avLst/>
+            <a:prstGeom prst="bentConnector5">
+              <a:avLst>
+                <a:gd name="adj1" fmla="val -4437"/>
+                <a:gd name="adj2" fmla="val 47677"/>
+                <a:gd name="adj3" fmla="val 104437"/>
+              </a:avLst>
             </a:prstGeom>
-            <a:ln>
-              <a:tailEnd type="triangle"/>
+            <a:ln w="57150">
+              <a:solidFill>
+                <a:srgbClr val="00B050"/>
+              </a:solidFill>
+              <a:tailEnd type="triangle" w="med" len="sm"/>
             </a:ln>
           </p:spPr>
           <p:style>
@@ -12800,10 +13909,10 @@
         </p:cxnSp>
         <p:sp>
           <p:nvSpPr>
-            <p:cNvPr id="134" name="Rectangle 133">
+            <p:cNvPr id="238" name="Oval 237">
               <a:extLst>
                 <a:ext uri="{FF2B5EF4-FFF2-40B4-BE49-F238E27FC236}">
-                  <a16:creationId xmlns:a16="http://schemas.microsoft.com/office/drawing/2014/main" id="{6FEDD290-1CE8-4E45-AFE5-0110BCBB8792}"/>
+                  <a16:creationId xmlns:a16="http://schemas.microsoft.com/office/drawing/2014/main" id="{AD8EE3B0-CC8C-FD43-82BE-7D2C78567C34}"/>
                 </a:ext>
               </a:extLst>
             </p:cNvPr>
@@ -12812,127 +13921,50 @@
           </p:nvSpPr>
           <p:spPr>
             <a:xfrm>
-              <a:off x="8666150" y="6382348"/>
-              <a:ext cx="1610492" cy="430887"/>
+              <a:off x="1743373" y="5711891"/>
+              <a:ext cx="317552" cy="283450"/>
             </a:xfrm>
-            <a:prstGeom prst="rect">
+            <a:prstGeom prst="ellipse">
               <a:avLst/>
             </a:prstGeom>
+            <a:noFill/>
+            <a:ln>
+              <a:noFill/>
+            </a:ln>
           </p:spPr>
+          <p:style>
+            <a:lnRef idx="2">
+              <a:schemeClr val="accent1">
+                <a:shade val="50000"/>
+              </a:schemeClr>
+            </a:lnRef>
+            <a:fillRef idx="1">
+              <a:schemeClr val="accent1"/>
+            </a:fillRef>
+            <a:effectRef idx="0">
+              <a:schemeClr val="accent1"/>
+            </a:effectRef>
+            <a:fontRef idx="minor">
+              <a:schemeClr val="lt1"/>
+            </a:fontRef>
+          </p:style>
           <p:txBody>
-            <a:bodyPr wrap="square">
-              <a:spAutoFit/>
-            </a:bodyPr>
+            <a:bodyPr rtlCol="0" anchor="ctr"/>
             <a:lstStyle/>
             <a:p>
               <a:pPr algn="ctr"/>
-              <a:r>
-                <a:rPr lang="en-US" sz="1100" dirty="0">
-                  <a:latin typeface="Consolas" panose="020B0609020204030204" pitchFamily="49" charset="0"/>
-                  <a:cs typeface="Consolas" panose="020B0609020204030204" pitchFamily="49" charset="0"/>
-                </a:rPr>
-                <a:t>deploy to pre-prod</a:t>
-              </a:r>
-              <a:br>
-                <a:rPr lang="en-US" sz="1100" b="1" dirty="0">
-                  <a:latin typeface="Segoe UI Semibold" panose="020B0502040204020203" pitchFamily="34" charset="0"/>
-                  <a:cs typeface="Segoe UI Semibold" panose="020B0502040204020203" pitchFamily="34" charset="0"/>
-                </a:rPr>
-              </a:br>
-              <a:r>
-                <a:rPr lang="en-US" sz="1100" b="1" dirty="0">
-                  <a:latin typeface="Segoe UI Semibold" panose="020B0502040204020203" pitchFamily="34" charset="0"/>
-                  <a:cs typeface="Segoe UI Semibold" panose="020B0502040204020203" pitchFamily="34" charset="0"/>
-                </a:rPr>
-                <a:t>CD (Release)</a:t>
-              </a:r>
+              <a:endParaRPr lang="en-US"/>
             </a:p>
           </p:txBody>
         </p:sp>
       </p:grpSp>
-      <p:sp>
-        <p:nvSpPr>
-          <p:cNvPr id="136" name="TextBox 135">
-            <a:extLst>
-              <a:ext uri="{FF2B5EF4-FFF2-40B4-BE49-F238E27FC236}">
-                <a16:creationId xmlns:a16="http://schemas.microsoft.com/office/drawing/2014/main" id="{BFD3DADB-269B-E84A-9E4E-DB2E44E5FA83}"/>
-              </a:ext>
-            </a:extLst>
-          </p:cNvPr>
-          <p:cNvSpPr txBox="1"/>
-          <p:nvPr/>
-        </p:nvSpPr>
-        <p:spPr>
-          <a:xfrm>
-            <a:off x="2666586" y="387859"/>
-            <a:ext cx="7928614" cy="523220"/>
-          </a:xfrm>
-          <a:prstGeom prst="rect">
-            <a:avLst/>
-          </a:prstGeom>
-          <a:noFill/>
-        </p:spPr>
-        <p:txBody>
-          <a:bodyPr wrap="square" rtlCol="0">
-            <a:spAutoFit/>
-          </a:bodyPr>
-          <a:lstStyle/>
-          <a:p>
-            <a:r>
-              <a:rPr lang="en-US" sz="1400" dirty="0">
-                <a:latin typeface="Segoe UI" panose="020B0502040204020203" pitchFamily="34" charset="0"/>
-                <a:cs typeface="Segoe UI" panose="020B0502040204020203" pitchFamily="34" charset="0"/>
-              </a:rPr>
-              <a:t>After review of the pull request, when it gets merged, this will run the build pipeline again to generate the merged Docker image, Helm chart, etc. and release to Staging -&gt; Pre-Prod -&gt; Prod</a:t>
-            </a:r>
-          </a:p>
-        </p:txBody>
-      </p:sp>
-      <p:pic>
-        <p:nvPicPr>
-          <p:cNvPr id="11" name="Audio 10">
-            <a:hlinkClick r:id="" action="ppaction://media"/>
-            <a:extLst>
-              <a:ext uri="{FF2B5EF4-FFF2-40B4-BE49-F238E27FC236}">
-                <a16:creationId xmlns:a16="http://schemas.microsoft.com/office/drawing/2014/main" id="{DD17D836-CD83-2947-AA2A-846FEDC83F8E}"/>
-              </a:ext>
-            </a:extLst>
-          </p:cNvPr>
-          <p:cNvPicPr>
-            <a:picLocks noChangeAspect="1"/>
-          </p:cNvPicPr>
-          <p:nvPr>
-            <a:audioFile r:link="rId3"/>
-            <p:extLst>
-              <p:ext uri="{DAA4B4D4-6D71-4841-9C94-3DE7FCFB9230}">
-                <p14:media xmlns:p14="http://schemas.microsoft.com/office/powerpoint/2010/main" r:embed="rId2"/>
-              </p:ext>
-            </p:extLst>
-          </p:nvPr>
-        </p:nvPicPr>
-        <p:blipFill>
-          <a:blip r:embed="rId26"/>
-          <a:stretch>
-            <a:fillRect/>
-          </a:stretch>
-        </p:blipFill>
-        <p:spPr>
-          <a:xfrm>
-            <a:off x="11163300" y="5829300"/>
-            <a:ext cx="812800" cy="812800"/>
-          </a:xfrm>
-          <a:prstGeom prst="rect">
-            <a:avLst/>
-          </a:prstGeom>
-        </p:spPr>
-      </p:pic>
     </p:spTree>
     <p:custDataLst>
       <p:tags r:id="rId1"/>
     </p:custDataLst>
     <p:extLst>
       <p:ext uri="{BB962C8B-B14F-4D97-AF65-F5344CB8AC3E}">
-        <p14:creationId xmlns:p14="http://schemas.microsoft.com/office/powerpoint/2010/main" val="316829636"/>
+        <p14:creationId xmlns:p14="http://schemas.microsoft.com/office/powerpoint/2010/main" val="700479167"/>
       </p:ext>
     </p:extLst>
   </p:cSld>
@@ -12940,15 +13972,11 @@
     <a:masterClrMapping/>
   </p:clrMapOvr>
   <mc:AlternateContent xmlns:mc="http://schemas.openxmlformats.org/markup-compatibility/2006">
-    <mc:Choice xmlns:p159="http://schemas.microsoft.com/office/powerpoint/2015/09/main" Requires="p159">
-      <p:transition xmlns:p14="http://schemas.microsoft.com/office/powerpoint/2010/main" spd="slow" p14:dur="2000" advTm="12568">
-        <p159:morph option="byObject"/>
-      </p:transition>
+    <mc:Choice xmlns:p14="http://schemas.microsoft.com/office/powerpoint/2010/main" Requires="p14">
+      <p:transition p14:dur="0" advTm="17521"/>
     </mc:Choice>
     <mc:Fallback>
-      <p:transition spd="slow" advTm="12568">
-        <p:fade/>
-      </p:transition>
+      <p:transition advTm="17521"/>
     </mc:Fallback>
   </mc:AlternateContent>
   <p:timing>
@@ -12963,9 +13991,6 @@
                     <p:cTn id="3" fill="hold">
                       <p:stCondLst>
                         <p:cond delay="indefinite"/>
-                        <p:cond evt="onBegin" delay="0">
-                          <p:tn val="2"/>
-                        </p:cond>
                       </p:stCondLst>
                       <p:childTnLst>
                         <p:par>
@@ -12975,19 +14000,29 @@
                             </p:stCondLst>
                             <p:childTnLst>
                               <p:par>
-                                <p:cTn id="5" presetID="1" presetClass="mediacall" presetSubtype="0" fill="hold" nodeType="afterEffect">
+                                <p:cTn id="5" presetID="1" presetClass="entr" presetSubtype="0" fill="hold" nodeType="clickEffect">
                                   <p:stCondLst>
                                     <p:cond delay="0"/>
                                   </p:stCondLst>
                                   <p:childTnLst>
-                                    <p:cmd type="call" cmd="playFrom(0.0)">
+                                    <p:set>
                                       <p:cBhvr>
-                                        <p:cTn id="6" dur="1" fill="hold"/>
+                                        <p:cTn id="6" dur="1" fill="hold">
+                                          <p:stCondLst>
+                                            <p:cond delay="0"/>
+                                          </p:stCondLst>
+                                        </p:cTn>
                                         <p:tgtEl>
-                                          <p:spTgt spid="11"/>
+                                          <p:spTgt spid="31"/>
                                         </p:tgtEl>
+                                        <p:attrNameLst>
+                                          <p:attrName>style.visibility</p:attrName>
+                                        </p:attrNameLst>
                                       </p:cBhvr>
-                                    </p:cmd>
+                                      <p:to>
+                                        <p:strVal val="visible"/>
+                                      </p:to>
+                                    </p:set>
                                   </p:childTnLst>
                                 </p:cTn>
                               </p:par>
@@ -13010,7 +14045,7 @@
                             </p:stCondLst>
                             <p:childTnLst>
                               <p:par>
-                                <p:cTn id="9" presetID="10" presetClass="entr" presetSubtype="0" fill="hold" nodeType="clickEffect">
+                                <p:cTn id="9" presetID="1" presetClass="entr" presetSubtype="0" fill="hold" nodeType="clickEffect">
                                   <p:stCondLst>
                                     <p:cond delay="0"/>
                                   </p:stCondLst>
@@ -13023,136 +14058,7 @@
                                           </p:stCondLst>
                                         </p:cTn>
                                         <p:tgtEl>
-                                          <p:spTgt spid="9"/>
-                                        </p:tgtEl>
-                                        <p:attrNameLst>
-                                          <p:attrName>style.visibility</p:attrName>
-                                        </p:attrNameLst>
-                                      </p:cBhvr>
-                                      <p:to>
-                                        <p:strVal val="visible"/>
-                                      </p:to>
-                                    </p:set>
-                                    <p:animEffect transition="in" filter="fade">
-                                      <p:cBhvr>
-                                        <p:cTn id="11" dur="500"/>
-                                        <p:tgtEl>
-                                          <p:spTgt spid="9"/>
-                                        </p:tgtEl>
-                                      </p:cBhvr>
-                                    </p:animEffect>
-                                  </p:childTnLst>
-                                </p:cTn>
-                              </p:par>
-                            </p:childTnLst>
-                          </p:cTn>
-                        </p:par>
-                      </p:childTnLst>
-                    </p:cTn>
-                  </p:par>
-                  <p:par>
-                    <p:cTn id="12" fill="hold">
-                      <p:stCondLst>
-                        <p:cond delay="indefinite"/>
-                      </p:stCondLst>
-                      <p:childTnLst>
-                        <p:par>
-                          <p:cTn id="13" fill="hold">
-                            <p:stCondLst>
-                              <p:cond delay="0"/>
-                            </p:stCondLst>
-                            <p:childTnLst>
-                              <p:par>
-                                <p:cTn id="14" presetID="12" presetClass="entr" presetSubtype="8" fill="hold" nodeType="clickEffect">
-                                  <p:stCondLst>
-                                    <p:cond delay="0"/>
-                                  </p:stCondLst>
-                                  <p:childTnLst>
-                                    <p:set>
-                                      <p:cBhvr>
-                                        <p:cTn id="15" dur="1" fill="hold">
-                                          <p:stCondLst>
-                                            <p:cond delay="0"/>
-                                          </p:stCondLst>
-                                        </p:cTn>
-                                        <p:tgtEl>
-                                          <p:spTgt spid="4"/>
-                                        </p:tgtEl>
-                                        <p:attrNameLst>
-                                          <p:attrName>style.visibility</p:attrName>
-                                        </p:attrNameLst>
-                                      </p:cBhvr>
-                                      <p:to>
-                                        <p:strVal val="visible"/>
-                                      </p:to>
-                                    </p:set>
-                                    <p:anim calcmode="lin" valueType="num">
-                                      <p:cBhvr additive="base">
-                                        <p:cTn id="16" dur="500"/>
-                                        <p:tgtEl>
-                                          <p:spTgt spid="4"/>
-                                        </p:tgtEl>
-                                        <p:attrNameLst>
-                                          <p:attrName>ppt_x</p:attrName>
-                                        </p:attrNameLst>
-                                      </p:cBhvr>
-                                      <p:tavLst>
-                                        <p:tav tm="0">
-                                          <p:val>
-                                            <p:strVal val="#ppt_x-#ppt_w*1.125000"/>
-                                          </p:val>
-                                        </p:tav>
-                                        <p:tav tm="100000">
-                                          <p:val>
-                                            <p:strVal val="#ppt_x"/>
-                                          </p:val>
-                                        </p:tav>
-                                      </p:tavLst>
-                                    </p:anim>
-                                    <p:animEffect transition="in" filter="wipe(right)">
-                                      <p:cBhvr>
-                                        <p:cTn id="17" dur="500"/>
-                                        <p:tgtEl>
-                                          <p:spTgt spid="4"/>
-                                        </p:tgtEl>
-                                      </p:cBhvr>
-                                    </p:animEffect>
-                                  </p:childTnLst>
-                                </p:cTn>
-                              </p:par>
-                            </p:childTnLst>
-                          </p:cTn>
-                        </p:par>
-                      </p:childTnLst>
-                    </p:cTn>
-                  </p:par>
-                  <p:par>
-                    <p:cTn id="18" fill="hold">
-                      <p:stCondLst>
-                        <p:cond delay="indefinite"/>
-                      </p:stCondLst>
-                      <p:childTnLst>
-                        <p:par>
-                          <p:cTn id="19" fill="hold">
-                            <p:stCondLst>
-                              <p:cond delay="0"/>
-                            </p:stCondLst>
-                            <p:childTnLst>
-                              <p:par>
-                                <p:cTn id="20" presetID="1" presetClass="entr" presetSubtype="0" fill="hold" nodeType="clickEffect">
-                                  <p:stCondLst>
-                                    <p:cond delay="0"/>
-                                  </p:stCondLst>
-                                  <p:childTnLst>
-                                    <p:set>
-                                      <p:cBhvr>
-                                        <p:cTn id="21" dur="1" fill="hold">
-                                          <p:stCondLst>
-                                            <p:cond delay="0"/>
-                                          </p:stCondLst>
-                                        </p:cTn>
-                                        <p:tgtEl>
-                                          <p:spTgt spid="10"/>
+                                          <p:spTgt spid="236"/>
                                         </p:tgtEl>
                                         <p:attrNameLst>
                                           <p:attrName>style.visibility</p:attrName>
@@ -13172,32 +14078,32 @@
                     </p:cTn>
                   </p:par>
                   <p:par>
-                    <p:cTn id="22" fill="hold">
+                    <p:cTn id="11" fill="hold">
                       <p:stCondLst>
                         <p:cond delay="indefinite"/>
                       </p:stCondLst>
                       <p:childTnLst>
                         <p:par>
-                          <p:cTn id="23" fill="hold">
+                          <p:cTn id="12" fill="hold">
                             <p:stCondLst>
                               <p:cond delay="0"/>
                             </p:stCondLst>
                             <p:childTnLst>
                               <p:par>
-                                <p:cTn id="24" presetID="12" presetClass="entr" presetSubtype="8" fill="hold" nodeType="clickEffect">
+                                <p:cTn id="13" presetID="1" presetClass="entr" presetSubtype="0" fill="hold" nodeType="clickEffect">
                                   <p:stCondLst>
                                     <p:cond delay="0"/>
                                   </p:stCondLst>
                                   <p:childTnLst>
                                     <p:set>
                                       <p:cBhvr>
-                                        <p:cTn id="25" dur="1" fill="hold">
+                                        <p:cTn id="14" dur="1" fill="hold">
                                           <p:stCondLst>
                                             <p:cond delay="0"/>
                                           </p:stCondLst>
                                         </p:cTn>
                                         <p:tgtEl>
-                                          <p:spTgt spid="5"/>
+                                          <p:spTgt spid="4"/>
                                         </p:tgtEl>
                                         <p:attrNameLst>
                                           <p:attrName>style.visibility</p:attrName>
@@ -13207,37 +14113,96 @@
                                         <p:strVal val="visible"/>
                                       </p:to>
                                     </p:set>
-                                    <p:anim calcmode="lin" valueType="num">
-                                      <p:cBhvr additive="base">
-                                        <p:cTn id="26" dur="500"/>
+                                  </p:childTnLst>
+                                </p:cTn>
+                              </p:par>
+                            </p:childTnLst>
+                          </p:cTn>
+                        </p:par>
+                      </p:childTnLst>
+                    </p:cTn>
+                  </p:par>
+                  <p:par>
+                    <p:cTn id="15" fill="hold">
+                      <p:stCondLst>
+                        <p:cond delay="indefinite"/>
+                      </p:stCondLst>
+                      <p:childTnLst>
+                        <p:par>
+                          <p:cTn id="16" fill="hold">
+                            <p:stCondLst>
+                              <p:cond delay="0"/>
+                            </p:stCondLst>
+                            <p:childTnLst>
+                              <p:par>
+                                <p:cTn id="17" presetID="1" presetClass="entr" presetSubtype="0" fill="hold" nodeType="clickEffect">
+                                  <p:stCondLst>
+                                    <p:cond delay="0"/>
+                                  </p:stCondLst>
+                                  <p:childTnLst>
+                                    <p:set>
+                                      <p:cBhvr>
+                                        <p:cTn id="18" dur="1" fill="hold">
+                                          <p:stCondLst>
+                                            <p:cond delay="0"/>
+                                          </p:stCondLst>
+                                        </p:cTn>
                                         <p:tgtEl>
-                                          <p:spTgt spid="5"/>
+                                          <p:spTgt spid="166"/>
                                         </p:tgtEl>
                                         <p:attrNameLst>
-                                          <p:attrName>ppt_x</p:attrName>
+                                          <p:attrName>style.visibility</p:attrName>
                                         </p:attrNameLst>
                                       </p:cBhvr>
-                                      <p:tavLst>
-                                        <p:tav tm="0">
-                                          <p:val>
-                                            <p:strVal val="#ppt_x-#ppt_w*1.125000"/>
-                                          </p:val>
-                                        </p:tav>
-                                        <p:tav tm="100000">
-                                          <p:val>
-                                            <p:strVal val="#ppt_x"/>
-                                          </p:val>
-                                        </p:tav>
-                                      </p:tavLst>
-                                    </p:anim>
-                                    <p:animEffect transition="in" filter="wipe(right)">
+                                      <p:to>
+                                        <p:strVal val="visible"/>
+                                      </p:to>
+                                    </p:set>
+                                  </p:childTnLst>
+                                </p:cTn>
+                              </p:par>
+                            </p:childTnLst>
+                          </p:cTn>
+                        </p:par>
+                      </p:childTnLst>
+                    </p:cTn>
+                  </p:par>
+                  <p:par>
+                    <p:cTn id="19" fill="hold">
+                      <p:stCondLst>
+                        <p:cond delay="indefinite"/>
+                      </p:stCondLst>
+                      <p:childTnLst>
+                        <p:par>
+                          <p:cTn id="20" fill="hold">
+                            <p:stCondLst>
+                              <p:cond delay="0"/>
+                            </p:stCondLst>
+                            <p:childTnLst>
+                              <p:par>
+                                <p:cTn id="21" presetID="1" presetClass="entr" presetSubtype="0" fill="hold" nodeType="clickEffect">
+                                  <p:stCondLst>
+                                    <p:cond delay="0"/>
+                                  </p:stCondLst>
+                                  <p:childTnLst>
+                                    <p:set>
                                       <p:cBhvr>
-                                        <p:cTn id="27" dur="500"/>
+                                        <p:cTn id="22" dur="1" fill="hold">
+                                          <p:stCondLst>
+                                            <p:cond delay="0"/>
+                                          </p:stCondLst>
+                                        </p:cTn>
                                         <p:tgtEl>
-                                          <p:spTgt spid="5"/>
+                                          <p:spTgt spid="221"/>
                                         </p:tgtEl>
+                                        <p:attrNameLst>
+                                          <p:attrName>style.visibility</p:attrName>
+                                        </p:attrNameLst>
                                       </p:cBhvr>
-                                    </p:animEffect>
+                                      <p:to>
+                                        <p:strVal val="visible"/>
+                                      </p:to>
+                                    </p:set>
                                   </p:childTnLst>
                                 </p:cTn>
                               </p:par>
@@ -13264,25 +14229,6 @@
                 </p:cond>
               </p:nextCondLst>
             </p:seq>
-            <p:audio isNarration="1">
-              <p:cMediaNode vol="80000" showWhenStopped="0">
-                <p:cTn id="28" fill="hold" display="0">
-                  <p:stCondLst>
-                    <p:cond delay="indefinite"/>
-                  </p:stCondLst>
-                  <p:endCondLst>
-                    <p:cond evt="onStopAudio" delay="0">
-                      <p:tgtEl>
-                        <p:sldTgt/>
-                      </p:tgtEl>
-                    </p:cond>
-                  </p:endCondLst>
-                </p:cTn>
-                <p:tgtEl>
-                  <p:spTgt spid="11"/>
-                </p:tgtEl>
-              </p:cMediaNode>
-            </p:audio>
           </p:childTnLst>
         </p:cTn>
       </p:par>
@@ -13293,13 +14239,19 @@
 
 <file path=ppt/tags/tag1.xml><?xml version="1.0" encoding="utf-8"?>
 <p:tagLst xmlns:a="http://schemas.openxmlformats.org/drawingml/2006/main" xmlns:r="http://schemas.openxmlformats.org/officeDocument/2006/relationships" xmlns:p="http://schemas.openxmlformats.org/presentationml/2006/main">
-  <p:tag name="TIMING" val="|2.7|2.7"/>
+  <p:tag name="TIMING" val="|3.1|3.3"/>
 </p:tagLst>
 </file>
 
 <file path=ppt/tags/tag2.xml><?xml version="1.0" encoding="utf-8"?>
 <p:tagLst xmlns:a="http://schemas.openxmlformats.org/drawingml/2006/main" xmlns:r="http://schemas.openxmlformats.org/officeDocument/2006/relationships" xmlns:p="http://schemas.openxmlformats.org/presentationml/2006/main">
-  <p:tag name="TIMING" val="|1.8|2.6|1.9|1.4"/>
+  <p:tag name="TIMING" val="|3.2|3"/>
+</p:tagLst>
+</file>
+
+<file path=ppt/tags/tag3.xml><?xml version="1.0" encoding="utf-8"?>
+<p:tagLst xmlns:a="http://schemas.openxmlformats.org/drawingml/2006/main" xmlns:r="http://schemas.openxmlformats.org/officeDocument/2006/relationships" xmlns:p="http://schemas.openxmlformats.org/presentationml/2006/main">
+  <p:tag name="TIMING" val="|3.7|2.7|0.9|1.9|2"/>
 </p:tagLst>
 </file>
 

--- a/_docs/GitOps.pptx
+++ b/_docs/GitOps.pptx
@@ -4908,7 +4908,7 @@
           </p:blipFill>
           <p:spPr>
             <a:xfrm>
-              <a:off x="4175972" y="3243801"/>
+              <a:off x="3471114" y="3243801"/>
               <a:ext cx="378514" cy="378514"/>
             </a:xfrm>
             <a:prstGeom prst="rect">
@@ -4954,10 +4954,10 @@
         </p:pic>
         <p:sp>
           <p:nvSpPr>
-            <p:cNvPr id="106" name="Rectangle 105">
+            <p:cNvPr id="110" name="Rectangle 109">
               <a:extLst>
                 <a:ext uri="{FF2B5EF4-FFF2-40B4-BE49-F238E27FC236}">
-                  <a16:creationId xmlns:a16="http://schemas.microsoft.com/office/drawing/2014/main" id="{D533D521-12B1-324F-BCD4-6F5EB7A04ACD}"/>
+                  <a16:creationId xmlns:a16="http://schemas.microsoft.com/office/drawing/2014/main" id="{4A1AB322-280C-F040-9565-9EE53263891F}"/>
                 </a:ext>
               </a:extLst>
             </p:cNvPr>
@@ -4966,8 +4966,8 @@
           </p:nvSpPr>
           <p:spPr>
             <a:xfrm>
-              <a:off x="3286430" y="2637050"/>
-              <a:ext cx="697627" cy="646331"/>
+              <a:off x="3683529" y="3654303"/>
+              <a:ext cx="492443" cy="261610"/>
             </a:xfrm>
             <a:prstGeom prst="rect">
               <a:avLst/>
@@ -4981,192 +4981,15 @@
             <a:p>
               <a:pPr algn="ctr"/>
               <a:r>
-                <a:rPr lang="en-US" sz="900" b="1" dirty="0">
-                  <a:latin typeface="Segoe UI Semibold" panose="020B0502040204020203" pitchFamily="34" charset="0"/>
-                  <a:cs typeface="Segoe UI Semibold" panose="020B0502040204020203" pitchFamily="34" charset="0"/>
+                <a:rPr lang="en-US" sz="1100" dirty="0">
+                  <a:latin typeface="Consolas" panose="020B0609020204030204" pitchFamily="49" charset="0"/>
+                  <a:cs typeface="Consolas" panose="020B0609020204030204" pitchFamily="49" charset="0"/>
                 </a:rPr>
-                <a:t>Azure</a:t>
-              </a:r>
-              <a:br>
-                <a:rPr lang="en-US" sz="900" b="1" dirty="0">
-                  <a:latin typeface="Segoe UI Semibold" panose="020B0502040204020203" pitchFamily="34" charset="0"/>
-                  <a:cs typeface="Segoe UI Semibold" panose="020B0502040204020203" pitchFamily="34" charset="0"/>
-                </a:rPr>
-              </a:br>
-              <a:r>
-                <a:rPr lang="en-US" sz="900" b="1" dirty="0">
-                  <a:latin typeface="Segoe UI Semibold" panose="020B0502040204020203" pitchFamily="34" charset="0"/>
-                  <a:cs typeface="Segoe UI Semibold" panose="020B0502040204020203" pitchFamily="34" charset="0"/>
-                </a:rPr>
-                <a:t>Container</a:t>
-              </a:r>
-              <a:br>
-                <a:rPr lang="en-US" sz="900" b="1" dirty="0">
-                  <a:latin typeface="Segoe UI Semibold" panose="020B0502040204020203" pitchFamily="34" charset="0"/>
-                  <a:cs typeface="Segoe UI Semibold" panose="020B0502040204020203" pitchFamily="34" charset="0"/>
-                </a:rPr>
-              </a:br>
-              <a:r>
-                <a:rPr lang="en-US" sz="900" b="1" dirty="0">
-                  <a:latin typeface="Segoe UI Semibold" panose="020B0502040204020203" pitchFamily="34" charset="0"/>
-                  <a:cs typeface="Segoe UI Semibold" panose="020B0502040204020203" pitchFamily="34" charset="0"/>
-                </a:rPr>
-                <a:t>Registry</a:t>
-              </a:r>
-              <a:br>
-                <a:rPr lang="en-US" sz="900" b="1" dirty="0">
-                  <a:latin typeface="Segoe UI Semibold" panose="020B0502040204020203" pitchFamily="34" charset="0"/>
-                  <a:cs typeface="Segoe UI Semibold" panose="020B0502040204020203" pitchFamily="34" charset="0"/>
-                </a:rPr>
-              </a:br>
-              <a:r>
-                <a:rPr lang="en-US" sz="900" b="1" i="1" dirty="0">
-                  <a:latin typeface="Segoe UI Semibold" panose="020B0502040204020203" pitchFamily="34" charset="0"/>
-                  <a:cs typeface="Segoe UI Semibold" panose="020B0502040204020203" pitchFamily="34" charset="0"/>
-                </a:rPr>
-                <a:t>Build</a:t>
+                <a:t>push</a:t>
               </a:r>
             </a:p>
           </p:txBody>
         </p:sp>
-        <p:pic>
-          <p:nvPicPr>
-            <p:cNvPr id="107" name="Graphic 106">
-              <a:extLst>
-                <a:ext uri="{FF2B5EF4-FFF2-40B4-BE49-F238E27FC236}">
-                  <a16:creationId xmlns:a16="http://schemas.microsoft.com/office/drawing/2014/main" id="{49ABBC64-C908-6343-A585-58EF136414FC}"/>
-                </a:ext>
-              </a:extLst>
-            </p:cNvPr>
-            <p:cNvPicPr>
-              <a:picLocks noChangeAspect="1"/>
-            </p:cNvPicPr>
-            <p:nvPr/>
-          </p:nvPicPr>
-          <p:blipFill>
-            <a:blip r:embed="rId14">
-              <a:extLst>
-                <a:ext uri="{96DAC541-7B7A-43D3-8B79-37D633B846F1}">
-                  <asvg:svgBlip xmlns:asvg="http://schemas.microsoft.com/office/drawing/2016/SVG/main" r:embed="rId15"/>
-                </a:ext>
-              </a:extLst>
-            </a:blip>
-            <a:stretch>
-              <a:fillRect/>
-            </a:stretch>
-          </p:blipFill>
-          <p:spPr>
-            <a:xfrm>
-              <a:off x="3381937" y="3294318"/>
-              <a:ext cx="506615" cy="506615"/>
-            </a:xfrm>
-            <a:prstGeom prst="rect">
-              <a:avLst/>
-            </a:prstGeom>
-          </p:spPr>
-        </p:pic>
-        <p:grpSp>
-          <p:nvGrpSpPr>
-            <p:cNvPr id="108" name="Group 107">
-              <a:extLst>
-                <a:ext uri="{FF2B5EF4-FFF2-40B4-BE49-F238E27FC236}">
-                  <a16:creationId xmlns:a16="http://schemas.microsoft.com/office/drawing/2014/main" id="{00494E7D-38C4-E542-95AE-8C334C71B9EF}"/>
-                </a:ext>
-              </a:extLst>
-            </p:cNvPr>
-            <p:cNvGrpSpPr/>
-            <p:nvPr/>
-          </p:nvGrpSpPr>
-          <p:grpSpPr>
-            <a:xfrm>
-              <a:off x="3922471" y="3624993"/>
-              <a:ext cx="885518" cy="290920"/>
-              <a:chOff x="3811742" y="1728592"/>
-              <a:chExt cx="885518" cy="290920"/>
-            </a:xfrm>
-          </p:grpSpPr>
-          <p:cxnSp>
-            <p:nvCxnSpPr>
-              <p:cNvPr id="109" name="Straight Arrow Connector 108">
-                <a:extLst>
-                  <a:ext uri="{FF2B5EF4-FFF2-40B4-BE49-F238E27FC236}">
-                    <a16:creationId xmlns:a16="http://schemas.microsoft.com/office/drawing/2014/main" id="{A729E330-6E69-8C47-B8F7-AE8D666A384D}"/>
-                  </a:ext>
-                </a:extLst>
-              </p:cNvPr>
-              <p:cNvCxnSpPr/>
-              <p:nvPr/>
-            </p:nvCxnSpPr>
-            <p:spPr>
-              <a:xfrm>
-                <a:off x="3811742" y="1728592"/>
-                <a:ext cx="885518" cy="0"/>
-              </a:xfrm>
-              <a:prstGeom prst="straightConnector1">
-                <a:avLst/>
-              </a:prstGeom>
-              <a:ln w="57150">
-                <a:solidFill>
-                  <a:schemeClr val="tx1"/>
-                </a:solidFill>
-                <a:headEnd type="triangle" w="med" len="sm"/>
-                <a:tailEnd type="triangle" w="med" len="sm"/>
-              </a:ln>
-            </p:spPr>
-            <p:style>
-              <a:lnRef idx="1">
-                <a:schemeClr val="accent1"/>
-              </a:lnRef>
-              <a:fillRef idx="0">
-                <a:schemeClr val="accent1"/>
-              </a:fillRef>
-              <a:effectRef idx="0">
-                <a:schemeClr val="accent1"/>
-              </a:effectRef>
-              <a:fontRef idx="minor">
-                <a:schemeClr val="tx1"/>
-              </a:fontRef>
-            </p:style>
-          </p:cxnSp>
-          <p:sp>
-            <p:nvSpPr>
-              <p:cNvPr id="110" name="Rectangle 109">
-                <a:extLst>
-                  <a:ext uri="{FF2B5EF4-FFF2-40B4-BE49-F238E27FC236}">
-                    <a16:creationId xmlns:a16="http://schemas.microsoft.com/office/drawing/2014/main" id="{4A1AB322-280C-F040-9565-9EE53263891F}"/>
-                  </a:ext>
-                </a:extLst>
-              </p:cNvPr>
-              <p:cNvSpPr/>
-              <p:nvPr/>
-            </p:nvSpPr>
-            <p:spPr>
-              <a:xfrm>
-                <a:off x="4008279" y="1757902"/>
-                <a:ext cx="492443" cy="261610"/>
-              </a:xfrm>
-              <a:prstGeom prst="rect">
-                <a:avLst/>
-              </a:prstGeom>
-            </p:spPr>
-            <p:txBody>
-              <a:bodyPr wrap="none">
-                <a:spAutoFit/>
-              </a:bodyPr>
-              <a:lstStyle/>
-              <a:p>
-                <a:pPr algn="ctr"/>
-                <a:r>
-                  <a:rPr lang="en-US" sz="1100" dirty="0">
-                    <a:latin typeface="Consolas" panose="020B0609020204030204" pitchFamily="49" charset="0"/>
-                    <a:cs typeface="Consolas" panose="020B0609020204030204" pitchFamily="49" charset="0"/>
-                  </a:rPr>
-                  <a:t>push</a:t>
-                </a:r>
-              </a:p>
-            </p:txBody>
-          </p:sp>
-        </p:grpSp>
         <p:grpSp>
           <p:nvGrpSpPr>
             <p:cNvPr id="111" name="Group 110">
@@ -5182,9 +5005,9 @@
           <p:grpSpPr>
             <a:xfrm>
               <a:off x="2478833" y="3624936"/>
-              <a:ext cx="885518" cy="798751"/>
+              <a:ext cx="2272707" cy="798751"/>
               <a:chOff x="3811742" y="1728592"/>
-              <a:chExt cx="885518" cy="798751"/>
+              <a:chExt cx="2272707" cy="798751"/>
             </a:xfrm>
           </p:grpSpPr>
           <p:cxnSp>
@@ -5196,13 +5019,15 @@
                   </a:ext>
                 </a:extLst>
               </p:cNvPr>
-              <p:cNvCxnSpPr/>
+              <p:cNvCxnSpPr>
+                <a:cxnSpLocks/>
+              </p:cNvCxnSpPr>
               <p:nvPr/>
             </p:nvCxnSpPr>
             <p:spPr>
               <a:xfrm>
                 <a:off x="3811742" y="1728592"/>
-                <a:ext cx="885518" cy="0"/>
+                <a:ext cx="2272707" cy="0"/>
               </a:xfrm>
               <a:prstGeom prst="straightConnector1">
                 <a:avLst/>
@@ -5390,7 +5215,7 @@
           </p:nvSpPr>
           <p:spPr>
             <a:xfrm>
-              <a:off x="3584500" y="3819790"/>
+              <a:off x="3125853" y="3819790"/>
               <a:ext cx="1643400" cy="215444"/>
             </a:xfrm>
             <a:prstGeom prst="rect">
@@ -5474,10 +5299,10 @@
             <p:nvPr/>
           </p:nvPicPr>
           <p:blipFill>
-            <a:blip r:embed="rId16">
+            <a:blip r:embed="rId14">
               <a:extLst>
                 <a:ext uri="{96DAC541-7B7A-43D3-8B79-37D633B846F1}">
-                  <asvg:svgBlip xmlns:asvg="http://schemas.microsoft.com/office/drawing/2016/SVG/main" r:embed="rId17"/>
+                  <asvg:svgBlip xmlns:asvg="http://schemas.microsoft.com/office/drawing/2016/SVG/main" r:embed="rId15"/>
                 </a:ext>
               </a:extLst>
             </a:blip>
@@ -5745,7 +5570,7 @@
               <p:nvPr/>
             </p:nvPicPr>
             <p:blipFill>
-              <a:blip r:embed="rId18"/>
+              <a:blip r:embed="rId16"/>
               <a:stretch>
                 <a:fillRect/>
               </a:stretch>
@@ -5956,7 +5781,7 @@
               <p:nvPr/>
             </p:nvPicPr>
             <p:blipFill>
-              <a:blip r:embed="rId19">
+              <a:blip r:embed="rId17">
                 <a:extLst>
                   <a:ext uri="{28A0092B-C50C-407E-A947-70E740481C1C}">
                     <a14:useLocalDpi xmlns:a14="http://schemas.microsoft.com/office/drawing/2010/main"/>
@@ -6864,10 +6689,10 @@
               <p:nvPr/>
             </p:nvPicPr>
             <p:blipFill>
-              <a:blip r:embed="rId16">
+              <a:blip r:embed="rId14">
                 <a:extLst>
                   <a:ext uri="{96DAC541-7B7A-43D3-8B79-37D633B846F1}">
-                    <asvg:svgBlip xmlns:asvg="http://schemas.microsoft.com/office/drawing/2016/SVG/main" r:embed="rId17"/>
+                    <asvg:svgBlip xmlns:asvg="http://schemas.microsoft.com/office/drawing/2016/SVG/main" r:embed="rId15"/>
                   </a:ext>
                 </a:extLst>
               </a:blip>
@@ -7015,10 +6840,10 @@
               <p:nvPr/>
             </p:nvPicPr>
             <p:blipFill>
-              <a:blip r:embed="rId20">
+              <a:blip r:embed="rId18">
                 <a:extLst>
                   <a:ext uri="{96DAC541-7B7A-43D3-8B79-37D633B846F1}">
-                    <asvg:svgBlip xmlns:asvg="http://schemas.microsoft.com/office/drawing/2016/SVG/main" r:embed="rId21"/>
+                    <asvg:svgBlip xmlns:asvg="http://schemas.microsoft.com/office/drawing/2016/SVG/main" r:embed="rId19"/>
                   </a:ext>
                 </a:extLst>
               </a:blip>
@@ -7051,7 +6876,7 @@
               <p:nvPr/>
             </p:nvPicPr>
             <p:blipFill>
-              <a:blip r:embed="rId22"/>
+              <a:blip r:embed="rId20"/>
               <a:stretch>
                 <a:fillRect/>
               </a:stretch>
@@ -7928,7 +7753,7 @@
             </p:blipFill>
             <p:spPr>
               <a:xfrm>
-                <a:off x="4175972" y="3162219"/>
+                <a:off x="3382363" y="3162219"/>
                 <a:ext cx="378514" cy="378514"/>
               </a:xfrm>
               <a:prstGeom prst="rect">
@@ -7974,10 +7799,10 @@
           </p:pic>
           <p:sp>
             <p:nvSpPr>
-              <p:cNvPr id="189" name="Rectangle 188">
+              <p:cNvPr id="193" name="Rectangle 192">
                 <a:extLst>
                   <a:ext uri="{FF2B5EF4-FFF2-40B4-BE49-F238E27FC236}">
-                    <a16:creationId xmlns:a16="http://schemas.microsoft.com/office/drawing/2014/main" id="{0B945238-2D43-2C4B-97C2-993A737CFF8C}"/>
+                    <a16:creationId xmlns:a16="http://schemas.microsoft.com/office/drawing/2014/main" id="{DAF5BE79-6A0B-7649-BBD4-980E54C2E1A0}"/>
                   </a:ext>
                 </a:extLst>
               </p:cNvPr>
@@ -7986,8 +7811,8 @@
             </p:nvSpPr>
             <p:spPr>
               <a:xfrm>
-                <a:off x="3286430" y="2555468"/>
-                <a:ext cx="697627" cy="646331"/>
+                <a:off x="3617344" y="3572721"/>
+                <a:ext cx="492443" cy="261610"/>
               </a:xfrm>
               <a:prstGeom prst="rect">
                 <a:avLst/>
@@ -8001,192 +7826,15 @@
               <a:p>
                 <a:pPr algn="ctr"/>
                 <a:r>
-                  <a:rPr lang="en-US" sz="900" b="1" dirty="0">
-                    <a:latin typeface="Segoe UI Semibold" panose="020B0502040204020203" pitchFamily="34" charset="0"/>
-                    <a:cs typeface="Segoe UI Semibold" panose="020B0502040204020203" pitchFamily="34" charset="0"/>
+                  <a:rPr lang="en-US" sz="1100" dirty="0">
+                    <a:latin typeface="Consolas" panose="020B0609020204030204" pitchFamily="49" charset="0"/>
+                    <a:cs typeface="Consolas" panose="020B0609020204030204" pitchFamily="49" charset="0"/>
                   </a:rPr>
-                  <a:t>Azure</a:t>
-                </a:r>
-                <a:br>
-                  <a:rPr lang="en-US" sz="900" b="1" dirty="0">
-                    <a:latin typeface="Segoe UI Semibold" panose="020B0502040204020203" pitchFamily="34" charset="0"/>
-                    <a:cs typeface="Segoe UI Semibold" panose="020B0502040204020203" pitchFamily="34" charset="0"/>
-                  </a:rPr>
-                </a:br>
-                <a:r>
-                  <a:rPr lang="en-US" sz="900" b="1" dirty="0">
-                    <a:latin typeface="Segoe UI Semibold" panose="020B0502040204020203" pitchFamily="34" charset="0"/>
-                    <a:cs typeface="Segoe UI Semibold" panose="020B0502040204020203" pitchFamily="34" charset="0"/>
-                  </a:rPr>
-                  <a:t>Container</a:t>
-                </a:r>
-                <a:br>
-                  <a:rPr lang="en-US" sz="900" b="1" dirty="0">
-                    <a:latin typeface="Segoe UI Semibold" panose="020B0502040204020203" pitchFamily="34" charset="0"/>
-                    <a:cs typeface="Segoe UI Semibold" panose="020B0502040204020203" pitchFamily="34" charset="0"/>
-                  </a:rPr>
-                </a:br>
-                <a:r>
-                  <a:rPr lang="en-US" sz="900" b="1" dirty="0">
-                    <a:latin typeface="Segoe UI Semibold" panose="020B0502040204020203" pitchFamily="34" charset="0"/>
-                    <a:cs typeface="Segoe UI Semibold" panose="020B0502040204020203" pitchFamily="34" charset="0"/>
-                  </a:rPr>
-                  <a:t>Registry</a:t>
-                </a:r>
-                <a:br>
-                  <a:rPr lang="en-US" sz="900" b="1" dirty="0">
-                    <a:latin typeface="Segoe UI Semibold" panose="020B0502040204020203" pitchFamily="34" charset="0"/>
-                    <a:cs typeface="Segoe UI Semibold" panose="020B0502040204020203" pitchFamily="34" charset="0"/>
-                  </a:rPr>
-                </a:br>
-                <a:r>
-                  <a:rPr lang="en-US" sz="900" b="1" i="1" dirty="0">
-                    <a:latin typeface="Segoe UI Semibold" panose="020B0502040204020203" pitchFamily="34" charset="0"/>
-                    <a:cs typeface="Segoe UI Semibold" panose="020B0502040204020203" pitchFamily="34" charset="0"/>
-                  </a:rPr>
-                  <a:t>Build</a:t>
+                  <a:t>push</a:t>
                 </a:r>
               </a:p>
             </p:txBody>
           </p:sp>
-          <p:pic>
-            <p:nvPicPr>
-              <p:cNvPr id="190" name="Graphic 189">
-                <a:extLst>
-                  <a:ext uri="{FF2B5EF4-FFF2-40B4-BE49-F238E27FC236}">
-                    <a16:creationId xmlns:a16="http://schemas.microsoft.com/office/drawing/2014/main" id="{3D297C25-84BA-BD44-B76A-F34F8EE8C8CC}"/>
-                  </a:ext>
-                </a:extLst>
-              </p:cNvPr>
-              <p:cNvPicPr>
-                <a:picLocks noChangeAspect="1"/>
-              </p:cNvPicPr>
-              <p:nvPr/>
-            </p:nvPicPr>
-            <p:blipFill>
-              <a:blip r:embed="rId10">
-                <a:extLst>
-                  <a:ext uri="{96DAC541-7B7A-43D3-8B79-37D633B846F1}">
-                    <asvg:svgBlip xmlns:asvg="http://schemas.microsoft.com/office/drawing/2016/SVG/main" r:embed="rId11"/>
-                  </a:ext>
-                </a:extLst>
-              </a:blip>
-              <a:stretch>
-                <a:fillRect/>
-              </a:stretch>
-            </p:blipFill>
-            <p:spPr>
-              <a:xfrm>
-                <a:off x="3381937" y="3212736"/>
-                <a:ext cx="506615" cy="506615"/>
-              </a:xfrm>
-              <a:prstGeom prst="rect">
-                <a:avLst/>
-              </a:prstGeom>
-            </p:spPr>
-          </p:pic>
-          <p:grpSp>
-            <p:nvGrpSpPr>
-              <p:cNvPr id="191" name="Group 190">
-                <a:extLst>
-                  <a:ext uri="{FF2B5EF4-FFF2-40B4-BE49-F238E27FC236}">
-                    <a16:creationId xmlns:a16="http://schemas.microsoft.com/office/drawing/2014/main" id="{1AC6E7A5-EAB4-AA4B-BE00-5D47A87E9BB7}"/>
-                  </a:ext>
-                </a:extLst>
-              </p:cNvPr>
-              <p:cNvGrpSpPr/>
-              <p:nvPr/>
-            </p:nvGrpSpPr>
-            <p:grpSpPr>
-              <a:xfrm>
-                <a:off x="3922471" y="3543411"/>
-                <a:ext cx="885518" cy="290920"/>
-                <a:chOff x="3811742" y="1728592"/>
-                <a:chExt cx="885518" cy="290920"/>
-              </a:xfrm>
-            </p:grpSpPr>
-            <p:cxnSp>
-              <p:nvCxnSpPr>
-                <p:cNvPr id="192" name="Straight Arrow Connector 191">
-                  <a:extLst>
-                    <a:ext uri="{FF2B5EF4-FFF2-40B4-BE49-F238E27FC236}">
-                      <a16:creationId xmlns:a16="http://schemas.microsoft.com/office/drawing/2014/main" id="{606AD64A-692A-9348-A017-6C515B2EB54D}"/>
-                    </a:ext>
-                  </a:extLst>
-                </p:cNvPr>
-                <p:cNvCxnSpPr/>
-                <p:nvPr/>
-              </p:nvCxnSpPr>
-              <p:spPr>
-                <a:xfrm>
-                  <a:off x="3811742" y="1728592"/>
-                  <a:ext cx="885518" cy="0"/>
-                </a:xfrm>
-                <a:prstGeom prst="straightConnector1">
-                  <a:avLst/>
-                </a:prstGeom>
-                <a:ln w="57150">
-                  <a:solidFill>
-                    <a:schemeClr val="tx1"/>
-                  </a:solidFill>
-                  <a:headEnd type="triangle" w="med" len="sm"/>
-                  <a:tailEnd type="triangle" w="med" len="sm"/>
-                </a:ln>
-              </p:spPr>
-              <p:style>
-                <a:lnRef idx="1">
-                  <a:schemeClr val="accent1"/>
-                </a:lnRef>
-                <a:fillRef idx="0">
-                  <a:schemeClr val="accent1"/>
-                </a:fillRef>
-                <a:effectRef idx="0">
-                  <a:schemeClr val="accent1"/>
-                </a:effectRef>
-                <a:fontRef idx="minor">
-                  <a:schemeClr val="tx1"/>
-                </a:fontRef>
-              </p:style>
-            </p:cxnSp>
-            <p:sp>
-              <p:nvSpPr>
-                <p:cNvPr id="193" name="Rectangle 192">
-                  <a:extLst>
-                    <a:ext uri="{FF2B5EF4-FFF2-40B4-BE49-F238E27FC236}">
-                      <a16:creationId xmlns:a16="http://schemas.microsoft.com/office/drawing/2014/main" id="{DAF5BE79-6A0B-7649-BBD4-980E54C2E1A0}"/>
-                    </a:ext>
-                  </a:extLst>
-                </p:cNvPr>
-                <p:cNvSpPr/>
-                <p:nvPr/>
-              </p:nvSpPr>
-              <p:spPr>
-                <a:xfrm>
-                  <a:off x="4008279" y="1757902"/>
-                  <a:ext cx="492443" cy="261610"/>
-                </a:xfrm>
-                <a:prstGeom prst="rect">
-                  <a:avLst/>
-                </a:prstGeom>
-              </p:spPr>
-              <p:txBody>
-                <a:bodyPr wrap="none">
-                  <a:spAutoFit/>
-                </a:bodyPr>
-                <a:lstStyle/>
-                <a:p>
-                  <a:pPr algn="ctr"/>
-                  <a:r>
-                    <a:rPr lang="en-US" sz="1100" dirty="0">
-                      <a:latin typeface="Consolas" panose="020B0609020204030204" pitchFamily="49" charset="0"/>
-                      <a:cs typeface="Consolas" panose="020B0609020204030204" pitchFamily="49" charset="0"/>
-                    </a:rPr>
-                    <a:t>push</a:t>
-                  </a:r>
-                </a:p>
-              </p:txBody>
-            </p:sp>
-          </p:grpSp>
           <p:grpSp>
             <p:nvGrpSpPr>
               <p:cNvPr id="194" name="Group 193">
@@ -8202,9 +7850,9 @@
             <p:grpSpPr>
               <a:xfrm>
                 <a:off x="2478833" y="3543354"/>
-                <a:ext cx="885518" cy="798751"/>
+                <a:ext cx="2272707" cy="798751"/>
                 <a:chOff x="3811742" y="1728592"/>
-                <a:chExt cx="885518" cy="798751"/>
+                <a:chExt cx="2272707" cy="798751"/>
               </a:xfrm>
             </p:grpSpPr>
             <p:cxnSp>
@@ -8216,13 +7864,15 @@
                     </a:ext>
                   </a:extLst>
                 </p:cNvPr>
-                <p:cNvCxnSpPr/>
+                <p:cNvCxnSpPr>
+                  <a:cxnSpLocks/>
+                </p:cNvCxnSpPr>
                 <p:nvPr/>
               </p:nvCxnSpPr>
               <p:spPr>
                 <a:xfrm>
                   <a:off x="3811742" y="1728592"/>
-                  <a:ext cx="885518" cy="0"/>
+                  <a:ext cx="2272707" cy="0"/>
                 </a:xfrm>
                 <a:prstGeom prst="straightConnector1">
                   <a:avLst/>
@@ -8410,7 +8060,7 @@
             </p:nvSpPr>
             <p:spPr>
               <a:xfrm>
-                <a:off x="3556448" y="3738208"/>
+                <a:off x="3054784" y="3738208"/>
                 <a:ext cx="1699504" cy="215444"/>
               </a:xfrm>
               <a:prstGeom prst="rect">
@@ -8456,10 +8106,10 @@
               <p:nvPr/>
             </p:nvPicPr>
             <p:blipFill>
-              <a:blip r:embed="rId12">
+              <a:blip r:embed="rId10">
                 <a:extLst>
                   <a:ext uri="{96DAC541-7B7A-43D3-8B79-37D633B846F1}">
-                    <asvg:svgBlip xmlns:asvg="http://schemas.microsoft.com/office/drawing/2016/SVG/main" r:embed="rId13"/>
+                    <asvg:svgBlip xmlns:asvg="http://schemas.microsoft.com/office/drawing/2016/SVG/main" r:embed="rId11"/>
                   </a:ext>
                 </a:extLst>
               </a:blip>
@@ -8876,10 +8526,10 @@
           <p:nvPr/>
         </p:nvPicPr>
         <p:blipFill>
-          <a:blip r:embed="rId14">
+          <a:blip r:embed="rId12">
             <a:extLst>
               <a:ext uri="{96DAC541-7B7A-43D3-8B79-37D633B846F1}">
-                <asvg:svgBlip xmlns:asvg="http://schemas.microsoft.com/office/drawing/2016/SVG/main" r:embed="rId15"/>
+                <asvg:svgBlip xmlns:asvg="http://schemas.microsoft.com/office/drawing/2016/SVG/main" r:embed="rId13"/>
               </a:ext>
             </a:extLst>
           </a:blip>
@@ -8964,10 +8614,10 @@
           <p:nvPr/>
         </p:nvPicPr>
         <p:blipFill>
-          <a:blip r:embed="rId16">
+          <a:blip r:embed="rId14">
             <a:extLst>
               <a:ext uri="{96DAC541-7B7A-43D3-8B79-37D633B846F1}">
-                <asvg:svgBlip xmlns:asvg="http://schemas.microsoft.com/office/drawing/2016/SVG/main" r:embed="rId17"/>
+                <asvg:svgBlip xmlns:asvg="http://schemas.microsoft.com/office/drawing/2016/SVG/main" r:embed="rId15"/>
               </a:ext>
             </a:extLst>
           </a:blip>
@@ -9038,10 +8688,10 @@
           <p:nvPr/>
         </p:nvPicPr>
         <p:blipFill>
-          <a:blip r:embed="rId14">
+          <a:blip r:embed="rId12">
             <a:extLst>
               <a:ext uri="{96DAC541-7B7A-43D3-8B79-37D633B846F1}">
-                <asvg:svgBlip xmlns:asvg="http://schemas.microsoft.com/office/drawing/2016/SVG/main" r:embed="rId15"/>
+                <asvg:svgBlip xmlns:asvg="http://schemas.microsoft.com/office/drawing/2016/SVG/main" r:embed="rId13"/>
               </a:ext>
             </a:extLst>
           </a:blip>
@@ -9395,10 +9045,10 @@
           <p:nvPr/>
         </p:nvPicPr>
         <p:blipFill>
-          <a:blip r:embed="rId18">
+          <a:blip r:embed="rId16">
             <a:extLst>
               <a:ext uri="{96DAC541-7B7A-43D3-8B79-37D633B846F1}">
-                <asvg:svgBlip xmlns:asvg="http://schemas.microsoft.com/office/drawing/2016/SVG/main" r:embed="rId19"/>
+                <asvg:svgBlip xmlns:asvg="http://schemas.microsoft.com/office/drawing/2016/SVG/main" r:embed="rId17"/>
               </a:ext>
             </a:extLst>
           </a:blip>
@@ -9749,10 +9399,10 @@
               <p:nvPr/>
             </p:nvPicPr>
             <p:blipFill>
-              <a:blip r:embed="rId12">
+              <a:blip r:embed="rId10">
                 <a:extLst>
                   <a:ext uri="{96DAC541-7B7A-43D3-8B79-37D633B846F1}">
-                    <asvg:svgBlip xmlns:asvg="http://schemas.microsoft.com/office/drawing/2016/SVG/main" r:embed="rId13"/>
+                    <asvg:svgBlip xmlns:asvg="http://schemas.microsoft.com/office/drawing/2016/SVG/main" r:embed="rId11"/>
                   </a:ext>
                 </a:extLst>
               </a:blip>
@@ -9900,10 +9550,10 @@
               <p:nvPr/>
             </p:nvPicPr>
             <p:blipFill>
-              <a:blip r:embed="rId20">
+              <a:blip r:embed="rId18">
                 <a:extLst>
                   <a:ext uri="{96DAC541-7B7A-43D3-8B79-37D633B846F1}">
-                    <asvg:svgBlip xmlns:asvg="http://schemas.microsoft.com/office/drawing/2016/SVG/main" r:embed="rId21"/>
+                    <asvg:svgBlip xmlns:asvg="http://schemas.microsoft.com/office/drawing/2016/SVG/main" r:embed="rId19"/>
                   </a:ext>
                 </a:extLst>
               </a:blip>
@@ -9936,7 +9586,7 @@
               <p:nvPr/>
             </p:nvPicPr>
             <p:blipFill>
-              <a:blip r:embed="rId22"/>
+              <a:blip r:embed="rId20"/>
               <a:stretch>
                 <a:fillRect/>
               </a:stretch>
@@ -10683,7 +10333,7 @@
           </p:blipFill>
           <p:spPr>
             <a:xfrm>
-              <a:off x="4175972" y="2199716"/>
+              <a:off x="3442847" y="2199716"/>
               <a:ext cx="378514" cy="378514"/>
             </a:xfrm>
             <a:prstGeom prst="rect">
@@ -10729,10 +10379,10 @@
         </p:pic>
         <p:sp>
           <p:nvSpPr>
-            <p:cNvPr id="189" name="Rectangle 188">
+            <p:cNvPr id="193" name="Rectangle 192">
               <a:extLst>
                 <a:ext uri="{FF2B5EF4-FFF2-40B4-BE49-F238E27FC236}">
-                  <a16:creationId xmlns:a16="http://schemas.microsoft.com/office/drawing/2014/main" id="{0B945238-2D43-2C4B-97C2-993A737CFF8C}"/>
+                  <a16:creationId xmlns:a16="http://schemas.microsoft.com/office/drawing/2014/main" id="{DAF5BE79-6A0B-7649-BBD4-980E54C2E1A0}"/>
                 </a:ext>
               </a:extLst>
             </p:cNvPr>
@@ -10741,8 +10391,8 @@
           </p:nvSpPr>
           <p:spPr>
             <a:xfrm>
-              <a:off x="3286430" y="1592965"/>
-              <a:ext cx="697627" cy="646331"/>
+              <a:off x="3641709" y="2610218"/>
+              <a:ext cx="492443" cy="261610"/>
             </a:xfrm>
             <a:prstGeom prst="rect">
               <a:avLst/>
@@ -10756,192 +10406,15 @@
             <a:p>
               <a:pPr algn="ctr"/>
               <a:r>
-                <a:rPr lang="en-US" sz="900" b="1" dirty="0">
-                  <a:latin typeface="Segoe UI Semibold" panose="020B0502040204020203" pitchFamily="34" charset="0"/>
-                  <a:cs typeface="Segoe UI Semibold" panose="020B0502040204020203" pitchFamily="34" charset="0"/>
+                <a:rPr lang="en-US" sz="1100" dirty="0">
+                  <a:latin typeface="Consolas" panose="020B0609020204030204" pitchFamily="49" charset="0"/>
+                  <a:cs typeface="Consolas" panose="020B0609020204030204" pitchFamily="49" charset="0"/>
                 </a:rPr>
-                <a:t>Azure</a:t>
-              </a:r>
-              <a:br>
-                <a:rPr lang="en-US" sz="900" b="1" dirty="0">
-                  <a:latin typeface="Segoe UI Semibold" panose="020B0502040204020203" pitchFamily="34" charset="0"/>
-                  <a:cs typeface="Segoe UI Semibold" panose="020B0502040204020203" pitchFamily="34" charset="0"/>
-                </a:rPr>
-              </a:br>
-              <a:r>
-                <a:rPr lang="en-US" sz="900" b="1" dirty="0">
-                  <a:latin typeface="Segoe UI Semibold" panose="020B0502040204020203" pitchFamily="34" charset="0"/>
-                  <a:cs typeface="Segoe UI Semibold" panose="020B0502040204020203" pitchFamily="34" charset="0"/>
-                </a:rPr>
-                <a:t>Container</a:t>
-              </a:r>
-              <a:br>
-                <a:rPr lang="en-US" sz="900" b="1" dirty="0">
-                  <a:latin typeface="Segoe UI Semibold" panose="020B0502040204020203" pitchFamily="34" charset="0"/>
-                  <a:cs typeface="Segoe UI Semibold" panose="020B0502040204020203" pitchFamily="34" charset="0"/>
-                </a:rPr>
-              </a:br>
-              <a:r>
-                <a:rPr lang="en-US" sz="900" b="1" dirty="0">
-                  <a:latin typeface="Segoe UI Semibold" panose="020B0502040204020203" pitchFamily="34" charset="0"/>
-                  <a:cs typeface="Segoe UI Semibold" panose="020B0502040204020203" pitchFamily="34" charset="0"/>
-                </a:rPr>
-                <a:t>Registry</a:t>
-              </a:r>
-              <a:br>
-                <a:rPr lang="en-US" sz="900" b="1" dirty="0">
-                  <a:latin typeface="Segoe UI Semibold" panose="020B0502040204020203" pitchFamily="34" charset="0"/>
-                  <a:cs typeface="Segoe UI Semibold" panose="020B0502040204020203" pitchFamily="34" charset="0"/>
-                </a:rPr>
-              </a:br>
-              <a:r>
-                <a:rPr lang="en-US" sz="900" b="1" i="1" dirty="0">
-                  <a:latin typeface="Segoe UI Semibold" panose="020B0502040204020203" pitchFamily="34" charset="0"/>
-                  <a:cs typeface="Segoe UI Semibold" panose="020B0502040204020203" pitchFamily="34" charset="0"/>
-                </a:rPr>
-                <a:t>Build</a:t>
+                <a:t>push</a:t>
               </a:r>
             </a:p>
           </p:txBody>
         </p:sp>
-        <p:pic>
-          <p:nvPicPr>
-            <p:cNvPr id="190" name="Graphic 189">
-              <a:extLst>
-                <a:ext uri="{FF2B5EF4-FFF2-40B4-BE49-F238E27FC236}">
-                  <a16:creationId xmlns:a16="http://schemas.microsoft.com/office/drawing/2014/main" id="{3D297C25-84BA-BD44-B76A-F34F8EE8C8CC}"/>
-                </a:ext>
-              </a:extLst>
-            </p:cNvPr>
-            <p:cNvPicPr>
-              <a:picLocks noChangeAspect="1"/>
-            </p:cNvPicPr>
-            <p:nvPr/>
-          </p:nvPicPr>
-          <p:blipFill>
-            <a:blip r:embed="rId10">
-              <a:extLst>
-                <a:ext uri="{96DAC541-7B7A-43D3-8B79-37D633B846F1}">
-                  <asvg:svgBlip xmlns:asvg="http://schemas.microsoft.com/office/drawing/2016/SVG/main" r:embed="rId11"/>
-                </a:ext>
-              </a:extLst>
-            </a:blip>
-            <a:stretch>
-              <a:fillRect/>
-            </a:stretch>
-          </p:blipFill>
-          <p:spPr>
-            <a:xfrm>
-              <a:off x="3381937" y="2250233"/>
-              <a:ext cx="506615" cy="506615"/>
-            </a:xfrm>
-            <a:prstGeom prst="rect">
-              <a:avLst/>
-            </a:prstGeom>
-          </p:spPr>
-        </p:pic>
-        <p:grpSp>
-          <p:nvGrpSpPr>
-            <p:cNvPr id="191" name="Group 190">
-              <a:extLst>
-                <a:ext uri="{FF2B5EF4-FFF2-40B4-BE49-F238E27FC236}">
-                  <a16:creationId xmlns:a16="http://schemas.microsoft.com/office/drawing/2014/main" id="{1AC6E7A5-EAB4-AA4B-BE00-5D47A87E9BB7}"/>
-                </a:ext>
-              </a:extLst>
-            </p:cNvPr>
-            <p:cNvGrpSpPr/>
-            <p:nvPr/>
-          </p:nvGrpSpPr>
-          <p:grpSpPr>
-            <a:xfrm>
-              <a:off x="3922471" y="2580908"/>
-              <a:ext cx="885518" cy="290920"/>
-              <a:chOff x="3811742" y="1728592"/>
-              <a:chExt cx="885518" cy="290920"/>
-            </a:xfrm>
-          </p:grpSpPr>
-          <p:cxnSp>
-            <p:nvCxnSpPr>
-              <p:cNvPr id="192" name="Straight Arrow Connector 191">
-                <a:extLst>
-                  <a:ext uri="{FF2B5EF4-FFF2-40B4-BE49-F238E27FC236}">
-                    <a16:creationId xmlns:a16="http://schemas.microsoft.com/office/drawing/2014/main" id="{606AD64A-692A-9348-A017-6C515B2EB54D}"/>
-                  </a:ext>
-                </a:extLst>
-              </p:cNvPr>
-              <p:cNvCxnSpPr/>
-              <p:nvPr/>
-            </p:nvCxnSpPr>
-            <p:spPr>
-              <a:xfrm>
-                <a:off x="3811742" y="1728592"/>
-                <a:ext cx="885518" cy="0"/>
-              </a:xfrm>
-              <a:prstGeom prst="straightConnector1">
-                <a:avLst/>
-              </a:prstGeom>
-              <a:ln w="57150">
-                <a:solidFill>
-                  <a:schemeClr val="tx1"/>
-                </a:solidFill>
-                <a:headEnd type="triangle" w="med" len="sm"/>
-                <a:tailEnd type="triangle" w="med" len="sm"/>
-              </a:ln>
-            </p:spPr>
-            <p:style>
-              <a:lnRef idx="1">
-                <a:schemeClr val="accent1"/>
-              </a:lnRef>
-              <a:fillRef idx="0">
-                <a:schemeClr val="accent1"/>
-              </a:fillRef>
-              <a:effectRef idx="0">
-                <a:schemeClr val="accent1"/>
-              </a:effectRef>
-              <a:fontRef idx="minor">
-                <a:schemeClr val="tx1"/>
-              </a:fontRef>
-            </p:style>
-          </p:cxnSp>
-          <p:sp>
-            <p:nvSpPr>
-              <p:cNvPr id="193" name="Rectangle 192">
-                <a:extLst>
-                  <a:ext uri="{FF2B5EF4-FFF2-40B4-BE49-F238E27FC236}">
-                    <a16:creationId xmlns:a16="http://schemas.microsoft.com/office/drawing/2014/main" id="{DAF5BE79-6A0B-7649-BBD4-980E54C2E1A0}"/>
-                  </a:ext>
-                </a:extLst>
-              </p:cNvPr>
-              <p:cNvSpPr/>
-              <p:nvPr/>
-            </p:nvSpPr>
-            <p:spPr>
-              <a:xfrm>
-                <a:off x="4008279" y="1757902"/>
-                <a:ext cx="492443" cy="261610"/>
-              </a:xfrm>
-              <a:prstGeom prst="rect">
-                <a:avLst/>
-              </a:prstGeom>
-            </p:spPr>
-            <p:txBody>
-              <a:bodyPr wrap="none">
-                <a:spAutoFit/>
-              </a:bodyPr>
-              <a:lstStyle/>
-              <a:p>
-                <a:pPr algn="ctr"/>
-                <a:r>
-                  <a:rPr lang="en-US" sz="1100" dirty="0">
-                    <a:latin typeface="Consolas" panose="020B0609020204030204" pitchFamily="49" charset="0"/>
-                    <a:cs typeface="Consolas" panose="020B0609020204030204" pitchFamily="49" charset="0"/>
-                  </a:rPr>
-                  <a:t>push</a:t>
-                </a:r>
-              </a:p>
-            </p:txBody>
-          </p:sp>
-        </p:grpSp>
         <p:grpSp>
           <p:nvGrpSpPr>
             <p:cNvPr id="194" name="Group 193">
@@ -10957,9 +10430,9 @@
           <p:grpSpPr>
             <a:xfrm>
               <a:off x="2478833" y="2580851"/>
-              <a:ext cx="885518" cy="798751"/>
+              <a:ext cx="2279332" cy="798751"/>
               <a:chOff x="3811742" y="1728592"/>
-              <a:chExt cx="885518" cy="798751"/>
+              <a:chExt cx="2279332" cy="798751"/>
             </a:xfrm>
           </p:grpSpPr>
           <p:cxnSp>
@@ -10971,13 +10444,15 @@
                   </a:ext>
                 </a:extLst>
               </p:cNvPr>
-              <p:cNvCxnSpPr/>
+              <p:cNvCxnSpPr>
+                <a:cxnSpLocks/>
+              </p:cNvCxnSpPr>
               <p:nvPr/>
             </p:nvCxnSpPr>
             <p:spPr>
               <a:xfrm>
                 <a:off x="3811742" y="1728592"/>
-                <a:ext cx="885518" cy="0"/>
+                <a:ext cx="2279332" cy="0"/>
               </a:xfrm>
               <a:prstGeom prst="straightConnector1">
                 <a:avLst/>
@@ -11165,7 +10640,7 @@
           </p:nvSpPr>
           <p:spPr>
             <a:xfrm>
-              <a:off x="3668658" y="2775705"/>
+              <a:off x="3191359" y="2775705"/>
               <a:ext cx="1475083" cy="215444"/>
             </a:xfrm>
             <a:prstGeom prst="rect">
@@ -11204,10 +10679,10 @@
             <p:nvPr/>
           </p:nvPicPr>
           <p:blipFill>
-            <a:blip r:embed="rId12">
+            <a:blip r:embed="rId10">
               <a:extLst>
                 <a:ext uri="{96DAC541-7B7A-43D3-8B79-37D633B846F1}">
-                  <asvg:svgBlip xmlns:asvg="http://schemas.microsoft.com/office/drawing/2016/SVG/main" r:embed="rId13"/>
+                  <asvg:svgBlip xmlns:asvg="http://schemas.microsoft.com/office/drawing/2016/SVG/main" r:embed="rId11"/>
                 </a:ext>
               </a:extLst>
             </a:blip>
@@ -11711,10 +11186,10 @@
               <p:nvPr/>
             </p:nvPicPr>
             <p:blipFill>
-              <a:blip r:embed="rId12">
+              <a:blip r:embed="rId10">
                 <a:extLst>
                   <a:ext uri="{96DAC541-7B7A-43D3-8B79-37D633B846F1}">
-                    <asvg:svgBlip xmlns:asvg="http://schemas.microsoft.com/office/drawing/2016/SVG/main" r:embed="rId13"/>
+                    <asvg:svgBlip xmlns:asvg="http://schemas.microsoft.com/office/drawing/2016/SVG/main" r:embed="rId11"/>
                   </a:ext>
                 </a:extLst>
               </a:blip>
@@ -11862,10 +11337,10 @@
               <p:nvPr/>
             </p:nvPicPr>
             <p:blipFill>
-              <a:blip r:embed="rId14">
+              <a:blip r:embed="rId12">
                 <a:extLst>
                   <a:ext uri="{96DAC541-7B7A-43D3-8B79-37D633B846F1}">
-                    <asvg:svgBlip xmlns:asvg="http://schemas.microsoft.com/office/drawing/2016/SVG/main" r:embed="rId15"/>
+                    <asvg:svgBlip xmlns:asvg="http://schemas.microsoft.com/office/drawing/2016/SVG/main" r:embed="rId13"/>
                   </a:ext>
                 </a:extLst>
               </a:blip>
@@ -11898,7 +11373,7 @@
               <p:nvPr/>
             </p:nvPicPr>
             <p:blipFill>
-              <a:blip r:embed="rId16"/>
+              <a:blip r:embed="rId14"/>
               <a:stretch>
                 <a:fillRect/>
               </a:stretch>
@@ -12145,10 +11620,10 @@
           <p:nvPr/>
         </p:nvPicPr>
         <p:blipFill>
-          <a:blip r:embed="rId17">
+          <a:blip r:embed="rId15">
             <a:extLst>
               <a:ext uri="{96DAC541-7B7A-43D3-8B79-37D633B846F1}">
-                <asvg:svgBlip xmlns:asvg="http://schemas.microsoft.com/office/drawing/2016/SVG/main" r:embed="rId18"/>
+                <asvg:svgBlip xmlns:asvg="http://schemas.microsoft.com/office/drawing/2016/SVG/main" r:embed="rId16"/>
               </a:ext>
             </a:extLst>
           </a:blip>
@@ -12233,10 +11708,10 @@
           <p:nvPr/>
         </p:nvPicPr>
         <p:blipFill>
-          <a:blip r:embed="rId19">
+          <a:blip r:embed="rId17">
             <a:extLst>
               <a:ext uri="{96DAC541-7B7A-43D3-8B79-37D633B846F1}">
-                <asvg:svgBlip xmlns:asvg="http://schemas.microsoft.com/office/drawing/2016/SVG/main" r:embed="rId20"/>
+                <asvg:svgBlip xmlns:asvg="http://schemas.microsoft.com/office/drawing/2016/SVG/main" r:embed="rId18"/>
               </a:ext>
             </a:extLst>
           </a:blip>
@@ -12307,10 +11782,10 @@
           <p:nvPr/>
         </p:nvPicPr>
         <p:blipFill>
-          <a:blip r:embed="rId17">
+          <a:blip r:embed="rId15">
             <a:extLst>
               <a:ext uri="{96DAC541-7B7A-43D3-8B79-37D633B846F1}">
-                <asvg:svgBlip xmlns:asvg="http://schemas.microsoft.com/office/drawing/2016/SVG/main" r:embed="rId18"/>
+                <asvg:svgBlip xmlns:asvg="http://schemas.microsoft.com/office/drawing/2016/SVG/main" r:embed="rId16"/>
               </a:ext>
             </a:extLst>
           </a:blip>
@@ -12664,10 +12139,10 @@
           <p:nvPr/>
         </p:nvPicPr>
         <p:blipFill>
-          <a:blip r:embed="rId21">
+          <a:blip r:embed="rId19">
             <a:extLst>
               <a:ext uri="{96DAC541-7B7A-43D3-8B79-37D633B846F1}">
-                <asvg:svgBlip xmlns:asvg="http://schemas.microsoft.com/office/drawing/2016/SVG/main" r:embed="rId22"/>
+                <asvg:svgBlip xmlns:asvg="http://schemas.microsoft.com/office/drawing/2016/SVG/main" r:embed="rId20"/>
               </a:ext>
             </a:extLst>
           </a:blip>
@@ -12946,10 +12421,10 @@
               <p:nvPr/>
             </p:nvPicPr>
             <p:blipFill>
-              <a:blip r:embed="rId12">
+              <a:blip r:embed="rId10">
                 <a:extLst>
                   <a:ext uri="{96DAC541-7B7A-43D3-8B79-37D633B846F1}">
-                    <asvg:svgBlip xmlns:asvg="http://schemas.microsoft.com/office/drawing/2016/SVG/main" r:embed="rId13"/>
+                    <asvg:svgBlip xmlns:asvg="http://schemas.microsoft.com/office/drawing/2016/SVG/main" r:embed="rId11"/>
                   </a:ext>
                 </a:extLst>
               </a:blip>
@@ -13097,10 +12572,10 @@
               <p:nvPr/>
             </p:nvPicPr>
             <p:blipFill>
-              <a:blip r:embed="rId14">
+              <a:blip r:embed="rId12">
                 <a:extLst>
                   <a:ext uri="{96DAC541-7B7A-43D3-8B79-37D633B846F1}">
-                    <asvg:svgBlip xmlns:asvg="http://schemas.microsoft.com/office/drawing/2016/SVG/main" r:embed="rId15"/>
+                    <asvg:svgBlip xmlns:asvg="http://schemas.microsoft.com/office/drawing/2016/SVG/main" r:embed="rId13"/>
                   </a:ext>
                 </a:extLst>
               </a:blip>
@@ -13133,7 +12608,7 @@
               <p:nvPr/>
             </p:nvPicPr>
             <p:blipFill>
-              <a:blip r:embed="rId16"/>
+              <a:blip r:embed="rId14"/>
               <a:stretch>
                 <a:fillRect/>
               </a:stretch>
@@ -13469,10 +12944,10 @@
               <p:nvPr/>
             </p:nvPicPr>
             <p:blipFill>
-              <a:blip r:embed="rId12">
+              <a:blip r:embed="rId10">
                 <a:extLst>
                   <a:ext uri="{96DAC541-7B7A-43D3-8B79-37D633B846F1}">
-                    <asvg:svgBlip xmlns:asvg="http://schemas.microsoft.com/office/drawing/2016/SVG/main" r:embed="rId13"/>
+                    <asvg:svgBlip xmlns:asvg="http://schemas.microsoft.com/office/drawing/2016/SVG/main" r:embed="rId11"/>
                   </a:ext>
                 </a:extLst>
               </a:blip>
@@ -13620,10 +13095,10 @@
               <p:nvPr/>
             </p:nvPicPr>
             <p:blipFill>
-              <a:blip r:embed="rId14">
+              <a:blip r:embed="rId12">
                 <a:extLst>
                   <a:ext uri="{96DAC541-7B7A-43D3-8B79-37D633B846F1}">
-                    <asvg:svgBlip xmlns:asvg="http://schemas.microsoft.com/office/drawing/2016/SVG/main" r:embed="rId15"/>
+                    <asvg:svgBlip xmlns:asvg="http://schemas.microsoft.com/office/drawing/2016/SVG/main" r:embed="rId13"/>
                   </a:ext>
                 </a:extLst>
               </a:blip>
@@ -13656,7 +13131,7 @@
               <p:nvPr/>
             </p:nvPicPr>
             <p:blipFill>
-              <a:blip r:embed="rId16"/>
+              <a:blip r:embed="rId14"/>
               <a:stretch>
                 <a:fillRect/>
               </a:stretch>

--- a/_docs/GitOps.pptx
+++ b/_docs/GitOps.pptx
@@ -3924,7 +3924,7 @@
 </file>
 
 <file path=ppt/slides/slide1.xml><?xml version="1.0" encoding="utf-8"?>
-<p:sld xmlns:a="http://schemas.openxmlformats.org/drawingml/2006/main" xmlns:r="http://schemas.openxmlformats.org/officeDocument/2006/relationships" xmlns:p="http://schemas.openxmlformats.org/presentationml/2006/main">
+<p:sld xmlns:a="http://schemas.openxmlformats.org/drawingml/2006/main" xmlns:r="http://schemas.openxmlformats.org/officeDocument/2006/relationships" xmlns:p="http://schemas.openxmlformats.org/presentationml/2006/main" show="0">
   <p:cSld>
     <p:spTree>
       <p:nvGrpSpPr>
@@ -7382,7 +7382,7 @@
 </file>
 
 <file path=ppt/slides/slide2.xml><?xml version="1.0" encoding="utf-8"?>
-<p:sld xmlns:a="http://schemas.openxmlformats.org/drawingml/2006/main" xmlns:r="http://schemas.openxmlformats.org/officeDocument/2006/relationships" xmlns:p="http://schemas.openxmlformats.org/presentationml/2006/main">
+<p:sld xmlns:a="http://schemas.openxmlformats.org/drawingml/2006/main" xmlns:r="http://schemas.openxmlformats.org/officeDocument/2006/relationships" xmlns:p="http://schemas.openxmlformats.org/presentationml/2006/main" show="0">
   <p:cSld>
     <p:spTree>
       <p:nvGrpSpPr>
